--- a/slides/Session 01 - Introduction to Data Science.pptx
+++ b/slides/Session 01 - Introduction to Data Science.pptx
@@ -5,16 +5,24 @@
     <p:sldMasterId id="2147483648" r:id="rId1"/>
   </p:sldMasterIdLst>
   <p:notesMasterIdLst>
-    <p:notesMasterId r:id="rId7"/>
+    <p:notesMasterId r:id="rId5"/>
   </p:notesMasterIdLst>
   <p:handoutMasterIdLst>
-    <p:handoutMasterId r:id="rId8"/>
+    <p:handoutMasterId r:id="rId16"/>
   </p:handoutMasterIdLst>
   <p:sldIdLst>
     <p:sldId id="256" r:id="rId3"/>
     <p:sldId id="257" r:id="rId4"/>
-    <p:sldId id="259" r:id="rId5"/>
     <p:sldId id="260" r:id="rId6"/>
+    <p:sldId id="263" r:id="rId7"/>
+    <p:sldId id="264" r:id="rId8"/>
+    <p:sldId id="261" r:id="rId9"/>
+    <p:sldId id="267" r:id="rId10"/>
+    <p:sldId id="265" r:id="rId11"/>
+    <p:sldId id="271" r:id="rId12"/>
+    <p:sldId id="269" r:id="rId13"/>
+    <p:sldId id="268" r:id="rId14"/>
+    <p:sldId id="270" r:id="rId15"/>
   </p:sldIdLst>
   <p:sldSz cx="12192000" cy="6858000"/>
   <p:notesSz cx="7103745" cy="10234295"/>
@@ -619,6 +627,50 @@
     </a:lvl9pPr>
   </p:notesStyle>
 </p:notesMaster>
+</file>
+
+<file path=ppt/notesSlides/notesSlide1.xml><?xml version="1.0" encoding="utf-8"?>
+<p:notes xmlns:a="http://schemas.openxmlformats.org/drawingml/2006/main" xmlns:r="http://schemas.openxmlformats.org/officeDocument/2006/relationships" xmlns:p="http://schemas.openxmlformats.org/presentationml/2006/main">
+  <p:cSld>
+    <p:spTree>
+      <p:nvGrpSpPr>
+        <p:cNvPr id="1" name=""/>
+        <p:cNvGrpSpPr/>
+        <p:nvPr/>
+      </p:nvGrpSpPr>
+      <p:grpSpPr/>
+      <p:sp>
+        <p:nvSpPr>
+          <p:cNvPr id="2" name="Slide Image Placeholder 1"/>
+          <p:cNvSpPr/>
+          <p:nvPr>
+            <p:ph type="sldImg" idx="2"/>
+          </p:nvPr>
+        </p:nvSpPr>
+        <p:spPr/>
+      </p:sp>
+      <p:sp>
+        <p:nvSpPr>
+          <p:cNvPr id="3" name="Text Placeholder 2"/>
+          <p:cNvSpPr/>
+          <p:nvPr>
+            <p:ph type="body" idx="3"/>
+          </p:nvPr>
+        </p:nvSpPr>
+        <p:spPr/>
+        <p:txBody>
+          <a:bodyPr/>
+          <a:p>
+            <a:endParaRPr lang="en-US"/>
+          </a:p>
+        </p:txBody>
+      </p:sp>
+    </p:spTree>
+  </p:cSld>
+  <p:clrMapOvr>
+    <a:masterClrMapping/>
+  </p:clrMapOvr>
+</p:notes>
 </file>
 
 <file path=ppt/slideLayouts/slideLayout1.xml><?xml version="1.0" encoding="utf-8"?>
@@ -4072,11 +4124,383 @@
                 <a:latin typeface="Ubuntu" panose="020B0504030602030204" charset="0"/>
                 <a:cs typeface="Ubuntu" panose="020B0504030602030204" charset="0"/>
               </a:rPr>
-              <a:t>Prepared by: Ashraf Abdulkhaliq</a:t>
+              <a:t>Prepared by: Ashraf Abdulkhaliq	</a:t>
+            </a:r>
+            <a:r>
+              <a:rPr lang="en-US" altLang="zh-CN">
+                <a:latin typeface="Ubuntu" panose="020B0504030602030204" charset="0"/>
+                <a:cs typeface="Ubuntu" panose="020B0504030602030204" charset="0"/>
+                <a:hlinkClick r:id="rId2" tooltip="" action="ppaction://hlinkfile"/>
+              </a:rPr>
+              <a:t>LinkedIn</a:t>
             </a:r>
             <a:endParaRPr lang="en-US" altLang="zh-CN">
               <a:latin typeface="Ubuntu" panose="020B0504030602030204" charset="0"/>
               <a:cs typeface="Ubuntu" panose="020B0504030602030204" charset="0"/>
+            </a:endParaRPr>
+          </a:p>
+        </p:txBody>
+      </p:sp>
+    </p:spTree>
+  </p:cSld>
+  <p:clrMapOvr>
+    <a:masterClrMapping/>
+  </p:clrMapOvr>
+  <mc:AlternateContent xmlns:mc="http://schemas.openxmlformats.org/markup-compatibility/2006">
+    <mc:Choice xmlns:p14="http://schemas.microsoft.com/office/powerpoint/2010/main" Requires="p14">
+      <p:transition spd="slow" p14:dur="1200">
+        <p:dissolve/>
+      </p:transition>
+    </mc:Choice>
+    <mc:Fallback>
+      <p:transition spd="slow">
+        <p:dissolve/>
+      </p:transition>
+    </mc:Fallback>
+  </mc:AlternateContent>
+</p:sld>
+</file>
+
+<file path=ppt/slides/slide10.xml><?xml version="1.0" encoding="utf-8"?>
+<p:sld xmlns:a="http://schemas.openxmlformats.org/drawingml/2006/main" xmlns:r="http://schemas.openxmlformats.org/officeDocument/2006/relationships" xmlns:p="http://schemas.openxmlformats.org/presentationml/2006/main">
+  <p:cSld>
+    <p:spTree>
+      <p:nvGrpSpPr>
+        <p:cNvPr id="1" name=""/>
+        <p:cNvGrpSpPr/>
+        <p:nvPr/>
+      </p:nvGrpSpPr>
+      <p:grpSpPr/>
+      <p:sp>
+        <p:nvSpPr>
+          <p:cNvPr id="2" name="Title 1"/>
+          <p:cNvSpPr>
+            <a:spLocks noGrp="1"/>
+          </p:cNvSpPr>
+          <p:nvPr>
+            <p:ph type="title"/>
+          </p:nvPr>
+        </p:nvSpPr>
+        <p:spPr/>
+        <p:txBody>
+          <a:bodyPr/>
+          <a:p>
+            <a:pPr algn="l"/>
+            <a:r>
+              <a:rPr lang="en-US">
+                <a:latin typeface="Ubuntu" panose="020B0504030602030204" charset="0"/>
+                <a:cs typeface="Ubuntu" panose="020B0504030602030204" charset="0"/>
+              </a:rPr>
+              <a:t>Recommended Background</a:t>
+            </a:r>
+            <a:endParaRPr lang="en-US">
+              <a:latin typeface="Ubuntu" panose="020B0504030602030204" charset="0"/>
+              <a:cs typeface="Ubuntu" panose="020B0504030602030204" charset="0"/>
+            </a:endParaRPr>
+          </a:p>
+        </p:txBody>
+      </p:sp>
+      <p:sp>
+        <p:nvSpPr>
+          <p:cNvPr id="3" name="Content Placeholder 2"/>
+          <p:cNvSpPr>
+            <a:spLocks noGrp="1"/>
+          </p:cNvSpPr>
+          <p:nvPr>
+            <p:ph idx="1"/>
+          </p:nvPr>
+        </p:nvSpPr>
+        <p:spPr/>
+        <p:txBody>
+          <a:bodyPr/>
+          <a:p>
+            <a:pPr marL="0" indent="0" algn="l">
+              <a:buNone/>
+            </a:pPr>
+            <a:r>
+              <a:rPr lang="en-US" sz="2400">
+                <a:latin typeface="Ubuntu" panose="020B0504030602030204" charset="0"/>
+                <a:cs typeface="Ubuntu" panose="020B0504030602030204" charset="0"/>
+              </a:rPr>
+              <a:t>Strongly recommend that students have experience with </a:t>
+            </a:r>
+            <a:r>
+              <a:rPr lang="en-US" sz="2400" b="1">
+                <a:latin typeface="Ubuntu" panose="020B0504030602030204" charset="0"/>
+                <a:cs typeface="Ubuntu" panose="020B0504030602030204" charset="0"/>
+              </a:rPr>
+              <a:t>Python</a:t>
+            </a:r>
+            <a:r>
+              <a:rPr lang="en-US" sz="2400">
+                <a:latin typeface="Ubuntu" panose="020B0504030602030204" charset="0"/>
+                <a:cs typeface="Ubuntu" panose="020B0504030602030204" charset="0"/>
+              </a:rPr>
+              <a:t>, ideally some background of </a:t>
+            </a:r>
+            <a:r>
+              <a:rPr lang="en-US" sz="2400" b="1">
+                <a:latin typeface="Ubuntu" panose="020B0504030602030204" charset="0"/>
+                <a:cs typeface="Ubuntu" panose="020B0504030602030204" charset="0"/>
+              </a:rPr>
+              <a:t>machine learning</a:t>
+            </a:r>
+            <a:r>
+              <a:rPr lang="en-US" sz="2400">
+                <a:latin typeface="Ubuntu" panose="020B0504030602030204" charset="0"/>
+                <a:cs typeface="Ubuntu" panose="020B0504030602030204" charset="0"/>
+              </a:rPr>
+              <a:t>, in </a:t>
+            </a:r>
+            <a:r>
+              <a:rPr lang="en-US" sz="2400" b="1">
+                <a:latin typeface="Ubuntu" panose="020B0504030602030204" charset="0"/>
+                <a:cs typeface="Ubuntu" panose="020B0504030602030204" charset="0"/>
+              </a:rPr>
+              <a:t>probability</a:t>
+            </a:r>
+            <a:r>
+              <a:rPr lang="en-US" sz="2400">
+                <a:latin typeface="Ubuntu" panose="020B0504030602030204" charset="0"/>
+                <a:cs typeface="Ubuntu" panose="020B0504030602030204" charset="0"/>
+              </a:rPr>
+              <a:t> </a:t>
+            </a:r>
+            <a:r>
+              <a:rPr lang="en-US" sz="2400" b="1">
+                <a:latin typeface="Ubuntu" panose="020B0504030602030204" charset="0"/>
+                <a:cs typeface="Ubuntu" panose="020B0504030602030204" charset="0"/>
+              </a:rPr>
+              <a:t>and statistics</a:t>
+            </a:r>
+            <a:r>
+              <a:rPr lang="en-US" sz="2400">
+                <a:latin typeface="Ubuntu" panose="020B0504030602030204" charset="0"/>
+                <a:cs typeface="Ubuntu" panose="020B0504030602030204" charset="0"/>
+              </a:rPr>
+              <a:t>, and </a:t>
+            </a:r>
+            <a:r>
+              <a:rPr lang="en-US" sz="2400" b="1">
+                <a:latin typeface="Ubuntu" panose="020B0504030602030204" charset="0"/>
+                <a:cs typeface="Ubuntu" panose="020B0504030602030204" charset="0"/>
+              </a:rPr>
+              <a:t>linear algebra</a:t>
+            </a:r>
+            <a:r>
+              <a:rPr lang="en-US" sz="2400">
+                <a:latin typeface="Ubuntu" panose="020B0504030602030204" charset="0"/>
+                <a:cs typeface="Ubuntu" panose="020B0504030602030204" charset="0"/>
+              </a:rPr>
+              <a:t>.</a:t>
+            </a:r>
+            <a:endParaRPr lang="en-US" sz="2400">
+              <a:latin typeface="Ubuntu" panose="020B0504030602030204" charset="0"/>
+              <a:cs typeface="Ubuntu" panose="020B0504030602030204" charset="0"/>
+            </a:endParaRPr>
+          </a:p>
+        </p:txBody>
+      </p:sp>
+    </p:spTree>
+  </p:cSld>
+  <p:clrMapOvr>
+    <a:masterClrMapping/>
+  </p:clrMapOvr>
+</p:sld>
+</file>
+
+<file path=ppt/slides/slide11.xml><?xml version="1.0" encoding="utf-8"?>
+<p:sld xmlns:a="http://schemas.openxmlformats.org/drawingml/2006/main" xmlns:r="http://schemas.openxmlformats.org/officeDocument/2006/relationships" xmlns:p="http://schemas.openxmlformats.org/presentationml/2006/main">
+  <p:cSld>
+    <p:spTree>
+      <p:nvGrpSpPr>
+        <p:cNvPr id="1" name=""/>
+        <p:cNvGrpSpPr/>
+        <p:nvPr/>
+      </p:nvGrpSpPr>
+      <p:grpSpPr/>
+      <p:sp>
+        <p:nvSpPr>
+          <p:cNvPr id="2" name="Title 1"/>
+          <p:cNvSpPr>
+            <a:spLocks noGrp="1"/>
+          </p:cNvSpPr>
+          <p:nvPr>
+            <p:ph type="title"/>
+          </p:nvPr>
+        </p:nvSpPr>
+        <p:spPr/>
+        <p:txBody>
+          <a:bodyPr/>
+          <a:p>
+            <a:pPr algn="l"/>
+            <a:r>
+              <a:rPr lang="en-US">
+                <a:latin typeface="Ubuntu" panose="020B0504030602030204" charset="0"/>
+                <a:cs typeface="Ubuntu" panose="020B0504030602030204" charset="0"/>
+              </a:rPr>
+              <a:t>References</a:t>
+            </a:r>
+            <a:endParaRPr lang="en-US">
+              <a:latin typeface="Ubuntu" panose="020B0504030602030204" charset="0"/>
+              <a:cs typeface="Ubuntu" panose="020B0504030602030204" charset="0"/>
+            </a:endParaRPr>
+          </a:p>
+        </p:txBody>
+      </p:sp>
+      <p:sp>
+        <p:nvSpPr>
+          <p:cNvPr id="3" name="Content Placeholder 2"/>
+          <p:cNvSpPr>
+            <a:spLocks noGrp="1"/>
+          </p:cNvSpPr>
+          <p:nvPr>
+            <p:ph idx="1"/>
+          </p:nvPr>
+        </p:nvSpPr>
+        <p:spPr/>
+        <p:txBody>
+          <a:bodyPr/>
+          <a:p>
+            <a:pPr algn="l"/>
+            <a:r>
+              <a:rPr lang="en-US" sz="2400">
+                <a:latin typeface="Ubuntu" panose="020B0504030602030204" charset="0"/>
+                <a:cs typeface="Ubuntu" panose="020B0504030602030204" charset="0"/>
+                <a:hlinkClick r:id="rId1" tooltip=""/>
+              </a:rPr>
+              <a:t>http://www.datasciencecourse.org/</a:t>
+            </a:r>
+            <a:endParaRPr lang="en-US" sz="2400">
+              <a:latin typeface="Ubuntu" panose="020B0504030602030204" charset="0"/>
+              <a:cs typeface="Ubuntu" panose="020B0504030602030204" charset="0"/>
+              <a:hlinkClick r:id="rId1" tooltip=""/>
+            </a:endParaRPr>
+          </a:p>
+          <a:p>
+            <a:pPr algn="l"/>
+            <a:r>
+              <a:rPr lang="en-US" sz="2400">
+                <a:latin typeface="Ubuntu" panose="020B0504030602030204" charset="0"/>
+                <a:cs typeface="Ubuntu" panose="020B0504030602030204" charset="0"/>
+                <a:hlinkClick r:id="rId2" tooltip="" action="ppaction://hlinkfile"/>
+              </a:rPr>
+              <a:t>https://www.slideshare.net/fvsandoval/introduction-to-data-science-164979975</a:t>
+            </a:r>
+            <a:endParaRPr lang="en-US" sz="2400">
+              <a:latin typeface="Ubuntu" panose="020B0504030602030204" charset="0"/>
+              <a:cs typeface="Ubuntu" panose="020B0504030602030204" charset="0"/>
+            </a:endParaRPr>
+          </a:p>
+        </p:txBody>
+      </p:sp>
+    </p:spTree>
+  </p:cSld>
+  <p:clrMapOvr>
+    <a:masterClrMapping/>
+  </p:clrMapOvr>
+</p:sld>
+</file>
+
+<file path=ppt/slides/slide12.xml><?xml version="1.0" encoding="utf-8"?>
+<p:sld xmlns:a="http://schemas.openxmlformats.org/drawingml/2006/main" xmlns:r="http://schemas.openxmlformats.org/officeDocument/2006/relationships" xmlns:p="http://schemas.openxmlformats.org/presentationml/2006/main">
+  <p:cSld>
+    <p:spTree>
+      <p:nvGrpSpPr>
+        <p:cNvPr id="1" name=""/>
+        <p:cNvGrpSpPr/>
+        <p:nvPr/>
+      </p:nvGrpSpPr>
+      <p:grpSpPr/>
+      <p:sp>
+        <p:nvSpPr>
+          <p:cNvPr id="2" name="Title 1"/>
+          <p:cNvSpPr>
+            <a:spLocks noGrp="1"/>
+          </p:cNvSpPr>
+          <p:nvPr>
+            <p:ph type="title"/>
+          </p:nvPr>
+        </p:nvSpPr>
+        <p:spPr>
+          <a:xfrm>
+            <a:off x="609600" y="1556385"/>
+            <a:ext cx="10972800" cy="1511935"/>
+          </a:xfrm>
+        </p:spPr>
+        <p:txBody>
+          <a:bodyPr/>
+          <a:p>
+            <a:pPr algn="ctr">
+              <a:lnSpc>
+                <a:spcPct val="250000"/>
+              </a:lnSpc>
+            </a:pPr>
+            <a:r>
+              <a:rPr lang="en-US">
+                <a:latin typeface="Ubuntu" panose="020B0504030602030204" charset="0"/>
+                <a:cs typeface="Ubuntu" panose="020B0504030602030204" charset="0"/>
+              </a:rPr>
+              <a:t>Thanks</a:t>
+            </a:r>
+            <a:endParaRPr lang="en-US">
+              <a:latin typeface="Ubuntu" panose="020B0504030602030204" charset="0"/>
+              <a:cs typeface="Ubuntu" panose="020B0504030602030204" charset="0"/>
+            </a:endParaRPr>
+          </a:p>
+        </p:txBody>
+      </p:sp>
+      <p:sp>
+        <p:nvSpPr>
+          <p:cNvPr id="3" name="Content Placeholder 2"/>
+          <p:cNvSpPr>
+            <a:spLocks noGrp="1"/>
+          </p:cNvSpPr>
+          <p:nvPr>
+            <p:ph idx="1"/>
+          </p:nvPr>
+        </p:nvSpPr>
+        <p:spPr>
+          <a:xfrm>
+            <a:off x="609600" y="3178175"/>
+            <a:ext cx="10972800" cy="2948305"/>
+          </a:xfrm>
+        </p:spPr>
+        <p:txBody>
+          <a:bodyPr/>
+          <a:p>
+            <a:pPr marL="0" indent="0" algn="ctr">
+              <a:buNone/>
+            </a:pPr>
+            <a:r>
+              <a:rPr lang="en-US" sz="2400">
+                <a:latin typeface="Ubuntu" panose="020B0504030602030204" charset="0"/>
+                <a:cs typeface="Ubuntu" panose="020B0504030602030204" charset="0"/>
+              </a:rPr>
+              <a:t>Please keep updated: </a:t>
+            </a:r>
+            <a:endParaRPr lang="en-US" sz="2400">
+              <a:latin typeface="Ubuntu" panose="020B0504030602030204" charset="0"/>
+              <a:cs typeface="Ubuntu" panose="020B0504030602030204" charset="0"/>
+            </a:endParaRPr>
+          </a:p>
+          <a:p>
+            <a:pPr marL="0" indent="0" algn="ctr">
+              <a:buNone/>
+            </a:pPr>
+            <a:r>
+              <a:rPr lang="en-US" sz="2400">
+                <a:latin typeface="Ubuntu" panose="020B0504030602030204" charset="0"/>
+                <a:cs typeface="Ubuntu" panose="020B0504030602030204" charset="0"/>
+                <a:sym typeface="+mn-ea"/>
+                <a:hlinkClick r:id="rId1" tooltip="" action="ppaction://hlinkfile"/>
+              </a:rPr>
+              <a:t>https://github.com/kershrita/IEEE-Data-Science</a:t>
+            </a:r>
+            <a:endParaRPr lang="en-US" sz="2400">
+              <a:latin typeface="Ubuntu" panose="020B0504030602030204" charset="0"/>
+              <a:cs typeface="Ubuntu" panose="020B0504030602030204" charset="0"/>
+              <a:sym typeface="+mn-ea"/>
             </a:endParaRPr>
           </a:p>
         </p:txBody>
@@ -4151,7 +4575,7 @@
                 <a:latin typeface="Ubuntu" panose="020B0504030602030204" charset="0"/>
                 <a:cs typeface="Ubuntu" panose="020B0504030602030204" charset="0"/>
               </a:rPr>
-              <a:t>Learning Objectives</a:t>
+              <a:t>What’s Data Science?</a:t>
             </a:r>
             <a:endParaRPr lang="en-US" sz="2400">
               <a:latin typeface="Ubuntu" panose="020B0504030602030204" charset="0"/>
@@ -4168,7 +4592,62 @@
                 <a:latin typeface="Ubuntu" panose="020B0504030602030204" charset="0"/>
                 <a:cs typeface="Ubuntu" panose="020B0504030602030204" charset="0"/>
               </a:rPr>
-              <a:t>What’s Data Science?</a:t>
+              <a:t>Importance of Data Science</a:t>
+            </a:r>
+            <a:endParaRPr lang="en-US" sz="2400">
+              <a:latin typeface="Ubuntu" panose="020B0504030602030204" charset="0"/>
+              <a:cs typeface="Ubuntu" panose="020B0504030602030204" charset="0"/>
+            </a:endParaRPr>
+          </a:p>
+          <a:p>
+            <a:pPr marL="457200" indent="-457200" algn="l">
+              <a:buFont typeface="+mj-lt"/>
+              <a:buAutoNum type="arabicPeriod"/>
+            </a:pPr>
+            <a:r>
+              <a:rPr lang="en-US" sz="2400">
+                <a:latin typeface="Ubuntu" panose="020B0504030602030204" charset="0"/>
+                <a:cs typeface="Ubuntu" panose="020B0504030602030204" charset="0"/>
+                <a:sym typeface="+mn-ea"/>
+              </a:rPr>
+              <a:t>Data Science Tools</a:t>
+            </a:r>
+            <a:endParaRPr lang="en-US" sz="2400">
+              <a:latin typeface="Ubuntu" panose="020B0504030602030204" charset="0"/>
+              <a:cs typeface="Ubuntu" panose="020B0504030602030204" charset="0"/>
+            </a:endParaRPr>
+          </a:p>
+          <a:p>
+            <a:pPr marL="457200" indent="-457200" algn="l">
+              <a:buFont typeface="+mj-lt"/>
+              <a:buAutoNum type="arabicPeriod"/>
+            </a:pPr>
+            <a:r>
+              <a:rPr lang="en-US" sz="2400">
+                <a:latin typeface="Ubuntu" panose="020B0504030602030204" charset="0"/>
+                <a:cs typeface="Ubuntu" panose="020B0504030602030204" charset="0"/>
+                <a:sym typeface="+mn-ea"/>
+              </a:rPr>
+              <a:t>Learning Objectives</a:t>
+            </a:r>
+            <a:endParaRPr lang="en-US" sz="2400">
+              <a:latin typeface="Ubuntu" panose="020B0504030602030204" charset="0"/>
+              <a:cs typeface="Ubuntu" panose="020B0504030602030204" charset="0"/>
+              <a:sym typeface="+mn-ea"/>
+            </a:endParaRPr>
+          </a:p>
+          <a:p>
+            <a:pPr marL="457200" indent="-457200" algn="l">
+              <a:buFont typeface="+mj-lt"/>
+              <a:buAutoNum type="arabicPeriod"/>
+            </a:pPr>
+            <a:r>
+              <a:rPr lang="en-US" sz="2400">
+                <a:latin typeface="Ubuntu" panose="020B0504030602030204" charset="0"/>
+                <a:cs typeface="Ubuntu" panose="020B0504030602030204" charset="0"/>
+                <a:sym typeface="+mn-ea"/>
+              </a:rPr>
+              <a:t>Recommended Background</a:t>
             </a:r>
             <a:endParaRPr lang="en-US" sz="2400">
               <a:latin typeface="Ubuntu" panose="020B0504030602030204" charset="0"/>
@@ -4192,6 +4671,14 @@
   <p:clrMapOvr>
     <a:masterClrMapping/>
   </p:clrMapOvr>
+  <mc:AlternateContent xmlns:mc="http://schemas.openxmlformats.org/markup-compatibility/2006">
+    <mc:Choice xmlns:p14="http://schemas.microsoft.com/office/powerpoint/2010/main" Requires="p14">
+      <p:transition spd="slow" p14:dur="1200"/>
+    </mc:Choice>
+    <mc:Fallback>
+      <p:transition spd="slow"/>
+    </mc:Fallback>
+  </mc:AlternateContent>
 </p:sld>
 </file>
 
@@ -4225,7 +4712,7 @@
                 <a:latin typeface="Ubuntu" panose="020B0504030602030204" charset="0"/>
                 <a:cs typeface="Ubuntu" panose="020B0504030602030204" charset="0"/>
               </a:rPr>
-              <a:t>Learning Objectives</a:t>
+              <a:t>What’s Data Science</a:t>
             </a:r>
             <a:endParaRPr lang="en-US">
               <a:latin typeface="Ubuntu" panose="020B0504030602030204" charset="0"/>
@@ -4244,95 +4731,268 @@
             <p:ph idx="1"/>
           </p:nvPr>
         </p:nvSpPr>
-        <p:spPr/>
-        <p:txBody>
-          <a:bodyPr/>
-          <a:p>
-            <a:pPr algn="l"/>
+        <p:spPr>
+          <a:xfrm>
+            <a:off x="609600" y="1600200"/>
+            <a:ext cx="5581650" cy="4526280"/>
+          </a:xfrm>
+        </p:spPr>
+        <p:txBody>
+          <a:bodyPr/>
+          <a:p>
+            <a:pPr marL="0" indent="0" algn="l">
+              <a:buNone/>
+            </a:pPr>
             <a:r>
               <a:rPr lang="en-US" sz="2400">
                 <a:latin typeface="Ubuntu" panose="020B0504030602030204" charset="0"/>
                 <a:cs typeface="Ubuntu" panose="020B0504030602030204" charset="0"/>
               </a:rPr>
-              <a:t>Understand the end-to-end data science pipeline, from data collection to model deployment.</a:t>
-            </a:r>
-            <a:endParaRPr lang="en-US" sz="2400">
+              <a:t>Data science is the application of</a:t>
+            </a:r>
+            <a:r>
+              <a:rPr lang="ug-CN" altLang="en-US" sz="2400">
+                <a:latin typeface="Ubuntu" panose="020B0504030602030204" charset="0"/>
+                <a:cs typeface="Ubuntu" panose="020B0504030602030204" charset="0"/>
+              </a:rPr>
+              <a:t> </a:t>
+            </a:r>
+            <a:r>
+              <a:rPr lang="en-US" sz="2400">
+                <a:latin typeface="Ubuntu" panose="020B0504030602030204" charset="0"/>
+                <a:cs typeface="Ubuntu" panose="020B0504030602030204" charset="0"/>
+              </a:rPr>
+              <a:t>computational and statistical</a:t>
+            </a:r>
+            <a:r>
+              <a:rPr lang="ug-CN" altLang="en-US" sz="2400">
+                <a:latin typeface="Ubuntu" panose="020B0504030602030204" charset="0"/>
+                <a:cs typeface="Ubuntu" panose="020B0504030602030204" charset="0"/>
+              </a:rPr>
+              <a:t> </a:t>
+            </a:r>
+            <a:r>
+              <a:rPr lang="en-US" sz="2400">
+                <a:latin typeface="Ubuntu" panose="020B0504030602030204" charset="0"/>
+                <a:cs typeface="Ubuntu" panose="020B0504030602030204" charset="0"/>
+              </a:rPr>
+              <a:t>techniques to address or gain insight</a:t>
+            </a:r>
+            <a:r>
+              <a:rPr lang="ug-CN" altLang="en-US" sz="2400">
+                <a:latin typeface="Ubuntu" panose="020B0504030602030204" charset="0"/>
+                <a:cs typeface="Ubuntu" panose="020B0504030602030204" charset="0"/>
+              </a:rPr>
+              <a:t> </a:t>
+            </a:r>
+            <a:r>
+              <a:rPr lang="en-US" sz="2400">
+                <a:latin typeface="Ubuntu" panose="020B0504030602030204" charset="0"/>
+                <a:cs typeface="Ubuntu" panose="020B0504030602030204" charset="0"/>
+              </a:rPr>
+              <a:t>into some problem in the real world</a:t>
+            </a:r>
+            <a:r>
+              <a:rPr lang="en-US" altLang="ug-CN" sz="2400">
+                <a:latin typeface="Ubuntu" panose="020B0504030602030204" charset="0"/>
+                <a:cs typeface="Ubuntu" panose="020B0504030602030204" charset="0"/>
+              </a:rPr>
+              <a:t>.</a:t>
+            </a:r>
+            <a:endParaRPr lang="en-US" altLang="ug-CN" sz="2400">
               <a:latin typeface="Ubuntu" panose="020B0504030602030204" charset="0"/>
               <a:cs typeface="Ubuntu" panose="020B0504030602030204" charset="0"/>
             </a:endParaRPr>
           </a:p>
           <a:p>
-            <a:pPr algn="l"/>
-            <a:r>
-              <a:rPr lang="en-US" sz="2400">
-                <a:latin typeface="Ubuntu" panose="020B0504030602030204" charset="0"/>
-                <a:cs typeface="Ubuntu" panose="020B0504030602030204" charset="0"/>
-              </a:rPr>
-              <a:t>Be familiar with the programming tools and libraries required to execute different phases of data science projects.</a:t>
-            </a:r>
-            <a:endParaRPr lang="en-US" sz="2400">
+            <a:pPr marL="0" indent="0" algn="l">
+              <a:buNone/>
+            </a:pPr>
+            <a:endParaRPr lang="en-US" altLang="ug-CN" sz="2400">
               <a:latin typeface="Ubuntu" panose="020B0504030602030204" charset="0"/>
               <a:cs typeface="Ubuntu" panose="020B0504030602030204" charset="0"/>
             </a:endParaRPr>
           </a:p>
           <a:p>
-            <a:pPr algn="l"/>
-            <a:r>
-              <a:rPr lang="en-US" sz="2400">
+            <a:pPr marL="0" indent="0" algn="l">
+              <a:buNone/>
+            </a:pPr>
+            <a:r>
+              <a:rPr lang="en-US" altLang="ug-CN" sz="2400">
                 <a:latin typeface="Ubuntu" panose="020B0504030602030204" charset="0"/>
                 <a:cs typeface="Ubuntu" panose="020B0504030602030204" charset="0"/>
               </a:rPr>
-              <a:t>Demonstrate the ability to collect data from a variety of sources, including structured and unstructured data.</a:t>
-            </a:r>
-            <a:endParaRPr lang="en-US" sz="2400">
+              <a:t>Data science = statistics +</a:t>
+            </a:r>
+            <a:endParaRPr lang="en-US" altLang="ug-CN" sz="2400">
               <a:latin typeface="Ubuntu" panose="020B0504030602030204" charset="0"/>
               <a:cs typeface="Ubuntu" panose="020B0504030602030204" charset="0"/>
             </a:endParaRPr>
           </a:p>
           <a:p>
-            <a:pPr algn="l"/>
-            <a:r>
-              <a:rPr lang="en-US" sz="2400">
+            <a:pPr marL="0" indent="0" algn="l">
+              <a:buNone/>
+            </a:pPr>
+            <a:r>
+              <a:rPr lang="ug-CN" altLang="en-US" sz="2400">
                 <a:latin typeface="Ubuntu" panose="020B0504030602030204" charset="0"/>
                 <a:cs typeface="Ubuntu" panose="020B0504030602030204" charset="0"/>
               </a:rPr>
-              <a:t>Know how to explore and visualize datasets, gaining insights into data distributions, patterns, and outliers.</a:t>
-            </a:r>
-            <a:endParaRPr lang="en-US" sz="2400">
+              <a:t>		   </a:t>
+            </a:r>
+            <a:r>
+              <a:rPr lang="en-US" altLang="ug-CN" sz="2400">
+                <a:latin typeface="Ubuntu" panose="020B0504030602030204" charset="0"/>
+                <a:cs typeface="Ubuntu" panose="020B0504030602030204" charset="0"/>
+              </a:rPr>
+              <a:t>data processing +</a:t>
+            </a:r>
+            <a:endParaRPr lang="en-US" altLang="ug-CN" sz="2400">
               <a:latin typeface="Ubuntu" panose="020B0504030602030204" charset="0"/>
               <a:cs typeface="Ubuntu" panose="020B0504030602030204" charset="0"/>
             </a:endParaRPr>
           </a:p>
           <a:p>
-            <a:pPr algn="l"/>
-            <a:r>
-              <a:rPr lang="en-US" sz="2400">
+            <a:pPr marL="0" indent="0" algn="l">
+              <a:buNone/>
+            </a:pPr>
+            <a:r>
+              <a:rPr lang="ug-CN" altLang="en-US" sz="2400">
                 <a:latin typeface="Ubuntu" panose="020B0504030602030204" charset="0"/>
                 <a:cs typeface="Ubuntu" panose="020B0504030602030204" charset="0"/>
               </a:rPr>
-              <a:t>Be proficient in conducting data analysis using a range of statistical and machine learning techniques.</a:t>
-            </a:r>
-            <a:endParaRPr lang="en-US" sz="2400">
+              <a:t>		   </a:t>
+            </a:r>
+            <a:r>
+              <a:rPr lang="en-US" altLang="ug-CN" sz="2400">
+                <a:latin typeface="Ubuntu" panose="020B0504030602030204" charset="0"/>
+                <a:cs typeface="Ubuntu" panose="020B0504030602030204" charset="0"/>
+              </a:rPr>
+              <a:t>machine learning +</a:t>
+            </a:r>
+            <a:endParaRPr lang="en-US" altLang="ug-CN" sz="2400">
               <a:latin typeface="Ubuntu" panose="020B0504030602030204" charset="0"/>
               <a:cs typeface="Ubuntu" panose="020B0504030602030204" charset="0"/>
             </a:endParaRPr>
           </a:p>
           <a:p>
-            <a:pPr algn="l"/>
-            <a:r>
-              <a:rPr lang="en-US" sz="2400">
+            <a:pPr marL="0" indent="0" algn="l">
+              <a:buNone/>
+            </a:pPr>
+            <a:r>
+              <a:rPr lang="ug-CN" altLang="en-US" sz="2400">
                 <a:latin typeface="Ubuntu" panose="020B0504030602030204" charset="0"/>
                 <a:cs typeface="Ubuntu" panose="020B0504030602030204" charset="0"/>
               </a:rPr>
-              <a:t>Create data-driven reports and presentations that convey insights in a clear and compelling manner, addressing the needs of different audiences.</a:t>
-            </a:r>
-            <a:endParaRPr lang="en-US" sz="2400">
+              <a:t>		   </a:t>
+            </a:r>
+            <a:r>
+              <a:rPr lang="en-US" altLang="ug-CN" sz="2400">
+                <a:latin typeface="Ubuntu" panose="020B0504030602030204" charset="0"/>
+                <a:cs typeface="Ubuntu" panose="020B0504030602030204" charset="0"/>
+              </a:rPr>
+              <a:t>scientific inquiry +</a:t>
+            </a:r>
+            <a:endParaRPr lang="en-US" altLang="ug-CN" sz="2400">
               <a:latin typeface="Ubuntu" panose="020B0504030602030204" charset="0"/>
               <a:cs typeface="Ubuntu" panose="020B0504030602030204" charset="0"/>
             </a:endParaRPr>
           </a:p>
-        </p:txBody>
-      </p:sp>
+          <a:p>
+            <a:pPr marL="0" indent="0" algn="l">
+              <a:buNone/>
+            </a:pPr>
+            <a:r>
+              <a:rPr lang="ug-CN" altLang="en-US" sz="2400">
+                <a:latin typeface="Ubuntu" panose="020B0504030602030204" charset="0"/>
+                <a:cs typeface="Ubuntu" panose="020B0504030602030204" charset="0"/>
+              </a:rPr>
+              <a:t>		   </a:t>
+            </a:r>
+            <a:r>
+              <a:rPr lang="en-US" altLang="ug-CN" sz="2400">
+                <a:latin typeface="Ubuntu" panose="020B0504030602030204" charset="0"/>
+                <a:cs typeface="Ubuntu" panose="020B0504030602030204" charset="0"/>
+              </a:rPr>
+              <a:t>visualization +</a:t>
+            </a:r>
+            <a:endParaRPr lang="en-US" altLang="ug-CN" sz="2400">
+              <a:latin typeface="Ubuntu" panose="020B0504030602030204" charset="0"/>
+              <a:cs typeface="Ubuntu" panose="020B0504030602030204" charset="0"/>
+            </a:endParaRPr>
+          </a:p>
+          <a:p>
+            <a:pPr marL="0" indent="0" algn="l">
+              <a:buNone/>
+            </a:pPr>
+            <a:r>
+              <a:rPr lang="ug-CN" altLang="en-US" sz="2400">
+                <a:latin typeface="Ubuntu" panose="020B0504030602030204" charset="0"/>
+                <a:cs typeface="Ubuntu" panose="020B0504030602030204" charset="0"/>
+              </a:rPr>
+              <a:t>		   </a:t>
+            </a:r>
+            <a:r>
+              <a:rPr lang="en-US" altLang="ug-CN" sz="2400">
+                <a:latin typeface="Ubuntu" panose="020B0504030602030204" charset="0"/>
+                <a:cs typeface="Ubuntu" panose="020B0504030602030204" charset="0"/>
+              </a:rPr>
+              <a:t>business analytics +</a:t>
+            </a:r>
+            <a:endParaRPr lang="en-US" altLang="ug-CN" sz="2400">
+              <a:latin typeface="Ubuntu" panose="020B0504030602030204" charset="0"/>
+              <a:cs typeface="Ubuntu" panose="020B0504030602030204" charset="0"/>
+            </a:endParaRPr>
+          </a:p>
+          <a:p>
+            <a:pPr marL="0" indent="0" algn="l">
+              <a:buNone/>
+            </a:pPr>
+            <a:r>
+              <a:rPr lang="ug-CN" altLang="en-US" sz="2400">
+                <a:latin typeface="Ubuntu" panose="020B0504030602030204" charset="0"/>
+                <a:cs typeface="Ubuntu" panose="020B0504030602030204" charset="0"/>
+              </a:rPr>
+              <a:t>                             </a:t>
+            </a:r>
+            <a:r>
+              <a:rPr lang="en-US" altLang="ug-CN" sz="2400">
+                <a:latin typeface="Ubuntu" panose="020B0504030602030204" charset="0"/>
+                <a:cs typeface="Ubuntu" panose="020B0504030602030204" charset="0"/>
+              </a:rPr>
+              <a:t>big data + …</a:t>
+            </a:r>
+            <a:endParaRPr lang="en-US" altLang="ug-CN" sz="2400">
+              <a:latin typeface="Ubuntu" panose="020B0504030602030204" charset="0"/>
+              <a:cs typeface="Ubuntu" panose="020B0504030602030204" charset="0"/>
+            </a:endParaRPr>
+          </a:p>
+        </p:txBody>
+      </p:sp>
+      <p:pic>
+        <p:nvPicPr>
+          <p:cNvPr id="4" name="Picture 3" descr="data science domain"/>
+          <p:cNvPicPr>
+            <a:picLocks noChangeAspect="1"/>
+          </p:cNvPicPr>
+          <p:nvPr/>
+        </p:nvPicPr>
+        <p:blipFill>
+          <a:blip r:embed="rId1"/>
+          <a:stretch>
+            <a:fillRect/>
+          </a:stretch>
+        </p:blipFill>
+        <p:spPr>
+          <a:xfrm>
+            <a:off x="6191250" y="1256030"/>
+            <a:ext cx="5373370" cy="4870450"/>
+          </a:xfrm>
+          <a:prstGeom prst="rect">
+            <a:avLst/>
+          </a:prstGeom>
+        </p:spPr>
+      </p:pic>
     </p:spTree>
   </p:cSld>
   <p:clrMapOvr>
@@ -4371,7 +5031,7 @@
                 <a:latin typeface="Ubuntu" panose="020B0504030602030204" charset="0"/>
                 <a:cs typeface="Ubuntu" panose="020B0504030602030204" charset="0"/>
               </a:rPr>
-              <a:t>What’s Data Science</a:t>
+              <a:t>Data Science is not Machine Learning</a:t>
             </a:r>
             <a:endParaRPr lang="en-US">
               <a:latin typeface="Ubuntu" panose="020B0504030602030204" charset="0"/>
@@ -4390,82 +5050,844 @@
             <p:ph idx="1"/>
           </p:nvPr>
         </p:nvSpPr>
-        <p:spPr>
-          <a:xfrm>
-            <a:off x="609600" y="1600200"/>
-            <a:ext cx="5581650" cy="4526280"/>
-          </a:xfrm>
-        </p:spPr>
-        <p:txBody>
-          <a:bodyPr/>
-          <a:p>
-            <a:pPr marL="0" indent="0" algn="l">
-              <a:buNone/>
-            </a:pPr>
+        <p:spPr/>
+        <p:txBody>
+          <a:bodyPr/>
+          <a:p>
+            <a:pPr algn="l"/>
             <a:r>
               <a:rPr lang="en-US" sz="2400">
                 <a:latin typeface="Ubuntu" panose="020B0504030602030204" charset="0"/>
                 <a:cs typeface="Ubuntu" panose="020B0504030602030204" charset="0"/>
               </a:rPr>
-              <a:t>Data science is the application of</a:t>
-            </a:r>
-            <a:r>
-              <a:rPr lang="ug-CN" altLang="en-US" sz="2400">
-                <a:latin typeface="Ubuntu" panose="020B0504030602030204" charset="0"/>
-                <a:cs typeface="Ubuntu" panose="020B0504030602030204" charset="0"/>
-              </a:rPr>
-              <a:t> </a:t>
-            </a:r>
+              <a:t>Machine learning involves computation and statistics, but has not (traditionally) been very concerned about answering scientific questions.</a:t>
+            </a:r>
+            <a:endParaRPr lang="en-US" sz="2400">
+              <a:latin typeface="Ubuntu" panose="020B0504030602030204" charset="0"/>
+              <a:cs typeface="Ubuntu" panose="020B0504030602030204" charset="0"/>
+            </a:endParaRPr>
+          </a:p>
+          <a:p>
+            <a:pPr algn="l"/>
             <a:r>
               <a:rPr lang="en-US" sz="2400">
                 <a:latin typeface="Ubuntu" panose="020B0504030602030204" charset="0"/>
                 <a:cs typeface="Ubuntu" panose="020B0504030602030204" charset="0"/>
               </a:rPr>
-              <a:t>computational and statistical</a:t>
-            </a:r>
-            <a:r>
-              <a:rPr lang="ug-CN" altLang="en-US" sz="2400">
-                <a:latin typeface="Ubuntu" panose="020B0504030602030204" charset="0"/>
-                <a:cs typeface="Ubuntu" panose="020B0504030602030204" charset="0"/>
-              </a:rPr>
-              <a:t> </a:t>
-            </a:r>
+              <a:t>Machine learning has a heavy focus on fancy algorithms…</a:t>
+            </a:r>
+            <a:endParaRPr lang="en-US" sz="2400">
+              <a:latin typeface="Ubuntu" panose="020B0504030602030204" charset="0"/>
+              <a:cs typeface="Ubuntu" panose="020B0504030602030204" charset="0"/>
+            </a:endParaRPr>
+          </a:p>
+          <a:p>
+            <a:pPr algn="l"/>
             <a:r>
               <a:rPr lang="en-US" sz="2400">
                 <a:latin typeface="Ubuntu" panose="020B0504030602030204" charset="0"/>
                 <a:cs typeface="Ubuntu" panose="020B0504030602030204" charset="0"/>
               </a:rPr>
-              <a:t>techniques to address or gain insight</a:t>
-            </a:r>
-            <a:r>
-              <a:rPr lang="ug-CN" altLang="en-US" sz="2400">
+              <a:t>Sometimes the best way to solve a problem is just by visualizing the data, for instance.</a:t>
+            </a:r>
+            <a:endParaRPr lang="en-US" sz="2400">
+              <a:latin typeface="Ubuntu" panose="020B0504030602030204" charset="0"/>
+              <a:cs typeface="Ubuntu" panose="020B0504030602030204" charset="0"/>
+            </a:endParaRPr>
+          </a:p>
+        </p:txBody>
+      </p:sp>
+    </p:spTree>
+  </p:cSld>
+  <p:clrMapOvr>
+    <a:masterClrMapping/>
+  </p:clrMapOvr>
+</p:sld>
+</file>
+
+<file path=ppt/slides/slide5.xml><?xml version="1.0" encoding="utf-8"?>
+<p:sld xmlns:a="http://schemas.openxmlformats.org/drawingml/2006/main" xmlns:r="http://schemas.openxmlformats.org/officeDocument/2006/relationships" xmlns:p="http://schemas.openxmlformats.org/presentationml/2006/main">
+  <p:cSld>
+    <p:spTree>
+      <p:nvGrpSpPr>
+        <p:cNvPr id="1" name=""/>
+        <p:cNvGrpSpPr/>
+        <p:nvPr/>
+      </p:nvGrpSpPr>
+      <p:grpSpPr/>
+      <p:sp>
+        <p:nvSpPr>
+          <p:cNvPr id="2" name="Title 1"/>
+          <p:cNvSpPr>
+            <a:spLocks noGrp="1"/>
+          </p:cNvSpPr>
+          <p:nvPr>
+            <p:ph type="title"/>
+          </p:nvPr>
+        </p:nvSpPr>
+        <p:spPr/>
+        <p:txBody>
+          <a:bodyPr/>
+          <a:p>
+            <a:pPr algn="l"/>
+            <a:r>
+              <a:rPr lang="en-US">
                 <a:latin typeface="Ubuntu" panose="020B0504030602030204" charset="0"/>
                 <a:cs typeface="Ubuntu" panose="020B0504030602030204" charset="0"/>
               </a:rPr>
-              <a:t> </a:t>
-            </a:r>
+              <a:t>Data Science is not Machine Learning</a:t>
+            </a:r>
+            <a:endParaRPr lang="en-US">
+              <a:latin typeface="Ubuntu" panose="020B0504030602030204" charset="0"/>
+              <a:cs typeface="Ubuntu" panose="020B0504030602030204" charset="0"/>
+            </a:endParaRPr>
+          </a:p>
+        </p:txBody>
+      </p:sp>
+      <p:sp>
+        <p:nvSpPr>
+          <p:cNvPr id="3" name="Content Placeholder 2"/>
+          <p:cNvSpPr>
+            <a:spLocks noGrp="1"/>
+          </p:cNvSpPr>
+          <p:nvPr>
+            <p:ph idx="1"/>
+          </p:nvPr>
+        </p:nvSpPr>
+        <p:spPr>
+          <a:xfrm>
+            <a:off x="6179820" y="1600200"/>
+            <a:ext cx="5402580" cy="4526280"/>
+          </a:xfrm>
+        </p:spPr>
+        <p:txBody>
+          <a:bodyPr/>
+          <a:p>
+            <a:pPr algn="l"/>
             <a:r>
               <a:rPr lang="en-US" sz="2400">
                 <a:latin typeface="Ubuntu" panose="020B0504030602030204" charset="0"/>
                 <a:cs typeface="Ubuntu" panose="020B0504030602030204" charset="0"/>
               </a:rPr>
-              <a:t>into some problem in the real world</a:t>
-            </a:r>
-            <a:r>
-              <a:rPr lang="ug-CN" altLang="en-US" sz="2400">
+              <a:t>Data science competitions like Kaggle ask you to optimize a metric on a fixed data set.</a:t>
+            </a:r>
+            <a:endParaRPr lang="en-US" sz="2400">
+              <a:latin typeface="Ubuntu" panose="020B0504030602030204" charset="0"/>
+              <a:cs typeface="Ubuntu" panose="020B0504030602030204" charset="0"/>
+            </a:endParaRPr>
+          </a:p>
+          <a:p>
+            <a:pPr algn="l"/>
+            <a:r>
+              <a:rPr lang="en-US" sz="2400">
                 <a:latin typeface="Ubuntu" panose="020B0504030602030204" charset="0"/>
                 <a:cs typeface="Ubuntu" panose="020B0504030602030204" charset="0"/>
               </a:rPr>
-              <a:t> </a:t>
-            </a:r>
-            <a:r>
-              <a:rPr lang="en-US" altLang="ug-CN" sz="2400">
+              <a:t>This may or may not ultimately solve the desired business/scientific problem.</a:t>
+            </a:r>
+            <a:endParaRPr lang="en-US" sz="2400">
+              <a:latin typeface="Ubuntu" panose="020B0504030602030204" charset="0"/>
+              <a:cs typeface="Ubuntu" panose="020B0504030602030204" charset="0"/>
+            </a:endParaRPr>
+          </a:p>
+          <a:p>
+            <a:pPr algn="l"/>
+            <a:r>
+              <a:rPr lang="en-US" sz="2400">
                 <a:latin typeface="Ubuntu" panose="020B0504030602030204" charset="0"/>
                 <a:cs typeface="Ubuntu" panose="020B0504030602030204" charset="0"/>
               </a:rPr>
-              <a:t>.</a:t>
-            </a:r>
-            <a:endParaRPr lang="en-US" altLang="ug-CN" sz="2400">
+              <a:t>Data science is the iterative cycle of designing a concrete problem, building an algorithm to solve it, and evaluating what insights this provides for the real underlying question.</a:t>
+            </a:r>
+            <a:endParaRPr lang="en-US" sz="2400">
+              <a:latin typeface="Ubuntu" panose="020B0504030602030204" charset="0"/>
+              <a:cs typeface="Ubuntu" panose="020B0504030602030204" charset="0"/>
+            </a:endParaRPr>
+          </a:p>
+        </p:txBody>
+      </p:sp>
+      <p:pic>
+        <p:nvPicPr>
+          <p:cNvPr id="5" name="Picture 4"/>
+          <p:cNvPicPr>
+            <a:picLocks noChangeAspect="1"/>
+          </p:cNvPicPr>
+          <p:nvPr/>
+        </p:nvPicPr>
+        <p:blipFill>
+          <a:blip r:embed="rId1"/>
+          <a:stretch>
+            <a:fillRect/>
+          </a:stretch>
+        </p:blipFill>
+        <p:spPr>
+          <a:xfrm>
+            <a:off x="665480" y="2141220"/>
+            <a:ext cx="5215890" cy="3443605"/>
+          </a:xfrm>
+          <a:prstGeom prst="rect">
+            <a:avLst/>
+          </a:prstGeom>
+        </p:spPr>
+      </p:pic>
+    </p:spTree>
+  </p:cSld>
+  <p:clrMapOvr>
+    <a:masterClrMapping/>
+  </p:clrMapOvr>
+</p:sld>
+</file>
+
+<file path=ppt/slides/slide6.xml><?xml version="1.0" encoding="utf-8"?>
+<p:sld xmlns:a="http://schemas.openxmlformats.org/drawingml/2006/main" xmlns:r="http://schemas.openxmlformats.org/officeDocument/2006/relationships" xmlns:p="http://schemas.openxmlformats.org/presentationml/2006/main">
+  <p:cSld>
+    <p:spTree>
+      <p:nvGrpSpPr>
+        <p:cNvPr id="1" name=""/>
+        <p:cNvGrpSpPr/>
+        <p:nvPr/>
+      </p:nvGrpSpPr>
+      <p:grpSpPr/>
+      <p:sp>
+        <p:nvSpPr>
+          <p:cNvPr id="2" name="Title 1"/>
+          <p:cNvSpPr>
+            <a:spLocks noGrp="1"/>
+          </p:cNvSpPr>
+          <p:nvPr>
+            <p:ph type="title"/>
+          </p:nvPr>
+        </p:nvSpPr>
+        <p:spPr/>
+        <p:txBody>
+          <a:bodyPr/>
+          <a:p>
+            <a:pPr algn="l"/>
+            <a:r>
+              <a:rPr lang="en-US">
+                <a:latin typeface="Ubuntu" panose="020B0504030602030204" charset="0"/>
+                <a:cs typeface="Ubuntu" panose="020B0504030602030204" charset="0"/>
+              </a:rPr>
+              <a:t>Back to Data Science Pipeline</a:t>
+            </a:r>
+            <a:endParaRPr lang="en-US">
+              <a:latin typeface="Ubuntu" panose="020B0504030602030204" charset="0"/>
+              <a:cs typeface="Ubuntu" panose="020B0504030602030204" charset="0"/>
+            </a:endParaRPr>
+          </a:p>
+        </p:txBody>
+      </p:sp>
+      <p:pic>
+        <p:nvPicPr>
+          <p:cNvPr id="7" name="Content Placeholder 6" descr="data-science-pipeline"/>
+          <p:cNvPicPr>
+            <a:picLocks noChangeAspect="1"/>
+          </p:cNvPicPr>
+          <p:nvPr>
+            <p:ph idx="1"/>
+          </p:nvPr>
+        </p:nvPicPr>
+        <p:blipFill>
+          <a:blip r:embed="rId1"/>
+          <a:stretch>
+            <a:fillRect/>
+          </a:stretch>
+        </p:blipFill>
+        <p:spPr>
+          <a:xfrm>
+            <a:off x="609600" y="2283460"/>
+            <a:ext cx="10972800" cy="2533015"/>
+          </a:xfrm>
+          <a:prstGeom prst="rect">
+            <a:avLst/>
+          </a:prstGeom>
+        </p:spPr>
+      </p:pic>
+    </p:spTree>
+  </p:cSld>
+  <p:clrMapOvr>
+    <a:masterClrMapping/>
+  </p:clrMapOvr>
+</p:sld>
+</file>
+
+<file path=ppt/slides/slide7.xml><?xml version="1.0" encoding="utf-8"?>
+<p:sld xmlns:a="http://schemas.openxmlformats.org/drawingml/2006/main" xmlns:r="http://schemas.openxmlformats.org/officeDocument/2006/relationships" xmlns:p="http://schemas.openxmlformats.org/presentationml/2006/main">
+  <p:cSld>
+    <p:spTree>
+      <p:nvGrpSpPr>
+        <p:cNvPr id="1" name=""/>
+        <p:cNvGrpSpPr/>
+        <p:nvPr/>
+      </p:nvGrpSpPr>
+      <p:grpSpPr/>
+      <p:sp>
+        <p:nvSpPr>
+          <p:cNvPr id="2" name="Title 1"/>
+          <p:cNvSpPr>
+            <a:spLocks noGrp="1"/>
+          </p:cNvSpPr>
+          <p:nvPr>
+            <p:ph type="title"/>
+          </p:nvPr>
+        </p:nvSpPr>
+        <p:spPr/>
+        <p:txBody>
+          <a:bodyPr/>
+          <a:p>
+            <a:pPr algn="l"/>
+            <a:r>
+              <a:rPr lang="en-US">
+                <a:latin typeface="Ubuntu" panose="020B0504030602030204" charset="0"/>
+                <a:cs typeface="Ubuntu" panose="020B0504030602030204" charset="0"/>
+              </a:rPr>
+              <a:t>Importance of Data Science</a:t>
+            </a:r>
+            <a:endParaRPr lang="en-US">
+              <a:latin typeface="Ubuntu" panose="020B0504030602030204" charset="0"/>
+              <a:cs typeface="Ubuntu" panose="020B0504030602030204" charset="0"/>
+            </a:endParaRPr>
+          </a:p>
+        </p:txBody>
+      </p:sp>
+      <p:sp>
+        <p:nvSpPr>
+          <p:cNvPr id="3" name="Content Placeholder 2"/>
+          <p:cNvSpPr>
+            <a:spLocks noGrp="1"/>
+          </p:cNvSpPr>
+          <p:nvPr>
+            <p:ph idx="1"/>
+          </p:nvPr>
+        </p:nvSpPr>
+        <p:spPr/>
+        <p:txBody>
+          <a:bodyPr/>
+          <a:p>
+            <a:pPr algn="l"/>
+            <a:r>
+              <a:rPr lang="en-US" sz="2400">
+                <a:latin typeface="Ubuntu" panose="020B0504030602030204" charset="0"/>
+                <a:cs typeface="Ubuntu" panose="020B0504030602030204" charset="0"/>
+              </a:rPr>
+              <a:t>Data Science helps brands to understand their customers in a much enhanced and empowered manner.</a:t>
+            </a:r>
+            <a:endParaRPr lang="en-US" sz="2400">
+              <a:latin typeface="Ubuntu" panose="020B0504030602030204" charset="0"/>
+              <a:cs typeface="Ubuntu" panose="020B0504030602030204" charset="0"/>
+            </a:endParaRPr>
+          </a:p>
+          <a:p>
+            <a:pPr algn="l"/>
+            <a:r>
+              <a:rPr lang="en-US" sz="2400">
+                <a:latin typeface="Ubuntu" panose="020B0504030602030204" charset="0"/>
+                <a:cs typeface="Ubuntu" panose="020B0504030602030204" charset="0"/>
+              </a:rPr>
+              <a:t>It allows brands to communicate their story in such a engaging and powerful manner.</a:t>
+            </a:r>
+            <a:endParaRPr lang="en-US" sz="2400">
+              <a:latin typeface="Ubuntu" panose="020B0504030602030204" charset="0"/>
+              <a:cs typeface="Ubuntu" panose="020B0504030602030204" charset="0"/>
+            </a:endParaRPr>
+          </a:p>
+          <a:p>
+            <a:pPr algn="l"/>
+            <a:r>
+              <a:rPr lang="en-US" sz="2400">
+                <a:latin typeface="Ubuntu" panose="020B0504030602030204" charset="0"/>
+                <a:cs typeface="Ubuntu" panose="020B0504030602030204" charset="0"/>
+              </a:rPr>
+              <a:t>Can be applied to almost any industry like education, travel, healthcare, game development, etc...</a:t>
+            </a:r>
+            <a:endParaRPr lang="en-US" sz="2400">
+              <a:latin typeface="Ubuntu" panose="020B0504030602030204" charset="0"/>
+              <a:cs typeface="Ubuntu" panose="020B0504030602030204" charset="0"/>
+            </a:endParaRPr>
+          </a:p>
+        </p:txBody>
+      </p:sp>
+    </p:spTree>
+  </p:cSld>
+  <p:clrMapOvr>
+    <a:masterClrMapping/>
+  </p:clrMapOvr>
+</p:sld>
+</file>
+
+<file path=ppt/slides/slide8.xml><?xml version="1.0" encoding="utf-8"?>
+<p:sld xmlns:a="http://schemas.openxmlformats.org/drawingml/2006/main" xmlns:r="http://schemas.openxmlformats.org/officeDocument/2006/relationships" xmlns:p="http://schemas.openxmlformats.org/presentationml/2006/main">
+  <p:cSld>
+    <p:spTree>
+      <p:nvGrpSpPr>
+        <p:cNvPr id="1" name=""/>
+        <p:cNvGrpSpPr/>
+        <p:nvPr/>
+      </p:nvGrpSpPr>
+      <p:grpSpPr/>
+      <p:sp>
+        <p:nvSpPr>
+          <p:cNvPr id="2" name="Title 1"/>
+          <p:cNvSpPr>
+            <a:spLocks noGrp="1"/>
+          </p:cNvSpPr>
+          <p:nvPr>
+            <p:ph type="title"/>
+          </p:nvPr>
+        </p:nvSpPr>
+        <p:spPr/>
+        <p:txBody>
+          <a:bodyPr/>
+          <a:p>
+            <a:pPr algn="l"/>
+            <a:r>
+              <a:rPr lang="en-US">
+                <a:latin typeface="Ubuntu" panose="020B0504030602030204" charset="0"/>
+                <a:cs typeface="Ubuntu" panose="020B0504030602030204" charset="0"/>
+              </a:rPr>
+              <a:t>Data Science Tools</a:t>
+            </a:r>
+            <a:endParaRPr lang="en-US">
+              <a:latin typeface="Ubuntu" panose="020B0504030602030204" charset="0"/>
+              <a:cs typeface="Ubuntu" panose="020B0504030602030204" charset="0"/>
+            </a:endParaRPr>
+          </a:p>
+        </p:txBody>
+      </p:sp>
+      <p:pic>
+        <p:nvPicPr>
+          <p:cNvPr id="16" name="Picture 15" descr="jupyter notebook logo"/>
+          <p:cNvPicPr>
+            <a:picLocks noChangeAspect="1"/>
+          </p:cNvPicPr>
+          <p:nvPr/>
+        </p:nvPicPr>
+        <p:blipFill>
+          <a:blip r:embed="rId1"/>
+          <a:stretch>
+            <a:fillRect/>
+          </a:stretch>
+        </p:blipFill>
+        <p:spPr>
+          <a:xfrm>
+            <a:off x="7277735" y="1600835"/>
+            <a:ext cx="4606925" cy="2303780"/>
+          </a:xfrm>
+          <a:prstGeom prst="rect">
+            <a:avLst/>
+          </a:prstGeom>
+        </p:spPr>
+      </p:pic>
+      <p:pic>
+        <p:nvPicPr>
+          <p:cNvPr id="17" name="Picture 16" descr="matplotlib logo"/>
+          <p:cNvPicPr>
+            <a:picLocks noChangeAspect="1"/>
+          </p:cNvPicPr>
+          <p:nvPr/>
+        </p:nvPicPr>
+        <p:blipFill>
+          <a:blip r:embed="rId2"/>
+          <a:stretch>
+            <a:fillRect/>
+          </a:stretch>
+        </p:blipFill>
+        <p:spPr>
+          <a:xfrm>
+            <a:off x="422275" y="5447030"/>
+            <a:ext cx="4587875" cy="917575"/>
+          </a:xfrm>
+          <a:prstGeom prst="rect">
+            <a:avLst/>
+          </a:prstGeom>
+        </p:spPr>
+      </p:pic>
+      <p:pic>
+        <p:nvPicPr>
+          <p:cNvPr id="18" name="Picture 17" descr="microsoft azure logo"/>
+          <p:cNvPicPr>
+            <a:picLocks noChangeAspect="1"/>
+          </p:cNvPicPr>
+          <p:nvPr/>
+        </p:nvPicPr>
+        <p:blipFill>
+          <a:blip r:embed="rId3"/>
+          <a:stretch>
+            <a:fillRect/>
+          </a:stretch>
+        </p:blipFill>
+        <p:spPr>
+          <a:xfrm>
+            <a:off x="8319135" y="5152390"/>
+            <a:ext cx="3579495" cy="1035050"/>
+          </a:xfrm>
+          <a:prstGeom prst="rect">
+            <a:avLst/>
+          </a:prstGeom>
+        </p:spPr>
+      </p:pic>
+      <p:pic>
+        <p:nvPicPr>
+          <p:cNvPr id="19" name="Picture 18" descr="mongodb logo"/>
+          <p:cNvPicPr>
+            <a:picLocks noChangeAspect="1"/>
+          </p:cNvPicPr>
+          <p:nvPr/>
+        </p:nvPicPr>
+        <p:blipFill>
+          <a:blip r:embed="rId4"/>
+          <a:stretch>
+            <a:fillRect/>
+          </a:stretch>
+        </p:blipFill>
+        <p:spPr>
+          <a:xfrm>
+            <a:off x="711200" y="1548130"/>
+            <a:ext cx="2829560" cy="806450"/>
+          </a:xfrm>
+          <a:prstGeom prst="rect">
+            <a:avLst/>
+          </a:prstGeom>
+        </p:spPr>
+      </p:pic>
+      <p:pic>
+        <p:nvPicPr>
+          <p:cNvPr id="20" name="Picture 19" descr="numpy logo"/>
+          <p:cNvPicPr>
+            <a:picLocks noChangeAspect="1"/>
+          </p:cNvPicPr>
+          <p:nvPr/>
+        </p:nvPicPr>
+        <p:blipFill>
+          <a:blip r:embed="rId5"/>
+          <a:stretch>
+            <a:fillRect/>
+          </a:stretch>
+        </p:blipFill>
+        <p:spPr>
+          <a:xfrm>
+            <a:off x="711200" y="4277995"/>
+            <a:ext cx="2588260" cy="1024890"/>
+          </a:xfrm>
+          <a:prstGeom prst="rect">
+            <a:avLst/>
+          </a:prstGeom>
+        </p:spPr>
+      </p:pic>
+      <p:pic>
+        <p:nvPicPr>
+          <p:cNvPr id="21" name="Picture 20" descr="optuna logo"/>
+          <p:cNvPicPr>
+            <a:picLocks noChangeAspect="1"/>
+          </p:cNvPicPr>
+          <p:nvPr/>
+        </p:nvPicPr>
+        <p:blipFill>
+          <a:blip r:embed="rId6"/>
+          <a:stretch>
+            <a:fillRect/>
+          </a:stretch>
+        </p:blipFill>
+        <p:spPr>
+          <a:xfrm>
+            <a:off x="5010150" y="4087495"/>
+            <a:ext cx="3295650" cy="2197735"/>
+          </a:xfrm>
+          <a:prstGeom prst="rect">
+            <a:avLst/>
+          </a:prstGeom>
+        </p:spPr>
+      </p:pic>
+      <p:pic>
+        <p:nvPicPr>
+          <p:cNvPr id="22" name="Picture 21" descr="pandas logo"/>
+          <p:cNvPicPr>
+            <a:picLocks noChangeAspect="1"/>
+          </p:cNvPicPr>
+          <p:nvPr/>
+        </p:nvPicPr>
+        <p:blipFill>
+          <a:blip r:embed="rId7"/>
+          <a:stretch>
+            <a:fillRect/>
+          </a:stretch>
+        </p:blipFill>
+        <p:spPr>
+          <a:xfrm>
+            <a:off x="2760980" y="3394075"/>
+            <a:ext cx="2634615" cy="1064260"/>
+          </a:xfrm>
+          <a:prstGeom prst="rect">
+            <a:avLst/>
+          </a:prstGeom>
+        </p:spPr>
+      </p:pic>
+      <p:pic>
+        <p:nvPicPr>
+          <p:cNvPr id="23" name="Picture 22" descr="plotly express logo"/>
+          <p:cNvPicPr>
+            <a:picLocks noChangeAspect="1"/>
+          </p:cNvPicPr>
+          <p:nvPr/>
+        </p:nvPicPr>
+        <p:blipFill>
+          <a:blip r:embed="rId8"/>
+          <a:stretch>
+            <a:fillRect/>
+          </a:stretch>
+        </p:blipFill>
+        <p:spPr>
+          <a:xfrm>
+            <a:off x="3540760" y="4227195"/>
+            <a:ext cx="2027555" cy="1126490"/>
+          </a:xfrm>
+          <a:prstGeom prst="rect">
+            <a:avLst/>
+          </a:prstGeom>
+        </p:spPr>
+      </p:pic>
+      <p:pic>
+        <p:nvPicPr>
+          <p:cNvPr id="24" name="Picture 23" descr="python logo"/>
+          <p:cNvPicPr>
+            <a:picLocks noChangeAspect="1"/>
+          </p:cNvPicPr>
+          <p:nvPr/>
+        </p:nvPicPr>
+        <p:blipFill>
+          <a:blip r:embed="rId9">
+            <a:extLst>
+              <a:ext uri="{96DAC541-7B7A-43D3-8B79-37D633B846F1}">
+                <asvg:svgBlip xmlns:asvg="http://schemas.microsoft.com/office/drawing/2016/SVG/main" r:embed="rId10"/>
+              </a:ext>
+            </a:extLst>
+          </a:blip>
+          <a:stretch>
+            <a:fillRect/>
+          </a:stretch>
+        </p:blipFill>
+        <p:spPr>
+          <a:xfrm>
+            <a:off x="728980" y="3599815"/>
+            <a:ext cx="2032000" cy="601980"/>
+          </a:xfrm>
+          <a:prstGeom prst="rect">
+            <a:avLst/>
+          </a:prstGeom>
+        </p:spPr>
+      </p:pic>
+      <p:pic>
+        <p:nvPicPr>
+          <p:cNvPr id="25" name="Picture 24" descr="seaborn logo"/>
+          <p:cNvPicPr>
+            <a:picLocks noChangeAspect="1"/>
+          </p:cNvPicPr>
+          <p:nvPr/>
+        </p:nvPicPr>
+        <p:blipFill>
+          <a:blip r:embed="rId11"/>
+          <a:stretch>
+            <a:fillRect/>
+          </a:stretch>
+        </p:blipFill>
+        <p:spPr>
+          <a:xfrm>
+            <a:off x="7811135" y="3910330"/>
+            <a:ext cx="4101465" cy="1242060"/>
+          </a:xfrm>
+          <a:prstGeom prst="rect">
+            <a:avLst/>
+          </a:prstGeom>
+        </p:spPr>
+      </p:pic>
+      <p:pic>
+        <p:nvPicPr>
+          <p:cNvPr id="26" name="Picture 25" descr="sklearn logo"/>
+          <p:cNvPicPr>
+            <a:picLocks noChangeAspect="1"/>
+          </p:cNvPicPr>
+          <p:nvPr/>
+        </p:nvPicPr>
+        <p:blipFill>
+          <a:blip r:embed="rId12"/>
+          <a:stretch>
+            <a:fillRect/>
+          </a:stretch>
+        </p:blipFill>
+        <p:spPr>
+          <a:xfrm>
+            <a:off x="3624580" y="1562100"/>
+            <a:ext cx="3500120" cy="1884045"/>
+          </a:xfrm>
+          <a:prstGeom prst="rect">
+            <a:avLst/>
+          </a:prstGeom>
+        </p:spPr>
+      </p:pic>
+      <p:pic>
+        <p:nvPicPr>
+          <p:cNvPr id="27" name="Picture 26" descr="sqlite logo"/>
+          <p:cNvPicPr>
+            <a:picLocks noChangeAspect="1"/>
+          </p:cNvPicPr>
+          <p:nvPr/>
+        </p:nvPicPr>
+        <p:blipFill>
+          <a:blip r:embed="rId13"/>
+          <a:stretch>
+            <a:fillRect/>
+          </a:stretch>
+        </p:blipFill>
+        <p:spPr>
+          <a:xfrm>
+            <a:off x="711200" y="2373630"/>
+            <a:ext cx="2588260" cy="1226185"/>
+          </a:xfrm>
+          <a:prstGeom prst="rect">
+            <a:avLst/>
+          </a:prstGeom>
+        </p:spPr>
+      </p:pic>
+    </p:spTree>
+  </p:cSld>
+  <p:clrMapOvr>
+    <a:masterClrMapping/>
+  </p:clrMapOvr>
+</p:sld>
+</file>
+
+<file path=ppt/slides/slide9.xml><?xml version="1.0" encoding="utf-8"?>
+<p:sld xmlns:a="http://schemas.openxmlformats.org/drawingml/2006/main" xmlns:r="http://schemas.openxmlformats.org/officeDocument/2006/relationships" xmlns:p="http://schemas.openxmlformats.org/presentationml/2006/main">
+  <p:cSld>
+    <p:spTree>
+      <p:nvGrpSpPr>
+        <p:cNvPr id="1" name=""/>
+        <p:cNvGrpSpPr/>
+        <p:nvPr/>
+      </p:nvGrpSpPr>
+      <p:grpSpPr/>
+      <p:sp>
+        <p:nvSpPr>
+          <p:cNvPr id="2" name="Title 1"/>
+          <p:cNvSpPr>
+            <a:spLocks noGrp="1"/>
+          </p:cNvSpPr>
+          <p:nvPr>
+            <p:ph type="title"/>
+          </p:nvPr>
+        </p:nvSpPr>
+        <p:spPr/>
+        <p:txBody>
+          <a:bodyPr/>
+          <a:p>
+            <a:pPr algn="l"/>
+            <a:r>
+              <a:rPr lang="en-US">
+                <a:latin typeface="Ubuntu" panose="020B0504030602030204" charset="0"/>
+                <a:cs typeface="Ubuntu" panose="020B0504030602030204" charset="0"/>
+              </a:rPr>
+              <a:t>Course Learning Objectives</a:t>
+            </a:r>
+            <a:endParaRPr lang="en-US">
+              <a:latin typeface="Ubuntu" panose="020B0504030602030204" charset="0"/>
+              <a:cs typeface="Ubuntu" panose="020B0504030602030204" charset="0"/>
+            </a:endParaRPr>
+          </a:p>
+        </p:txBody>
+      </p:sp>
+      <p:sp>
+        <p:nvSpPr>
+          <p:cNvPr id="3" name="Content Placeholder 2"/>
+          <p:cNvSpPr>
+            <a:spLocks noGrp="1"/>
+          </p:cNvSpPr>
+          <p:nvPr>
+            <p:ph idx="1"/>
+          </p:nvPr>
+        </p:nvSpPr>
+        <p:spPr/>
+        <p:txBody>
+          <a:bodyPr/>
+          <a:p>
+            <a:pPr algn="l"/>
+            <a:r>
+              <a:rPr lang="en-US" sz="2400">
+                <a:latin typeface="Ubuntu" panose="020B0504030602030204" charset="0"/>
+                <a:cs typeface="Ubuntu" panose="020B0504030602030204" charset="0"/>
+              </a:rPr>
+              <a:t>Understand the end-to-end data science pipeline, from data collection to model deployment.</a:t>
+            </a:r>
+            <a:endParaRPr lang="en-US" sz="2400">
+              <a:latin typeface="Ubuntu" panose="020B0504030602030204" charset="0"/>
+              <a:cs typeface="Ubuntu" panose="020B0504030602030204" charset="0"/>
+            </a:endParaRPr>
+          </a:p>
+          <a:p>
+            <a:pPr algn="l"/>
+            <a:r>
+              <a:rPr lang="en-US" sz="2400">
+                <a:latin typeface="Ubuntu" panose="020B0504030602030204" charset="0"/>
+                <a:cs typeface="Ubuntu" panose="020B0504030602030204" charset="0"/>
+              </a:rPr>
+              <a:t>Be familiar with the programming tools and libraries required to execute different phases of data science projects.</a:t>
+            </a:r>
+            <a:endParaRPr lang="en-US" sz="2400">
+              <a:latin typeface="Ubuntu" panose="020B0504030602030204" charset="0"/>
+              <a:cs typeface="Ubuntu" panose="020B0504030602030204" charset="0"/>
+            </a:endParaRPr>
+          </a:p>
+          <a:p>
+            <a:pPr algn="l"/>
+            <a:r>
+              <a:rPr lang="en-US" sz="2400">
+                <a:latin typeface="Ubuntu" panose="020B0504030602030204" charset="0"/>
+                <a:cs typeface="Ubuntu" panose="020B0504030602030204" charset="0"/>
+              </a:rPr>
+              <a:t>Demonstrate the ability to collect data from a variety of sources, including structured and unstructured data.</a:t>
+            </a:r>
+            <a:endParaRPr lang="en-US" sz="2400">
+              <a:latin typeface="Ubuntu" panose="020B0504030602030204" charset="0"/>
+              <a:cs typeface="Ubuntu" panose="020B0504030602030204" charset="0"/>
+            </a:endParaRPr>
+          </a:p>
+          <a:p>
+            <a:pPr algn="l"/>
+            <a:r>
+              <a:rPr lang="en-US" sz="2400">
+                <a:latin typeface="Ubuntu" panose="020B0504030602030204" charset="0"/>
+                <a:cs typeface="Ubuntu" panose="020B0504030602030204" charset="0"/>
+              </a:rPr>
+              <a:t>Know how to explore and visualize datasets, gaining insights into data distributions, patterns, and outliers.</a:t>
+            </a:r>
+            <a:endParaRPr lang="en-US" sz="2400">
+              <a:latin typeface="Ubuntu" panose="020B0504030602030204" charset="0"/>
+              <a:cs typeface="Ubuntu" panose="020B0504030602030204" charset="0"/>
+            </a:endParaRPr>
+          </a:p>
+          <a:p>
+            <a:pPr algn="l"/>
+            <a:r>
+              <a:rPr lang="en-US" sz="2400">
+                <a:latin typeface="Ubuntu" panose="020B0504030602030204" charset="0"/>
+                <a:cs typeface="Ubuntu" panose="020B0504030602030204" charset="0"/>
+              </a:rPr>
+              <a:t>Be proficient in conducting data analysis using a range of statistical and machine learning techniques.</a:t>
+            </a:r>
+            <a:endParaRPr lang="en-US" sz="2400">
+              <a:latin typeface="Ubuntu" panose="020B0504030602030204" charset="0"/>
+              <a:cs typeface="Ubuntu" panose="020B0504030602030204" charset="0"/>
+            </a:endParaRPr>
+          </a:p>
+          <a:p>
+            <a:pPr algn="l"/>
+            <a:r>
+              <a:rPr lang="en-US" sz="2400">
+                <a:latin typeface="Ubuntu" panose="020B0504030602030204" charset="0"/>
+                <a:cs typeface="Ubuntu" panose="020B0504030602030204" charset="0"/>
+              </a:rPr>
+              <a:t>Create data-driven reports and presentations that convey insights in a clear and compelling manner, addressing the needs of different audiences.</a:t>
+            </a:r>
+            <a:endParaRPr lang="en-US" sz="2400">
               <a:latin typeface="Ubuntu" panose="020B0504030602030204" charset="0"/>
               <a:cs typeface="Ubuntu" panose="020B0504030602030204" charset="0"/>
             </a:endParaRPr>

--- a/slides/Session 01 - Introduction to Data Science.pptx
+++ b/slides/Session 01 - Introduction to Data Science.pptx
@@ -8,21 +8,23 @@
     <p:notesMasterId r:id="rId5"/>
   </p:notesMasterIdLst>
   <p:handoutMasterIdLst>
-    <p:handoutMasterId r:id="rId16"/>
+    <p:handoutMasterId r:id="rId18"/>
   </p:handoutMasterIdLst>
   <p:sldIdLst>
     <p:sldId id="256" r:id="rId3"/>
     <p:sldId id="257" r:id="rId4"/>
-    <p:sldId id="260" r:id="rId6"/>
-    <p:sldId id="263" r:id="rId7"/>
-    <p:sldId id="264" r:id="rId8"/>
-    <p:sldId id="261" r:id="rId9"/>
-    <p:sldId id="267" r:id="rId10"/>
-    <p:sldId id="265" r:id="rId11"/>
-    <p:sldId id="271" r:id="rId12"/>
-    <p:sldId id="269" r:id="rId13"/>
-    <p:sldId id="268" r:id="rId14"/>
-    <p:sldId id="270" r:id="rId15"/>
+    <p:sldId id="276" r:id="rId6"/>
+    <p:sldId id="260" r:id="rId7"/>
+    <p:sldId id="263" r:id="rId8"/>
+    <p:sldId id="264" r:id="rId9"/>
+    <p:sldId id="261" r:id="rId10"/>
+    <p:sldId id="267" r:id="rId11"/>
+    <p:sldId id="265" r:id="rId12"/>
+    <p:sldId id="271" r:id="rId13"/>
+    <p:sldId id="269" r:id="rId14"/>
+    <p:sldId id="277" r:id="rId15"/>
+    <p:sldId id="268" r:id="rId16"/>
+    <p:sldId id="270" r:id="rId17"/>
   </p:sldIdLst>
   <p:sldSz cx="12192000" cy="6858000"/>
   <p:notesSz cx="7103745" cy="10234295"/>
@@ -124,6 +126,2755 @@
 </p:presentation>
 </file>
 
+<file path=ppt/commentAuthors.xml><?xml version="1.0" encoding="utf-8"?>
+<p:cmAuthorLst xmlns:a="http://schemas.openxmlformats.org/drawingml/2006/main" xmlns:r="http://schemas.openxmlformats.org/officeDocument/2006/relationships" xmlns:p="http://schemas.openxmlformats.org/presentationml/2006/main">
+  <p:cmAuthor id="1" name="kersh" initials="k" lastIdx="1" clrIdx="0"/>
+</p:cmAuthorLst>
+</file>
+
+<file path=ppt/diagrams/colors1.xml><?xml version="1.0" encoding="utf-8"?>
+<dgm:colorsDef xmlns:dgm="http://schemas.openxmlformats.org/drawingml/2006/diagram" xmlns:a="http://schemas.openxmlformats.org/drawingml/2006/main" uniqueId="urn:microsoft.com/office/officeart/2005/8/colors/accent2_2">
+  <dgm:title val=""/>
+  <dgm:desc val=""/>
+  <dgm:catLst>
+    <dgm:cat type="accent2" pri="11200"/>
+  </dgm:catLst>
+  <dgm:styleLbl name="alignAcc1">
+    <dgm:fillClrLst meth="repeat">
+      <a:schemeClr val="lt1">
+        <a:alpha val="90000"/>
+      </a:schemeClr>
+    </dgm:fillClrLst>
+    <dgm:linClrLst meth="repeat">
+      <a:schemeClr val="accent2"/>
+    </dgm:linClrLst>
+    <dgm:effectClrLst/>
+    <dgm:txLinClrLst/>
+    <dgm:txFillClrLst meth="repeat">
+      <a:schemeClr val="dk1"/>
+    </dgm:txFillClrLst>
+    <dgm:txEffectClrLst/>
+  </dgm:styleLbl>
+  <dgm:styleLbl name="alignAccFollowNode1">
+    <dgm:fillClrLst meth="repeat">
+      <a:schemeClr val="accent2">
+        <a:alpha val="90000"/>
+        <a:tint val="40000"/>
+      </a:schemeClr>
+    </dgm:fillClrLst>
+    <dgm:linClrLst meth="repeat">
+      <a:schemeClr val="accent2">
+        <a:alpha val="90000"/>
+        <a:tint val="40000"/>
+      </a:schemeClr>
+    </dgm:linClrLst>
+    <dgm:effectClrLst/>
+    <dgm:txLinClrLst/>
+    <dgm:txFillClrLst meth="repeat">
+      <a:schemeClr val="dk1"/>
+    </dgm:txFillClrLst>
+    <dgm:txEffectClrLst/>
+  </dgm:styleLbl>
+  <dgm:styleLbl name="alignImgPlace1">
+    <dgm:fillClrLst meth="repeat">
+      <a:schemeClr val="accent2">
+        <a:tint val="50000"/>
+      </a:schemeClr>
+    </dgm:fillClrLst>
+    <dgm:linClrLst meth="repeat">
+      <a:schemeClr val="lt1"/>
+    </dgm:linClrLst>
+    <dgm:effectClrLst/>
+    <dgm:txLinClrLst/>
+    <dgm:txFillClrLst meth="repeat">
+      <a:schemeClr val="lt1"/>
+    </dgm:txFillClrLst>
+    <dgm:txEffectClrLst/>
+  </dgm:styleLbl>
+  <dgm:styleLbl name="alignNode1">
+    <dgm:fillClrLst meth="repeat">
+      <a:schemeClr val="accent2"/>
+    </dgm:fillClrLst>
+    <dgm:linClrLst meth="repeat">
+      <a:schemeClr val="accent2"/>
+    </dgm:linClrLst>
+    <dgm:effectClrLst/>
+    <dgm:txLinClrLst/>
+    <dgm:txFillClrLst/>
+    <dgm:txEffectClrLst/>
+  </dgm:styleLbl>
+  <dgm:styleLbl name="asst0">
+    <dgm:fillClrLst meth="repeat">
+      <a:schemeClr val="accent2"/>
+    </dgm:fillClrLst>
+    <dgm:linClrLst meth="repeat">
+      <a:schemeClr val="lt1"/>
+    </dgm:linClrLst>
+    <dgm:effectClrLst/>
+    <dgm:txLinClrLst/>
+    <dgm:txFillClrLst/>
+    <dgm:txEffectClrLst/>
+  </dgm:styleLbl>
+  <dgm:styleLbl name="asst1">
+    <dgm:fillClrLst meth="repeat">
+      <a:schemeClr val="accent2"/>
+    </dgm:fillClrLst>
+    <dgm:linClrLst meth="repeat">
+      <a:schemeClr val="lt1"/>
+    </dgm:linClrLst>
+    <dgm:effectClrLst/>
+    <dgm:txLinClrLst/>
+    <dgm:txFillClrLst/>
+    <dgm:txEffectClrLst/>
+  </dgm:styleLbl>
+  <dgm:styleLbl name="asst2">
+    <dgm:fillClrLst meth="repeat">
+      <a:schemeClr val="accent2"/>
+    </dgm:fillClrLst>
+    <dgm:linClrLst meth="repeat">
+      <a:schemeClr val="lt1"/>
+    </dgm:linClrLst>
+    <dgm:effectClrLst/>
+    <dgm:txLinClrLst/>
+    <dgm:txFillClrLst/>
+    <dgm:txEffectClrLst/>
+  </dgm:styleLbl>
+  <dgm:styleLbl name="asst3">
+    <dgm:fillClrLst meth="repeat">
+      <a:schemeClr val="accent2"/>
+    </dgm:fillClrLst>
+    <dgm:linClrLst meth="repeat">
+      <a:schemeClr val="lt1"/>
+    </dgm:linClrLst>
+    <dgm:effectClrLst/>
+    <dgm:txLinClrLst/>
+    <dgm:txFillClrLst/>
+    <dgm:txEffectClrLst/>
+  </dgm:styleLbl>
+  <dgm:styleLbl name="asst4">
+    <dgm:fillClrLst meth="repeat">
+      <a:schemeClr val="accent2"/>
+    </dgm:fillClrLst>
+    <dgm:linClrLst meth="repeat">
+      <a:schemeClr val="lt1"/>
+    </dgm:linClrLst>
+    <dgm:effectClrLst/>
+    <dgm:txLinClrLst/>
+    <dgm:txFillClrLst/>
+    <dgm:txEffectClrLst/>
+  </dgm:styleLbl>
+  <dgm:styleLbl name="bgAcc1">
+    <dgm:fillClrLst meth="repeat">
+      <a:schemeClr val="lt1">
+        <a:alpha val="90000"/>
+      </a:schemeClr>
+    </dgm:fillClrLst>
+    <dgm:linClrLst meth="repeat">
+      <a:schemeClr val="accent2"/>
+    </dgm:linClrLst>
+    <dgm:effectClrLst/>
+    <dgm:txLinClrLst/>
+    <dgm:txFillClrLst meth="repeat">
+      <a:schemeClr val="dk1"/>
+    </dgm:txFillClrLst>
+    <dgm:txEffectClrLst/>
+  </dgm:styleLbl>
+  <dgm:styleLbl name="bgAccFollowNode1">
+    <dgm:fillClrLst meth="repeat">
+      <a:schemeClr val="accent2">
+        <a:alpha val="90000"/>
+        <a:tint val="40000"/>
+      </a:schemeClr>
+    </dgm:fillClrLst>
+    <dgm:linClrLst meth="repeat">
+      <a:schemeClr val="accent2">
+        <a:alpha val="90000"/>
+        <a:tint val="40000"/>
+      </a:schemeClr>
+    </dgm:linClrLst>
+    <dgm:effectClrLst/>
+    <dgm:txLinClrLst/>
+    <dgm:txFillClrLst meth="repeat">
+      <a:schemeClr val="dk1"/>
+    </dgm:txFillClrLst>
+    <dgm:txEffectClrLst/>
+  </dgm:styleLbl>
+  <dgm:styleLbl name="bgImgPlace1">
+    <dgm:fillClrLst meth="repeat">
+      <a:schemeClr val="accent2">
+        <a:tint val="50000"/>
+      </a:schemeClr>
+    </dgm:fillClrLst>
+    <dgm:linClrLst meth="repeat">
+      <a:schemeClr val="lt1"/>
+    </dgm:linClrLst>
+    <dgm:effectClrLst/>
+    <dgm:txLinClrLst/>
+    <dgm:txFillClrLst meth="repeat">
+      <a:schemeClr val="lt1"/>
+    </dgm:txFillClrLst>
+    <dgm:txEffectClrLst/>
+  </dgm:styleLbl>
+  <dgm:styleLbl name="bgShp">
+    <dgm:fillClrLst meth="repeat">
+      <a:schemeClr val="accent2">
+        <a:tint val="40000"/>
+      </a:schemeClr>
+    </dgm:fillClrLst>
+    <dgm:linClrLst meth="repeat">
+      <a:schemeClr val="accent2"/>
+    </dgm:linClrLst>
+    <dgm:effectClrLst/>
+    <dgm:txLinClrLst/>
+    <dgm:txFillClrLst meth="repeat">
+      <a:schemeClr val="dk1"/>
+    </dgm:txFillClrLst>
+    <dgm:txEffectClrLst/>
+  </dgm:styleLbl>
+  <dgm:styleLbl name="bgSibTrans2D1">
+    <dgm:fillClrLst meth="repeat">
+      <a:schemeClr val="accent2">
+        <a:tint val="60000"/>
+      </a:schemeClr>
+    </dgm:fillClrLst>
+    <dgm:linClrLst meth="repeat">
+      <a:schemeClr val="accent2">
+        <a:tint val="60000"/>
+      </a:schemeClr>
+    </dgm:linClrLst>
+    <dgm:effectClrLst/>
+    <dgm:txLinClrLst/>
+    <dgm:txFillClrLst/>
+    <dgm:txEffectClrLst/>
+  </dgm:styleLbl>
+  <dgm:styleLbl name="callout">
+    <dgm:fillClrLst meth="repeat">
+      <a:schemeClr val="accent2"/>
+    </dgm:fillClrLst>
+    <dgm:linClrLst meth="repeat">
+      <a:schemeClr val="accent2">
+        <a:tint val="50000"/>
+      </a:schemeClr>
+    </dgm:linClrLst>
+    <dgm:effectClrLst/>
+    <dgm:txLinClrLst/>
+    <dgm:txFillClrLst meth="repeat">
+      <a:schemeClr val="tx1"/>
+    </dgm:txFillClrLst>
+    <dgm:txEffectClrLst/>
+  </dgm:styleLbl>
+  <dgm:styleLbl name="conFgAcc1">
+    <dgm:fillClrLst meth="repeat">
+      <a:schemeClr val="lt1">
+        <a:alpha val="90000"/>
+      </a:schemeClr>
+    </dgm:fillClrLst>
+    <dgm:linClrLst meth="repeat">
+      <a:schemeClr val="accent2"/>
+    </dgm:linClrLst>
+    <dgm:effectClrLst/>
+    <dgm:txLinClrLst/>
+    <dgm:txFillClrLst meth="repeat">
+      <a:schemeClr val="dk1"/>
+    </dgm:txFillClrLst>
+    <dgm:txEffectClrLst/>
+  </dgm:styleLbl>
+  <dgm:styleLbl name="dkBgShp">
+    <dgm:fillClrLst meth="repeat">
+      <a:schemeClr val="accent2">
+        <a:shade val="80000"/>
+      </a:schemeClr>
+    </dgm:fillClrLst>
+    <dgm:linClrLst meth="repeat">
+      <a:schemeClr val="accent2"/>
+    </dgm:linClrLst>
+    <dgm:effectClrLst/>
+    <dgm:txLinClrLst/>
+    <dgm:txFillClrLst meth="repeat">
+      <a:schemeClr val="lt1"/>
+    </dgm:txFillClrLst>
+    <dgm:txEffectClrLst/>
+  </dgm:styleLbl>
+  <dgm:styleLbl name="fgAcc0">
+    <dgm:fillClrLst meth="repeat">
+      <a:schemeClr val="lt1">
+        <a:alpha val="90000"/>
+      </a:schemeClr>
+    </dgm:fillClrLst>
+    <dgm:linClrLst meth="repeat">
+      <a:schemeClr val="accent2"/>
+    </dgm:linClrLst>
+    <dgm:effectClrLst/>
+    <dgm:txLinClrLst/>
+    <dgm:txFillClrLst meth="repeat">
+      <a:schemeClr val="dk1"/>
+    </dgm:txFillClrLst>
+    <dgm:txEffectClrLst/>
+  </dgm:styleLbl>
+  <dgm:styleLbl name="fgAcc1">
+    <dgm:fillClrLst meth="repeat">
+      <a:schemeClr val="lt1">
+        <a:alpha val="90000"/>
+      </a:schemeClr>
+    </dgm:fillClrLst>
+    <dgm:linClrLst meth="repeat">
+      <a:schemeClr val="accent2"/>
+    </dgm:linClrLst>
+    <dgm:effectClrLst/>
+    <dgm:txLinClrLst/>
+    <dgm:txFillClrLst meth="repeat">
+      <a:schemeClr val="dk1"/>
+    </dgm:txFillClrLst>
+    <dgm:txEffectClrLst/>
+  </dgm:styleLbl>
+  <dgm:styleLbl name="fgAcc2">
+    <dgm:fillClrLst meth="repeat">
+      <a:schemeClr val="lt1">
+        <a:alpha val="90000"/>
+      </a:schemeClr>
+    </dgm:fillClrLst>
+    <dgm:linClrLst meth="repeat">
+      <a:schemeClr val="accent2"/>
+    </dgm:linClrLst>
+    <dgm:effectClrLst/>
+    <dgm:txLinClrLst/>
+    <dgm:txFillClrLst meth="repeat">
+      <a:schemeClr val="dk1"/>
+    </dgm:txFillClrLst>
+    <dgm:txEffectClrLst/>
+  </dgm:styleLbl>
+  <dgm:styleLbl name="fgAcc3">
+    <dgm:fillClrLst meth="repeat">
+      <a:schemeClr val="lt1">
+        <a:alpha val="90000"/>
+      </a:schemeClr>
+    </dgm:fillClrLst>
+    <dgm:linClrLst meth="repeat">
+      <a:schemeClr val="accent2"/>
+    </dgm:linClrLst>
+    <dgm:effectClrLst/>
+    <dgm:txLinClrLst/>
+    <dgm:txFillClrLst meth="repeat">
+      <a:schemeClr val="dk1"/>
+    </dgm:txFillClrLst>
+    <dgm:txEffectClrLst/>
+  </dgm:styleLbl>
+  <dgm:styleLbl name="fgAcc4">
+    <dgm:fillClrLst meth="repeat">
+      <a:schemeClr val="lt1">
+        <a:alpha val="90000"/>
+      </a:schemeClr>
+    </dgm:fillClrLst>
+    <dgm:linClrLst meth="repeat">
+      <a:schemeClr val="accent2"/>
+    </dgm:linClrLst>
+    <dgm:effectClrLst/>
+    <dgm:txLinClrLst/>
+    <dgm:txFillClrLst meth="repeat">
+      <a:schemeClr val="dk1"/>
+    </dgm:txFillClrLst>
+    <dgm:txEffectClrLst/>
+  </dgm:styleLbl>
+  <dgm:styleLbl name="fgAccFollowNode1">
+    <dgm:fillClrLst meth="repeat">
+      <a:schemeClr val="accent2">
+        <a:alpha val="90000"/>
+        <a:tint val="40000"/>
+      </a:schemeClr>
+    </dgm:fillClrLst>
+    <dgm:linClrLst meth="repeat">
+      <a:schemeClr val="accent2">
+        <a:alpha val="90000"/>
+        <a:tint val="40000"/>
+      </a:schemeClr>
+    </dgm:linClrLst>
+    <dgm:effectClrLst/>
+    <dgm:txLinClrLst/>
+    <dgm:txFillClrLst meth="repeat">
+      <a:schemeClr val="dk1"/>
+    </dgm:txFillClrLst>
+    <dgm:txEffectClrLst/>
+  </dgm:styleLbl>
+  <dgm:styleLbl name="fgImgPlace1">
+    <dgm:fillClrLst meth="repeat">
+      <a:schemeClr val="accent2">
+        <a:tint val="50000"/>
+      </a:schemeClr>
+    </dgm:fillClrLst>
+    <dgm:linClrLst meth="repeat">
+      <a:schemeClr val="lt1"/>
+    </dgm:linClrLst>
+    <dgm:effectClrLst/>
+    <dgm:txLinClrLst/>
+    <dgm:txFillClrLst meth="repeat">
+      <a:schemeClr val="lt1"/>
+    </dgm:txFillClrLst>
+    <dgm:txEffectClrLst/>
+  </dgm:styleLbl>
+  <dgm:styleLbl name="fgShp">
+    <dgm:fillClrLst meth="repeat">
+      <a:schemeClr val="accent2">
+        <a:tint val="60000"/>
+      </a:schemeClr>
+    </dgm:fillClrLst>
+    <dgm:linClrLst meth="repeat">
+      <a:schemeClr val="lt1"/>
+    </dgm:linClrLst>
+    <dgm:effectClrLst/>
+    <dgm:txLinClrLst/>
+    <dgm:txFillClrLst meth="repeat">
+      <a:schemeClr val="dk1"/>
+    </dgm:txFillClrLst>
+    <dgm:txEffectClrLst/>
+  </dgm:styleLbl>
+  <dgm:styleLbl name="fgSibTrans2D1">
+    <dgm:fillClrLst meth="repeat">
+      <a:schemeClr val="accent2">
+        <a:tint val="60000"/>
+      </a:schemeClr>
+    </dgm:fillClrLst>
+    <dgm:linClrLst meth="repeat">
+      <a:schemeClr val="accent2">
+        <a:tint val="60000"/>
+      </a:schemeClr>
+    </dgm:linClrLst>
+    <dgm:effectClrLst/>
+    <dgm:txLinClrLst/>
+    <dgm:txFillClrLst/>
+    <dgm:txEffectClrLst/>
+  </dgm:styleLbl>
+  <dgm:styleLbl name="lnNode1">
+    <dgm:fillClrLst meth="repeat">
+      <a:schemeClr val="accent2"/>
+    </dgm:fillClrLst>
+    <dgm:linClrLst meth="repeat">
+      <a:schemeClr val="lt1"/>
+    </dgm:linClrLst>
+    <dgm:effectClrLst/>
+    <dgm:txLinClrLst/>
+    <dgm:txFillClrLst/>
+    <dgm:txEffectClrLst/>
+  </dgm:styleLbl>
+  <dgm:styleLbl name="node0">
+    <dgm:fillClrLst meth="repeat">
+      <a:schemeClr val="accent2"/>
+    </dgm:fillClrLst>
+    <dgm:linClrLst meth="repeat">
+      <a:schemeClr val="lt1"/>
+    </dgm:linClrLst>
+    <dgm:effectClrLst/>
+    <dgm:txLinClrLst/>
+    <dgm:txFillClrLst/>
+    <dgm:txEffectClrLst/>
+  </dgm:styleLbl>
+  <dgm:styleLbl name="node1">
+    <dgm:fillClrLst meth="repeat">
+      <a:schemeClr val="accent2"/>
+    </dgm:fillClrLst>
+    <dgm:linClrLst meth="repeat">
+      <a:schemeClr val="lt1"/>
+    </dgm:linClrLst>
+    <dgm:effectClrLst/>
+    <dgm:txLinClrLst/>
+    <dgm:txFillClrLst/>
+    <dgm:txEffectClrLst/>
+  </dgm:styleLbl>
+  <dgm:styleLbl name="node2">
+    <dgm:fillClrLst meth="repeat">
+      <a:schemeClr val="accent2"/>
+    </dgm:fillClrLst>
+    <dgm:linClrLst meth="repeat">
+      <a:schemeClr val="lt1"/>
+    </dgm:linClrLst>
+    <dgm:effectClrLst/>
+    <dgm:txLinClrLst/>
+    <dgm:txFillClrLst/>
+    <dgm:txEffectClrLst/>
+  </dgm:styleLbl>
+  <dgm:styleLbl name="node3">
+    <dgm:fillClrLst meth="repeat">
+      <a:schemeClr val="accent2"/>
+    </dgm:fillClrLst>
+    <dgm:linClrLst meth="repeat">
+      <a:schemeClr val="lt1"/>
+    </dgm:linClrLst>
+    <dgm:effectClrLst/>
+    <dgm:txLinClrLst/>
+    <dgm:txFillClrLst/>
+    <dgm:txEffectClrLst/>
+  </dgm:styleLbl>
+  <dgm:styleLbl name="node4">
+    <dgm:fillClrLst meth="repeat">
+      <a:schemeClr val="accent2"/>
+    </dgm:fillClrLst>
+    <dgm:linClrLst meth="repeat">
+      <a:schemeClr val="lt1"/>
+    </dgm:linClrLst>
+    <dgm:effectClrLst/>
+    <dgm:txLinClrLst/>
+    <dgm:txFillClrLst/>
+    <dgm:txEffectClrLst/>
+  </dgm:styleLbl>
+  <dgm:styleLbl name="parChTrans1D1">
+    <dgm:fillClrLst meth="repeat">
+      <a:schemeClr val="accent2"/>
+    </dgm:fillClrLst>
+    <dgm:linClrLst meth="repeat">
+      <a:schemeClr val="accent2">
+        <a:shade val="60000"/>
+      </a:schemeClr>
+    </dgm:linClrLst>
+    <dgm:effectClrLst/>
+    <dgm:txLinClrLst/>
+    <dgm:txFillClrLst meth="repeat">
+      <a:schemeClr val="tx1"/>
+    </dgm:txFillClrLst>
+    <dgm:txEffectClrLst/>
+  </dgm:styleLbl>
+  <dgm:styleLbl name="parChTrans1D2">
+    <dgm:fillClrLst meth="repeat">
+      <a:schemeClr val="accent2"/>
+    </dgm:fillClrLst>
+    <dgm:linClrLst meth="repeat">
+      <a:schemeClr val="accent2">
+        <a:shade val="60000"/>
+      </a:schemeClr>
+    </dgm:linClrLst>
+    <dgm:effectClrLst/>
+    <dgm:txLinClrLst/>
+    <dgm:txFillClrLst meth="repeat">
+      <a:schemeClr val="tx1"/>
+    </dgm:txFillClrLst>
+    <dgm:txEffectClrLst/>
+  </dgm:styleLbl>
+  <dgm:styleLbl name="parChTrans1D3">
+    <dgm:fillClrLst meth="repeat">
+      <a:schemeClr val="accent2"/>
+    </dgm:fillClrLst>
+    <dgm:linClrLst meth="repeat">
+      <a:schemeClr val="accent2">
+        <a:shade val="80000"/>
+      </a:schemeClr>
+    </dgm:linClrLst>
+    <dgm:effectClrLst/>
+    <dgm:txLinClrLst/>
+    <dgm:txFillClrLst meth="repeat">
+      <a:schemeClr val="tx1"/>
+    </dgm:txFillClrLst>
+    <dgm:txEffectClrLst/>
+  </dgm:styleLbl>
+  <dgm:styleLbl name="parChTrans1D4">
+    <dgm:fillClrLst meth="repeat">
+      <a:schemeClr val="accent2"/>
+    </dgm:fillClrLst>
+    <dgm:linClrLst meth="repeat">
+      <a:schemeClr val="accent2">
+        <a:shade val="80000"/>
+      </a:schemeClr>
+    </dgm:linClrLst>
+    <dgm:effectClrLst/>
+    <dgm:txLinClrLst/>
+    <dgm:txFillClrLst meth="repeat">
+      <a:schemeClr val="tx1"/>
+    </dgm:txFillClrLst>
+    <dgm:txEffectClrLst/>
+  </dgm:styleLbl>
+  <dgm:styleLbl name="parChTrans2D1">
+    <dgm:fillClrLst meth="repeat">
+      <a:schemeClr val="accent2">
+        <a:tint val="60000"/>
+      </a:schemeClr>
+    </dgm:fillClrLst>
+    <dgm:linClrLst meth="repeat">
+      <a:schemeClr val="accent2">
+        <a:tint val="60000"/>
+      </a:schemeClr>
+    </dgm:linClrLst>
+    <dgm:effectClrLst/>
+    <dgm:txLinClrLst/>
+    <dgm:txFillClrLst meth="repeat">
+      <a:schemeClr val="lt1"/>
+    </dgm:txFillClrLst>
+    <dgm:txEffectClrLst/>
+  </dgm:styleLbl>
+  <dgm:styleLbl name="parChTrans2D2">
+    <dgm:fillClrLst meth="repeat">
+      <a:schemeClr val="accent2"/>
+    </dgm:fillClrLst>
+    <dgm:linClrLst meth="repeat">
+      <a:schemeClr val="accent2"/>
+    </dgm:linClrLst>
+    <dgm:effectClrLst/>
+    <dgm:txLinClrLst/>
+    <dgm:txFillClrLst meth="repeat">
+      <a:schemeClr val="lt1"/>
+    </dgm:txFillClrLst>
+    <dgm:txEffectClrLst/>
+  </dgm:styleLbl>
+  <dgm:styleLbl name="parChTrans2D3">
+    <dgm:fillClrLst meth="repeat">
+      <a:schemeClr val="accent2"/>
+    </dgm:fillClrLst>
+    <dgm:linClrLst meth="repeat">
+      <a:schemeClr val="accent2"/>
+    </dgm:linClrLst>
+    <dgm:effectClrLst/>
+    <dgm:txLinClrLst/>
+    <dgm:txFillClrLst meth="repeat">
+      <a:schemeClr val="lt1"/>
+    </dgm:txFillClrLst>
+    <dgm:txEffectClrLst/>
+  </dgm:styleLbl>
+  <dgm:styleLbl name="parChTrans2D4">
+    <dgm:fillClrLst meth="repeat">
+      <a:schemeClr val="accent2"/>
+    </dgm:fillClrLst>
+    <dgm:linClrLst meth="repeat">
+      <a:schemeClr val="accent2"/>
+    </dgm:linClrLst>
+    <dgm:effectClrLst/>
+    <dgm:txLinClrLst/>
+    <dgm:txFillClrLst meth="repeat">
+      <a:schemeClr val="lt1"/>
+    </dgm:txFillClrLst>
+    <dgm:txEffectClrLst/>
+  </dgm:styleLbl>
+  <dgm:styleLbl name="revTx">
+    <dgm:fillClrLst meth="repeat">
+      <a:schemeClr val="lt1">
+        <a:alpha val="0"/>
+      </a:schemeClr>
+    </dgm:fillClrLst>
+    <dgm:linClrLst meth="repeat">
+      <a:schemeClr val="dk1">
+        <a:alpha val="0"/>
+      </a:schemeClr>
+    </dgm:linClrLst>
+    <dgm:effectClrLst/>
+    <dgm:txLinClrLst/>
+    <dgm:txFillClrLst meth="repeat">
+      <a:schemeClr val="tx1"/>
+    </dgm:txFillClrLst>
+    <dgm:txEffectClrLst/>
+  </dgm:styleLbl>
+  <dgm:styleLbl name="sibTrans1D1">
+    <dgm:fillClrLst meth="repeat">
+      <a:schemeClr val="accent2"/>
+    </dgm:fillClrLst>
+    <dgm:linClrLst meth="repeat">
+      <a:schemeClr val="accent2"/>
+    </dgm:linClrLst>
+    <dgm:effectClrLst/>
+    <dgm:txLinClrLst/>
+    <dgm:txFillClrLst meth="repeat">
+      <a:schemeClr val="tx1"/>
+    </dgm:txFillClrLst>
+    <dgm:txEffectClrLst/>
+  </dgm:styleLbl>
+  <dgm:styleLbl name="sibTrans2D1">
+    <dgm:fillClrLst meth="repeat">
+      <a:schemeClr val="accent2">
+        <a:tint val="60000"/>
+      </a:schemeClr>
+    </dgm:fillClrLst>
+    <dgm:linClrLst meth="repeat">
+      <a:schemeClr val="accent2">
+        <a:tint val="60000"/>
+      </a:schemeClr>
+    </dgm:linClrLst>
+    <dgm:effectClrLst/>
+    <dgm:txLinClrLst/>
+    <dgm:txFillClrLst/>
+    <dgm:txEffectClrLst/>
+  </dgm:styleLbl>
+  <dgm:styleLbl name="solidAlignAcc1">
+    <dgm:fillClrLst meth="repeat">
+      <a:schemeClr val="lt1"/>
+    </dgm:fillClrLst>
+    <dgm:linClrLst meth="repeat">
+      <a:schemeClr val="accent2"/>
+    </dgm:linClrLst>
+    <dgm:effectClrLst/>
+    <dgm:txLinClrLst/>
+    <dgm:txFillClrLst meth="repeat">
+      <a:schemeClr val="dk1"/>
+    </dgm:txFillClrLst>
+    <dgm:txEffectClrLst/>
+  </dgm:styleLbl>
+  <dgm:styleLbl name="solidBgAcc1">
+    <dgm:fillClrLst meth="repeat">
+      <a:schemeClr val="lt1"/>
+    </dgm:fillClrLst>
+    <dgm:linClrLst meth="repeat">
+      <a:schemeClr val="accent2"/>
+    </dgm:linClrLst>
+    <dgm:effectClrLst/>
+    <dgm:txLinClrLst/>
+    <dgm:txFillClrLst meth="repeat">
+      <a:schemeClr val="dk1"/>
+    </dgm:txFillClrLst>
+    <dgm:txEffectClrLst/>
+  </dgm:styleLbl>
+  <dgm:styleLbl name="solidFgAcc1">
+    <dgm:fillClrLst meth="repeat">
+      <a:schemeClr val="lt1"/>
+    </dgm:fillClrLst>
+    <dgm:linClrLst meth="repeat">
+      <a:schemeClr val="accent2"/>
+    </dgm:linClrLst>
+    <dgm:effectClrLst/>
+    <dgm:txLinClrLst/>
+    <dgm:txFillClrLst meth="repeat">
+      <a:schemeClr val="dk1"/>
+    </dgm:txFillClrLst>
+    <dgm:txEffectClrLst/>
+  </dgm:styleLbl>
+  <dgm:styleLbl name="trAlignAcc1">
+    <dgm:fillClrLst meth="repeat">
+      <a:schemeClr val="lt1">
+        <a:alpha val="40000"/>
+      </a:schemeClr>
+    </dgm:fillClrLst>
+    <dgm:linClrLst meth="repeat">
+      <a:schemeClr val="accent2"/>
+    </dgm:linClrLst>
+    <dgm:effectClrLst/>
+    <dgm:txLinClrLst/>
+    <dgm:txFillClrLst meth="repeat">
+      <a:schemeClr val="dk1"/>
+    </dgm:txFillClrLst>
+    <dgm:txEffectClrLst/>
+  </dgm:styleLbl>
+  <dgm:styleLbl name="trBgShp">
+    <dgm:fillClrLst meth="repeat">
+      <a:schemeClr val="accent2">
+        <a:tint val="50000"/>
+        <a:alpha val="40000"/>
+      </a:schemeClr>
+    </dgm:fillClrLst>
+    <dgm:linClrLst meth="repeat">
+      <a:schemeClr val="accent2"/>
+    </dgm:linClrLst>
+    <dgm:effectClrLst/>
+    <dgm:txLinClrLst/>
+    <dgm:txFillClrLst meth="repeat">
+      <a:schemeClr val="lt1"/>
+    </dgm:txFillClrLst>
+    <dgm:txEffectClrLst/>
+  </dgm:styleLbl>
+  <dgm:styleLbl name="vennNode1">
+    <dgm:fillClrLst meth="repeat">
+      <a:schemeClr val="accent2">
+        <a:alpha val="50000"/>
+      </a:schemeClr>
+    </dgm:fillClrLst>
+    <dgm:linClrLst meth="repeat">
+      <a:schemeClr val="lt1"/>
+    </dgm:linClrLst>
+    <dgm:effectClrLst/>
+    <dgm:txLinClrLst/>
+    <dgm:txFillClrLst/>
+    <dgm:txEffectClrLst/>
+  </dgm:styleLbl>
+</dgm:colorsDef>
+</file>
+
+<file path=ppt/diagrams/data1.xml><?xml version="1.0" encoding="utf-8"?>
+<dgm:dataModel xmlns:dgm="http://schemas.openxmlformats.org/drawingml/2006/diagram" xmlns:a="http://schemas.openxmlformats.org/drawingml/2006/main">
+  <dgm:ptLst>
+    <dgm:pt modelId="{9D527559-FDD8-4274-B634-C7FBCF5BC573}" type="doc">
+      <dgm:prSet loTypeId="process" loCatId="process" qsTypeId="urn:microsoft.com/office/officeart/2005/8/quickstyle/simple1" qsCatId="simple" csTypeId="urn:microsoft.com/office/officeart/2005/8/colors/accent2_2" csCatId="accent1" phldr="0"/>
+      <dgm:spPr/>
+    </dgm:pt>
+    <dgm:pt modelId="{870E4F47-8CC4-4F59-B4C1-42B5AAA5CEFE}">
+      <dgm:prSet phldrT="[Text]" phldr="0" custT="0"/>
+      <dgm:spPr/>
+      <dgm:t>
+        <a:bodyPr vert="horz" wrap="square"/>
+        <a:p>
+          <a:pPr>
+            <a:lnSpc>
+              <a:spcPct val="100000"/>
+            </a:lnSpc>
+            <a:spcBef>
+              <a:spcPct val="0"/>
+            </a:spcBef>
+            <a:spcAft>
+              <a:spcPct val="35000"/>
+            </a:spcAft>
+          </a:pPr>
+          <a:r>
+            <a:rPr lang="en-US"/>
+            <a:t>Gather</a:t>
+          </a:r>
+          <a:endParaRPr lang="en-US"/>
+        </a:p>
+      </dgm:t>
+    </dgm:pt>
+    <dgm:pt modelId="{3D1AB2CA-88A4-4E4C-9A8A-508DF0E06639}" cxnId="{8AA3A503-A788-433D-A7C2-119D2F38702E}" type="parTrans">
+      <dgm:prSet/>
+      <dgm:spPr/>
+    </dgm:pt>
+    <dgm:pt modelId="{856E2728-BF00-49C7-82BA-8F4DCB00940B}" cxnId="{8AA3A503-A788-433D-A7C2-119D2F38702E}" type="sibTrans">
+      <dgm:prSet/>
+      <dgm:spPr/>
+    </dgm:pt>
+    <dgm:pt modelId="{1AA64000-5F0F-47A8-A435-2AF8D82F28B1}">
+      <dgm:prSet phldrT="[Text]" phldr="0" custT="0"/>
+      <dgm:spPr/>
+      <dgm:t>
+        <a:bodyPr vert="horz" wrap="square"/>
+        <a:p>
+          <a:pPr>
+            <a:lnSpc>
+              <a:spcPct val="100000"/>
+            </a:lnSpc>
+            <a:spcBef>
+              <a:spcPct val="0"/>
+            </a:spcBef>
+            <a:spcAft>
+              <a:spcPct val="35000"/>
+            </a:spcAft>
+          </a:pPr>
+          <a:r>
+            <a:rPr lang="en-US"/>
+            <a:t>Discover</a:t>
+          </a:r>
+          <a:r>
+            <a:rPr lang="en-US"/>
+            <a:t/>
+          </a:r>
+          <a:endParaRPr lang="en-US"/>
+        </a:p>
+      </dgm:t>
+    </dgm:pt>
+    <dgm:pt modelId="{845A32C3-0E8A-4EED-972E-FC6F9A8364F8}" cxnId="{D7340DBC-9EB3-4A90-A3A3-4ADBAA5877D3}" type="parTrans">
+      <dgm:prSet/>
+      <dgm:spPr/>
+    </dgm:pt>
+    <dgm:pt modelId="{C0D86BAE-7711-4781-A574-7BE0EA273229}" cxnId="{D7340DBC-9EB3-4A90-A3A3-4ADBAA5877D3}" type="sibTrans">
+      <dgm:prSet/>
+      <dgm:spPr/>
+    </dgm:pt>
+    <dgm:pt modelId="{9C12F5BE-AC2F-4662-8DFA-C79428950CF2}">
+      <dgm:prSet phldrT="[Text]" phldr="0" custT="0"/>
+      <dgm:spPr/>
+      <dgm:t>
+        <a:bodyPr vert="horz" wrap="square"/>
+        <a:p>
+          <a:pPr>
+            <a:lnSpc>
+              <a:spcPct val="100000"/>
+            </a:lnSpc>
+            <a:spcBef>
+              <a:spcPct val="0"/>
+            </a:spcBef>
+            <a:spcAft>
+              <a:spcPct val="35000"/>
+            </a:spcAft>
+          </a:pPr>
+          <a:r>
+            <a:rPr lang="en-US"/>
+            <a:t>Cleanse</a:t>
+          </a:r>
+          <a:r>
+            <a:rPr lang="en-US"/>
+            <a:t/>
+          </a:r>
+          <a:endParaRPr lang="en-US"/>
+        </a:p>
+      </dgm:t>
+    </dgm:pt>
+    <dgm:pt modelId="{E2B7565C-BEBF-47B7-AC71-10023CB96091}" cxnId="{1BE8C5FF-102D-4C14-9E4B-4A047AC87322}" type="parTrans">
+      <dgm:prSet/>
+      <dgm:spPr/>
+    </dgm:pt>
+    <dgm:pt modelId="{BE48B07B-4C6F-4C50-9D7F-CE1D6590BF95}" cxnId="{1BE8C5FF-102D-4C14-9E4B-4A047AC87322}" type="sibTrans">
+      <dgm:prSet/>
+      <dgm:spPr/>
+    </dgm:pt>
+    <dgm:pt modelId="{69A34FA6-AE94-441C-9DF5-A029DE71C5C1}">
+      <dgm:prSet phldr="0" custT="0"/>
+      <dgm:spPr/>
+      <dgm:t>
+        <a:bodyPr vert="horz" wrap="square"/>
+        <a:p>
+          <a:pPr>
+            <a:lnSpc>
+              <a:spcPct val="100000"/>
+            </a:lnSpc>
+            <a:spcBef>
+              <a:spcPct val="0"/>
+            </a:spcBef>
+            <a:spcAft>
+              <a:spcPct val="35000"/>
+            </a:spcAft>
+          </a:pPr>
+          <a:r>
+            <a:rPr lang="en-US"/>
+            <a:t>Transform</a:t>
+          </a:r>
+          <a:endParaRPr lang="en-US"/>
+        </a:p>
+      </dgm:t>
+    </dgm:pt>
+    <dgm:pt modelId="{7CE17E2D-B914-43DE-92D0-4E00843C0D2D}" cxnId="{303DA51C-277C-4181-A73F-B4C74AF60271}" type="parTrans">
+      <dgm:prSet/>
+      <dgm:spPr/>
+    </dgm:pt>
+    <dgm:pt modelId="{76530BCF-0642-47C8-BC97-41B5662E466A}" cxnId="{303DA51C-277C-4181-A73F-B4C74AF60271}" type="sibTrans">
+      <dgm:prSet/>
+      <dgm:spPr/>
+    </dgm:pt>
+    <dgm:pt modelId="{8898168D-FC22-400F-A732-7FC81B805255}">
+      <dgm:prSet phldr="0" custT="0"/>
+      <dgm:spPr/>
+      <dgm:t>
+        <a:bodyPr vert="horz" wrap="square"/>
+        <a:p>
+          <a:pPr>
+            <a:lnSpc>
+              <a:spcPct val="100000"/>
+            </a:lnSpc>
+            <a:spcBef>
+              <a:spcPct val="0"/>
+            </a:spcBef>
+            <a:spcAft>
+              <a:spcPct val="35000"/>
+            </a:spcAft>
+          </a:pPr>
+          <a:r>
+            <a:rPr lang="en-US"/>
+            <a:t>Store</a:t>
+          </a:r>
+          <a:endParaRPr lang="en-US"/>
+        </a:p>
+      </dgm:t>
+    </dgm:pt>
+    <dgm:pt modelId="{735708B0-4498-4EA6-A3AD-991FDCD1BC95}" cxnId="{955E6F13-2A88-452D-AA2D-4C12C87BA9E1}" type="parTrans">
+      <dgm:prSet/>
+      <dgm:spPr/>
+    </dgm:pt>
+    <dgm:pt modelId="{B9DDD71C-486C-40F3-AB72-A85754C595F1}" cxnId="{955E6F13-2A88-452D-AA2D-4C12C87BA9E1}" type="sibTrans">
+      <dgm:prSet/>
+      <dgm:spPr/>
+    </dgm:pt>
+    <dgm:pt modelId="{60E81CF5-4537-4C2F-8762-598D2E914097}" type="pres">
+      <dgm:prSet presAssocID="{9D527559-FDD8-4274-B634-C7FBCF5BC573}" presName="Name0" presStyleCnt="0">
+        <dgm:presLayoutVars>
+          <dgm:dir/>
+          <dgm:animLvl val="lvl"/>
+          <dgm:resizeHandles val="exact"/>
+        </dgm:presLayoutVars>
+      </dgm:prSet>
+      <dgm:spPr/>
+    </dgm:pt>
+    <dgm:pt modelId="{67FF3BB9-6612-4697-87EE-EC66312779BE}" type="pres">
+      <dgm:prSet presAssocID="{870E4F47-8CC4-4F59-B4C1-42B5AAA5CEFE}" presName="parTxOnly" presStyleLbl="node1" presStyleIdx="0" presStyleCnt="5">
+        <dgm:presLayoutVars>
+          <dgm:chMax val="0"/>
+          <dgm:chPref val="0"/>
+          <dgm:bulletEnabled val="1"/>
+        </dgm:presLayoutVars>
+      </dgm:prSet>
+      <dgm:spPr/>
+    </dgm:pt>
+    <dgm:pt modelId="{E484CEA2-673C-4A85-8A00-8580D721B29A}" type="pres">
+      <dgm:prSet presAssocID="{856E2728-BF00-49C7-82BA-8F4DCB00940B}" presName="parTxOnlySpace" presStyleCnt="0"/>
+      <dgm:spPr/>
+    </dgm:pt>
+    <dgm:pt modelId="{D3000CD6-B08B-4D3B-8D2A-7F1C26A23961}" type="pres">
+      <dgm:prSet presAssocID="{1AA64000-5F0F-47A8-A435-2AF8D82F28B1}" presName="parTxOnly" presStyleLbl="node1" presStyleIdx="1" presStyleCnt="5">
+        <dgm:presLayoutVars>
+          <dgm:chMax val="0"/>
+          <dgm:chPref val="0"/>
+          <dgm:bulletEnabled val="1"/>
+        </dgm:presLayoutVars>
+      </dgm:prSet>
+      <dgm:spPr/>
+    </dgm:pt>
+    <dgm:pt modelId="{1773A515-DFFE-41F0-B581-98757CBEC16E}" type="pres">
+      <dgm:prSet presAssocID="{C0D86BAE-7711-4781-A574-7BE0EA273229}" presName="parTxOnlySpace" presStyleCnt="0"/>
+      <dgm:spPr/>
+    </dgm:pt>
+    <dgm:pt modelId="{74437C11-3810-488A-B265-8C8037793D77}" type="pres">
+      <dgm:prSet presAssocID="{9C12F5BE-AC2F-4662-8DFA-C79428950CF2}" presName="parTxOnly" presStyleLbl="node1" presStyleIdx="2" presStyleCnt="5">
+        <dgm:presLayoutVars>
+          <dgm:chMax val="0"/>
+          <dgm:chPref val="0"/>
+          <dgm:bulletEnabled val="1"/>
+        </dgm:presLayoutVars>
+      </dgm:prSet>
+      <dgm:spPr/>
+    </dgm:pt>
+    <dgm:pt modelId="{54DFA43B-0CEB-4FFF-9BF5-E8399A6F2AD8}" type="pres">
+      <dgm:prSet presAssocID="{BE48B07B-4C6F-4C50-9D7F-CE1D6590BF95}" presName="parTxOnlySpace" presStyleCnt="0"/>
+      <dgm:spPr/>
+    </dgm:pt>
+    <dgm:pt modelId="{34E3ECE1-CC2F-4DDC-8E98-ABA0E3A055BD}" type="pres">
+      <dgm:prSet presAssocID="{69A34FA6-AE94-441C-9DF5-A029DE71C5C1}" presName="parTxOnly" presStyleLbl="node1" presStyleIdx="3" presStyleCnt="5">
+        <dgm:presLayoutVars>
+          <dgm:chMax val="0"/>
+          <dgm:chPref val="0"/>
+          <dgm:bulletEnabled val="1"/>
+        </dgm:presLayoutVars>
+      </dgm:prSet>
+      <dgm:spPr/>
+    </dgm:pt>
+    <dgm:pt modelId="{48BE0BD3-BBB7-40C1-A0C0-E4112BD7BF9E}" type="pres">
+      <dgm:prSet presAssocID="{76530BCF-0642-47C8-BC97-41B5662E466A}" presName="parTxOnlySpace" presStyleCnt="0"/>
+      <dgm:spPr/>
+    </dgm:pt>
+    <dgm:pt modelId="{7A7A4BA6-187B-483E-87E5-7646635EA69E}" type="pres">
+      <dgm:prSet presAssocID="{8898168D-FC22-400F-A732-7FC81B805255}" presName="parTxOnly" presStyleLbl="node1" presStyleIdx="4" presStyleCnt="5">
+        <dgm:presLayoutVars>
+          <dgm:chMax val="0"/>
+          <dgm:chPref val="0"/>
+          <dgm:bulletEnabled val="1"/>
+        </dgm:presLayoutVars>
+      </dgm:prSet>
+      <dgm:spPr/>
+    </dgm:pt>
+  </dgm:ptLst>
+  <dgm:cxnLst>
+    <dgm:cxn modelId="{8AA3A503-A788-433D-A7C2-119D2F38702E}" srcId="{9D527559-FDD8-4274-B634-C7FBCF5BC573}" destId="{870E4F47-8CC4-4F59-B4C1-42B5AAA5CEFE}" srcOrd="0" destOrd="0" parTransId="{3D1AB2CA-88A4-4E4C-9A8A-508DF0E06639}" sibTransId="{856E2728-BF00-49C7-82BA-8F4DCB00940B}"/>
+    <dgm:cxn modelId="{D7340DBC-9EB3-4A90-A3A3-4ADBAA5877D3}" srcId="{9D527559-FDD8-4274-B634-C7FBCF5BC573}" destId="{1AA64000-5F0F-47A8-A435-2AF8D82F28B1}" srcOrd="1" destOrd="0" parTransId="{845A32C3-0E8A-4EED-972E-FC6F9A8364F8}" sibTransId="{C0D86BAE-7711-4781-A574-7BE0EA273229}"/>
+    <dgm:cxn modelId="{1BE8C5FF-102D-4C14-9E4B-4A047AC87322}" srcId="{9D527559-FDD8-4274-B634-C7FBCF5BC573}" destId="{9C12F5BE-AC2F-4662-8DFA-C79428950CF2}" srcOrd="2" destOrd="0" parTransId="{E2B7565C-BEBF-47B7-AC71-10023CB96091}" sibTransId="{BE48B07B-4C6F-4C50-9D7F-CE1D6590BF95}"/>
+    <dgm:cxn modelId="{303DA51C-277C-4181-A73F-B4C74AF60271}" srcId="{9D527559-FDD8-4274-B634-C7FBCF5BC573}" destId="{69A34FA6-AE94-441C-9DF5-A029DE71C5C1}" srcOrd="3" destOrd="0" parTransId="{7CE17E2D-B914-43DE-92D0-4E00843C0D2D}" sibTransId="{76530BCF-0642-47C8-BC97-41B5662E466A}"/>
+    <dgm:cxn modelId="{955E6F13-2A88-452D-AA2D-4C12C87BA9E1}" srcId="{9D527559-FDD8-4274-B634-C7FBCF5BC573}" destId="{8898168D-FC22-400F-A732-7FC81B805255}" srcOrd="4" destOrd="0" parTransId="{735708B0-4498-4EA6-A3AD-991FDCD1BC95}" sibTransId="{B9DDD71C-486C-40F3-AB72-A85754C595F1}"/>
+    <dgm:cxn modelId="{CC767200-0C85-42DA-AA38-BA571FF1BACF}" type="presOf" srcId="{9D527559-FDD8-4274-B634-C7FBCF5BC573}" destId="{60E81CF5-4537-4C2F-8762-598D2E914097}" srcOrd="0" destOrd="0" presId="urn:microsoft.com/office/officeart/2005/8/layout/chevron1"/>
+    <dgm:cxn modelId="{10DB0E10-CFF8-44F3-99C2-EE59A763136D}" type="presParOf" srcId="{60E81CF5-4537-4C2F-8762-598D2E914097}" destId="{67FF3BB9-6612-4697-87EE-EC66312779BE}" srcOrd="0" destOrd="0" presId="urn:microsoft.com/office/officeart/2005/8/layout/chevron1"/>
+    <dgm:cxn modelId="{C269061C-5D4B-443A-ABF0-2E846B0D96E8}" type="presOf" srcId="{870E4F47-8CC4-4F59-B4C1-42B5AAA5CEFE}" destId="{67FF3BB9-6612-4697-87EE-EC66312779BE}" srcOrd="0" destOrd="0" presId="urn:microsoft.com/office/officeart/2005/8/layout/chevron1"/>
+    <dgm:cxn modelId="{D7359B5B-6E58-46EF-8046-001AD53BBB33}" type="presParOf" srcId="{60E81CF5-4537-4C2F-8762-598D2E914097}" destId="{E484CEA2-673C-4A85-8A00-8580D721B29A}" srcOrd="1" destOrd="0" presId="urn:microsoft.com/office/officeart/2005/8/layout/chevron1"/>
+    <dgm:cxn modelId="{11A50EE8-AB32-42B6-A7B6-0439F1597047}" type="presParOf" srcId="{60E81CF5-4537-4C2F-8762-598D2E914097}" destId="{D3000CD6-B08B-4D3B-8D2A-7F1C26A23961}" srcOrd="2" destOrd="0" presId="urn:microsoft.com/office/officeart/2005/8/layout/chevron1"/>
+    <dgm:cxn modelId="{86918D63-4C9D-41DA-B76F-C3D21B3ED1CA}" type="presOf" srcId="{1AA64000-5F0F-47A8-A435-2AF8D82F28B1}" destId="{D3000CD6-B08B-4D3B-8D2A-7F1C26A23961}" srcOrd="0" destOrd="0" presId="urn:microsoft.com/office/officeart/2005/8/layout/chevron1"/>
+    <dgm:cxn modelId="{4C2787AE-50D6-47BD-8978-39BE7977C429}" type="presParOf" srcId="{60E81CF5-4537-4C2F-8762-598D2E914097}" destId="{1773A515-DFFE-41F0-B581-98757CBEC16E}" srcOrd="3" destOrd="0" presId="urn:microsoft.com/office/officeart/2005/8/layout/chevron1"/>
+    <dgm:cxn modelId="{090B4593-D37D-4B5C-9447-D2ECA6D67295}" type="presParOf" srcId="{60E81CF5-4537-4C2F-8762-598D2E914097}" destId="{74437C11-3810-488A-B265-8C8037793D77}" srcOrd="4" destOrd="0" presId="urn:microsoft.com/office/officeart/2005/8/layout/chevron1"/>
+    <dgm:cxn modelId="{D2AE0DBD-3AC5-45E0-B09A-1A85CAAC1208}" type="presOf" srcId="{9C12F5BE-AC2F-4662-8DFA-C79428950CF2}" destId="{74437C11-3810-488A-B265-8C8037793D77}" srcOrd="0" destOrd="0" presId="urn:microsoft.com/office/officeart/2005/8/layout/chevron1"/>
+    <dgm:cxn modelId="{BA509718-22EC-4D1D-84E7-4EB941F318FA}" type="presParOf" srcId="{60E81CF5-4537-4C2F-8762-598D2E914097}" destId="{54DFA43B-0CEB-4FFF-9BF5-E8399A6F2AD8}" srcOrd="5" destOrd="0" presId="urn:microsoft.com/office/officeart/2005/8/layout/chevron1"/>
+    <dgm:cxn modelId="{6F4815F3-9C87-47F3-A3C0-029F3684096E}" type="presParOf" srcId="{60E81CF5-4537-4C2F-8762-598D2E914097}" destId="{34E3ECE1-CC2F-4DDC-8E98-ABA0E3A055BD}" srcOrd="6" destOrd="0" presId="urn:microsoft.com/office/officeart/2005/8/layout/chevron1"/>
+    <dgm:cxn modelId="{A7F75410-0539-4C48-AAE3-457E9211C3B2}" type="presOf" srcId="{69A34FA6-AE94-441C-9DF5-A029DE71C5C1}" destId="{34E3ECE1-CC2F-4DDC-8E98-ABA0E3A055BD}" srcOrd="0" destOrd="0" presId="urn:microsoft.com/office/officeart/2005/8/layout/chevron1"/>
+    <dgm:cxn modelId="{81FC18C4-B85F-47A2-9859-C4DEBD02EBD7}" type="presParOf" srcId="{60E81CF5-4537-4C2F-8762-598D2E914097}" destId="{48BE0BD3-BBB7-40C1-A0C0-E4112BD7BF9E}" srcOrd="7" destOrd="0" presId="urn:microsoft.com/office/officeart/2005/8/layout/chevron1"/>
+    <dgm:cxn modelId="{C75A7459-39DB-4D61-B94E-E3A010F27E0F}" type="presParOf" srcId="{60E81CF5-4537-4C2F-8762-598D2E914097}" destId="{7A7A4BA6-187B-483E-87E5-7646635EA69E}" srcOrd="8" destOrd="0" presId="urn:microsoft.com/office/officeart/2005/8/layout/chevron1"/>
+    <dgm:cxn modelId="{582A63CF-891F-4AA8-BBED-7D18B82490C4}" type="presOf" srcId="{8898168D-FC22-400F-A732-7FC81B805255}" destId="{7A7A4BA6-187B-483E-87E5-7646635EA69E}" srcOrd="0" destOrd="0" presId="urn:microsoft.com/office/officeart/2005/8/layout/chevron1"/>
+  </dgm:cxnLst>
+  <dgm:bg/>
+  <dgm:whole/>
+  <dgm:extLst>
+    <a:ext uri="http://schemas.microsoft.com/office/drawing/2008/diagram">
+      <dsp:dataModelExt xmlns:dsp="http://schemas.microsoft.com/office/drawing/2008/diagram" relId="rId5" minVer="http://schemas.openxmlformats.org/drawingml/2006/diagram"/>
+    </a:ext>
+  </dgm:extLst>
+</dgm:dataModel>
+</file>
+
+<file path=ppt/diagrams/drawing1.xml><?xml version="1.0" encoding="utf-8"?>
+<dsp:drawing xmlns:dgm="http://schemas.openxmlformats.org/drawingml/2006/diagram" xmlns:dsp="http://schemas.microsoft.com/office/drawing/2008/diagram" xmlns:a="http://schemas.openxmlformats.org/drawingml/2006/main" xmlns:r="http://schemas.openxmlformats.org/officeDocument/2006/relationships">
+  <dsp:spTree>
+    <dsp:nvGrpSpPr>
+      <dsp:cNvPr id="2" name="Group 1"/>
+      <dsp:cNvGrpSpPr/>
+    </dsp:nvGrpSpPr>
+    <dsp:grpSpPr>
+      <a:xfrm>
+        <a:off x="0" y="0"/>
+        <a:ext cx="9550400" cy="1254760"/>
+        <a:chOff x="0" y="0"/>
+        <a:chExt cx="9550400" cy="1254760"/>
+      </a:xfrm>
+    </dsp:grpSpPr>
+    <dsp:sp modelId="{67FF3BB9-6612-4697-87EE-EC66312779BE}">
+      <dsp:nvSpPr>
+        <dsp:cNvPr id="3" name="Chevron 2"/>
+        <dsp:cNvSpPr/>
+      </dsp:nvSpPr>
+      <dsp:spPr bwMode="white">
+        <a:xfrm>
+          <a:off x="0" y="212145"/>
+          <a:ext cx="2076174" cy="830470"/>
+        </a:xfrm>
+        <a:prstGeom prst="chevron">
+          <a:avLst/>
+        </a:prstGeom>
+      </dsp:spPr>
+      <dsp:style>
+        <a:lnRef idx="2">
+          <a:schemeClr val="lt1"/>
+        </a:lnRef>
+        <a:fillRef idx="1">
+          <a:schemeClr val="accent2"/>
+        </a:fillRef>
+        <a:effectRef idx="0">
+          <a:scrgbClr r="0" g="0" b="0"/>
+        </a:effectRef>
+        <a:fontRef idx="minor">
+          <a:schemeClr val="lt1"/>
+        </a:fontRef>
+      </dsp:style>
+      <dsp:txBody>
+        <a:bodyPr vert="horz" wrap="square" lIns="68008" tIns="22669" rIns="22669" bIns="22669" anchor="ctr"/>
+        <a:lstStyle>
+          <a:lvl1pPr algn="ctr">
+            <a:defRPr sz="1700"/>
+          </a:lvl1pPr>
+          <a:lvl2pPr marL="114300" indent="-114300" algn="ctr">
+            <a:defRPr sz="1300"/>
+          </a:lvl2pPr>
+          <a:lvl3pPr marL="228600" indent="-114300" algn="ctr">
+            <a:defRPr sz="1300"/>
+          </a:lvl3pPr>
+          <a:lvl4pPr marL="342900" indent="-114300" algn="ctr">
+            <a:defRPr sz="1300"/>
+          </a:lvl4pPr>
+          <a:lvl5pPr marL="457200" indent="-114300" algn="ctr">
+            <a:defRPr sz="1300"/>
+          </a:lvl5pPr>
+          <a:lvl6pPr marL="571500" indent="-114300" algn="ctr">
+            <a:defRPr sz="1300"/>
+          </a:lvl6pPr>
+          <a:lvl7pPr marL="685800" indent="-114300" algn="ctr">
+            <a:defRPr sz="1300"/>
+          </a:lvl7pPr>
+          <a:lvl8pPr marL="800100" indent="-114300" algn="ctr">
+            <a:defRPr sz="1300"/>
+          </a:lvl8pPr>
+          <a:lvl9pPr marL="914400" indent="-114300" algn="ctr">
+            <a:defRPr sz="1300"/>
+          </a:lvl9pPr>
+        </a:lstStyle>
+        <a:p>
+          <a:pPr lvl="0">
+            <a:lnSpc>
+              <a:spcPct val="100000"/>
+            </a:lnSpc>
+            <a:spcBef>
+              <a:spcPct val="0"/>
+            </a:spcBef>
+            <a:spcAft>
+              <a:spcPct val="35000"/>
+            </a:spcAft>
+          </a:pPr>
+          <a:r>
+            <a:rPr lang="en-US"/>
+            <a:t>Gather</a:t>
+          </a:r>
+          <a:endParaRPr lang="en-US"/>
+        </a:p>
+      </dsp:txBody>
+      <dsp:txXfrm>
+        <a:off x="0" y="212145"/>
+        <a:ext cx="2076174" cy="830470"/>
+      </dsp:txXfrm>
+    </dsp:sp>
+    <dsp:sp modelId="{D3000CD6-B08B-4D3B-8D2A-7F1C26A23961}">
+      <dsp:nvSpPr>
+        <dsp:cNvPr id="4" name="Chevron 3"/>
+        <dsp:cNvSpPr/>
+      </dsp:nvSpPr>
+      <dsp:spPr bwMode="white">
+        <a:xfrm>
+          <a:off x="1868557" y="212145"/>
+          <a:ext cx="2076174" cy="830470"/>
+        </a:xfrm>
+        <a:prstGeom prst="chevron">
+          <a:avLst/>
+        </a:prstGeom>
+      </dsp:spPr>
+      <dsp:style>
+        <a:lnRef idx="2">
+          <a:schemeClr val="lt1"/>
+        </a:lnRef>
+        <a:fillRef idx="1">
+          <a:schemeClr val="accent2"/>
+        </a:fillRef>
+        <a:effectRef idx="0">
+          <a:scrgbClr r="0" g="0" b="0"/>
+        </a:effectRef>
+        <a:fontRef idx="minor">
+          <a:schemeClr val="lt1"/>
+        </a:fontRef>
+      </dsp:style>
+      <dsp:txBody>
+        <a:bodyPr vert="horz" wrap="square" lIns="68008" tIns="22669" rIns="22669" bIns="22669" anchor="ctr"/>
+        <a:lstStyle>
+          <a:lvl1pPr algn="ctr">
+            <a:defRPr sz="1700"/>
+          </a:lvl1pPr>
+          <a:lvl2pPr marL="114300" indent="-114300" algn="ctr">
+            <a:defRPr sz="1300"/>
+          </a:lvl2pPr>
+          <a:lvl3pPr marL="228600" indent="-114300" algn="ctr">
+            <a:defRPr sz="1300"/>
+          </a:lvl3pPr>
+          <a:lvl4pPr marL="342900" indent="-114300" algn="ctr">
+            <a:defRPr sz="1300"/>
+          </a:lvl4pPr>
+          <a:lvl5pPr marL="457200" indent="-114300" algn="ctr">
+            <a:defRPr sz="1300"/>
+          </a:lvl5pPr>
+          <a:lvl6pPr marL="571500" indent="-114300" algn="ctr">
+            <a:defRPr sz="1300"/>
+          </a:lvl6pPr>
+          <a:lvl7pPr marL="685800" indent="-114300" algn="ctr">
+            <a:defRPr sz="1300"/>
+          </a:lvl7pPr>
+          <a:lvl8pPr marL="800100" indent="-114300" algn="ctr">
+            <a:defRPr sz="1300"/>
+          </a:lvl8pPr>
+          <a:lvl9pPr marL="914400" indent="-114300" algn="ctr">
+            <a:defRPr sz="1300"/>
+          </a:lvl9pPr>
+        </a:lstStyle>
+        <a:p>
+          <a:pPr lvl="0">
+            <a:lnSpc>
+              <a:spcPct val="100000"/>
+            </a:lnSpc>
+            <a:spcBef>
+              <a:spcPct val="0"/>
+            </a:spcBef>
+            <a:spcAft>
+              <a:spcPct val="35000"/>
+            </a:spcAft>
+          </a:pPr>
+          <a:r>
+            <a:rPr lang="en-US"/>
+            <a:t>Discover</a:t>
+          </a:r>
+          <a:endParaRPr lang="en-US"/>
+        </a:p>
+      </dsp:txBody>
+      <dsp:txXfrm>
+        <a:off x="1868557" y="212145"/>
+        <a:ext cx="2076174" cy="830470"/>
+      </dsp:txXfrm>
+    </dsp:sp>
+    <dsp:sp modelId="{74437C11-3810-488A-B265-8C8037793D77}">
+      <dsp:nvSpPr>
+        <dsp:cNvPr id="5" name="Chevron 4"/>
+        <dsp:cNvSpPr/>
+      </dsp:nvSpPr>
+      <dsp:spPr bwMode="white">
+        <a:xfrm>
+          <a:off x="3737113" y="212145"/>
+          <a:ext cx="2076174" cy="830470"/>
+        </a:xfrm>
+        <a:prstGeom prst="chevron">
+          <a:avLst/>
+        </a:prstGeom>
+      </dsp:spPr>
+      <dsp:style>
+        <a:lnRef idx="2">
+          <a:schemeClr val="lt1"/>
+        </a:lnRef>
+        <a:fillRef idx="1">
+          <a:schemeClr val="accent2"/>
+        </a:fillRef>
+        <a:effectRef idx="0">
+          <a:scrgbClr r="0" g="0" b="0"/>
+        </a:effectRef>
+        <a:fontRef idx="minor">
+          <a:schemeClr val="lt1"/>
+        </a:fontRef>
+      </dsp:style>
+      <dsp:txBody>
+        <a:bodyPr vert="horz" wrap="square" lIns="68008" tIns="22669" rIns="22669" bIns="22669" anchor="ctr"/>
+        <a:lstStyle>
+          <a:lvl1pPr algn="ctr">
+            <a:defRPr sz="1700"/>
+          </a:lvl1pPr>
+          <a:lvl2pPr marL="114300" indent="-114300" algn="ctr">
+            <a:defRPr sz="1300"/>
+          </a:lvl2pPr>
+          <a:lvl3pPr marL="228600" indent="-114300" algn="ctr">
+            <a:defRPr sz="1300"/>
+          </a:lvl3pPr>
+          <a:lvl4pPr marL="342900" indent="-114300" algn="ctr">
+            <a:defRPr sz="1300"/>
+          </a:lvl4pPr>
+          <a:lvl5pPr marL="457200" indent="-114300" algn="ctr">
+            <a:defRPr sz="1300"/>
+          </a:lvl5pPr>
+          <a:lvl6pPr marL="571500" indent="-114300" algn="ctr">
+            <a:defRPr sz="1300"/>
+          </a:lvl6pPr>
+          <a:lvl7pPr marL="685800" indent="-114300" algn="ctr">
+            <a:defRPr sz="1300"/>
+          </a:lvl7pPr>
+          <a:lvl8pPr marL="800100" indent="-114300" algn="ctr">
+            <a:defRPr sz="1300"/>
+          </a:lvl8pPr>
+          <a:lvl9pPr marL="914400" indent="-114300" algn="ctr">
+            <a:defRPr sz="1300"/>
+          </a:lvl9pPr>
+        </a:lstStyle>
+        <a:p>
+          <a:pPr lvl="0">
+            <a:lnSpc>
+              <a:spcPct val="100000"/>
+            </a:lnSpc>
+            <a:spcBef>
+              <a:spcPct val="0"/>
+            </a:spcBef>
+            <a:spcAft>
+              <a:spcPct val="35000"/>
+            </a:spcAft>
+          </a:pPr>
+          <a:r>
+            <a:rPr lang="en-US"/>
+            <a:t>Cleanse</a:t>
+          </a:r>
+          <a:endParaRPr lang="en-US"/>
+        </a:p>
+      </dsp:txBody>
+      <dsp:txXfrm>
+        <a:off x="3737113" y="212145"/>
+        <a:ext cx="2076174" cy="830470"/>
+      </dsp:txXfrm>
+    </dsp:sp>
+    <dsp:sp modelId="{34E3ECE1-CC2F-4DDC-8E98-ABA0E3A055BD}">
+      <dsp:nvSpPr>
+        <dsp:cNvPr id="6" name="Chevron 5"/>
+        <dsp:cNvSpPr/>
+      </dsp:nvSpPr>
+      <dsp:spPr bwMode="white">
+        <a:xfrm>
+          <a:off x="5605670" y="212145"/>
+          <a:ext cx="2076174" cy="830470"/>
+        </a:xfrm>
+        <a:prstGeom prst="chevron">
+          <a:avLst/>
+        </a:prstGeom>
+      </dsp:spPr>
+      <dsp:style>
+        <a:lnRef idx="2">
+          <a:schemeClr val="lt1"/>
+        </a:lnRef>
+        <a:fillRef idx="1">
+          <a:schemeClr val="accent2"/>
+        </a:fillRef>
+        <a:effectRef idx="0">
+          <a:scrgbClr r="0" g="0" b="0"/>
+        </a:effectRef>
+        <a:fontRef idx="minor">
+          <a:schemeClr val="lt1"/>
+        </a:fontRef>
+      </dsp:style>
+      <dsp:txBody>
+        <a:bodyPr vert="horz" wrap="square" lIns="68008" tIns="22669" rIns="22669" bIns="22669" anchor="ctr"/>
+        <a:lstStyle>
+          <a:lvl1pPr algn="ctr">
+            <a:defRPr sz="1700"/>
+          </a:lvl1pPr>
+          <a:lvl2pPr marL="114300" indent="-114300" algn="ctr">
+            <a:defRPr sz="1300"/>
+          </a:lvl2pPr>
+          <a:lvl3pPr marL="228600" indent="-114300" algn="ctr">
+            <a:defRPr sz="1300"/>
+          </a:lvl3pPr>
+          <a:lvl4pPr marL="342900" indent="-114300" algn="ctr">
+            <a:defRPr sz="1300"/>
+          </a:lvl4pPr>
+          <a:lvl5pPr marL="457200" indent="-114300" algn="ctr">
+            <a:defRPr sz="1300"/>
+          </a:lvl5pPr>
+          <a:lvl6pPr marL="571500" indent="-114300" algn="ctr">
+            <a:defRPr sz="1300"/>
+          </a:lvl6pPr>
+          <a:lvl7pPr marL="685800" indent="-114300" algn="ctr">
+            <a:defRPr sz="1300"/>
+          </a:lvl7pPr>
+          <a:lvl8pPr marL="800100" indent="-114300" algn="ctr">
+            <a:defRPr sz="1300"/>
+          </a:lvl8pPr>
+          <a:lvl9pPr marL="914400" indent="-114300" algn="ctr">
+            <a:defRPr sz="1300"/>
+          </a:lvl9pPr>
+        </a:lstStyle>
+        <a:p>
+          <a:pPr lvl="0">
+            <a:lnSpc>
+              <a:spcPct val="100000"/>
+            </a:lnSpc>
+            <a:spcBef>
+              <a:spcPct val="0"/>
+            </a:spcBef>
+            <a:spcAft>
+              <a:spcPct val="35000"/>
+            </a:spcAft>
+          </a:pPr>
+          <a:r>
+            <a:rPr lang="en-US"/>
+            <a:t>Transform</a:t>
+          </a:r>
+          <a:endParaRPr lang="en-US"/>
+        </a:p>
+      </dsp:txBody>
+      <dsp:txXfrm>
+        <a:off x="5605670" y="212145"/>
+        <a:ext cx="2076174" cy="830470"/>
+      </dsp:txXfrm>
+    </dsp:sp>
+    <dsp:sp modelId="{7A7A4BA6-187B-483E-87E5-7646635EA69E}">
+      <dsp:nvSpPr>
+        <dsp:cNvPr id="7" name="Chevron 6"/>
+        <dsp:cNvSpPr/>
+      </dsp:nvSpPr>
+      <dsp:spPr bwMode="white">
+        <a:xfrm>
+          <a:off x="7474226" y="212145"/>
+          <a:ext cx="2076174" cy="830470"/>
+        </a:xfrm>
+        <a:prstGeom prst="chevron">
+          <a:avLst/>
+        </a:prstGeom>
+      </dsp:spPr>
+      <dsp:style>
+        <a:lnRef idx="2">
+          <a:schemeClr val="lt1"/>
+        </a:lnRef>
+        <a:fillRef idx="1">
+          <a:schemeClr val="accent2"/>
+        </a:fillRef>
+        <a:effectRef idx="0">
+          <a:scrgbClr r="0" g="0" b="0"/>
+        </a:effectRef>
+        <a:fontRef idx="minor">
+          <a:schemeClr val="lt1"/>
+        </a:fontRef>
+      </dsp:style>
+      <dsp:txBody>
+        <a:bodyPr vert="horz" wrap="square" lIns="68008" tIns="22669" rIns="22669" bIns="22669" anchor="ctr"/>
+        <a:lstStyle>
+          <a:lvl1pPr algn="ctr">
+            <a:defRPr sz="1700"/>
+          </a:lvl1pPr>
+          <a:lvl2pPr marL="114300" indent="-114300" algn="ctr">
+            <a:defRPr sz="1300"/>
+          </a:lvl2pPr>
+          <a:lvl3pPr marL="228600" indent="-114300" algn="ctr">
+            <a:defRPr sz="1300"/>
+          </a:lvl3pPr>
+          <a:lvl4pPr marL="342900" indent="-114300" algn="ctr">
+            <a:defRPr sz="1300"/>
+          </a:lvl4pPr>
+          <a:lvl5pPr marL="457200" indent="-114300" algn="ctr">
+            <a:defRPr sz="1300"/>
+          </a:lvl5pPr>
+          <a:lvl6pPr marL="571500" indent="-114300" algn="ctr">
+            <a:defRPr sz="1300"/>
+          </a:lvl6pPr>
+          <a:lvl7pPr marL="685800" indent="-114300" algn="ctr">
+            <a:defRPr sz="1300"/>
+          </a:lvl7pPr>
+          <a:lvl8pPr marL="800100" indent="-114300" algn="ctr">
+            <a:defRPr sz="1300"/>
+          </a:lvl8pPr>
+          <a:lvl9pPr marL="914400" indent="-114300" algn="ctr">
+            <a:defRPr sz="1300"/>
+          </a:lvl9pPr>
+        </a:lstStyle>
+        <a:p>
+          <a:pPr lvl="0">
+            <a:lnSpc>
+              <a:spcPct val="100000"/>
+            </a:lnSpc>
+            <a:spcBef>
+              <a:spcPct val="0"/>
+            </a:spcBef>
+            <a:spcAft>
+              <a:spcPct val="35000"/>
+            </a:spcAft>
+            <a:buNone/>
+          </a:pPr>
+          <a:r>
+            <a:rPr lang="en-US"/>
+            <a:t>Store</a:t>
+          </a:r>
+          <a:endParaRPr lang="en-US"/>
+        </a:p>
+      </dsp:txBody>
+      <dsp:txXfrm>
+        <a:off x="7474226" y="212145"/>
+        <a:ext cx="2076174" cy="830470"/>
+      </dsp:txXfrm>
+    </dsp:sp>
+  </dsp:spTree>
+</dsp:drawing>
+</file>
+
+<file path=ppt/diagrams/layout1.xml><?xml version="1.0" encoding="utf-8"?>
+<dgm:layoutDef xmlns:dgm="http://schemas.openxmlformats.org/drawingml/2006/diagram" xmlns:a="http://schemas.openxmlformats.org/drawingml/2006/main" uniqueId="urn:microsoft.com/office/officeart/2005/8/layout/chevron1">
+  <dgm:title val=""/>
+  <dgm:desc val=""/>
+  <dgm:catLst>
+    <dgm:cat type="process" pri="9000"/>
+  </dgm:catLst>
+  <dgm:sampData useDef="1">
+    <dgm:dataModel>
+      <dgm:ptLst/>
+      <dgm:bg/>
+      <dgm:whole/>
+    </dgm:dataModel>
+  </dgm:sampData>
+  <dgm:styleData>
+    <dgm:dataModel>
+      <dgm:ptLst>
+        <dgm:pt modelId="0" type="doc">
+          <dgm:prSet qsTypeId="urn:microsoft.com/office/officeart/2005/8/quickstyle/simple5"/>
+        </dgm:pt>
+        <dgm:pt modelId="1"/>
+        <dgm:pt modelId="2"/>
+      </dgm:ptLst>
+      <dgm:cxnLst>
+        <dgm:cxn modelId="3" srcId="0" destId="1" srcOrd="0" destOrd="0"/>
+        <dgm:cxn modelId="4" srcId="0" destId="2" srcOrd="1" destOrd="0"/>
+      </dgm:cxnLst>
+      <dgm:bg/>
+      <dgm:whole/>
+    </dgm:dataModel>
+  </dgm:styleData>
+  <dgm:clrData>
+    <dgm:dataModel>
+      <dgm:ptLst>
+        <dgm:pt modelId="0" type="doc">
+          <dgm:prSet csTypeId="urn:microsoft.com/office/officeart/2005/8/colors/accent6_5"/>
+        </dgm:pt>
+        <dgm:pt modelId="1"/>
+        <dgm:pt modelId="2"/>
+        <dgm:pt modelId="3"/>
+        <dgm:pt modelId="4"/>
+      </dgm:ptLst>
+      <dgm:cxnLst>
+        <dgm:cxn modelId="5" srcId="0" destId="1" srcOrd="0" destOrd="0"/>
+        <dgm:cxn modelId="6" srcId="0" destId="2" srcOrd="1" destOrd="0"/>
+        <dgm:cxn modelId="7" srcId="0" destId="3" srcOrd="2" destOrd="0"/>
+        <dgm:cxn modelId="8" srcId="0" destId="4" srcOrd="3" destOrd="0"/>
+      </dgm:cxnLst>
+      <dgm:bg/>
+      <dgm:whole/>
+    </dgm:dataModel>
+  </dgm:clrData>
+  <dgm:layoutNode name="Name0">
+    <dgm:varLst>
+      <dgm:dir/>
+      <dgm:animLvl val="lvl"/>
+      <dgm:resizeHandles val="exact"/>
+    </dgm:varLst>
+    <dgm:choose name="Name1">
+      <dgm:if name="Name2" func="var" arg="dir" op="equ" val="norm">
+        <dgm:alg type="lin"/>
+      </dgm:if>
+      <dgm:else name="Name3">
+        <dgm:alg type="lin">
+          <dgm:param type="linDir" val="fromR"/>
+        </dgm:alg>
+      </dgm:else>
+    </dgm:choose>
+    <dgm:shape xmlns:r="http://schemas.openxmlformats.org/officeDocument/2006/relationships" r:blip="">
+      <dgm:adjLst/>
+    </dgm:shape>
+    <dgm:presOf/>
+    <dgm:choose name="Name4">
+      <dgm:if name="Name5" axis="des" func="maxDepth" op="gte" val="2">
+        <dgm:constrLst>
+          <dgm:constr type="h" for="ch" forName="composite" refType="h"/>
+          <dgm:constr type="w" for="ch" forName="composite" refType="w"/>
+          <dgm:constr type="w" for="des" forName="parTx"/>
+          <dgm:constr type="h" for="des" forName="parTx" op="equ"/>
+          <dgm:constr type="w" for="des" forName="desTx"/>
+          <dgm:constr type="h" for="des" forName="desTx" op="equ"/>
+          <dgm:constr type="primFontSz" for="des" forName="parTx" val="65"/>
+          <dgm:constr type="secFontSz" for="des" forName="desTx" refType="primFontSz" refFor="des" refForName="parTx" op="equ"/>
+          <dgm:constr type="h" for="des" forName="parTx" refType="primFontSz" refFor="des" refForName="parTx" fact="1.5"/>
+          <dgm:constr type="h" for="des" forName="desTx" refType="primFontSz" refFor="des" refForName="parTx" fact="0.5"/>
+          <dgm:constr type="w" for="ch" forName="space" op="equ" val="-6"/>
+        </dgm:constrLst>
+        <dgm:ruleLst>
+          <dgm:rule type="w" for="ch" forName="composite" val="0" fact="NaN" max="NaN"/>
+          <dgm:rule type="primFontSz" for="des" forName="parTx" val="5" fact="NaN" max="NaN"/>
+        </dgm:ruleLst>
+        <dgm:forEach name="Name6" axis="ch" ptType="node">
+          <dgm:layoutNode name="composite">
+            <dgm:alg type="composite"/>
+            <dgm:shape xmlns:r="http://schemas.openxmlformats.org/officeDocument/2006/relationships" r:blip="">
+              <dgm:adjLst/>
+            </dgm:shape>
+            <dgm:presOf/>
+            <dgm:choose name="Name7">
+              <dgm:if name="Name8" func="var" arg="dir" op="equ" val="norm">
+                <dgm:constrLst>
+                  <dgm:constr type="l" for="ch" forName="parTx"/>
+                  <dgm:constr type="w" for="ch" forName="parTx" refType="w"/>
+                  <dgm:constr type="t" for="ch" forName="parTx"/>
+                  <dgm:constr type="l" for="ch" forName="desTx"/>
+                  <dgm:constr type="w" for="ch" forName="desTx" refType="w" refFor="ch" refForName="parTx" fact="0.8"/>
+                  <dgm:constr type="t" for="ch" forName="desTx" refType="h" refFor="ch" refForName="parTx" fact="1.125"/>
+                </dgm:constrLst>
+              </dgm:if>
+              <dgm:else name="Name9">
+                <dgm:constrLst>
+                  <dgm:constr type="l" for="ch" forName="parTx"/>
+                  <dgm:constr type="w" for="ch" forName="parTx" refType="w"/>
+                  <dgm:constr type="t" for="ch" forName="parTx"/>
+                  <dgm:constr type="l" for="ch" forName="desTx" refType="w" fact="0.2"/>
+                  <dgm:constr type="w" for="ch" forName="desTx" refType="w" refFor="ch" refForName="parTx" fact="0.8"/>
+                  <dgm:constr type="t" for="ch" forName="desTx" refType="h" refFor="ch" refForName="parTx" fact="1.125"/>
+                </dgm:constrLst>
+              </dgm:else>
+            </dgm:choose>
+            <dgm:ruleLst>
+              <dgm:rule type="h" val="INF" fact="NaN" max="NaN"/>
+            </dgm:ruleLst>
+            <dgm:layoutNode name="parTx">
+              <dgm:varLst>
+                <dgm:chMax val="0"/>
+                <dgm:chPref val="0"/>
+                <dgm:bulletEnabled val="1"/>
+              </dgm:varLst>
+              <dgm:alg type="tx"/>
+              <dgm:choose name="Name10">
+                <dgm:if name="Name11" func="var" arg="dir" op="equ" val="norm">
+                  <dgm:shape xmlns:r="http://schemas.openxmlformats.org/officeDocument/2006/relationships" type="chevron" r:blip="">
+                    <dgm:adjLst/>
+                  </dgm:shape>
+                </dgm:if>
+                <dgm:else name="Name12">
+                  <dgm:shape xmlns:r="http://schemas.openxmlformats.org/officeDocument/2006/relationships" type="chevron" r:blip="" rot="180">
+                    <dgm:adjLst/>
+                  </dgm:shape>
+                </dgm:else>
+              </dgm:choose>
+              <dgm:presOf axis="self" ptType="node"/>
+              <dgm:choose name="Name13">
+                <dgm:if name="Name14" func="var" arg="dir" op="equ" val="norm">
+                  <dgm:constrLst>
+                    <dgm:constr type="h" refType="w" op="lte" fact="0.4"/>
+                    <dgm:constr type="h"/>
+                    <dgm:constr type="tMarg" refType="primFontSz" fact="0.105"/>
+                    <dgm:constr type="bMarg" refType="primFontSz" fact="0.105"/>
+                    <dgm:constr type="lMarg" refType="primFontSz" fact="0.315"/>
+                    <dgm:constr type="rMarg" refType="primFontSz" fact="0.105"/>
+                  </dgm:constrLst>
+                </dgm:if>
+                <dgm:else name="Name15">
+                  <dgm:constrLst>
+                    <dgm:constr type="h" refType="w" op="lte" fact="0.4"/>
+                    <dgm:constr type="h"/>
+                    <dgm:constr type="tMarg" refType="primFontSz" fact="0.105"/>
+                    <dgm:constr type="bMarg" refType="primFontSz" fact="0.105"/>
+                    <dgm:constr type="lMarg" refType="primFontSz" fact="0.105"/>
+                    <dgm:constr type="rMarg" refType="primFontSz" fact="0.315"/>
+                  </dgm:constrLst>
+                </dgm:else>
+              </dgm:choose>
+              <dgm:ruleLst>
+                <dgm:rule type="h" val="INF" fact="NaN" max="NaN"/>
+              </dgm:ruleLst>
+            </dgm:layoutNode>
+            <dgm:layoutNode name="desTx" styleLbl="revTx">
+              <dgm:varLst>
+                <dgm:bulletEnabled val="1"/>
+              </dgm:varLst>
+              <dgm:alg type="tx">
+                <dgm:param type="stBulletLvl" val="1"/>
+              </dgm:alg>
+              <dgm:choose name="Name16">
+                <dgm:if name="Name17" axis="ch" ptType="node" func="cnt" op="gte" val="1">
+                  <dgm:shape xmlns:r="http://schemas.openxmlformats.org/officeDocument/2006/relationships" type="rect" r:blip="">
+                    <dgm:adjLst/>
+                  </dgm:shape>
+                </dgm:if>
+                <dgm:else name="Name18">
+                  <dgm:shape xmlns:r="http://schemas.openxmlformats.org/officeDocument/2006/relationships" type="rect" r:blip="" hideGeom="1">
+                    <dgm:adjLst/>
+                  </dgm:shape>
+                </dgm:else>
+              </dgm:choose>
+              <dgm:presOf axis="des" ptType="node"/>
+              <dgm:constrLst>
+                <dgm:constr type="secFontSz" val="65"/>
+                <dgm:constr type="primFontSz" refType="secFontSz"/>
+                <dgm:constr type="h"/>
+                <dgm:constr type="tMarg"/>
+                <dgm:constr type="bMarg"/>
+                <dgm:constr type="rMarg"/>
+                <dgm:constr type="lMarg"/>
+              </dgm:constrLst>
+              <dgm:ruleLst>
+                <dgm:rule type="h" val="INF" fact="NaN" max="NaN"/>
+              </dgm:ruleLst>
+            </dgm:layoutNode>
+          </dgm:layoutNode>
+          <dgm:forEach name="Name19" axis="followSib" ptType="sibTrans" cnt="1">
+            <dgm:layoutNode name="space">
+              <dgm:alg type="sp"/>
+              <dgm:shape xmlns:r="http://schemas.openxmlformats.org/officeDocument/2006/relationships" r:blip="">
+                <dgm:adjLst/>
+              </dgm:shape>
+              <dgm:presOf/>
+              <dgm:constrLst/>
+              <dgm:ruleLst/>
+            </dgm:layoutNode>
+          </dgm:forEach>
+        </dgm:forEach>
+      </dgm:if>
+      <dgm:else name="Name20">
+        <dgm:constrLst>
+          <dgm:constr type="w" for="ch" forName="parTxOnly" refType="w"/>
+          <dgm:constr type="h" for="des" forName="parTxOnly" op="equ"/>
+          <dgm:constr type="primFontSz" for="des" forName="parTxOnly" op="equ" val="65"/>
+          <dgm:constr type="w" for="ch" forName="parTxOnlySpace" refType="w" refFor="ch" refForName="parTxOnly" fact="-0.1"/>
+        </dgm:constrLst>
+        <dgm:ruleLst/>
+        <dgm:forEach name="Name21" axis="ch" ptType="node">
+          <dgm:layoutNode name="parTxOnly">
+            <dgm:varLst>
+              <dgm:chMax val="0"/>
+              <dgm:chPref val="0"/>
+              <dgm:bulletEnabled val="1"/>
+            </dgm:varLst>
+            <dgm:alg type="tx"/>
+            <dgm:choose name="Name22">
+              <dgm:if name="Name23" func="var" arg="dir" op="equ" val="norm">
+                <dgm:shape xmlns:r="http://schemas.openxmlformats.org/officeDocument/2006/relationships" type="chevron" r:blip="">
+                  <dgm:adjLst/>
+                </dgm:shape>
+              </dgm:if>
+              <dgm:else name="Name24">
+                <dgm:shape xmlns:r="http://schemas.openxmlformats.org/officeDocument/2006/relationships" type="chevron" r:blip="" rot="180">
+                  <dgm:adjLst/>
+                </dgm:shape>
+              </dgm:else>
+            </dgm:choose>
+            <dgm:presOf axis="self" ptType="node"/>
+            <dgm:choose name="Name25">
+              <dgm:if name="Name26" func="var" arg="dir" op="equ" val="norm">
+                <dgm:constrLst>
+                  <dgm:constr type="h" refType="w" op="equ" fact="0.4"/>
+                  <dgm:constr type="tMarg" refType="primFontSz" fact="0.105"/>
+                  <dgm:constr type="bMarg" refType="primFontSz" fact="0.105"/>
+                  <dgm:constr type="lMarg" refType="primFontSz" fact="0.315"/>
+                  <dgm:constr type="rMarg" refType="primFontSz" fact="0.105"/>
+                </dgm:constrLst>
+              </dgm:if>
+              <dgm:else name="Name27">
+                <dgm:constrLst>
+                  <dgm:constr type="h" refType="w" op="equ" fact="0.4"/>
+                  <dgm:constr type="tMarg" refType="primFontSz" fact="0.105"/>
+                  <dgm:constr type="bMarg" refType="primFontSz" fact="0.105"/>
+                  <dgm:constr type="lMarg" refType="primFontSz" fact="0.105"/>
+                  <dgm:constr type="rMarg" refType="primFontSz" fact="0.315"/>
+                </dgm:constrLst>
+              </dgm:else>
+            </dgm:choose>
+            <dgm:ruleLst>
+              <dgm:rule type="primFontSz" val="5" fact="NaN" max="NaN"/>
+            </dgm:ruleLst>
+          </dgm:layoutNode>
+          <dgm:forEach name="Name28" axis="followSib" ptType="sibTrans" cnt="1">
+            <dgm:layoutNode name="parTxOnlySpace">
+              <dgm:alg type="sp"/>
+              <dgm:shape xmlns:r="http://schemas.openxmlformats.org/officeDocument/2006/relationships" r:blip="">
+                <dgm:adjLst/>
+              </dgm:shape>
+              <dgm:presOf/>
+              <dgm:constrLst/>
+              <dgm:ruleLst/>
+            </dgm:layoutNode>
+          </dgm:forEach>
+        </dgm:forEach>
+      </dgm:else>
+    </dgm:choose>
+  </dgm:layoutNode>
+</dgm:layoutDef>
+</file>
+
+<file path=ppt/diagrams/quickStyle1.xml><?xml version="1.0" encoding="utf-8"?>
+<dgm:styleDef xmlns:dgm="http://schemas.openxmlformats.org/drawingml/2006/diagram" xmlns:a="http://schemas.openxmlformats.org/drawingml/2006/main" uniqueId="urn:microsoft.com/office/officeart/2005/8/quickstyle/simple1">
+  <dgm:title val=""/>
+  <dgm:desc val=""/>
+  <dgm:catLst>
+    <dgm:cat type="simple" pri="10100"/>
+  </dgm:catLst>
+  <dgm:scene3d>
+    <a:camera prst="orthographicFront"/>
+    <a:lightRig rig="threePt" dir="t"/>
+  </dgm:scene3d>
+  <dgm:styleLbl name="alignAcc1">
+    <dgm:scene3d>
+      <a:camera prst="orthographicFront"/>
+      <a:lightRig rig="threePt" dir="t"/>
+    </dgm:scene3d>
+    <dgm:txPr/>
+    <dgm:style>
+      <a:lnRef idx="2">
+        <a:scrgbClr r="0" g="0" b="0"/>
+      </a:lnRef>
+      <a:fillRef idx="1">
+        <a:scrgbClr r="0" g="0" b="0"/>
+      </a:fillRef>
+      <a:effectRef idx="0">
+        <a:scrgbClr r="0" g="0" b="0"/>
+      </a:effectRef>
+      <a:fontRef idx="minor"/>
+    </dgm:style>
+  </dgm:styleLbl>
+  <dgm:styleLbl name="alignAccFollowNode1">
+    <dgm:scene3d>
+      <a:camera prst="orthographicFront"/>
+      <a:lightRig rig="threePt" dir="t"/>
+    </dgm:scene3d>
+    <dgm:txPr/>
+    <dgm:style>
+      <a:lnRef idx="2">
+        <a:scrgbClr r="0" g="0" b="0"/>
+      </a:lnRef>
+      <a:fillRef idx="1">
+        <a:scrgbClr r="0" g="0" b="0"/>
+      </a:fillRef>
+      <a:effectRef idx="0">
+        <a:scrgbClr r="0" g="0" b="0"/>
+      </a:effectRef>
+      <a:fontRef idx="minor"/>
+    </dgm:style>
+  </dgm:styleLbl>
+  <dgm:styleLbl name="alignImgPlace1">
+    <dgm:scene3d>
+      <a:camera prst="orthographicFront"/>
+      <a:lightRig rig="threePt" dir="t"/>
+    </dgm:scene3d>
+    <dgm:txPr/>
+    <dgm:style>
+      <a:lnRef idx="2">
+        <a:scrgbClr r="0" g="0" b="0"/>
+      </a:lnRef>
+      <a:fillRef idx="1">
+        <a:scrgbClr r="0" g="0" b="0"/>
+      </a:fillRef>
+      <a:effectRef idx="0">
+        <a:scrgbClr r="0" g="0" b="0"/>
+      </a:effectRef>
+      <a:fontRef idx="minor"/>
+    </dgm:style>
+  </dgm:styleLbl>
+  <dgm:styleLbl name="alignNode1">
+    <dgm:scene3d>
+      <a:camera prst="orthographicFront"/>
+      <a:lightRig rig="threePt" dir="t"/>
+    </dgm:scene3d>
+    <dgm:txPr/>
+    <dgm:style>
+      <a:lnRef idx="2">
+        <a:scrgbClr r="0" g="0" b="0"/>
+      </a:lnRef>
+      <a:fillRef idx="1">
+        <a:scrgbClr r="0" g="0" b="0"/>
+      </a:fillRef>
+      <a:effectRef idx="0">
+        <a:scrgbClr r="0" g="0" b="0"/>
+      </a:effectRef>
+      <a:fontRef idx="minor">
+        <a:schemeClr val="lt1"/>
+      </a:fontRef>
+    </dgm:style>
+  </dgm:styleLbl>
+  <dgm:styleLbl name="asst0">
+    <dgm:scene3d>
+      <a:camera prst="orthographicFront"/>
+      <a:lightRig rig="threePt" dir="t"/>
+    </dgm:scene3d>
+    <dgm:txPr/>
+    <dgm:style>
+      <a:lnRef idx="2">
+        <a:scrgbClr r="0" g="0" b="0"/>
+      </a:lnRef>
+      <a:fillRef idx="1">
+        <a:scrgbClr r="0" g="0" b="0"/>
+      </a:fillRef>
+      <a:effectRef idx="0">
+        <a:scrgbClr r="0" g="0" b="0"/>
+      </a:effectRef>
+      <a:fontRef idx="minor">
+        <a:schemeClr val="lt1"/>
+      </a:fontRef>
+    </dgm:style>
+  </dgm:styleLbl>
+  <dgm:styleLbl name="asst1">
+    <dgm:scene3d>
+      <a:camera prst="orthographicFront"/>
+      <a:lightRig rig="threePt" dir="t"/>
+    </dgm:scene3d>
+    <dgm:txPr/>
+    <dgm:style>
+      <a:lnRef idx="2">
+        <a:scrgbClr r="0" g="0" b="0"/>
+      </a:lnRef>
+      <a:fillRef idx="1">
+        <a:scrgbClr r="0" g="0" b="0"/>
+      </a:fillRef>
+      <a:effectRef idx="0">
+        <a:scrgbClr r="0" g="0" b="0"/>
+      </a:effectRef>
+      <a:fontRef idx="minor">
+        <a:schemeClr val="lt1"/>
+      </a:fontRef>
+    </dgm:style>
+  </dgm:styleLbl>
+  <dgm:styleLbl name="asst2">
+    <dgm:scene3d>
+      <a:camera prst="orthographicFront"/>
+      <a:lightRig rig="threePt" dir="t"/>
+    </dgm:scene3d>
+    <dgm:txPr/>
+    <dgm:style>
+      <a:lnRef idx="2">
+        <a:scrgbClr r="0" g="0" b="0"/>
+      </a:lnRef>
+      <a:fillRef idx="1">
+        <a:scrgbClr r="0" g="0" b="0"/>
+      </a:fillRef>
+      <a:effectRef idx="0">
+        <a:scrgbClr r="0" g="0" b="0"/>
+      </a:effectRef>
+      <a:fontRef idx="minor">
+        <a:schemeClr val="lt1"/>
+      </a:fontRef>
+    </dgm:style>
+  </dgm:styleLbl>
+  <dgm:styleLbl name="asst3">
+    <dgm:scene3d>
+      <a:camera prst="orthographicFront"/>
+      <a:lightRig rig="threePt" dir="t"/>
+    </dgm:scene3d>
+    <dgm:txPr/>
+    <dgm:style>
+      <a:lnRef idx="2">
+        <a:scrgbClr r="0" g="0" b="0"/>
+      </a:lnRef>
+      <a:fillRef idx="1">
+        <a:scrgbClr r="0" g="0" b="0"/>
+      </a:fillRef>
+      <a:effectRef idx="0">
+        <a:scrgbClr r="0" g="0" b="0"/>
+      </a:effectRef>
+      <a:fontRef idx="minor">
+        <a:schemeClr val="lt1"/>
+      </a:fontRef>
+    </dgm:style>
+  </dgm:styleLbl>
+  <dgm:styleLbl name="asst4">
+    <dgm:scene3d>
+      <a:camera prst="orthographicFront"/>
+      <a:lightRig rig="threePt" dir="t"/>
+    </dgm:scene3d>
+    <dgm:txPr/>
+    <dgm:style>
+      <a:lnRef idx="2">
+        <a:scrgbClr r="0" g="0" b="0"/>
+      </a:lnRef>
+      <a:fillRef idx="1">
+        <a:scrgbClr r="0" g="0" b="0"/>
+      </a:fillRef>
+      <a:effectRef idx="0">
+        <a:scrgbClr r="0" g="0" b="0"/>
+      </a:effectRef>
+      <a:fontRef idx="minor">
+        <a:schemeClr val="lt1"/>
+      </a:fontRef>
+    </dgm:style>
+  </dgm:styleLbl>
+  <dgm:styleLbl name="bgAcc1">
+    <dgm:scene3d>
+      <a:camera prst="orthographicFront"/>
+      <a:lightRig rig="threePt" dir="t"/>
+    </dgm:scene3d>
+    <dgm:txPr/>
+    <dgm:style>
+      <a:lnRef idx="2">
+        <a:scrgbClr r="0" g="0" b="0"/>
+      </a:lnRef>
+      <a:fillRef idx="1">
+        <a:scrgbClr r="0" g="0" b="0"/>
+      </a:fillRef>
+      <a:effectRef idx="0">
+        <a:scrgbClr r="0" g="0" b="0"/>
+      </a:effectRef>
+      <a:fontRef idx="minor"/>
+    </dgm:style>
+  </dgm:styleLbl>
+  <dgm:styleLbl name="bgAccFollowNode1">
+    <dgm:scene3d>
+      <a:camera prst="orthographicFront"/>
+      <a:lightRig rig="threePt" dir="t"/>
+    </dgm:scene3d>
+    <dgm:txPr/>
+    <dgm:style>
+      <a:lnRef idx="2">
+        <a:scrgbClr r="0" g="0" b="0"/>
+      </a:lnRef>
+      <a:fillRef idx="1">
+        <a:scrgbClr r="0" g="0" b="0"/>
+      </a:fillRef>
+      <a:effectRef idx="0">
+        <a:scrgbClr r="0" g="0" b="0"/>
+      </a:effectRef>
+      <a:fontRef idx="minor"/>
+    </dgm:style>
+  </dgm:styleLbl>
+  <dgm:styleLbl name="bgImgPlace1">
+    <dgm:scene3d>
+      <a:camera prst="orthographicFront"/>
+      <a:lightRig rig="threePt" dir="t"/>
+    </dgm:scene3d>
+    <dgm:txPr/>
+    <dgm:style>
+      <a:lnRef idx="2">
+        <a:scrgbClr r="0" g="0" b="0"/>
+      </a:lnRef>
+      <a:fillRef idx="1">
+        <a:scrgbClr r="0" g="0" b="0"/>
+      </a:fillRef>
+      <a:effectRef idx="0">
+        <a:scrgbClr r="0" g="0" b="0"/>
+      </a:effectRef>
+      <a:fontRef idx="minor"/>
+    </dgm:style>
+  </dgm:styleLbl>
+  <dgm:styleLbl name="bgShp">
+    <dgm:scene3d>
+      <a:camera prst="orthographicFront"/>
+      <a:lightRig rig="threePt" dir="t"/>
+    </dgm:scene3d>
+    <dgm:txPr/>
+    <dgm:style>
+      <a:lnRef idx="0">
+        <a:scrgbClr r="0" g="0" b="0"/>
+      </a:lnRef>
+      <a:fillRef idx="1">
+        <a:scrgbClr r="0" g="0" b="0"/>
+      </a:fillRef>
+      <a:effectRef idx="0">
+        <a:scrgbClr r="0" g="0" b="0"/>
+      </a:effectRef>
+      <a:fontRef idx="minor"/>
+    </dgm:style>
+  </dgm:styleLbl>
+  <dgm:styleLbl name="bgSibTrans2D1">
+    <dgm:scene3d>
+      <a:camera prst="orthographicFront"/>
+      <a:lightRig rig="threePt" dir="t"/>
+    </dgm:scene3d>
+    <dgm:txPr/>
+    <dgm:style>
+      <a:lnRef idx="0">
+        <a:scrgbClr r="0" g="0" b="0"/>
+      </a:lnRef>
+      <a:fillRef idx="1">
+        <a:scrgbClr r="0" g="0" b="0"/>
+      </a:fillRef>
+      <a:effectRef idx="0">
+        <a:scrgbClr r="0" g="0" b="0"/>
+      </a:effectRef>
+      <a:fontRef idx="minor">
+        <a:schemeClr val="lt1"/>
+      </a:fontRef>
+    </dgm:style>
+  </dgm:styleLbl>
+  <dgm:styleLbl name="callout">
+    <dgm:scene3d>
+      <a:camera prst="orthographicFront"/>
+      <a:lightRig rig="threePt" dir="t"/>
+    </dgm:scene3d>
+    <dgm:txPr/>
+    <dgm:style>
+      <a:lnRef idx="2">
+        <a:scrgbClr r="0" g="0" b="0"/>
+      </a:lnRef>
+      <a:fillRef idx="1">
+        <a:scrgbClr r="0" g="0" b="0"/>
+      </a:fillRef>
+      <a:effectRef idx="0">
+        <a:scrgbClr r="0" g="0" b="0"/>
+      </a:effectRef>
+      <a:fontRef idx="minor"/>
+    </dgm:style>
+  </dgm:styleLbl>
+  <dgm:styleLbl name="conFgAcc1">
+    <dgm:scene3d>
+      <a:camera prst="orthographicFront"/>
+      <a:lightRig rig="threePt" dir="t"/>
+    </dgm:scene3d>
+    <dgm:txPr/>
+    <dgm:style>
+      <a:lnRef idx="2">
+        <a:scrgbClr r="0" g="0" b="0"/>
+      </a:lnRef>
+      <a:fillRef idx="1">
+        <a:scrgbClr r="0" g="0" b="0"/>
+      </a:fillRef>
+      <a:effectRef idx="0">
+        <a:scrgbClr r="0" g="0" b="0"/>
+      </a:effectRef>
+      <a:fontRef idx="minor"/>
+    </dgm:style>
+  </dgm:styleLbl>
+  <dgm:styleLbl name="dkBgShp">
+    <dgm:scene3d>
+      <a:camera prst="orthographicFront"/>
+      <a:lightRig rig="threePt" dir="t"/>
+    </dgm:scene3d>
+    <dgm:txPr/>
+    <dgm:style>
+      <a:lnRef idx="0">
+        <a:scrgbClr r="0" g="0" b="0"/>
+      </a:lnRef>
+      <a:fillRef idx="1">
+        <a:scrgbClr r="0" g="0" b="0"/>
+      </a:fillRef>
+      <a:effectRef idx="0">
+        <a:scrgbClr r="0" g="0" b="0"/>
+      </a:effectRef>
+      <a:fontRef idx="minor"/>
+    </dgm:style>
+  </dgm:styleLbl>
+  <dgm:styleLbl name="fgAcc0">
+    <dgm:scene3d>
+      <a:camera prst="orthographicFront"/>
+      <a:lightRig rig="threePt" dir="t"/>
+    </dgm:scene3d>
+    <dgm:txPr/>
+    <dgm:style>
+      <a:lnRef idx="2">
+        <a:scrgbClr r="0" g="0" b="0"/>
+      </a:lnRef>
+      <a:fillRef idx="1">
+        <a:scrgbClr r="0" g="0" b="0"/>
+      </a:fillRef>
+      <a:effectRef idx="0">
+        <a:scrgbClr r="0" g="0" b="0"/>
+      </a:effectRef>
+      <a:fontRef idx="minor"/>
+    </dgm:style>
+  </dgm:styleLbl>
+  <dgm:styleLbl name="fgAcc1">
+    <dgm:scene3d>
+      <a:camera prst="orthographicFront"/>
+      <a:lightRig rig="threePt" dir="t"/>
+    </dgm:scene3d>
+    <dgm:txPr/>
+    <dgm:style>
+      <a:lnRef idx="2">
+        <a:scrgbClr r="0" g="0" b="0"/>
+      </a:lnRef>
+      <a:fillRef idx="1">
+        <a:scrgbClr r="0" g="0" b="0"/>
+      </a:fillRef>
+      <a:effectRef idx="0">
+        <a:scrgbClr r="0" g="0" b="0"/>
+      </a:effectRef>
+      <a:fontRef idx="minor"/>
+    </dgm:style>
+  </dgm:styleLbl>
+  <dgm:styleLbl name="fgAcc2">
+    <dgm:scene3d>
+      <a:camera prst="orthographicFront"/>
+      <a:lightRig rig="threePt" dir="t"/>
+    </dgm:scene3d>
+    <dgm:txPr/>
+    <dgm:style>
+      <a:lnRef idx="2">
+        <a:scrgbClr r="0" g="0" b="0"/>
+      </a:lnRef>
+      <a:fillRef idx="1">
+        <a:scrgbClr r="0" g="0" b="0"/>
+      </a:fillRef>
+      <a:effectRef idx="0">
+        <a:scrgbClr r="0" g="0" b="0"/>
+      </a:effectRef>
+      <a:fontRef idx="minor"/>
+    </dgm:style>
+  </dgm:styleLbl>
+  <dgm:styleLbl name="fgAcc3">
+    <dgm:scene3d>
+      <a:camera prst="orthographicFront"/>
+      <a:lightRig rig="threePt" dir="t"/>
+    </dgm:scene3d>
+    <dgm:txPr/>
+    <dgm:style>
+      <a:lnRef idx="2">
+        <a:scrgbClr r="0" g="0" b="0"/>
+      </a:lnRef>
+      <a:fillRef idx="1">
+        <a:scrgbClr r="0" g="0" b="0"/>
+      </a:fillRef>
+      <a:effectRef idx="0">
+        <a:scrgbClr r="0" g="0" b="0"/>
+      </a:effectRef>
+      <a:fontRef idx="minor"/>
+    </dgm:style>
+  </dgm:styleLbl>
+  <dgm:styleLbl name="fgAcc4">
+    <dgm:scene3d>
+      <a:camera prst="orthographicFront"/>
+      <a:lightRig rig="threePt" dir="t"/>
+    </dgm:scene3d>
+    <dgm:txPr/>
+    <dgm:style>
+      <a:lnRef idx="2">
+        <a:scrgbClr r="0" g="0" b="0"/>
+      </a:lnRef>
+      <a:fillRef idx="1">
+        <a:scrgbClr r="0" g="0" b="0"/>
+      </a:fillRef>
+      <a:effectRef idx="0">
+        <a:scrgbClr r="0" g="0" b="0"/>
+      </a:effectRef>
+      <a:fontRef idx="minor"/>
+    </dgm:style>
+  </dgm:styleLbl>
+  <dgm:styleLbl name="fgAccFollowNode1">
+    <dgm:scene3d>
+      <a:camera prst="orthographicFront"/>
+      <a:lightRig rig="threePt" dir="t"/>
+    </dgm:scene3d>
+    <dgm:txPr/>
+    <dgm:style>
+      <a:lnRef idx="2">
+        <a:scrgbClr r="0" g="0" b="0"/>
+      </a:lnRef>
+      <a:fillRef idx="1">
+        <a:scrgbClr r="0" g="0" b="0"/>
+      </a:fillRef>
+      <a:effectRef idx="0">
+        <a:scrgbClr r="0" g="0" b="0"/>
+      </a:effectRef>
+      <a:fontRef idx="minor"/>
+    </dgm:style>
+  </dgm:styleLbl>
+  <dgm:styleLbl name="fgImgPlace1">
+    <dgm:scene3d>
+      <a:camera prst="orthographicFront"/>
+      <a:lightRig rig="threePt" dir="t"/>
+    </dgm:scene3d>
+    <dgm:txPr/>
+    <dgm:style>
+      <a:lnRef idx="2">
+        <a:scrgbClr r="0" g="0" b="0"/>
+      </a:lnRef>
+      <a:fillRef idx="1">
+        <a:scrgbClr r="0" g="0" b="0"/>
+      </a:fillRef>
+      <a:effectRef idx="0">
+        <a:scrgbClr r="0" g="0" b="0"/>
+      </a:effectRef>
+      <a:fontRef idx="minor"/>
+    </dgm:style>
+  </dgm:styleLbl>
+  <dgm:styleLbl name="fgShp">
+    <dgm:scene3d>
+      <a:camera prst="orthographicFront"/>
+      <a:lightRig rig="threePt" dir="t"/>
+    </dgm:scene3d>
+    <dgm:txPr/>
+    <dgm:style>
+      <a:lnRef idx="2">
+        <a:scrgbClr r="0" g="0" b="0"/>
+      </a:lnRef>
+      <a:fillRef idx="1">
+        <a:scrgbClr r="0" g="0" b="0"/>
+      </a:fillRef>
+      <a:effectRef idx="0">
+        <a:scrgbClr r="0" g="0" b="0"/>
+      </a:effectRef>
+      <a:fontRef idx="minor"/>
+    </dgm:style>
+  </dgm:styleLbl>
+  <dgm:styleLbl name="fgSibTrans2D1">
+    <dgm:scene3d>
+      <a:camera prst="orthographicFront"/>
+      <a:lightRig rig="threePt" dir="t"/>
+    </dgm:scene3d>
+    <dgm:txPr/>
+    <dgm:style>
+      <a:lnRef idx="0">
+        <a:scrgbClr r="0" g="0" b="0"/>
+      </a:lnRef>
+      <a:fillRef idx="1">
+        <a:scrgbClr r="0" g="0" b="0"/>
+      </a:fillRef>
+      <a:effectRef idx="0">
+        <a:scrgbClr r="0" g="0" b="0"/>
+      </a:effectRef>
+      <a:fontRef idx="minor">
+        <a:schemeClr val="lt1"/>
+      </a:fontRef>
+    </dgm:style>
+  </dgm:styleLbl>
+  <dgm:styleLbl name="lnNode1">
+    <dgm:scene3d>
+      <a:camera prst="orthographicFront"/>
+      <a:lightRig rig="threePt" dir="t"/>
+    </dgm:scene3d>
+    <dgm:txPr/>
+    <dgm:style>
+      <a:lnRef idx="2">
+        <a:scrgbClr r="0" g="0" b="0"/>
+      </a:lnRef>
+      <a:fillRef idx="1">
+        <a:scrgbClr r="0" g="0" b="0"/>
+      </a:fillRef>
+      <a:effectRef idx="0">
+        <a:scrgbClr r="0" g="0" b="0"/>
+      </a:effectRef>
+      <a:fontRef idx="minor">
+        <a:schemeClr val="lt1"/>
+      </a:fontRef>
+    </dgm:style>
+  </dgm:styleLbl>
+  <dgm:styleLbl name="node0">
+    <dgm:scene3d>
+      <a:camera prst="orthographicFront"/>
+      <a:lightRig rig="threePt" dir="t"/>
+    </dgm:scene3d>
+    <dgm:txPr/>
+    <dgm:style>
+      <a:lnRef idx="2">
+        <a:scrgbClr r="0" g="0" b="0"/>
+      </a:lnRef>
+      <a:fillRef idx="1">
+        <a:scrgbClr r="0" g="0" b="0"/>
+      </a:fillRef>
+      <a:effectRef idx="0">
+        <a:scrgbClr r="0" g="0" b="0"/>
+      </a:effectRef>
+      <a:fontRef idx="minor">
+        <a:schemeClr val="lt1"/>
+      </a:fontRef>
+    </dgm:style>
+  </dgm:styleLbl>
+  <dgm:styleLbl name="node1">
+    <dgm:scene3d>
+      <a:camera prst="orthographicFront"/>
+      <a:lightRig rig="threePt" dir="t"/>
+    </dgm:scene3d>
+    <dgm:txPr/>
+    <dgm:style>
+      <a:lnRef idx="2">
+        <a:scrgbClr r="0" g="0" b="0"/>
+      </a:lnRef>
+      <a:fillRef idx="1">
+        <a:scrgbClr r="0" g="0" b="0"/>
+      </a:fillRef>
+      <a:effectRef idx="0">
+        <a:scrgbClr r="0" g="0" b="0"/>
+      </a:effectRef>
+      <a:fontRef idx="minor">
+        <a:schemeClr val="lt1"/>
+      </a:fontRef>
+    </dgm:style>
+  </dgm:styleLbl>
+  <dgm:styleLbl name="node2">
+    <dgm:scene3d>
+      <a:camera prst="orthographicFront"/>
+      <a:lightRig rig="threePt" dir="t"/>
+    </dgm:scene3d>
+    <dgm:txPr/>
+    <dgm:style>
+      <a:lnRef idx="2">
+        <a:scrgbClr r="0" g="0" b="0"/>
+      </a:lnRef>
+      <a:fillRef idx="1">
+        <a:scrgbClr r="0" g="0" b="0"/>
+      </a:fillRef>
+      <a:effectRef idx="0">
+        <a:scrgbClr r="0" g="0" b="0"/>
+      </a:effectRef>
+      <a:fontRef idx="minor">
+        <a:schemeClr val="lt1"/>
+      </a:fontRef>
+    </dgm:style>
+  </dgm:styleLbl>
+  <dgm:styleLbl name="node3">
+    <dgm:scene3d>
+      <a:camera prst="orthographicFront"/>
+      <a:lightRig rig="threePt" dir="t"/>
+    </dgm:scene3d>
+    <dgm:txPr/>
+    <dgm:style>
+      <a:lnRef idx="2">
+        <a:scrgbClr r="0" g="0" b="0"/>
+      </a:lnRef>
+      <a:fillRef idx="1">
+        <a:scrgbClr r="0" g="0" b="0"/>
+      </a:fillRef>
+      <a:effectRef idx="0">
+        <a:scrgbClr r="0" g="0" b="0"/>
+      </a:effectRef>
+      <a:fontRef idx="minor">
+        <a:schemeClr val="lt1"/>
+      </a:fontRef>
+    </dgm:style>
+  </dgm:styleLbl>
+  <dgm:styleLbl name="node4">
+    <dgm:scene3d>
+      <a:camera prst="orthographicFront"/>
+      <a:lightRig rig="threePt" dir="t"/>
+    </dgm:scene3d>
+    <dgm:txPr/>
+    <dgm:style>
+      <a:lnRef idx="2">
+        <a:scrgbClr r="0" g="0" b="0"/>
+      </a:lnRef>
+      <a:fillRef idx="1">
+        <a:scrgbClr r="0" g="0" b="0"/>
+      </a:fillRef>
+      <a:effectRef idx="0">
+        <a:scrgbClr r="0" g="0" b="0"/>
+      </a:effectRef>
+      <a:fontRef idx="minor">
+        <a:schemeClr val="lt1"/>
+      </a:fontRef>
+    </dgm:style>
+  </dgm:styleLbl>
+  <dgm:styleLbl name="parChTrans1D1">
+    <dgm:scene3d>
+      <a:camera prst="orthographicFront"/>
+      <a:lightRig rig="threePt" dir="t"/>
+    </dgm:scene3d>
+    <dgm:txPr/>
+    <dgm:style>
+      <a:lnRef idx="2">
+        <a:scrgbClr r="0" g="0" b="0"/>
+      </a:lnRef>
+      <a:fillRef idx="0">
+        <a:scrgbClr r="0" g="0" b="0"/>
+      </a:fillRef>
+      <a:effectRef idx="0">
+        <a:scrgbClr r="0" g="0" b="0"/>
+      </a:effectRef>
+      <a:fontRef idx="minor"/>
+    </dgm:style>
+  </dgm:styleLbl>
+  <dgm:styleLbl name="parChTrans1D2">
+    <dgm:scene3d>
+      <a:camera prst="orthographicFront"/>
+      <a:lightRig rig="threePt" dir="t"/>
+    </dgm:scene3d>
+    <dgm:txPr/>
+    <dgm:style>
+      <a:lnRef idx="2">
+        <a:scrgbClr r="0" g="0" b="0"/>
+      </a:lnRef>
+      <a:fillRef idx="0">
+        <a:scrgbClr r="0" g="0" b="0"/>
+      </a:fillRef>
+      <a:effectRef idx="0">
+        <a:scrgbClr r="0" g="0" b="0"/>
+      </a:effectRef>
+      <a:fontRef idx="minor"/>
+    </dgm:style>
+  </dgm:styleLbl>
+  <dgm:styleLbl name="parChTrans1D3">
+    <dgm:scene3d>
+      <a:camera prst="orthographicFront"/>
+      <a:lightRig rig="threePt" dir="t"/>
+    </dgm:scene3d>
+    <dgm:txPr/>
+    <dgm:style>
+      <a:lnRef idx="2">
+        <a:scrgbClr r="0" g="0" b="0"/>
+      </a:lnRef>
+      <a:fillRef idx="0">
+        <a:scrgbClr r="0" g="0" b="0"/>
+      </a:fillRef>
+      <a:effectRef idx="0">
+        <a:scrgbClr r="0" g="0" b="0"/>
+      </a:effectRef>
+      <a:fontRef idx="minor"/>
+    </dgm:style>
+  </dgm:styleLbl>
+  <dgm:styleLbl name="parChTrans1D4">
+    <dgm:scene3d>
+      <a:camera prst="orthographicFront"/>
+      <a:lightRig rig="threePt" dir="t"/>
+    </dgm:scene3d>
+    <dgm:txPr/>
+    <dgm:style>
+      <a:lnRef idx="2">
+        <a:scrgbClr r="0" g="0" b="0"/>
+      </a:lnRef>
+      <a:fillRef idx="0">
+        <a:scrgbClr r="0" g="0" b="0"/>
+      </a:fillRef>
+      <a:effectRef idx="0">
+        <a:scrgbClr r="0" g="0" b="0"/>
+      </a:effectRef>
+      <a:fontRef idx="minor"/>
+    </dgm:style>
+  </dgm:styleLbl>
+  <dgm:styleLbl name="parChTrans2D1">
+    <dgm:scene3d>
+      <a:camera prst="orthographicFront"/>
+      <a:lightRig rig="threePt" dir="t"/>
+    </dgm:scene3d>
+    <dgm:txPr/>
+    <dgm:style>
+      <a:lnRef idx="2">
+        <a:scrgbClr r="0" g="0" b="0"/>
+      </a:lnRef>
+      <a:fillRef idx="1">
+        <a:scrgbClr r="0" g="0" b="0"/>
+      </a:fillRef>
+      <a:effectRef idx="0">
+        <a:scrgbClr r="0" g="0" b="0"/>
+      </a:effectRef>
+      <a:fontRef idx="minor">
+        <a:schemeClr val="lt1"/>
+      </a:fontRef>
+    </dgm:style>
+  </dgm:styleLbl>
+  <dgm:styleLbl name="parChTrans2D2">
+    <dgm:scene3d>
+      <a:camera prst="orthographicFront"/>
+      <a:lightRig rig="threePt" dir="t"/>
+    </dgm:scene3d>
+    <dgm:txPr/>
+    <dgm:style>
+      <a:lnRef idx="2">
+        <a:scrgbClr r="0" g="0" b="0"/>
+      </a:lnRef>
+      <a:fillRef idx="1">
+        <a:scrgbClr r="0" g="0" b="0"/>
+      </a:fillRef>
+      <a:effectRef idx="0">
+        <a:scrgbClr r="0" g="0" b="0"/>
+      </a:effectRef>
+      <a:fontRef idx="minor">
+        <a:schemeClr val="lt1"/>
+      </a:fontRef>
+    </dgm:style>
+  </dgm:styleLbl>
+  <dgm:styleLbl name="parChTrans2D3">
+    <dgm:scene3d>
+      <a:camera prst="orthographicFront"/>
+      <a:lightRig rig="threePt" dir="t"/>
+    </dgm:scene3d>
+    <dgm:txPr/>
+    <dgm:style>
+      <a:lnRef idx="2">
+        <a:scrgbClr r="0" g="0" b="0"/>
+      </a:lnRef>
+      <a:fillRef idx="1">
+        <a:scrgbClr r="0" g="0" b="0"/>
+      </a:fillRef>
+      <a:effectRef idx="0">
+        <a:scrgbClr r="0" g="0" b="0"/>
+      </a:effectRef>
+      <a:fontRef idx="minor">
+        <a:schemeClr val="lt1"/>
+      </a:fontRef>
+    </dgm:style>
+  </dgm:styleLbl>
+  <dgm:styleLbl name="parChTrans2D4">
+    <dgm:scene3d>
+      <a:camera prst="orthographicFront"/>
+      <a:lightRig rig="threePt" dir="t"/>
+    </dgm:scene3d>
+    <dgm:txPr/>
+    <dgm:style>
+      <a:lnRef idx="2">
+        <a:scrgbClr r="0" g="0" b="0"/>
+      </a:lnRef>
+      <a:fillRef idx="1">
+        <a:scrgbClr r="0" g="0" b="0"/>
+      </a:fillRef>
+      <a:effectRef idx="0">
+        <a:scrgbClr r="0" g="0" b="0"/>
+      </a:effectRef>
+      <a:fontRef idx="minor">
+        <a:schemeClr val="lt1"/>
+      </a:fontRef>
+    </dgm:style>
+  </dgm:styleLbl>
+  <dgm:styleLbl name="revTx">
+    <dgm:scene3d>
+      <a:camera prst="orthographicFront"/>
+      <a:lightRig rig="threePt" dir="t"/>
+    </dgm:scene3d>
+    <dgm:txPr/>
+    <dgm:style>
+      <a:lnRef idx="0">
+        <a:scrgbClr r="0" g="0" b="0"/>
+      </a:lnRef>
+      <a:fillRef idx="0">
+        <a:scrgbClr r="0" g="0" b="0"/>
+      </a:fillRef>
+      <a:effectRef idx="0">
+        <a:scrgbClr r="0" g="0" b="0"/>
+      </a:effectRef>
+      <a:fontRef idx="minor"/>
+    </dgm:style>
+  </dgm:styleLbl>
+  <dgm:styleLbl name="sibTrans1D1">
+    <dgm:scene3d>
+      <a:camera prst="orthographicFront"/>
+      <a:lightRig rig="threePt" dir="t"/>
+    </dgm:scene3d>
+    <dgm:txPr/>
+    <dgm:style>
+      <a:lnRef idx="1">
+        <a:scrgbClr r="0" g="0" b="0"/>
+      </a:lnRef>
+      <a:fillRef idx="0">
+        <a:scrgbClr r="0" g="0" b="0"/>
+      </a:fillRef>
+      <a:effectRef idx="0">
+        <a:scrgbClr r="0" g="0" b="0"/>
+      </a:effectRef>
+      <a:fontRef idx="minor"/>
+    </dgm:style>
+  </dgm:styleLbl>
+  <dgm:styleLbl name="sibTrans2D1">
+    <dgm:scene3d>
+      <a:camera prst="orthographicFront"/>
+      <a:lightRig rig="threePt" dir="t"/>
+    </dgm:scene3d>
+    <dgm:txPr/>
+    <dgm:style>
+      <a:lnRef idx="0">
+        <a:scrgbClr r="0" g="0" b="0"/>
+      </a:lnRef>
+      <a:fillRef idx="1">
+        <a:scrgbClr r="0" g="0" b="0"/>
+      </a:fillRef>
+      <a:effectRef idx="0">
+        <a:scrgbClr r="0" g="0" b="0"/>
+      </a:effectRef>
+      <a:fontRef idx="minor">
+        <a:schemeClr val="lt1"/>
+      </a:fontRef>
+    </dgm:style>
+  </dgm:styleLbl>
+  <dgm:styleLbl name="solidAlignAcc1">
+    <dgm:scene3d>
+      <a:camera prst="orthographicFront"/>
+      <a:lightRig rig="threePt" dir="t"/>
+    </dgm:scene3d>
+    <dgm:txPr/>
+    <dgm:style>
+      <a:lnRef idx="2">
+        <a:scrgbClr r="0" g="0" b="0"/>
+      </a:lnRef>
+      <a:fillRef idx="1">
+        <a:scrgbClr r="0" g="0" b="0"/>
+      </a:fillRef>
+      <a:effectRef idx="0">
+        <a:scrgbClr r="0" g="0" b="0"/>
+      </a:effectRef>
+      <a:fontRef idx="minor"/>
+    </dgm:style>
+  </dgm:styleLbl>
+  <dgm:styleLbl name="solidBgAcc1">
+    <dgm:scene3d>
+      <a:camera prst="orthographicFront"/>
+      <a:lightRig rig="threePt" dir="t"/>
+    </dgm:scene3d>
+    <dgm:txPr/>
+    <dgm:style>
+      <a:lnRef idx="2">
+        <a:scrgbClr r="0" g="0" b="0"/>
+      </a:lnRef>
+      <a:fillRef idx="1">
+        <a:scrgbClr r="0" g="0" b="0"/>
+      </a:fillRef>
+      <a:effectRef idx="0">
+        <a:scrgbClr r="0" g="0" b="0"/>
+      </a:effectRef>
+      <a:fontRef idx="minor"/>
+    </dgm:style>
+  </dgm:styleLbl>
+  <dgm:styleLbl name="solidFgAcc1">
+    <dgm:scene3d>
+      <a:camera prst="orthographicFront"/>
+      <a:lightRig rig="threePt" dir="t"/>
+    </dgm:scene3d>
+    <dgm:txPr/>
+    <dgm:style>
+      <a:lnRef idx="2">
+        <a:scrgbClr r="0" g="0" b="0"/>
+      </a:lnRef>
+      <a:fillRef idx="1">
+        <a:scrgbClr r="0" g="0" b="0"/>
+      </a:fillRef>
+      <a:effectRef idx="0">
+        <a:scrgbClr r="0" g="0" b="0"/>
+      </a:effectRef>
+      <a:fontRef idx="minor"/>
+    </dgm:style>
+  </dgm:styleLbl>
+  <dgm:styleLbl name="trAlignAcc1">
+    <dgm:scene3d>
+      <a:camera prst="orthographicFront"/>
+      <a:lightRig rig="threePt" dir="t"/>
+    </dgm:scene3d>
+    <dgm:txPr/>
+    <dgm:style>
+      <a:lnRef idx="1">
+        <a:scrgbClr r="0" g="0" b="0"/>
+      </a:lnRef>
+      <a:fillRef idx="1">
+        <a:scrgbClr r="0" g="0" b="0"/>
+      </a:fillRef>
+      <a:effectRef idx="0">
+        <a:scrgbClr r="0" g="0" b="0"/>
+      </a:effectRef>
+      <a:fontRef idx="minor"/>
+    </dgm:style>
+  </dgm:styleLbl>
+  <dgm:styleLbl name="trBgShp">
+    <dgm:scene3d>
+      <a:camera prst="orthographicFront"/>
+      <a:lightRig rig="threePt" dir="t"/>
+    </dgm:scene3d>
+    <dgm:txPr/>
+    <dgm:style>
+      <a:lnRef idx="0">
+        <a:scrgbClr r="0" g="0" b="0"/>
+      </a:lnRef>
+      <a:fillRef idx="1">
+        <a:scrgbClr r="0" g="0" b="0"/>
+      </a:fillRef>
+      <a:effectRef idx="0">
+        <a:scrgbClr r="0" g="0" b="0"/>
+      </a:effectRef>
+      <a:fontRef idx="minor"/>
+    </dgm:style>
+  </dgm:styleLbl>
+  <dgm:styleLbl name="vennNode1">
+    <dgm:scene3d>
+      <a:camera prst="orthographicFront"/>
+      <a:lightRig rig="threePt" dir="t"/>
+    </dgm:scene3d>
+    <dgm:txPr/>
+    <dgm:style>
+      <a:lnRef idx="2">
+        <a:scrgbClr r="0" g="0" b="0"/>
+      </a:lnRef>
+      <a:fillRef idx="1">
+        <a:scrgbClr r="0" g="0" b="0"/>
+      </a:fillRef>
+      <a:effectRef idx="0">
+        <a:scrgbClr r="0" g="0" b="0"/>
+      </a:effectRef>
+      <a:fontRef idx="minor">
+        <a:schemeClr val="tx1"/>
+      </a:fontRef>
+    </dgm:style>
+  </dgm:styleLbl>
+</dgm:styleDef>
+</file>
+
 <file path=ppt/handoutMasters/handoutMaster1.xml><?xml version="1.0" encoding="utf-8"?>
 <p:handoutMaster xmlns:a="http://schemas.openxmlformats.org/drawingml/2006/main" xmlns:r="http://schemas.openxmlformats.org/officeDocument/2006/relationships" xmlns:p="http://schemas.openxmlformats.org/presentationml/2006/main">
   <p:cSld>
@@ -630,6 +3381,50 @@
 </file>
 
 <file path=ppt/notesSlides/notesSlide1.xml><?xml version="1.0" encoding="utf-8"?>
+<p:notes xmlns:a="http://schemas.openxmlformats.org/drawingml/2006/main" xmlns:r="http://schemas.openxmlformats.org/officeDocument/2006/relationships" xmlns:p="http://schemas.openxmlformats.org/presentationml/2006/main">
+  <p:cSld>
+    <p:spTree>
+      <p:nvGrpSpPr>
+        <p:cNvPr id="1" name=""/>
+        <p:cNvGrpSpPr/>
+        <p:nvPr/>
+      </p:nvGrpSpPr>
+      <p:grpSpPr/>
+      <p:sp>
+        <p:nvSpPr>
+          <p:cNvPr id="2" name="Slide Image Placeholder 1"/>
+          <p:cNvSpPr/>
+          <p:nvPr>
+            <p:ph type="sldImg" idx="2"/>
+          </p:nvPr>
+        </p:nvSpPr>
+        <p:spPr/>
+      </p:sp>
+      <p:sp>
+        <p:nvSpPr>
+          <p:cNvPr id="3" name="Text Placeholder 2"/>
+          <p:cNvSpPr/>
+          <p:nvPr>
+            <p:ph type="body" idx="3"/>
+          </p:nvPr>
+        </p:nvSpPr>
+        <p:spPr/>
+        <p:txBody>
+          <a:bodyPr/>
+          <a:p>
+            <a:endParaRPr lang="en-US"/>
+          </a:p>
+        </p:txBody>
+      </p:sp>
+    </p:spTree>
+  </p:cSld>
+  <p:clrMapOvr>
+    <a:masterClrMapping/>
+  </p:clrMapOvr>
+</p:notes>
+</file>
+
+<file path=ppt/notesSlides/notesSlide2.xml><?xml version="1.0" encoding="utf-8"?>
 <p:notes xmlns:a="http://schemas.openxmlformats.org/drawingml/2006/main" xmlns:r="http://schemas.openxmlformats.org/officeDocument/2006/relationships" xmlns:p="http://schemas.openxmlformats.org/presentationml/2006/main">
   <p:cSld>
     <p:spTree>
@@ -4126,14 +6921,6 @@
               </a:rPr>
               <a:t>Prepared by: Ashraf Abdulkhaliq	</a:t>
             </a:r>
-            <a:r>
-              <a:rPr lang="en-US" altLang="zh-CN">
-                <a:latin typeface="Ubuntu" panose="020B0504030602030204" charset="0"/>
-                <a:cs typeface="Ubuntu" panose="020B0504030602030204" charset="0"/>
-                <a:hlinkClick r:id="rId2" tooltip="" action="ppaction://hlinkfile"/>
-              </a:rPr>
-              <a:t>LinkedIn</a:t>
-            </a:r>
             <a:endParaRPr lang="en-US" altLang="zh-CN">
               <a:latin typeface="Ubuntu" panose="020B0504030602030204" charset="0"/>
               <a:cs typeface="Ubuntu" panose="020B0504030602030204" charset="0"/>
@@ -4191,7 +6978,7 @@
                 <a:latin typeface="Ubuntu" panose="020B0504030602030204" charset="0"/>
                 <a:cs typeface="Ubuntu" panose="020B0504030602030204" charset="0"/>
               </a:rPr>
-              <a:t>Recommended Background</a:t>
+              <a:t>Course Learning Objectives</a:t>
             </a:r>
             <a:endParaRPr lang="en-US">
               <a:latin typeface="Ubuntu" panose="020B0504030602030204" charset="0"/>
@@ -4214,85 +7001,83 @@
         <p:txBody>
           <a:bodyPr/>
           <a:p>
-            <a:pPr marL="0" indent="0" algn="l">
-              <a:buNone/>
-            </a:pPr>
+            <a:pPr algn="l"/>
             <a:r>
               <a:rPr lang="en-US" sz="2400">
                 <a:latin typeface="Ubuntu" panose="020B0504030602030204" charset="0"/>
                 <a:cs typeface="Ubuntu" panose="020B0504030602030204" charset="0"/>
               </a:rPr>
-              <a:t>Strongly recommend that students have experience with </a:t>
-            </a:r>
-            <a:r>
-              <a:rPr lang="en-US" sz="2400" b="1">
-                <a:latin typeface="Ubuntu" panose="020B0504030602030204" charset="0"/>
-                <a:cs typeface="Ubuntu" panose="020B0504030602030204" charset="0"/>
-              </a:rPr>
-              <a:t>Python</a:t>
-            </a:r>
+              <a:t>Understand the end-to-end data science pipeline, from data collection to model deployment.</a:t>
+            </a:r>
+            <a:endParaRPr lang="en-US" sz="2400">
+              <a:latin typeface="Ubuntu" panose="020B0504030602030204" charset="0"/>
+              <a:cs typeface="Ubuntu" panose="020B0504030602030204" charset="0"/>
+            </a:endParaRPr>
+          </a:p>
+          <a:p>
+            <a:pPr algn="l"/>
             <a:r>
               <a:rPr lang="en-US" sz="2400">
                 <a:latin typeface="Ubuntu" panose="020B0504030602030204" charset="0"/>
                 <a:cs typeface="Ubuntu" panose="020B0504030602030204" charset="0"/>
               </a:rPr>
-              <a:t>, ideally some background of </a:t>
-            </a:r>
-            <a:r>
-              <a:rPr lang="en-US" sz="2400" b="1">
-                <a:latin typeface="Ubuntu" panose="020B0504030602030204" charset="0"/>
-                <a:cs typeface="Ubuntu" panose="020B0504030602030204" charset="0"/>
-              </a:rPr>
-              <a:t>machine learning</a:t>
-            </a:r>
+              <a:t>Be familiar with the programming tools and libraries required to execute different phases of data science projects.</a:t>
+            </a:r>
+            <a:endParaRPr lang="en-US" sz="2400">
+              <a:latin typeface="Ubuntu" panose="020B0504030602030204" charset="0"/>
+              <a:cs typeface="Ubuntu" panose="020B0504030602030204" charset="0"/>
+            </a:endParaRPr>
+          </a:p>
+          <a:p>
+            <a:pPr algn="l"/>
             <a:r>
               <a:rPr lang="en-US" sz="2400">
                 <a:latin typeface="Ubuntu" panose="020B0504030602030204" charset="0"/>
                 <a:cs typeface="Ubuntu" panose="020B0504030602030204" charset="0"/>
               </a:rPr>
-              <a:t>, in </a:t>
-            </a:r>
-            <a:r>
-              <a:rPr lang="en-US" sz="2400" b="1">
-                <a:latin typeface="Ubuntu" panose="020B0504030602030204" charset="0"/>
-                <a:cs typeface="Ubuntu" panose="020B0504030602030204" charset="0"/>
-              </a:rPr>
-              <a:t>probability</a:t>
-            </a:r>
+              <a:t>Demonstrate the ability to collect data from a variety of sources, including structured and unstructured data.</a:t>
+            </a:r>
+            <a:endParaRPr lang="en-US" sz="2400">
+              <a:latin typeface="Ubuntu" panose="020B0504030602030204" charset="0"/>
+              <a:cs typeface="Ubuntu" panose="020B0504030602030204" charset="0"/>
+            </a:endParaRPr>
+          </a:p>
+          <a:p>
+            <a:pPr algn="l"/>
             <a:r>
               <a:rPr lang="en-US" sz="2400">
                 <a:latin typeface="Ubuntu" panose="020B0504030602030204" charset="0"/>
                 <a:cs typeface="Ubuntu" panose="020B0504030602030204" charset="0"/>
               </a:rPr>
-              <a:t> </a:t>
-            </a:r>
-            <a:r>
-              <a:rPr lang="en-US" sz="2400" b="1">
-                <a:latin typeface="Ubuntu" panose="020B0504030602030204" charset="0"/>
-                <a:cs typeface="Ubuntu" panose="020B0504030602030204" charset="0"/>
-              </a:rPr>
-              <a:t>and statistics</a:t>
-            </a:r>
+              <a:t>Know how to explore and visualize datasets, gaining insights into data distributions, patterns, and outliers.</a:t>
+            </a:r>
+            <a:endParaRPr lang="en-US" sz="2400">
+              <a:latin typeface="Ubuntu" panose="020B0504030602030204" charset="0"/>
+              <a:cs typeface="Ubuntu" panose="020B0504030602030204" charset="0"/>
+            </a:endParaRPr>
+          </a:p>
+          <a:p>
+            <a:pPr algn="l"/>
             <a:r>
               <a:rPr lang="en-US" sz="2400">
                 <a:latin typeface="Ubuntu" panose="020B0504030602030204" charset="0"/>
                 <a:cs typeface="Ubuntu" panose="020B0504030602030204" charset="0"/>
               </a:rPr>
-              <a:t>, and </a:t>
-            </a:r>
-            <a:r>
-              <a:rPr lang="en-US" sz="2400" b="1">
-                <a:latin typeface="Ubuntu" panose="020B0504030602030204" charset="0"/>
-                <a:cs typeface="Ubuntu" panose="020B0504030602030204" charset="0"/>
-              </a:rPr>
-              <a:t>linear algebra</a:t>
-            </a:r>
+              <a:t>Be proficient in conducting data analysis using a range of statistical and machine learning techniques.</a:t>
+            </a:r>
+            <a:endParaRPr lang="en-US" sz="2400">
+              <a:latin typeface="Ubuntu" panose="020B0504030602030204" charset="0"/>
+              <a:cs typeface="Ubuntu" panose="020B0504030602030204" charset="0"/>
+            </a:endParaRPr>
+          </a:p>
+          <a:p>
+            <a:pPr algn="l"/>
             <a:r>
               <a:rPr lang="en-US" sz="2400">
                 <a:latin typeface="Ubuntu" panose="020B0504030602030204" charset="0"/>
                 <a:cs typeface="Ubuntu" panose="020B0504030602030204" charset="0"/>
               </a:rPr>
-              <a:t>.</a:t>
+              <a:t>Create data-driven reports and presentations that convey insights in a clear and compelling manner, addressing the needs of different audiences.</a:t>
             </a:r>
             <a:endParaRPr lang="en-US" sz="2400">
               <a:latin typeface="Ubuntu" panose="020B0504030602030204" charset="0"/>
@@ -4339,7 +7124,7 @@
                 <a:latin typeface="Ubuntu" panose="020B0504030602030204" charset="0"/>
                 <a:cs typeface="Ubuntu" panose="020B0504030602030204" charset="0"/>
               </a:rPr>
-              <a:t>References</a:t>
+              <a:t>Recommended Background</a:t>
             </a:r>
             <a:endParaRPr lang="en-US">
               <a:latin typeface="Ubuntu" panose="020B0504030602030204" charset="0"/>
@@ -4362,30 +7147,85 @@
         <p:txBody>
           <a:bodyPr/>
           <a:p>
-            <a:pPr algn="l"/>
+            <a:pPr marL="0" indent="0" algn="l">
+              <a:buNone/>
+            </a:pPr>
             <a:r>
               <a:rPr lang="en-US" sz="2400">
                 <a:latin typeface="Ubuntu" panose="020B0504030602030204" charset="0"/>
                 <a:cs typeface="Ubuntu" panose="020B0504030602030204" charset="0"/>
-                <a:hlinkClick r:id="rId1" tooltip=""/>
               </a:rPr>
-              <a:t>http://www.datasciencecourse.org/</a:t>
-            </a:r>
-            <a:endParaRPr lang="en-US" sz="2400">
-              <a:latin typeface="Ubuntu" panose="020B0504030602030204" charset="0"/>
-              <a:cs typeface="Ubuntu" panose="020B0504030602030204" charset="0"/>
-              <a:hlinkClick r:id="rId1" tooltip=""/>
-            </a:endParaRPr>
-          </a:p>
-          <a:p>
-            <a:pPr algn="l"/>
+              <a:t>Strongly recommend that students have experience with </a:t>
+            </a:r>
+            <a:r>
+              <a:rPr lang="en-US" sz="2400" b="1">
+                <a:latin typeface="Ubuntu" panose="020B0504030602030204" charset="0"/>
+                <a:cs typeface="Ubuntu" panose="020B0504030602030204" charset="0"/>
+              </a:rPr>
+              <a:t>Python</a:t>
+            </a:r>
             <a:r>
               <a:rPr lang="en-US" sz="2400">
                 <a:latin typeface="Ubuntu" panose="020B0504030602030204" charset="0"/>
                 <a:cs typeface="Ubuntu" panose="020B0504030602030204" charset="0"/>
-                <a:hlinkClick r:id="rId2" tooltip="" action="ppaction://hlinkfile"/>
               </a:rPr>
-              <a:t>https://www.slideshare.net/fvsandoval/introduction-to-data-science-164979975</a:t>
+              <a:t>, ideally some background of </a:t>
+            </a:r>
+            <a:r>
+              <a:rPr lang="en-US" sz="2400" b="1">
+                <a:latin typeface="Ubuntu" panose="020B0504030602030204" charset="0"/>
+                <a:cs typeface="Ubuntu" panose="020B0504030602030204" charset="0"/>
+              </a:rPr>
+              <a:t>machine learning</a:t>
+            </a:r>
+            <a:r>
+              <a:rPr lang="en-US" sz="2400">
+                <a:latin typeface="Ubuntu" panose="020B0504030602030204" charset="0"/>
+                <a:cs typeface="Ubuntu" panose="020B0504030602030204" charset="0"/>
+              </a:rPr>
+              <a:t>, in </a:t>
+            </a:r>
+            <a:r>
+              <a:rPr lang="en-US" sz="2400" b="1">
+                <a:latin typeface="Ubuntu" panose="020B0504030602030204" charset="0"/>
+                <a:cs typeface="Ubuntu" panose="020B0504030602030204" charset="0"/>
+              </a:rPr>
+              <a:t>probability</a:t>
+            </a:r>
+            <a:r>
+              <a:rPr lang="en-US" sz="2400">
+                <a:latin typeface="Ubuntu" panose="020B0504030602030204" charset="0"/>
+                <a:cs typeface="Ubuntu" panose="020B0504030602030204" charset="0"/>
+              </a:rPr>
+              <a:t> </a:t>
+            </a:r>
+            <a:r>
+              <a:rPr lang="en-US" sz="2400" b="1">
+                <a:latin typeface="Ubuntu" panose="020B0504030602030204" charset="0"/>
+                <a:cs typeface="Ubuntu" panose="020B0504030602030204" charset="0"/>
+              </a:rPr>
+              <a:t>and statistics</a:t>
+            </a:r>
+            <a:r>
+              <a:rPr lang="en-US" sz="2400">
+                <a:latin typeface="Ubuntu" panose="020B0504030602030204" charset="0"/>
+                <a:cs typeface="Ubuntu" panose="020B0504030602030204" charset="0"/>
+              </a:rPr>
+              <a:t>, and </a:t>
+            </a:r>
+            <a:r>
+              <a:rPr lang="en-US" sz="2400" b="1">
+                <a:latin typeface="Ubuntu" panose="020B0504030602030204" charset="0"/>
+                <a:cs typeface="Ubuntu" panose="020B0504030602030204" charset="0"/>
+              </a:rPr>
+              <a:t>linear algebra</a:t>
+            </a:r>
+            <a:r>
+              <a:rPr lang="en-US" sz="2400">
+                <a:latin typeface="Ubuntu" panose="020B0504030602030204" charset="0"/>
+                <a:cs typeface="Ubuntu" panose="020B0504030602030204" charset="0"/>
+              </a:rPr>
+              <a:t>.</a:t>
             </a:r>
             <a:endParaRPr lang="en-US" sz="2400">
               <a:latin typeface="Ubuntu" panose="020B0504030602030204" charset="0"/>
@@ -4422,6 +7262,867 @@
             <p:ph type="title"/>
           </p:nvPr>
         </p:nvSpPr>
+        <p:spPr/>
+        <p:txBody>
+          <a:bodyPr/>
+          <a:p>
+            <a:pPr algn="l"/>
+            <a:r>
+              <a:rPr lang="en-US">
+                <a:latin typeface="Ubuntu" panose="020B0504030602030204" charset="0"/>
+                <a:cs typeface="Ubuntu" panose="020B0504030602030204" charset="0"/>
+              </a:rPr>
+              <a:t>Plan Outline</a:t>
+            </a:r>
+            <a:endParaRPr lang="en-US">
+              <a:latin typeface="Ubuntu" panose="020B0504030602030204" charset="0"/>
+              <a:cs typeface="Ubuntu" panose="020B0504030602030204" charset="0"/>
+            </a:endParaRPr>
+          </a:p>
+        </p:txBody>
+      </p:sp>
+      <p:sp>
+        <p:nvSpPr>
+          <p:cNvPr id="3" name="Content Placeholder 2"/>
+          <p:cNvSpPr>
+            <a:spLocks noGrp="1"/>
+          </p:cNvSpPr>
+          <p:nvPr>
+            <p:ph idx="1"/>
+          </p:nvPr>
+        </p:nvSpPr>
+        <p:spPr>
+          <a:xfrm>
+            <a:off x="609600" y="1600200"/>
+            <a:ext cx="10972800" cy="596900"/>
+          </a:xfrm>
+        </p:spPr>
+        <p:txBody>
+          <a:bodyPr/>
+          <a:p>
+            <a:pPr marL="0" indent="0" algn="l">
+              <a:buNone/>
+            </a:pPr>
+            <a:r>
+              <a:rPr lang="en-US" sz="2800">
+                <a:latin typeface="Ubuntu" panose="020B0504030602030204" charset="0"/>
+                <a:cs typeface="Ubuntu" panose="020B0504030602030204" charset="0"/>
+              </a:rPr>
+              <a:t>1. Data Preparation</a:t>
+            </a:r>
+            <a:endParaRPr lang="en-US" sz="2800">
+              <a:latin typeface="Ubuntu" panose="020B0504030602030204" charset="0"/>
+              <a:cs typeface="Ubuntu" panose="020B0504030602030204" charset="0"/>
+            </a:endParaRPr>
+          </a:p>
+        </p:txBody>
+      </p:sp>
+      <p:graphicFrame>
+        <p:nvGraphicFramePr>
+          <p:cNvPr id="4" name="Diagram 3"/>
+          <p:cNvGraphicFramePr/>
+          <p:nvPr/>
+        </p:nvGraphicFramePr>
+        <p:xfrm>
+          <a:off x="1320800" y="2379345"/>
+          <a:ext cx="9550400" cy="1254760"/>
+        </p:xfrm>
+        <a:graphic>
+          <a:graphicData uri="http://schemas.openxmlformats.org/drawingml/2006/diagram">
+            <dgm:relIds xmlns:dgm="http://schemas.openxmlformats.org/drawingml/2006/diagram" xmlns:r="http://schemas.openxmlformats.org/officeDocument/2006/relationships" r:dm="rId1" r:lo="rId2" r:qs="rId3" r:cs="rId4"/>
+          </a:graphicData>
+        </a:graphic>
+      </p:graphicFrame>
+      <p:sp>
+        <p:nvSpPr>
+          <p:cNvPr id="5" name="Content Placeholder 2"/>
+          <p:cNvSpPr>
+            <a:spLocks noGrp="1"/>
+          </p:cNvSpPr>
+          <p:nvPr/>
+        </p:nvSpPr>
+        <p:spPr>
+          <a:xfrm>
+            <a:off x="609600" y="3634105"/>
+            <a:ext cx="10972800" cy="596900"/>
+          </a:xfrm>
+          <a:prstGeom prst="rect">
+            <a:avLst/>
+          </a:prstGeom>
+          <a:noFill/>
+          <a:ln w="9525">
+            <a:noFill/>
+          </a:ln>
+        </p:spPr>
+        <p:txBody>
+          <a:bodyPr/>
+          <a:lstStyle>
+            <a:lvl1pPr marL="342900" lvl="0" indent="-342900" algn="l" defTabSz="914400" eaLnBrk="1" fontAlgn="base" latinLnBrk="0" hangingPunct="1">
+              <a:lnSpc>
+                <a:spcPct val="100000"/>
+              </a:lnSpc>
+              <a:spcBef>
+                <a:spcPct val="20000"/>
+              </a:spcBef>
+              <a:spcAft>
+                <a:spcPct val="0"/>
+              </a:spcAft>
+              <a:buChar char="•"/>
+              <a:defRPr sz="3200" b="0" i="0" u="none" kern="1200" baseline="0">
+                <a:solidFill>
+                  <a:schemeClr val="tx1"/>
+                </a:solidFill>
+                <a:latin typeface="+mn-lt"/>
+                <a:ea typeface="+mn-ea"/>
+                <a:cs typeface="+mn-cs"/>
+              </a:defRPr>
+            </a:lvl1pPr>
+            <a:lvl2pPr marL="742950" lvl="1" indent="-285750" algn="l" defTabSz="914400" eaLnBrk="1" fontAlgn="base" latinLnBrk="0" hangingPunct="1">
+              <a:lnSpc>
+                <a:spcPct val="100000"/>
+              </a:lnSpc>
+              <a:spcBef>
+                <a:spcPct val="20000"/>
+              </a:spcBef>
+              <a:spcAft>
+                <a:spcPct val="0"/>
+              </a:spcAft>
+              <a:buChar char="–"/>
+              <a:defRPr sz="2800" b="0" i="0" u="none" kern="1200" baseline="0">
+                <a:solidFill>
+                  <a:schemeClr val="tx1"/>
+                </a:solidFill>
+                <a:latin typeface="+mn-lt"/>
+                <a:ea typeface="+mn-ea"/>
+                <a:cs typeface="+mn-cs"/>
+              </a:defRPr>
+            </a:lvl2pPr>
+            <a:lvl3pPr marL="1143000" lvl="2" indent="-228600" algn="l" defTabSz="914400" eaLnBrk="1" fontAlgn="base" latinLnBrk="0" hangingPunct="1">
+              <a:lnSpc>
+                <a:spcPct val="100000"/>
+              </a:lnSpc>
+              <a:spcBef>
+                <a:spcPct val="20000"/>
+              </a:spcBef>
+              <a:spcAft>
+                <a:spcPct val="0"/>
+              </a:spcAft>
+              <a:buChar char="•"/>
+              <a:defRPr sz="2400" b="0" i="0" u="none" kern="1200" baseline="0">
+                <a:solidFill>
+                  <a:schemeClr val="tx1"/>
+                </a:solidFill>
+                <a:latin typeface="+mn-lt"/>
+                <a:ea typeface="+mn-ea"/>
+                <a:cs typeface="+mn-cs"/>
+              </a:defRPr>
+            </a:lvl3pPr>
+            <a:lvl4pPr marL="1600200" lvl="3" indent="-228600" algn="l" defTabSz="914400" eaLnBrk="1" fontAlgn="base" latinLnBrk="0" hangingPunct="1">
+              <a:lnSpc>
+                <a:spcPct val="100000"/>
+              </a:lnSpc>
+              <a:spcBef>
+                <a:spcPct val="20000"/>
+              </a:spcBef>
+              <a:spcAft>
+                <a:spcPct val="0"/>
+              </a:spcAft>
+              <a:buChar char="–"/>
+              <a:defRPr sz="2000" b="0" i="0" u="none" kern="1200" baseline="0">
+                <a:solidFill>
+                  <a:schemeClr val="tx1"/>
+                </a:solidFill>
+                <a:latin typeface="+mn-lt"/>
+                <a:ea typeface="+mn-ea"/>
+                <a:cs typeface="+mn-cs"/>
+              </a:defRPr>
+            </a:lvl4pPr>
+            <a:lvl5pPr marL="2057400" lvl="4" indent="-228600" algn="l" defTabSz="914400" eaLnBrk="1" fontAlgn="base" latinLnBrk="0" hangingPunct="1">
+              <a:lnSpc>
+                <a:spcPct val="100000"/>
+              </a:lnSpc>
+              <a:spcBef>
+                <a:spcPct val="20000"/>
+              </a:spcBef>
+              <a:spcAft>
+                <a:spcPct val="0"/>
+              </a:spcAft>
+              <a:buChar char="»"/>
+              <a:defRPr sz="2000" b="0" i="0" u="none" kern="1200" baseline="0">
+                <a:solidFill>
+                  <a:schemeClr val="tx1"/>
+                </a:solidFill>
+                <a:latin typeface="+mn-lt"/>
+                <a:ea typeface="+mn-ea"/>
+                <a:cs typeface="+mn-cs"/>
+              </a:defRPr>
+            </a:lvl5pPr>
+            <a:lvl6pPr marL="2514600" lvl="5" indent="-228600" algn="l" defTabSz="914400" eaLnBrk="1" fontAlgn="base" latinLnBrk="0" hangingPunct="1">
+              <a:lnSpc>
+                <a:spcPct val="100000"/>
+              </a:lnSpc>
+              <a:spcBef>
+                <a:spcPct val="20000"/>
+              </a:spcBef>
+              <a:spcAft>
+                <a:spcPct val="0"/>
+              </a:spcAft>
+              <a:buChar char="»"/>
+              <a:defRPr sz="2000" b="0" i="0" u="none" kern="1200" baseline="0">
+                <a:solidFill>
+                  <a:schemeClr val="tx1"/>
+                </a:solidFill>
+                <a:latin typeface="+mn-lt"/>
+                <a:ea typeface="+mn-ea"/>
+                <a:cs typeface="+mn-cs"/>
+              </a:defRPr>
+            </a:lvl6pPr>
+            <a:lvl7pPr marL="2971800" lvl="6" indent="-228600" algn="l" defTabSz="914400" eaLnBrk="1" fontAlgn="base" latinLnBrk="0" hangingPunct="1">
+              <a:lnSpc>
+                <a:spcPct val="100000"/>
+              </a:lnSpc>
+              <a:spcBef>
+                <a:spcPct val="20000"/>
+              </a:spcBef>
+              <a:spcAft>
+                <a:spcPct val="0"/>
+              </a:spcAft>
+              <a:buChar char="»"/>
+              <a:defRPr sz="2000" b="0" i="0" u="none" kern="1200" baseline="0">
+                <a:solidFill>
+                  <a:schemeClr val="tx1"/>
+                </a:solidFill>
+                <a:latin typeface="+mn-lt"/>
+                <a:ea typeface="+mn-ea"/>
+                <a:cs typeface="+mn-cs"/>
+              </a:defRPr>
+            </a:lvl7pPr>
+            <a:lvl8pPr marL="3429000" lvl="7" indent="-228600" algn="l" defTabSz="914400" eaLnBrk="1" fontAlgn="base" latinLnBrk="0" hangingPunct="1">
+              <a:lnSpc>
+                <a:spcPct val="100000"/>
+              </a:lnSpc>
+              <a:spcBef>
+                <a:spcPct val="20000"/>
+              </a:spcBef>
+              <a:spcAft>
+                <a:spcPct val="0"/>
+              </a:spcAft>
+              <a:buChar char="»"/>
+              <a:defRPr sz="2000" b="0" i="0" u="none" kern="1200" baseline="0">
+                <a:solidFill>
+                  <a:schemeClr val="tx1"/>
+                </a:solidFill>
+                <a:latin typeface="+mn-lt"/>
+                <a:ea typeface="+mn-ea"/>
+                <a:cs typeface="+mn-cs"/>
+              </a:defRPr>
+            </a:lvl8pPr>
+            <a:lvl9pPr marL="3886200" lvl="8" indent="-228600" algn="l" defTabSz="914400" eaLnBrk="1" fontAlgn="base" latinLnBrk="0" hangingPunct="1">
+              <a:lnSpc>
+                <a:spcPct val="100000"/>
+              </a:lnSpc>
+              <a:spcBef>
+                <a:spcPct val="20000"/>
+              </a:spcBef>
+              <a:spcAft>
+                <a:spcPct val="0"/>
+              </a:spcAft>
+              <a:buChar char="»"/>
+              <a:defRPr sz="2000" b="0" i="0" u="none" kern="1200" baseline="0">
+                <a:solidFill>
+                  <a:schemeClr val="tx1"/>
+                </a:solidFill>
+                <a:latin typeface="+mn-lt"/>
+                <a:ea typeface="+mn-ea"/>
+                <a:cs typeface="+mn-cs"/>
+              </a:defRPr>
+            </a:lvl9pPr>
+          </a:lstStyle>
+          <a:p>
+            <a:pPr marL="0" indent="0" algn="l">
+              <a:buNone/>
+            </a:pPr>
+            <a:r>
+              <a:rPr lang="en-US" sz="2800">
+                <a:latin typeface="Ubuntu" panose="020B0504030602030204" charset="0"/>
+                <a:cs typeface="Ubuntu" panose="020B0504030602030204" charset="0"/>
+              </a:rPr>
+              <a:t>2. Machine Learning</a:t>
+            </a:r>
+            <a:endParaRPr lang="en-US" sz="2800">
+              <a:latin typeface="Ubuntu" panose="020B0504030602030204" charset="0"/>
+              <a:cs typeface="Ubuntu" panose="020B0504030602030204" charset="0"/>
+            </a:endParaRPr>
+          </a:p>
+        </p:txBody>
+      </p:sp>
+      <p:sp>
+        <p:nvSpPr>
+          <p:cNvPr id="6" name="Content Placeholder 2"/>
+          <p:cNvSpPr>
+            <a:spLocks noGrp="1"/>
+          </p:cNvSpPr>
+          <p:nvPr/>
+        </p:nvSpPr>
+        <p:spPr>
+          <a:xfrm>
+            <a:off x="609600" y="5367020"/>
+            <a:ext cx="10972800" cy="596900"/>
+          </a:xfrm>
+          <a:prstGeom prst="rect">
+            <a:avLst/>
+          </a:prstGeom>
+          <a:noFill/>
+          <a:ln w="9525">
+            <a:noFill/>
+          </a:ln>
+        </p:spPr>
+        <p:txBody>
+          <a:bodyPr/>
+          <a:lstStyle>
+            <a:lvl1pPr marL="342900" lvl="0" indent="-342900" algn="l" defTabSz="914400" eaLnBrk="1" fontAlgn="base" latinLnBrk="0" hangingPunct="1">
+              <a:lnSpc>
+                <a:spcPct val="100000"/>
+              </a:lnSpc>
+              <a:spcBef>
+                <a:spcPct val="20000"/>
+              </a:spcBef>
+              <a:spcAft>
+                <a:spcPct val="0"/>
+              </a:spcAft>
+              <a:buChar char="•"/>
+              <a:defRPr sz="3200" b="0" i="0" u="none" kern="1200" baseline="0">
+                <a:solidFill>
+                  <a:schemeClr val="tx1"/>
+                </a:solidFill>
+                <a:latin typeface="+mn-lt"/>
+                <a:ea typeface="+mn-ea"/>
+                <a:cs typeface="+mn-cs"/>
+              </a:defRPr>
+            </a:lvl1pPr>
+            <a:lvl2pPr marL="742950" lvl="1" indent="-285750" algn="l" defTabSz="914400" eaLnBrk="1" fontAlgn="base" latinLnBrk="0" hangingPunct="1">
+              <a:lnSpc>
+                <a:spcPct val="100000"/>
+              </a:lnSpc>
+              <a:spcBef>
+                <a:spcPct val="20000"/>
+              </a:spcBef>
+              <a:spcAft>
+                <a:spcPct val="0"/>
+              </a:spcAft>
+              <a:buChar char="–"/>
+              <a:defRPr sz="2800" b="0" i="0" u="none" kern="1200" baseline="0">
+                <a:solidFill>
+                  <a:schemeClr val="tx1"/>
+                </a:solidFill>
+                <a:latin typeface="+mn-lt"/>
+                <a:ea typeface="+mn-ea"/>
+                <a:cs typeface="+mn-cs"/>
+              </a:defRPr>
+            </a:lvl2pPr>
+            <a:lvl3pPr marL="1143000" lvl="2" indent="-228600" algn="l" defTabSz="914400" eaLnBrk="1" fontAlgn="base" latinLnBrk="0" hangingPunct="1">
+              <a:lnSpc>
+                <a:spcPct val="100000"/>
+              </a:lnSpc>
+              <a:spcBef>
+                <a:spcPct val="20000"/>
+              </a:spcBef>
+              <a:spcAft>
+                <a:spcPct val="0"/>
+              </a:spcAft>
+              <a:buChar char="•"/>
+              <a:defRPr sz="2400" b="0" i="0" u="none" kern="1200" baseline="0">
+                <a:solidFill>
+                  <a:schemeClr val="tx1"/>
+                </a:solidFill>
+                <a:latin typeface="+mn-lt"/>
+                <a:ea typeface="+mn-ea"/>
+                <a:cs typeface="+mn-cs"/>
+              </a:defRPr>
+            </a:lvl3pPr>
+            <a:lvl4pPr marL="1600200" lvl="3" indent="-228600" algn="l" defTabSz="914400" eaLnBrk="1" fontAlgn="base" latinLnBrk="0" hangingPunct="1">
+              <a:lnSpc>
+                <a:spcPct val="100000"/>
+              </a:lnSpc>
+              <a:spcBef>
+                <a:spcPct val="20000"/>
+              </a:spcBef>
+              <a:spcAft>
+                <a:spcPct val="0"/>
+              </a:spcAft>
+              <a:buChar char="–"/>
+              <a:defRPr sz="2000" b="0" i="0" u="none" kern="1200" baseline="0">
+                <a:solidFill>
+                  <a:schemeClr val="tx1"/>
+                </a:solidFill>
+                <a:latin typeface="+mn-lt"/>
+                <a:ea typeface="+mn-ea"/>
+                <a:cs typeface="+mn-cs"/>
+              </a:defRPr>
+            </a:lvl4pPr>
+            <a:lvl5pPr marL="2057400" lvl="4" indent="-228600" algn="l" defTabSz="914400" eaLnBrk="1" fontAlgn="base" latinLnBrk="0" hangingPunct="1">
+              <a:lnSpc>
+                <a:spcPct val="100000"/>
+              </a:lnSpc>
+              <a:spcBef>
+                <a:spcPct val="20000"/>
+              </a:spcBef>
+              <a:spcAft>
+                <a:spcPct val="0"/>
+              </a:spcAft>
+              <a:buChar char="»"/>
+              <a:defRPr sz="2000" b="0" i="0" u="none" kern="1200" baseline="0">
+                <a:solidFill>
+                  <a:schemeClr val="tx1"/>
+                </a:solidFill>
+                <a:latin typeface="+mn-lt"/>
+                <a:ea typeface="+mn-ea"/>
+                <a:cs typeface="+mn-cs"/>
+              </a:defRPr>
+            </a:lvl5pPr>
+            <a:lvl6pPr marL="2514600" lvl="5" indent="-228600" algn="l" defTabSz="914400" eaLnBrk="1" fontAlgn="base" latinLnBrk="0" hangingPunct="1">
+              <a:lnSpc>
+                <a:spcPct val="100000"/>
+              </a:lnSpc>
+              <a:spcBef>
+                <a:spcPct val="20000"/>
+              </a:spcBef>
+              <a:spcAft>
+                <a:spcPct val="0"/>
+              </a:spcAft>
+              <a:buChar char="»"/>
+              <a:defRPr sz="2000" b="0" i="0" u="none" kern="1200" baseline="0">
+                <a:solidFill>
+                  <a:schemeClr val="tx1"/>
+                </a:solidFill>
+                <a:latin typeface="+mn-lt"/>
+                <a:ea typeface="+mn-ea"/>
+                <a:cs typeface="+mn-cs"/>
+              </a:defRPr>
+            </a:lvl6pPr>
+            <a:lvl7pPr marL="2971800" lvl="6" indent="-228600" algn="l" defTabSz="914400" eaLnBrk="1" fontAlgn="base" latinLnBrk="0" hangingPunct="1">
+              <a:lnSpc>
+                <a:spcPct val="100000"/>
+              </a:lnSpc>
+              <a:spcBef>
+                <a:spcPct val="20000"/>
+              </a:spcBef>
+              <a:spcAft>
+                <a:spcPct val="0"/>
+              </a:spcAft>
+              <a:buChar char="»"/>
+              <a:defRPr sz="2000" b="0" i="0" u="none" kern="1200" baseline="0">
+                <a:solidFill>
+                  <a:schemeClr val="tx1"/>
+                </a:solidFill>
+                <a:latin typeface="+mn-lt"/>
+                <a:ea typeface="+mn-ea"/>
+                <a:cs typeface="+mn-cs"/>
+              </a:defRPr>
+            </a:lvl7pPr>
+            <a:lvl8pPr marL="3429000" lvl="7" indent="-228600" algn="l" defTabSz="914400" eaLnBrk="1" fontAlgn="base" latinLnBrk="0" hangingPunct="1">
+              <a:lnSpc>
+                <a:spcPct val="100000"/>
+              </a:lnSpc>
+              <a:spcBef>
+                <a:spcPct val="20000"/>
+              </a:spcBef>
+              <a:spcAft>
+                <a:spcPct val="0"/>
+              </a:spcAft>
+              <a:buChar char="»"/>
+              <a:defRPr sz="2000" b="0" i="0" u="none" kern="1200" baseline="0">
+                <a:solidFill>
+                  <a:schemeClr val="tx1"/>
+                </a:solidFill>
+                <a:latin typeface="+mn-lt"/>
+                <a:ea typeface="+mn-ea"/>
+                <a:cs typeface="+mn-cs"/>
+              </a:defRPr>
+            </a:lvl8pPr>
+            <a:lvl9pPr marL="3886200" lvl="8" indent="-228600" algn="l" defTabSz="914400" eaLnBrk="1" fontAlgn="base" latinLnBrk="0" hangingPunct="1">
+              <a:lnSpc>
+                <a:spcPct val="100000"/>
+              </a:lnSpc>
+              <a:spcBef>
+                <a:spcPct val="20000"/>
+              </a:spcBef>
+              <a:spcAft>
+                <a:spcPct val="0"/>
+              </a:spcAft>
+              <a:buChar char="»"/>
+              <a:defRPr sz="2000" b="0" i="0" u="none" kern="1200" baseline="0">
+                <a:solidFill>
+                  <a:schemeClr val="tx1"/>
+                </a:solidFill>
+                <a:latin typeface="+mn-lt"/>
+                <a:ea typeface="+mn-ea"/>
+                <a:cs typeface="+mn-cs"/>
+              </a:defRPr>
+            </a:lvl9pPr>
+          </a:lstStyle>
+          <a:p>
+            <a:pPr marL="0" indent="0" algn="l">
+              <a:buNone/>
+            </a:pPr>
+            <a:r>
+              <a:rPr lang="en-US" sz="2800">
+                <a:latin typeface="Ubuntu" panose="020B0504030602030204" charset="0"/>
+                <a:cs typeface="Ubuntu" panose="020B0504030602030204" charset="0"/>
+              </a:rPr>
+              <a:t>3. Deployment and Communicating Results </a:t>
+            </a:r>
+            <a:endParaRPr lang="en-US" sz="2800">
+              <a:latin typeface="Ubuntu" panose="020B0504030602030204" charset="0"/>
+              <a:cs typeface="Ubuntu" panose="020B0504030602030204" charset="0"/>
+            </a:endParaRPr>
+          </a:p>
+        </p:txBody>
+      </p:sp>
+      <p:sp>
+        <p:nvSpPr>
+          <p:cNvPr id="7" name="Content Placeholder 2"/>
+          <p:cNvSpPr>
+            <a:spLocks noGrp="1"/>
+          </p:cNvSpPr>
+          <p:nvPr/>
+        </p:nvSpPr>
+        <p:spPr>
+          <a:xfrm>
+            <a:off x="609600" y="4231005"/>
+            <a:ext cx="10972800" cy="1107440"/>
+          </a:xfrm>
+          <a:prstGeom prst="rect">
+            <a:avLst/>
+          </a:prstGeom>
+          <a:noFill/>
+          <a:ln w="9525">
+            <a:noFill/>
+          </a:ln>
+        </p:spPr>
+        <p:txBody>
+          <a:bodyPr/>
+          <a:lstStyle>
+            <a:lvl1pPr marL="342900" lvl="0" indent="-342900" algn="l" defTabSz="914400" eaLnBrk="1" fontAlgn="base" latinLnBrk="0" hangingPunct="1">
+              <a:lnSpc>
+                <a:spcPct val="100000"/>
+              </a:lnSpc>
+              <a:spcBef>
+                <a:spcPct val="20000"/>
+              </a:spcBef>
+              <a:spcAft>
+                <a:spcPct val="0"/>
+              </a:spcAft>
+              <a:buChar char="•"/>
+              <a:defRPr sz="3200" b="0" i="0" u="none" kern="1200" baseline="0">
+                <a:solidFill>
+                  <a:schemeClr val="tx1"/>
+                </a:solidFill>
+                <a:latin typeface="+mn-lt"/>
+                <a:ea typeface="+mn-ea"/>
+                <a:cs typeface="+mn-cs"/>
+              </a:defRPr>
+            </a:lvl1pPr>
+            <a:lvl2pPr marL="742950" lvl="1" indent="-285750" algn="l" defTabSz="914400" eaLnBrk="1" fontAlgn="base" latinLnBrk="0" hangingPunct="1">
+              <a:lnSpc>
+                <a:spcPct val="100000"/>
+              </a:lnSpc>
+              <a:spcBef>
+                <a:spcPct val="20000"/>
+              </a:spcBef>
+              <a:spcAft>
+                <a:spcPct val="0"/>
+              </a:spcAft>
+              <a:buChar char="–"/>
+              <a:defRPr sz="2800" b="0" i="0" u="none" kern="1200" baseline="0">
+                <a:solidFill>
+                  <a:schemeClr val="tx1"/>
+                </a:solidFill>
+                <a:latin typeface="+mn-lt"/>
+                <a:ea typeface="+mn-ea"/>
+                <a:cs typeface="+mn-cs"/>
+              </a:defRPr>
+            </a:lvl2pPr>
+            <a:lvl3pPr marL="1143000" lvl="2" indent="-228600" algn="l" defTabSz="914400" eaLnBrk="1" fontAlgn="base" latinLnBrk="0" hangingPunct="1">
+              <a:lnSpc>
+                <a:spcPct val="100000"/>
+              </a:lnSpc>
+              <a:spcBef>
+                <a:spcPct val="20000"/>
+              </a:spcBef>
+              <a:spcAft>
+                <a:spcPct val="0"/>
+              </a:spcAft>
+              <a:buChar char="•"/>
+              <a:defRPr sz="2400" b="0" i="0" u="none" kern="1200" baseline="0">
+                <a:solidFill>
+                  <a:schemeClr val="tx1"/>
+                </a:solidFill>
+                <a:latin typeface="+mn-lt"/>
+                <a:ea typeface="+mn-ea"/>
+                <a:cs typeface="+mn-cs"/>
+              </a:defRPr>
+            </a:lvl3pPr>
+            <a:lvl4pPr marL="1600200" lvl="3" indent="-228600" algn="l" defTabSz="914400" eaLnBrk="1" fontAlgn="base" latinLnBrk="0" hangingPunct="1">
+              <a:lnSpc>
+                <a:spcPct val="100000"/>
+              </a:lnSpc>
+              <a:spcBef>
+                <a:spcPct val="20000"/>
+              </a:spcBef>
+              <a:spcAft>
+                <a:spcPct val="0"/>
+              </a:spcAft>
+              <a:buChar char="–"/>
+              <a:defRPr sz="2000" b="0" i="0" u="none" kern="1200" baseline="0">
+                <a:solidFill>
+                  <a:schemeClr val="tx1"/>
+                </a:solidFill>
+                <a:latin typeface="+mn-lt"/>
+                <a:ea typeface="+mn-ea"/>
+                <a:cs typeface="+mn-cs"/>
+              </a:defRPr>
+            </a:lvl4pPr>
+            <a:lvl5pPr marL="2057400" lvl="4" indent="-228600" algn="l" defTabSz="914400" eaLnBrk="1" fontAlgn="base" latinLnBrk="0" hangingPunct="1">
+              <a:lnSpc>
+                <a:spcPct val="100000"/>
+              </a:lnSpc>
+              <a:spcBef>
+                <a:spcPct val="20000"/>
+              </a:spcBef>
+              <a:spcAft>
+                <a:spcPct val="0"/>
+              </a:spcAft>
+              <a:buChar char="»"/>
+              <a:defRPr sz="2000" b="0" i="0" u="none" kern="1200" baseline="0">
+                <a:solidFill>
+                  <a:schemeClr val="tx1"/>
+                </a:solidFill>
+                <a:latin typeface="+mn-lt"/>
+                <a:ea typeface="+mn-ea"/>
+                <a:cs typeface="+mn-cs"/>
+              </a:defRPr>
+            </a:lvl5pPr>
+            <a:lvl6pPr marL="2514600" lvl="5" indent="-228600" algn="l" defTabSz="914400" eaLnBrk="1" fontAlgn="base" latinLnBrk="0" hangingPunct="1">
+              <a:lnSpc>
+                <a:spcPct val="100000"/>
+              </a:lnSpc>
+              <a:spcBef>
+                <a:spcPct val="20000"/>
+              </a:spcBef>
+              <a:spcAft>
+                <a:spcPct val="0"/>
+              </a:spcAft>
+              <a:buChar char="»"/>
+              <a:defRPr sz="2000" b="0" i="0" u="none" kern="1200" baseline="0">
+                <a:solidFill>
+                  <a:schemeClr val="tx1"/>
+                </a:solidFill>
+                <a:latin typeface="+mn-lt"/>
+                <a:ea typeface="+mn-ea"/>
+                <a:cs typeface="+mn-cs"/>
+              </a:defRPr>
+            </a:lvl6pPr>
+            <a:lvl7pPr marL="2971800" lvl="6" indent="-228600" algn="l" defTabSz="914400" eaLnBrk="1" fontAlgn="base" latinLnBrk="0" hangingPunct="1">
+              <a:lnSpc>
+                <a:spcPct val="100000"/>
+              </a:lnSpc>
+              <a:spcBef>
+                <a:spcPct val="20000"/>
+              </a:spcBef>
+              <a:spcAft>
+                <a:spcPct val="0"/>
+              </a:spcAft>
+              <a:buChar char="»"/>
+              <a:defRPr sz="2000" b="0" i="0" u="none" kern="1200" baseline="0">
+                <a:solidFill>
+                  <a:schemeClr val="tx1"/>
+                </a:solidFill>
+                <a:latin typeface="+mn-lt"/>
+                <a:ea typeface="+mn-ea"/>
+                <a:cs typeface="+mn-cs"/>
+              </a:defRPr>
+            </a:lvl7pPr>
+            <a:lvl8pPr marL="3429000" lvl="7" indent="-228600" algn="l" defTabSz="914400" eaLnBrk="1" fontAlgn="base" latinLnBrk="0" hangingPunct="1">
+              <a:lnSpc>
+                <a:spcPct val="100000"/>
+              </a:lnSpc>
+              <a:spcBef>
+                <a:spcPct val="20000"/>
+              </a:spcBef>
+              <a:spcAft>
+                <a:spcPct val="0"/>
+              </a:spcAft>
+              <a:buChar char="»"/>
+              <a:defRPr sz="2000" b="0" i="0" u="none" kern="1200" baseline="0">
+                <a:solidFill>
+                  <a:schemeClr val="tx1"/>
+                </a:solidFill>
+                <a:latin typeface="+mn-lt"/>
+                <a:ea typeface="+mn-ea"/>
+                <a:cs typeface="+mn-cs"/>
+              </a:defRPr>
+            </a:lvl8pPr>
+            <a:lvl9pPr marL="3886200" lvl="8" indent="-228600" algn="l" defTabSz="914400" eaLnBrk="1" fontAlgn="base" latinLnBrk="0" hangingPunct="1">
+              <a:lnSpc>
+                <a:spcPct val="100000"/>
+              </a:lnSpc>
+              <a:spcBef>
+                <a:spcPct val="20000"/>
+              </a:spcBef>
+              <a:spcAft>
+                <a:spcPct val="0"/>
+              </a:spcAft>
+              <a:buChar char="»"/>
+              <a:defRPr sz="2000" b="0" i="0" u="none" kern="1200" baseline="0">
+                <a:solidFill>
+                  <a:schemeClr val="tx1"/>
+                </a:solidFill>
+                <a:latin typeface="+mn-lt"/>
+                <a:ea typeface="+mn-ea"/>
+                <a:cs typeface="+mn-cs"/>
+              </a:defRPr>
+            </a:lvl9pPr>
+          </a:lstStyle>
+          <a:p>
+            <a:pPr marL="0" indent="0" algn="l">
+              <a:buNone/>
+            </a:pPr>
+            <a:r>
+              <a:rPr lang="en-US" sz="2000">
+                <a:latin typeface="Ubuntu" panose="020B0504030602030204" charset="0"/>
+                <a:cs typeface="Ubuntu" panose="020B0504030602030204" charset="0"/>
+              </a:rPr>
+              <a:t>Supervise and Unsupervise learning, Hyperparameter tunning, Ensemble Learning, and how to evaluate ML model ...</a:t>
+            </a:r>
+            <a:endParaRPr lang="en-US" sz="2000">
+              <a:latin typeface="Ubuntu" panose="020B0504030602030204" charset="0"/>
+              <a:cs typeface="Ubuntu" panose="020B0504030602030204" charset="0"/>
+            </a:endParaRPr>
+          </a:p>
+        </p:txBody>
+      </p:sp>
+    </p:spTree>
+  </p:cSld>
+  <p:clrMapOvr>
+    <a:masterClrMapping/>
+  </p:clrMapOvr>
+</p:sld>
+</file>
+
+<file path=ppt/slides/slide13.xml><?xml version="1.0" encoding="utf-8"?>
+<p:sld xmlns:a="http://schemas.openxmlformats.org/drawingml/2006/main" xmlns:r="http://schemas.openxmlformats.org/officeDocument/2006/relationships" xmlns:p="http://schemas.openxmlformats.org/presentationml/2006/main">
+  <p:cSld>
+    <p:spTree>
+      <p:nvGrpSpPr>
+        <p:cNvPr id="1" name=""/>
+        <p:cNvGrpSpPr/>
+        <p:nvPr/>
+      </p:nvGrpSpPr>
+      <p:grpSpPr/>
+      <p:sp>
+        <p:nvSpPr>
+          <p:cNvPr id="2" name="Title 1"/>
+          <p:cNvSpPr>
+            <a:spLocks noGrp="1"/>
+          </p:cNvSpPr>
+          <p:nvPr>
+            <p:ph type="title"/>
+          </p:nvPr>
+        </p:nvSpPr>
+        <p:spPr/>
+        <p:txBody>
+          <a:bodyPr/>
+          <a:p>
+            <a:pPr algn="l"/>
+            <a:r>
+              <a:rPr lang="en-US">
+                <a:latin typeface="Ubuntu" panose="020B0504030602030204" charset="0"/>
+                <a:cs typeface="Ubuntu" panose="020B0504030602030204" charset="0"/>
+              </a:rPr>
+              <a:t>References</a:t>
+            </a:r>
+            <a:endParaRPr lang="en-US">
+              <a:latin typeface="Ubuntu" panose="020B0504030602030204" charset="0"/>
+              <a:cs typeface="Ubuntu" panose="020B0504030602030204" charset="0"/>
+            </a:endParaRPr>
+          </a:p>
+        </p:txBody>
+      </p:sp>
+      <p:sp>
+        <p:nvSpPr>
+          <p:cNvPr id="3" name="Content Placeholder 2"/>
+          <p:cNvSpPr>
+            <a:spLocks noGrp="1"/>
+          </p:cNvSpPr>
+          <p:nvPr>
+            <p:ph idx="1"/>
+          </p:nvPr>
+        </p:nvSpPr>
+        <p:spPr/>
+        <p:txBody>
+          <a:bodyPr/>
+          <a:p>
+            <a:pPr algn="l"/>
+            <a:r>
+              <a:rPr lang="en-US" sz="2400">
+                <a:latin typeface="Ubuntu" panose="020B0504030602030204" charset="0"/>
+                <a:cs typeface="Ubuntu" panose="020B0504030602030204" charset="0"/>
+                <a:hlinkClick r:id="rId1"/>
+              </a:rPr>
+              <a:t>http://www.datasciencecourse.org/</a:t>
+            </a:r>
+            <a:endParaRPr lang="en-US" sz="2400">
+              <a:latin typeface="Ubuntu" panose="020B0504030602030204" charset="0"/>
+              <a:cs typeface="Ubuntu" panose="020B0504030602030204" charset="0"/>
+              <a:hlinkClick r:id="rId1"/>
+            </a:endParaRPr>
+          </a:p>
+          <a:p>
+            <a:pPr algn="l"/>
+            <a:r>
+              <a:rPr lang="en-US" sz="2400">
+                <a:latin typeface="Ubuntu" panose="020B0504030602030204" charset="0"/>
+                <a:cs typeface="Ubuntu" panose="020B0504030602030204" charset="0"/>
+                <a:hlinkClick r:id="rId2" action="ppaction://hlinkfile"/>
+              </a:rPr>
+              <a:t>https://www.slideshare.net/fvsandoval/introduction-to-data-science-164979975</a:t>
+            </a:r>
+            <a:endParaRPr lang="en-US" sz="2400">
+              <a:latin typeface="Ubuntu" panose="020B0504030602030204" charset="0"/>
+              <a:cs typeface="Ubuntu" panose="020B0504030602030204" charset="0"/>
+            </a:endParaRPr>
+          </a:p>
+        </p:txBody>
+      </p:sp>
+    </p:spTree>
+  </p:cSld>
+  <p:clrMapOvr>
+    <a:masterClrMapping/>
+  </p:clrMapOvr>
+</p:sld>
+</file>
+
+<file path=ppt/slides/slide14.xml><?xml version="1.0" encoding="utf-8"?>
+<p:sld xmlns:a="http://schemas.openxmlformats.org/drawingml/2006/main" xmlns:r="http://schemas.openxmlformats.org/officeDocument/2006/relationships" xmlns:p="http://schemas.openxmlformats.org/presentationml/2006/main">
+  <p:cSld>
+    <p:spTree>
+      <p:nvGrpSpPr>
+        <p:cNvPr id="1" name=""/>
+        <p:cNvGrpSpPr/>
+        <p:nvPr/>
+      </p:nvGrpSpPr>
+      <p:grpSpPr/>
+      <p:sp>
+        <p:nvSpPr>
+          <p:cNvPr id="2" name="Title 1"/>
+          <p:cNvSpPr>
+            <a:spLocks noGrp="1"/>
+          </p:cNvSpPr>
+          <p:nvPr>
+            <p:ph type="title"/>
+          </p:nvPr>
+        </p:nvSpPr>
         <p:spPr>
           <a:xfrm>
             <a:off x="609600" y="1556385"/>
@@ -4493,7 +8194,7 @@
                 <a:latin typeface="Ubuntu" panose="020B0504030602030204" charset="0"/>
                 <a:cs typeface="Ubuntu" panose="020B0504030602030204" charset="0"/>
                 <a:sym typeface="+mn-ea"/>
-                <a:hlinkClick r:id="rId1" tooltip="" action="ppaction://hlinkfile"/>
+                <a:hlinkClick r:id="rId1" action="ppaction://hlinkfile"/>
               </a:rPr>
               <a:t>https://github.com/kershrita/IEEE-Data-Science</a:t>
             </a:r>
@@ -4533,17 +8234,22 @@
             <p:ph type="title"/>
           </p:nvPr>
         </p:nvSpPr>
-        <p:spPr/>
+        <p:spPr>
+          <a:xfrm>
+            <a:off x="808990" y="3192145"/>
+            <a:ext cx="10574655" cy="1143000"/>
+          </a:xfrm>
+        </p:spPr>
         <p:txBody>
           <a:bodyPr/>
           <a:p>
-            <a:pPr algn="l"/>
+            <a:pPr algn="ctr"/>
             <a:r>
               <a:rPr lang="en-US">
                 <a:latin typeface="Ubuntu" panose="020B0504030602030204" charset="0"/>
                 <a:cs typeface="Ubuntu" panose="020B0504030602030204" charset="0"/>
               </a:rPr>
-              <a:t>Outline</a:t>
+              <a:t>Ashraf Abdulkhaliq Bassuoni</a:t>
             </a:r>
             <a:endParaRPr lang="en-US">
               <a:latin typeface="Ubuntu" panose="020B0504030602030204" charset="0"/>
@@ -4562,107 +8268,180 @@
             <p:ph idx="1"/>
           </p:nvPr>
         </p:nvSpPr>
-        <p:spPr/>
+        <p:spPr>
+          <a:xfrm>
+            <a:off x="809625" y="4559300"/>
+            <a:ext cx="10574020" cy="1581785"/>
+          </a:xfrm>
+        </p:spPr>
         <p:txBody>
           <a:bodyPr/>
           <a:p>
-            <a:pPr marL="457200" indent="-457200" algn="l">
-              <a:buFont typeface="+mj-lt"/>
-              <a:buAutoNum type="arabicPeriod"/>
+            <a:pPr marL="0" indent="0" algn="l">
+              <a:buNone/>
             </a:pPr>
             <a:r>
               <a:rPr lang="en-US" sz="2400">
                 <a:latin typeface="Ubuntu" panose="020B0504030602030204" charset="0"/>
                 <a:cs typeface="Ubuntu" panose="020B0504030602030204" charset="0"/>
               </a:rPr>
-              <a:t>What’s Data Science?</a:t>
+              <a:t>Student at Faculty of Artificial Intelligence (level three), Microsoft Learn Student Ambassador, Data Science Head at IEEE KSB, Data Science Intern at SHAI.</a:t>
             </a:r>
             <a:endParaRPr lang="en-US" sz="2400">
               <a:latin typeface="Ubuntu" panose="020B0504030602030204" charset="0"/>
               <a:cs typeface="Ubuntu" panose="020B0504030602030204" charset="0"/>
             </a:endParaRPr>
           </a:p>
-          <a:p>
-            <a:pPr marL="457200" indent="-457200" algn="l">
-              <a:buFont typeface="+mj-lt"/>
-              <a:buAutoNum type="arabicPeriod"/>
-            </a:pPr>
-            <a:r>
-              <a:rPr lang="en-US" sz="2400">
+        </p:txBody>
+      </p:sp>
+      <p:sp>
+        <p:nvSpPr>
+          <p:cNvPr id="4" name="Oval 3"/>
+          <p:cNvSpPr/>
+          <p:nvPr/>
+        </p:nvSpPr>
+        <p:spPr>
+          <a:xfrm>
+            <a:off x="4725035" y="448945"/>
+            <a:ext cx="2743200" cy="2743200"/>
+          </a:xfrm>
+          <a:prstGeom prst="ellipse">
+            <a:avLst/>
+          </a:prstGeom>
+          <a:blipFill rotWithShape="1">
+            <a:blip r:embed="rId1"/>
+            <a:stretch>
+              <a:fillRect/>
+            </a:stretch>
+          </a:blipFill>
+          <a:ln>
+            <a:noFill/>
+          </a:ln>
+        </p:spPr>
+        <p:style>
+          <a:lnRef idx="2">
+            <a:schemeClr val="accent1">
+              <a:shade val="50000"/>
+            </a:schemeClr>
+          </a:lnRef>
+          <a:fillRef idx="1">
+            <a:schemeClr val="accent1"/>
+          </a:fillRef>
+          <a:effectRef idx="0">
+            <a:schemeClr val="accent1"/>
+          </a:effectRef>
+          <a:fontRef idx="minor">
+            <a:schemeClr val="lt1"/>
+          </a:fontRef>
+        </p:style>
+        <p:txBody>
+          <a:bodyPr rtlCol="0" anchor="ctr"/>
+          <a:p>
+            <a:pPr algn="ctr"/>
+            <a:endParaRPr lang="en-US"/>
+          </a:p>
+        </p:txBody>
+      </p:sp>
+      <p:sp>
+        <p:nvSpPr>
+          <p:cNvPr id="5" name="Text Box 4"/>
+          <p:cNvSpPr txBox="1"/>
+          <p:nvPr/>
+        </p:nvSpPr>
+        <p:spPr>
+          <a:xfrm>
+            <a:off x="809625" y="6141085"/>
+            <a:ext cx="10573385" cy="368300"/>
+          </a:xfrm>
+          <a:prstGeom prst="rect">
+            <a:avLst/>
+          </a:prstGeom>
+          <a:noFill/>
+        </p:spPr>
+        <p:txBody>
+          <a:bodyPr wrap="square" rtlCol="0" anchor="t">
+            <a:spAutoFit/>
+          </a:bodyPr>
+          <a:p>
+            <a:pPr algn="ctr"/>
+            <a:r>
+              <a:rPr lang="en-US" altLang="zh-CN">
                 <a:latin typeface="Ubuntu" panose="020B0504030602030204" charset="0"/>
                 <a:cs typeface="Ubuntu" panose="020B0504030602030204" charset="0"/>
+                <a:sym typeface="+mn-ea"/>
+                <a:hlinkClick r:id="rId2" action="ppaction://hlinkfile"/>
               </a:rPr>
-              <a:t>Importance of Data Science</a:t>
-            </a:r>
-            <a:endParaRPr lang="en-US" sz="2400">
-              <a:latin typeface="Ubuntu" panose="020B0504030602030204" charset="0"/>
-              <a:cs typeface="Ubuntu" panose="020B0504030602030204" charset="0"/>
-            </a:endParaRPr>
-          </a:p>
-          <a:p>
-            <a:pPr marL="457200" indent="-457200" algn="l">
-              <a:buFont typeface="+mj-lt"/>
-              <a:buAutoNum type="arabicPeriod"/>
-            </a:pPr>
-            <a:r>
-              <a:rPr lang="en-US" sz="2400">
+              <a:t>LinkedIn</a:t>
+            </a:r>
+            <a:r>
+              <a:rPr lang="en-US" altLang="zh-CN">
                 <a:latin typeface="Ubuntu" panose="020B0504030602030204" charset="0"/>
                 <a:cs typeface="Ubuntu" panose="020B0504030602030204" charset="0"/>
                 <a:sym typeface="+mn-ea"/>
               </a:rPr>
-              <a:t>Data Science Tools</a:t>
-            </a:r>
-            <a:endParaRPr lang="en-US" sz="2400">
-              <a:latin typeface="Ubuntu" panose="020B0504030602030204" charset="0"/>
-              <a:cs typeface="Ubuntu" panose="020B0504030602030204" charset="0"/>
-            </a:endParaRPr>
-          </a:p>
-          <a:p>
-            <a:pPr marL="457200" indent="-457200" algn="l">
-              <a:buFont typeface="+mj-lt"/>
-              <a:buAutoNum type="arabicPeriod"/>
-            </a:pPr>
-            <a:r>
-              <a:rPr lang="en-US" sz="2400">
+              <a:t> | </a:t>
+            </a:r>
+            <a:r>
+              <a:rPr lang="en-US" altLang="zh-CN">
+                <a:latin typeface="Ubuntu" panose="020B0504030602030204" charset="0"/>
+                <a:cs typeface="Ubuntu" panose="020B0504030602030204" charset="0"/>
+                <a:sym typeface="+mn-ea"/>
+                <a:hlinkClick r:id="rId3" tooltip="" action="ppaction://hlinkfile"/>
+              </a:rPr>
+              <a:t>GitHub</a:t>
+            </a:r>
+            <a:r>
+              <a:rPr lang="en-US" altLang="zh-CN">
                 <a:latin typeface="Ubuntu" panose="020B0504030602030204" charset="0"/>
                 <a:cs typeface="Ubuntu" panose="020B0504030602030204" charset="0"/>
                 <a:sym typeface="+mn-ea"/>
               </a:rPr>
-              <a:t>Learning Objectives</a:t>
-            </a:r>
-            <a:endParaRPr lang="en-US" sz="2400">
-              <a:latin typeface="Ubuntu" panose="020B0504030602030204" charset="0"/>
-              <a:cs typeface="Ubuntu" panose="020B0504030602030204" charset="0"/>
-              <a:sym typeface="+mn-ea"/>
-            </a:endParaRPr>
-          </a:p>
-          <a:p>
-            <a:pPr marL="457200" indent="-457200" algn="l">
-              <a:buFont typeface="+mj-lt"/>
-              <a:buAutoNum type="arabicPeriod"/>
-            </a:pPr>
-            <a:r>
-              <a:rPr lang="en-US" sz="2400">
+              <a:t> | </a:t>
+            </a:r>
+            <a:r>
+              <a:rPr lang="en-US" altLang="zh-CN">
+                <a:latin typeface="Ubuntu" panose="020B0504030602030204" charset="0"/>
+                <a:cs typeface="Ubuntu" panose="020B0504030602030204" charset="0"/>
+                <a:sym typeface="+mn-ea"/>
+                <a:hlinkClick r:id="rId4" tooltip="" action="ppaction://hlinkfile"/>
+              </a:rPr>
+              <a:t>Microsoft Learn</a:t>
+            </a:r>
+            <a:r>
+              <a:rPr lang="en-US" altLang="zh-CN">
                 <a:latin typeface="Ubuntu" panose="020B0504030602030204" charset="0"/>
                 <a:cs typeface="Ubuntu" panose="020B0504030602030204" charset="0"/>
                 <a:sym typeface="+mn-ea"/>
               </a:rPr>
-              <a:t>Recommended Background</a:t>
-            </a:r>
-            <a:endParaRPr lang="en-US" sz="2400">
-              <a:latin typeface="Ubuntu" panose="020B0504030602030204" charset="0"/>
-              <a:cs typeface="Ubuntu" panose="020B0504030602030204" charset="0"/>
-            </a:endParaRPr>
-          </a:p>
-          <a:p>
-            <a:pPr marL="457200" indent="-457200" algn="l">
-              <a:buFont typeface="+mj-lt"/>
-              <a:buAutoNum type="arabicPeriod"/>
-            </a:pPr>
-            <a:endParaRPr lang="en-US" sz="2400">
-              <a:latin typeface="Ubuntu" panose="020B0504030602030204" charset="0"/>
-              <a:cs typeface="Ubuntu" panose="020B0504030602030204" charset="0"/>
-            </a:endParaRPr>
+              <a:t> | </a:t>
+            </a:r>
+            <a:r>
+              <a:rPr lang="en-US" altLang="zh-CN">
+                <a:latin typeface="Ubuntu" panose="020B0504030602030204" charset="0"/>
+                <a:cs typeface="Ubuntu" panose="020B0504030602030204" charset="0"/>
+                <a:sym typeface="+mn-ea"/>
+                <a:hlinkClick r:id="rId5" tooltip="" action="ppaction://hlinkfile"/>
+              </a:rPr>
+              <a:t>Kaggle</a:t>
+            </a:r>
+            <a:r>
+              <a:rPr lang="en-US" altLang="zh-CN">
+                <a:latin typeface="Ubuntu" panose="020B0504030602030204" charset="0"/>
+                <a:cs typeface="Ubuntu" panose="020B0504030602030204" charset="0"/>
+                <a:sym typeface="+mn-ea"/>
+              </a:rPr>
+              <a:t> | </a:t>
+            </a:r>
+            <a:r>
+              <a:rPr lang="en-US" altLang="zh-CN">
+                <a:latin typeface="Ubuntu" panose="020B0504030602030204" charset="0"/>
+                <a:cs typeface="Ubuntu" panose="020B0504030602030204" charset="0"/>
+                <a:sym typeface="+mn-ea"/>
+                <a:hlinkClick r:id="rId6" tooltip="" action="ppaction://hlinkfile"/>
+              </a:rPr>
+              <a:t>Codeforces</a:t>
+            </a:r>
+            <a:endParaRPr lang="en-US"/>
           </a:p>
         </p:txBody>
       </p:sp>
@@ -4712,6 +8491,194 @@
                 <a:latin typeface="Ubuntu" panose="020B0504030602030204" charset="0"/>
                 <a:cs typeface="Ubuntu" panose="020B0504030602030204" charset="0"/>
               </a:rPr>
+              <a:t>Outline</a:t>
+            </a:r>
+            <a:endParaRPr lang="en-US">
+              <a:latin typeface="Ubuntu" panose="020B0504030602030204" charset="0"/>
+              <a:cs typeface="Ubuntu" panose="020B0504030602030204" charset="0"/>
+            </a:endParaRPr>
+          </a:p>
+        </p:txBody>
+      </p:sp>
+      <p:sp>
+        <p:nvSpPr>
+          <p:cNvPr id="3" name="Content Placeholder 2"/>
+          <p:cNvSpPr>
+            <a:spLocks noGrp="1"/>
+          </p:cNvSpPr>
+          <p:nvPr>
+            <p:ph idx="1"/>
+          </p:nvPr>
+        </p:nvSpPr>
+        <p:spPr/>
+        <p:txBody>
+          <a:bodyPr/>
+          <a:p>
+            <a:pPr marL="457200" indent="-457200" algn="l">
+              <a:buFont typeface="+mj-lt"/>
+              <a:buAutoNum type="arabicPeriod"/>
+            </a:pPr>
+            <a:r>
+              <a:rPr lang="en-US" sz="2400">
+                <a:latin typeface="Ubuntu" panose="020B0504030602030204" charset="0"/>
+                <a:cs typeface="Ubuntu" panose="020B0504030602030204" charset="0"/>
+              </a:rPr>
+              <a:t>What’s Data Science?</a:t>
+            </a:r>
+            <a:endParaRPr lang="en-US" sz="2400">
+              <a:latin typeface="Ubuntu" panose="020B0504030602030204" charset="0"/>
+              <a:cs typeface="Ubuntu" panose="020B0504030602030204" charset="0"/>
+            </a:endParaRPr>
+          </a:p>
+          <a:p>
+            <a:pPr marL="457200" indent="-457200" algn="l">
+              <a:buFont typeface="+mj-lt"/>
+              <a:buAutoNum type="arabicPeriod"/>
+            </a:pPr>
+            <a:r>
+              <a:rPr lang="en-US" sz="2400">
+                <a:latin typeface="Ubuntu" panose="020B0504030602030204" charset="0"/>
+                <a:cs typeface="Ubuntu" panose="020B0504030602030204" charset="0"/>
+              </a:rPr>
+              <a:t>Importance of Data Science</a:t>
+            </a:r>
+            <a:endParaRPr lang="en-US" sz="2400">
+              <a:latin typeface="Ubuntu" panose="020B0504030602030204" charset="0"/>
+              <a:cs typeface="Ubuntu" panose="020B0504030602030204" charset="0"/>
+            </a:endParaRPr>
+          </a:p>
+          <a:p>
+            <a:pPr marL="457200" indent="-457200" algn="l">
+              <a:buFont typeface="+mj-lt"/>
+              <a:buAutoNum type="arabicPeriod"/>
+            </a:pPr>
+            <a:r>
+              <a:rPr lang="en-US" sz="2400">
+                <a:latin typeface="Ubuntu" panose="020B0504030602030204" charset="0"/>
+                <a:cs typeface="Ubuntu" panose="020B0504030602030204" charset="0"/>
+                <a:sym typeface="+mn-ea"/>
+              </a:rPr>
+              <a:t>Data Science Tools</a:t>
+            </a:r>
+            <a:endParaRPr lang="en-US" sz="2400">
+              <a:latin typeface="Ubuntu" panose="020B0504030602030204" charset="0"/>
+              <a:cs typeface="Ubuntu" panose="020B0504030602030204" charset="0"/>
+            </a:endParaRPr>
+          </a:p>
+          <a:p>
+            <a:pPr marL="457200" indent="-457200" algn="l">
+              <a:buFont typeface="+mj-lt"/>
+              <a:buAutoNum type="arabicPeriod"/>
+            </a:pPr>
+            <a:r>
+              <a:rPr lang="en-US" sz="2400">
+                <a:latin typeface="Ubuntu" panose="020B0504030602030204" charset="0"/>
+                <a:cs typeface="Ubuntu" panose="020B0504030602030204" charset="0"/>
+                <a:sym typeface="+mn-ea"/>
+              </a:rPr>
+              <a:t>Learning Objectives</a:t>
+            </a:r>
+            <a:endParaRPr lang="en-US" sz="2400">
+              <a:latin typeface="Ubuntu" panose="020B0504030602030204" charset="0"/>
+              <a:cs typeface="Ubuntu" panose="020B0504030602030204" charset="0"/>
+              <a:sym typeface="+mn-ea"/>
+            </a:endParaRPr>
+          </a:p>
+          <a:p>
+            <a:pPr marL="457200" indent="-457200" algn="l">
+              <a:buFont typeface="+mj-lt"/>
+              <a:buAutoNum type="arabicPeriod"/>
+            </a:pPr>
+            <a:r>
+              <a:rPr lang="en-US" sz="2400">
+                <a:latin typeface="Ubuntu" panose="020B0504030602030204" charset="0"/>
+                <a:cs typeface="Ubuntu" panose="020B0504030602030204" charset="0"/>
+                <a:sym typeface="+mn-ea"/>
+              </a:rPr>
+              <a:t>Recommended Background</a:t>
+            </a:r>
+            <a:endParaRPr lang="en-US" sz="2400">
+              <a:latin typeface="Ubuntu" panose="020B0504030602030204" charset="0"/>
+              <a:cs typeface="Ubuntu" panose="020B0504030602030204" charset="0"/>
+              <a:sym typeface="+mn-ea"/>
+            </a:endParaRPr>
+          </a:p>
+          <a:p>
+            <a:pPr marL="457200" indent="-457200" algn="l">
+              <a:buFont typeface="+mj-lt"/>
+              <a:buAutoNum type="arabicPeriod"/>
+            </a:pPr>
+            <a:r>
+              <a:rPr lang="en-US" sz="2400">
+                <a:latin typeface="Ubuntu" panose="020B0504030602030204" charset="0"/>
+                <a:cs typeface="Ubuntu" panose="020B0504030602030204" charset="0"/>
+                <a:sym typeface="+mn-ea"/>
+              </a:rPr>
+              <a:t>Plan Outline</a:t>
+            </a:r>
+            <a:endParaRPr lang="en-US" sz="2400">
+              <a:latin typeface="Ubuntu" panose="020B0504030602030204" charset="0"/>
+              <a:cs typeface="Ubuntu" panose="020B0504030602030204" charset="0"/>
+            </a:endParaRPr>
+          </a:p>
+          <a:p>
+            <a:pPr marL="457200" indent="-457200" algn="l">
+              <a:buFont typeface="+mj-lt"/>
+              <a:buAutoNum type="arabicPeriod"/>
+            </a:pPr>
+            <a:endParaRPr lang="en-US" sz="2400">
+              <a:latin typeface="Ubuntu" panose="020B0504030602030204" charset="0"/>
+              <a:cs typeface="Ubuntu" panose="020B0504030602030204" charset="0"/>
+            </a:endParaRPr>
+          </a:p>
+        </p:txBody>
+      </p:sp>
+    </p:spTree>
+  </p:cSld>
+  <p:clrMapOvr>
+    <a:masterClrMapping/>
+  </p:clrMapOvr>
+  <mc:AlternateContent xmlns:mc="http://schemas.openxmlformats.org/markup-compatibility/2006">
+    <mc:Choice xmlns:p14="http://schemas.microsoft.com/office/powerpoint/2010/main" Requires="p14">
+      <p:transition spd="slow" p14:dur="1200"/>
+    </mc:Choice>
+    <mc:Fallback>
+      <p:transition spd="slow"/>
+    </mc:Fallback>
+  </mc:AlternateContent>
+</p:sld>
+</file>
+
+<file path=ppt/slides/slide4.xml><?xml version="1.0" encoding="utf-8"?>
+<p:sld xmlns:a="http://schemas.openxmlformats.org/drawingml/2006/main" xmlns:r="http://schemas.openxmlformats.org/officeDocument/2006/relationships" xmlns:p="http://schemas.openxmlformats.org/presentationml/2006/main">
+  <p:cSld>
+    <p:spTree>
+      <p:nvGrpSpPr>
+        <p:cNvPr id="1" name=""/>
+        <p:cNvGrpSpPr/>
+        <p:nvPr/>
+      </p:nvGrpSpPr>
+      <p:grpSpPr/>
+      <p:sp>
+        <p:nvSpPr>
+          <p:cNvPr id="2" name="Title 1"/>
+          <p:cNvSpPr>
+            <a:spLocks noGrp="1"/>
+          </p:cNvSpPr>
+          <p:nvPr>
+            <p:ph type="title"/>
+          </p:nvPr>
+        </p:nvSpPr>
+        <p:spPr/>
+        <p:txBody>
+          <a:bodyPr/>
+          <a:p>
+            <a:pPr algn="l"/>
+            <a:r>
+              <a:rPr lang="en-US">
+                <a:latin typeface="Ubuntu" panose="020B0504030602030204" charset="0"/>
+                <a:cs typeface="Ubuntu" panose="020B0504030602030204" charset="0"/>
+              </a:rPr>
               <a:t>What’s Data Science</a:t>
             </a:r>
             <a:endParaRPr lang="en-US">
@@ -5001,110 +8968,6 @@
 </p:sld>
 </file>
 
-<file path=ppt/slides/slide4.xml><?xml version="1.0" encoding="utf-8"?>
-<p:sld xmlns:a="http://schemas.openxmlformats.org/drawingml/2006/main" xmlns:r="http://schemas.openxmlformats.org/officeDocument/2006/relationships" xmlns:p="http://schemas.openxmlformats.org/presentationml/2006/main">
-  <p:cSld>
-    <p:spTree>
-      <p:nvGrpSpPr>
-        <p:cNvPr id="1" name=""/>
-        <p:cNvGrpSpPr/>
-        <p:nvPr/>
-      </p:nvGrpSpPr>
-      <p:grpSpPr/>
-      <p:sp>
-        <p:nvSpPr>
-          <p:cNvPr id="2" name="Title 1"/>
-          <p:cNvSpPr>
-            <a:spLocks noGrp="1"/>
-          </p:cNvSpPr>
-          <p:nvPr>
-            <p:ph type="title"/>
-          </p:nvPr>
-        </p:nvSpPr>
-        <p:spPr/>
-        <p:txBody>
-          <a:bodyPr/>
-          <a:p>
-            <a:pPr algn="l"/>
-            <a:r>
-              <a:rPr lang="en-US">
-                <a:latin typeface="Ubuntu" panose="020B0504030602030204" charset="0"/>
-                <a:cs typeface="Ubuntu" panose="020B0504030602030204" charset="0"/>
-              </a:rPr>
-              <a:t>Data Science is not Machine Learning</a:t>
-            </a:r>
-            <a:endParaRPr lang="en-US">
-              <a:latin typeface="Ubuntu" panose="020B0504030602030204" charset="0"/>
-              <a:cs typeface="Ubuntu" panose="020B0504030602030204" charset="0"/>
-            </a:endParaRPr>
-          </a:p>
-        </p:txBody>
-      </p:sp>
-      <p:sp>
-        <p:nvSpPr>
-          <p:cNvPr id="3" name="Content Placeholder 2"/>
-          <p:cNvSpPr>
-            <a:spLocks noGrp="1"/>
-          </p:cNvSpPr>
-          <p:nvPr>
-            <p:ph idx="1"/>
-          </p:nvPr>
-        </p:nvSpPr>
-        <p:spPr/>
-        <p:txBody>
-          <a:bodyPr/>
-          <a:p>
-            <a:pPr algn="l"/>
-            <a:r>
-              <a:rPr lang="en-US" sz="2400">
-                <a:latin typeface="Ubuntu" panose="020B0504030602030204" charset="0"/>
-                <a:cs typeface="Ubuntu" panose="020B0504030602030204" charset="0"/>
-              </a:rPr>
-              <a:t>Machine learning involves computation and statistics, but has not (traditionally) been very concerned about answering scientific questions.</a:t>
-            </a:r>
-            <a:endParaRPr lang="en-US" sz="2400">
-              <a:latin typeface="Ubuntu" panose="020B0504030602030204" charset="0"/>
-              <a:cs typeface="Ubuntu" panose="020B0504030602030204" charset="0"/>
-            </a:endParaRPr>
-          </a:p>
-          <a:p>
-            <a:pPr algn="l"/>
-            <a:r>
-              <a:rPr lang="en-US" sz="2400">
-                <a:latin typeface="Ubuntu" panose="020B0504030602030204" charset="0"/>
-                <a:cs typeface="Ubuntu" panose="020B0504030602030204" charset="0"/>
-              </a:rPr>
-              <a:t>Machine learning has a heavy focus on fancy algorithms…</a:t>
-            </a:r>
-            <a:endParaRPr lang="en-US" sz="2400">
-              <a:latin typeface="Ubuntu" panose="020B0504030602030204" charset="0"/>
-              <a:cs typeface="Ubuntu" panose="020B0504030602030204" charset="0"/>
-            </a:endParaRPr>
-          </a:p>
-          <a:p>
-            <a:pPr algn="l"/>
-            <a:r>
-              <a:rPr lang="en-US" sz="2400">
-                <a:latin typeface="Ubuntu" panose="020B0504030602030204" charset="0"/>
-                <a:cs typeface="Ubuntu" panose="020B0504030602030204" charset="0"/>
-              </a:rPr>
-              <a:t>Sometimes the best way to solve a problem is just by visualizing the data, for instance.</a:t>
-            </a:r>
-            <a:endParaRPr lang="en-US" sz="2400">
-              <a:latin typeface="Ubuntu" panose="020B0504030602030204" charset="0"/>
-              <a:cs typeface="Ubuntu" panose="020B0504030602030204" charset="0"/>
-            </a:endParaRPr>
-          </a:p>
-        </p:txBody>
-      </p:sp>
-    </p:spTree>
-  </p:cSld>
-  <p:clrMapOvr>
-    <a:masterClrMapping/>
-  </p:clrMapOvr>
-</p:sld>
-</file>
-
 <file path=ppt/slides/slide5.xml><?xml version="1.0" encoding="utf-8"?>
 <p:sld xmlns:a="http://schemas.openxmlformats.org/drawingml/2006/main" xmlns:r="http://schemas.openxmlformats.org/officeDocument/2006/relationships" xmlns:p="http://schemas.openxmlformats.org/presentationml/2006/main">
   <p:cSld>
@@ -5154,12 +9017,7 @@
             <p:ph idx="1"/>
           </p:nvPr>
         </p:nvSpPr>
-        <p:spPr>
-          <a:xfrm>
-            <a:off x="6179820" y="1600200"/>
-            <a:ext cx="5402580" cy="4526280"/>
-          </a:xfrm>
-        </p:spPr>
+        <p:spPr/>
         <p:txBody>
           <a:bodyPr/>
           <a:p>
@@ -5169,7 +9027,7 @@
                 <a:latin typeface="Ubuntu" panose="020B0504030602030204" charset="0"/>
                 <a:cs typeface="Ubuntu" panose="020B0504030602030204" charset="0"/>
               </a:rPr>
-              <a:t>Data science competitions like Kaggle ask you to optimize a metric on a fixed data set.</a:t>
+              <a:t>Machine learning involves computation and statistics, but has not (traditionally) been very concerned about answering scientific questions.</a:t>
             </a:r>
             <a:endParaRPr lang="en-US" sz="2400">
               <a:latin typeface="Ubuntu" panose="020B0504030602030204" charset="0"/>
@@ -5183,7 +9041,7 @@
                 <a:latin typeface="Ubuntu" panose="020B0504030602030204" charset="0"/>
                 <a:cs typeface="Ubuntu" panose="020B0504030602030204" charset="0"/>
               </a:rPr>
-              <a:t>This may or may not ultimately solve the desired business/scientific problem.</a:t>
+              <a:t>Machine learning has a heavy focus on fancy algorithms…</a:t>
             </a:r>
             <a:endParaRPr lang="en-US" sz="2400">
               <a:latin typeface="Ubuntu" panose="020B0504030602030204" charset="0"/>
@@ -5197,7 +9055,7 @@
                 <a:latin typeface="Ubuntu" panose="020B0504030602030204" charset="0"/>
                 <a:cs typeface="Ubuntu" panose="020B0504030602030204" charset="0"/>
               </a:rPr>
-              <a:t>Data science is the iterative cycle of designing a concrete problem, building an algorithm to solve it, and evaluating what insights this provides for the real underlying question.</a:t>
+              <a:t>Sometimes the best way to solve a problem is just by visualizing the data, for instance.</a:t>
             </a:r>
             <a:endParaRPr lang="en-US" sz="2400">
               <a:latin typeface="Ubuntu" panose="020B0504030602030204" charset="0"/>
@@ -5206,30 +9064,6 @@
           </a:p>
         </p:txBody>
       </p:sp>
-      <p:pic>
-        <p:nvPicPr>
-          <p:cNvPr id="5" name="Picture 4"/>
-          <p:cNvPicPr>
-            <a:picLocks noChangeAspect="1"/>
-          </p:cNvPicPr>
-          <p:nvPr/>
-        </p:nvPicPr>
-        <p:blipFill>
-          <a:blip r:embed="rId1"/>
-          <a:stretch>
-            <a:fillRect/>
-          </a:stretch>
-        </p:blipFill>
-        <p:spPr>
-          <a:xfrm>
-            <a:off x="665480" y="2141220"/>
-            <a:ext cx="5215890" cy="3443605"/>
-          </a:xfrm>
-          <a:prstGeom prst="rect">
-            <a:avLst/>
-          </a:prstGeom>
-        </p:spPr>
-      </p:pic>
     </p:spTree>
   </p:cSld>
   <p:clrMapOvr>
@@ -5268,7 +9102,7 @@
                 <a:latin typeface="Ubuntu" panose="020B0504030602030204" charset="0"/>
                 <a:cs typeface="Ubuntu" panose="020B0504030602030204" charset="0"/>
               </a:rPr>
-              <a:t>Back to Data Science Pipeline</a:t>
+              <a:t>Data Science is not Machine Learning</a:t>
             </a:r>
             <a:endParaRPr lang="en-US">
               <a:latin typeface="Ubuntu" panose="020B0504030602030204" charset="0"/>
@@ -5277,15 +9111,75 @@
           </a:p>
         </p:txBody>
       </p:sp>
+      <p:sp>
+        <p:nvSpPr>
+          <p:cNvPr id="3" name="Content Placeholder 2"/>
+          <p:cNvSpPr>
+            <a:spLocks noGrp="1"/>
+          </p:cNvSpPr>
+          <p:nvPr>
+            <p:ph idx="1"/>
+          </p:nvPr>
+        </p:nvSpPr>
+        <p:spPr>
+          <a:xfrm>
+            <a:off x="6179820" y="1600200"/>
+            <a:ext cx="5402580" cy="4526280"/>
+          </a:xfrm>
+        </p:spPr>
+        <p:txBody>
+          <a:bodyPr/>
+          <a:p>
+            <a:pPr algn="l"/>
+            <a:r>
+              <a:rPr lang="en-US" sz="2400">
+                <a:latin typeface="Ubuntu" panose="020B0504030602030204" charset="0"/>
+                <a:cs typeface="Ubuntu" panose="020B0504030602030204" charset="0"/>
+              </a:rPr>
+              <a:t>Data science competitions like Kaggle ask you to optimize a metric on a fixed data set.</a:t>
+            </a:r>
+            <a:endParaRPr lang="en-US" sz="2400">
+              <a:latin typeface="Ubuntu" panose="020B0504030602030204" charset="0"/>
+              <a:cs typeface="Ubuntu" panose="020B0504030602030204" charset="0"/>
+            </a:endParaRPr>
+          </a:p>
+          <a:p>
+            <a:pPr algn="l"/>
+            <a:r>
+              <a:rPr lang="en-US" sz="2400">
+                <a:latin typeface="Ubuntu" panose="020B0504030602030204" charset="0"/>
+                <a:cs typeface="Ubuntu" panose="020B0504030602030204" charset="0"/>
+              </a:rPr>
+              <a:t>This may or may not ultimately solve the desired business/scientific problem.</a:t>
+            </a:r>
+            <a:endParaRPr lang="en-US" sz="2400">
+              <a:latin typeface="Ubuntu" panose="020B0504030602030204" charset="0"/>
+              <a:cs typeface="Ubuntu" panose="020B0504030602030204" charset="0"/>
+            </a:endParaRPr>
+          </a:p>
+          <a:p>
+            <a:pPr algn="l"/>
+            <a:r>
+              <a:rPr lang="en-US" sz="2400">
+                <a:latin typeface="Ubuntu" panose="020B0504030602030204" charset="0"/>
+                <a:cs typeface="Ubuntu" panose="020B0504030602030204" charset="0"/>
+              </a:rPr>
+              <a:t>Data science is the iterative cycle of designing a concrete problem, building an algorithm to solve it, and evaluating what insights this provides for the real underlying question.</a:t>
+            </a:r>
+            <a:endParaRPr lang="en-US" sz="2400">
+              <a:latin typeface="Ubuntu" panose="020B0504030602030204" charset="0"/>
+              <a:cs typeface="Ubuntu" panose="020B0504030602030204" charset="0"/>
+            </a:endParaRPr>
+          </a:p>
+        </p:txBody>
+      </p:sp>
       <p:pic>
         <p:nvPicPr>
-          <p:cNvPr id="7" name="Content Placeholder 6" descr="data-science-pipeline"/>
+          <p:cNvPr id="5" name="Picture 4"/>
           <p:cNvPicPr>
             <a:picLocks noChangeAspect="1"/>
           </p:cNvPicPr>
-          <p:nvPr>
-            <p:ph idx="1"/>
-          </p:nvPr>
+          <p:nvPr/>
         </p:nvPicPr>
         <p:blipFill>
           <a:blip r:embed="rId1"/>
@@ -5295,8 +9189,8 @@
         </p:blipFill>
         <p:spPr>
           <a:xfrm>
-            <a:off x="609600" y="2283460"/>
-            <a:ext cx="10972800" cy="2533015"/>
+            <a:off x="665480" y="2141220"/>
+            <a:ext cx="5215890" cy="3443605"/>
           </a:xfrm>
           <a:prstGeom prst="rect">
             <a:avLst/>
@@ -5341,6 +9235,79 @@
                 <a:latin typeface="Ubuntu" panose="020B0504030602030204" charset="0"/>
                 <a:cs typeface="Ubuntu" panose="020B0504030602030204" charset="0"/>
               </a:rPr>
+              <a:t>Back to Data Science Pipeline</a:t>
+            </a:r>
+            <a:endParaRPr lang="en-US">
+              <a:latin typeface="Ubuntu" panose="020B0504030602030204" charset="0"/>
+              <a:cs typeface="Ubuntu" panose="020B0504030602030204" charset="0"/>
+            </a:endParaRPr>
+          </a:p>
+        </p:txBody>
+      </p:sp>
+      <p:pic>
+        <p:nvPicPr>
+          <p:cNvPr id="7" name="Content Placeholder 6" descr="data-science-pipeline"/>
+          <p:cNvPicPr>
+            <a:picLocks noChangeAspect="1"/>
+          </p:cNvPicPr>
+          <p:nvPr>
+            <p:ph idx="1"/>
+          </p:nvPr>
+        </p:nvPicPr>
+        <p:blipFill>
+          <a:blip r:embed="rId1"/>
+          <a:stretch>
+            <a:fillRect/>
+          </a:stretch>
+        </p:blipFill>
+        <p:spPr>
+          <a:xfrm>
+            <a:off x="609600" y="2283460"/>
+            <a:ext cx="10972800" cy="2533015"/>
+          </a:xfrm>
+          <a:prstGeom prst="rect">
+            <a:avLst/>
+          </a:prstGeom>
+        </p:spPr>
+      </p:pic>
+    </p:spTree>
+  </p:cSld>
+  <p:clrMapOvr>
+    <a:masterClrMapping/>
+  </p:clrMapOvr>
+</p:sld>
+</file>
+
+<file path=ppt/slides/slide8.xml><?xml version="1.0" encoding="utf-8"?>
+<p:sld xmlns:a="http://schemas.openxmlformats.org/drawingml/2006/main" xmlns:r="http://schemas.openxmlformats.org/officeDocument/2006/relationships" xmlns:p="http://schemas.openxmlformats.org/presentationml/2006/main">
+  <p:cSld>
+    <p:spTree>
+      <p:nvGrpSpPr>
+        <p:cNvPr id="1" name=""/>
+        <p:cNvGrpSpPr/>
+        <p:nvPr/>
+      </p:nvGrpSpPr>
+      <p:grpSpPr/>
+      <p:sp>
+        <p:nvSpPr>
+          <p:cNvPr id="2" name="Title 1"/>
+          <p:cNvSpPr>
+            <a:spLocks noGrp="1"/>
+          </p:cNvSpPr>
+          <p:nvPr>
+            <p:ph type="title"/>
+          </p:nvPr>
+        </p:nvSpPr>
+        <p:spPr/>
+        <p:txBody>
+          <a:bodyPr/>
+          <a:p>
+            <a:pPr algn="l"/>
+            <a:r>
+              <a:rPr lang="en-US">
+                <a:latin typeface="Ubuntu" panose="020B0504030602030204" charset="0"/>
+                <a:cs typeface="Ubuntu" panose="020B0504030602030204" charset="0"/>
+              </a:rPr>
               <a:t>Importance of Data Science</a:t>
             </a:r>
             <a:endParaRPr lang="en-US">
@@ -5415,7 +9382,7 @@
 </p:sld>
 </file>
 
-<file path=ppt/slides/slide8.xml><?xml version="1.0" encoding="utf-8"?>
+<file path=ppt/slides/slide9.xml><?xml version="1.0" encoding="utf-8"?>
 <p:sld xmlns:a="http://schemas.openxmlformats.org/drawingml/2006/main" xmlns:r="http://schemas.openxmlformats.org/officeDocument/2006/relationships" xmlns:p="http://schemas.openxmlformats.org/presentationml/2006/main">
   <p:cSld>
     <p:spTree>
@@ -5748,152 +9715,6 @@
           </a:prstGeom>
         </p:spPr>
       </p:pic>
-    </p:spTree>
-  </p:cSld>
-  <p:clrMapOvr>
-    <a:masterClrMapping/>
-  </p:clrMapOvr>
-</p:sld>
-</file>
-
-<file path=ppt/slides/slide9.xml><?xml version="1.0" encoding="utf-8"?>
-<p:sld xmlns:a="http://schemas.openxmlformats.org/drawingml/2006/main" xmlns:r="http://schemas.openxmlformats.org/officeDocument/2006/relationships" xmlns:p="http://schemas.openxmlformats.org/presentationml/2006/main">
-  <p:cSld>
-    <p:spTree>
-      <p:nvGrpSpPr>
-        <p:cNvPr id="1" name=""/>
-        <p:cNvGrpSpPr/>
-        <p:nvPr/>
-      </p:nvGrpSpPr>
-      <p:grpSpPr/>
-      <p:sp>
-        <p:nvSpPr>
-          <p:cNvPr id="2" name="Title 1"/>
-          <p:cNvSpPr>
-            <a:spLocks noGrp="1"/>
-          </p:cNvSpPr>
-          <p:nvPr>
-            <p:ph type="title"/>
-          </p:nvPr>
-        </p:nvSpPr>
-        <p:spPr/>
-        <p:txBody>
-          <a:bodyPr/>
-          <a:p>
-            <a:pPr algn="l"/>
-            <a:r>
-              <a:rPr lang="en-US">
-                <a:latin typeface="Ubuntu" panose="020B0504030602030204" charset="0"/>
-                <a:cs typeface="Ubuntu" panose="020B0504030602030204" charset="0"/>
-              </a:rPr>
-              <a:t>Course Learning Objectives</a:t>
-            </a:r>
-            <a:endParaRPr lang="en-US">
-              <a:latin typeface="Ubuntu" panose="020B0504030602030204" charset="0"/>
-              <a:cs typeface="Ubuntu" panose="020B0504030602030204" charset="0"/>
-            </a:endParaRPr>
-          </a:p>
-        </p:txBody>
-      </p:sp>
-      <p:sp>
-        <p:nvSpPr>
-          <p:cNvPr id="3" name="Content Placeholder 2"/>
-          <p:cNvSpPr>
-            <a:spLocks noGrp="1"/>
-          </p:cNvSpPr>
-          <p:nvPr>
-            <p:ph idx="1"/>
-          </p:nvPr>
-        </p:nvSpPr>
-        <p:spPr/>
-        <p:txBody>
-          <a:bodyPr/>
-          <a:p>
-            <a:pPr algn="l"/>
-            <a:r>
-              <a:rPr lang="en-US" sz="2400">
-                <a:latin typeface="Ubuntu" panose="020B0504030602030204" charset="0"/>
-                <a:cs typeface="Ubuntu" panose="020B0504030602030204" charset="0"/>
-              </a:rPr>
-              <a:t>Understand the end-to-end data science pipeline, from data collection to model deployment.</a:t>
-            </a:r>
-            <a:endParaRPr lang="en-US" sz="2400">
-              <a:latin typeface="Ubuntu" panose="020B0504030602030204" charset="0"/>
-              <a:cs typeface="Ubuntu" panose="020B0504030602030204" charset="0"/>
-            </a:endParaRPr>
-          </a:p>
-          <a:p>
-            <a:pPr algn="l"/>
-            <a:r>
-              <a:rPr lang="en-US" sz="2400">
-                <a:latin typeface="Ubuntu" panose="020B0504030602030204" charset="0"/>
-                <a:cs typeface="Ubuntu" panose="020B0504030602030204" charset="0"/>
-              </a:rPr>
-              <a:t>Be familiar with the programming tools and libraries required to execute different phases of data science projects.</a:t>
-            </a:r>
-            <a:endParaRPr lang="en-US" sz="2400">
-              <a:latin typeface="Ubuntu" panose="020B0504030602030204" charset="0"/>
-              <a:cs typeface="Ubuntu" panose="020B0504030602030204" charset="0"/>
-            </a:endParaRPr>
-          </a:p>
-          <a:p>
-            <a:pPr algn="l"/>
-            <a:r>
-              <a:rPr lang="en-US" sz="2400">
-                <a:latin typeface="Ubuntu" panose="020B0504030602030204" charset="0"/>
-                <a:cs typeface="Ubuntu" panose="020B0504030602030204" charset="0"/>
-              </a:rPr>
-              <a:t>Demonstrate the ability to collect data from a variety of sources, including structured and unstructured data.</a:t>
-            </a:r>
-            <a:endParaRPr lang="en-US" sz="2400">
-              <a:latin typeface="Ubuntu" panose="020B0504030602030204" charset="0"/>
-              <a:cs typeface="Ubuntu" panose="020B0504030602030204" charset="0"/>
-            </a:endParaRPr>
-          </a:p>
-          <a:p>
-            <a:pPr algn="l"/>
-            <a:r>
-              <a:rPr lang="en-US" sz="2400">
-                <a:latin typeface="Ubuntu" panose="020B0504030602030204" charset="0"/>
-                <a:cs typeface="Ubuntu" panose="020B0504030602030204" charset="0"/>
-              </a:rPr>
-              <a:t>Know how to explore and visualize datasets, gaining insights into data distributions, patterns, and outliers.</a:t>
-            </a:r>
-            <a:endParaRPr lang="en-US" sz="2400">
-              <a:latin typeface="Ubuntu" panose="020B0504030602030204" charset="0"/>
-              <a:cs typeface="Ubuntu" panose="020B0504030602030204" charset="0"/>
-            </a:endParaRPr>
-          </a:p>
-          <a:p>
-            <a:pPr algn="l"/>
-            <a:r>
-              <a:rPr lang="en-US" sz="2400">
-                <a:latin typeface="Ubuntu" panose="020B0504030602030204" charset="0"/>
-                <a:cs typeface="Ubuntu" panose="020B0504030602030204" charset="0"/>
-              </a:rPr>
-              <a:t>Be proficient in conducting data analysis using a range of statistical and machine learning techniques.</a:t>
-            </a:r>
-            <a:endParaRPr lang="en-US" sz="2400">
-              <a:latin typeface="Ubuntu" panose="020B0504030602030204" charset="0"/>
-              <a:cs typeface="Ubuntu" panose="020B0504030602030204" charset="0"/>
-            </a:endParaRPr>
-          </a:p>
-          <a:p>
-            <a:pPr algn="l"/>
-            <a:r>
-              <a:rPr lang="en-US" sz="2400">
-                <a:latin typeface="Ubuntu" panose="020B0504030602030204" charset="0"/>
-                <a:cs typeface="Ubuntu" panose="020B0504030602030204" charset="0"/>
-              </a:rPr>
-              <a:t>Create data-driven reports and presentations that convey insights in a clear and compelling manner, addressing the needs of different audiences.</a:t>
-            </a:r>
-            <a:endParaRPr lang="en-US" sz="2400">
-              <a:latin typeface="Ubuntu" panose="020B0504030602030204" charset="0"/>
-              <a:cs typeface="Ubuntu" panose="020B0504030602030204" charset="0"/>
-            </a:endParaRPr>
-          </a:p>
-        </p:txBody>
-      </p:sp>
     </p:spTree>
   </p:cSld>
   <p:clrMapOvr>

--- a/slides/Session 01 - Introduction to Data Science.pptx
+++ b/slides/Session 01 - Introduction to Data Science.pptx
@@ -5,29 +5,35 @@
     <p:sldMasterId id="2147483648" r:id="rId1"/>
   </p:sldMasterIdLst>
   <p:notesMasterIdLst>
-    <p:notesMasterId r:id="rId5"/>
+    <p:notesMasterId r:id="rId22"/>
   </p:notesMasterIdLst>
   <p:handoutMasterIdLst>
-    <p:handoutMasterId r:id="rId18"/>
+    <p:handoutMasterId r:id="rId23"/>
   </p:handoutMasterIdLst>
   <p:sldIdLst>
-    <p:sldId id="256" r:id="rId3"/>
-    <p:sldId id="257" r:id="rId4"/>
-    <p:sldId id="276" r:id="rId6"/>
-    <p:sldId id="260" r:id="rId7"/>
-    <p:sldId id="263" r:id="rId8"/>
-    <p:sldId id="264" r:id="rId9"/>
-    <p:sldId id="261" r:id="rId10"/>
+    <p:sldId id="256" r:id="rId2"/>
+    <p:sldId id="257" r:id="rId3"/>
+    <p:sldId id="276" r:id="rId4"/>
+    <p:sldId id="278" r:id="rId5"/>
+    <p:sldId id="260" r:id="rId6"/>
+    <p:sldId id="263" r:id="rId7"/>
+    <p:sldId id="264" r:id="rId8"/>
+    <p:sldId id="261" r:id="rId9"/>
+    <p:sldId id="279" r:id="rId10"/>
     <p:sldId id="267" r:id="rId11"/>
-    <p:sldId id="265" r:id="rId12"/>
-    <p:sldId id="271" r:id="rId13"/>
-    <p:sldId id="269" r:id="rId14"/>
-    <p:sldId id="277" r:id="rId15"/>
-    <p:sldId id="268" r:id="rId16"/>
-    <p:sldId id="270" r:id="rId17"/>
+    <p:sldId id="280" r:id="rId12"/>
+    <p:sldId id="265" r:id="rId13"/>
+    <p:sldId id="281" r:id="rId14"/>
+    <p:sldId id="271" r:id="rId15"/>
+    <p:sldId id="282" r:id="rId16"/>
+    <p:sldId id="269" r:id="rId17"/>
+    <p:sldId id="283" r:id="rId18"/>
+    <p:sldId id="277" r:id="rId19"/>
+    <p:sldId id="268" r:id="rId20"/>
+    <p:sldId id="270" r:id="rId21"/>
   </p:sldIdLst>
   <p:sldSz cx="12192000" cy="6858000"/>
-  <p:notesSz cx="7103745" cy="10234295"/>
+  <p:notesSz cx="7104063" cy="10234613"/>
   <p:defaultTextStyle>
     <a:defPPr>
       <a:defRPr lang="zh-CN"/>
@@ -123,6 +129,22 @@
       </a:defRPr>
     </a:lvl9pPr>
   </p:defaultTextStyle>
+  <p:extLst>
+    <p:ext uri="{EFAFB233-063F-42B5-8137-9DF3F51BA10A}">
+      <p15:sldGuideLst xmlns:p15="http://schemas.microsoft.com/office/powerpoint/2012/main">
+        <p15:guide id="1" orient="horz" pos="2160">
+          <p15:clr>
+            <a:srgbClr val="A4A3A4"/>
+          </p15:clr>
+        </p15:guide>
+        <p15:guide id="2" pos="3840">
+          <p15:clr>
+            <a:srgbClr val="A4A3A4"/>
+          </p15:clr>
+        </p15:guide>
+      </p15:sldGuideLst>
+    </p:ext>
+  </p:extLst>
 </p:presentation>
 </file>
 
@@ -133,7 +155,7 @@
 </file>
 
 <file path=ppt/diagrams/colors1.xml><?xml version="1.0" encoding="utf-8"?>
-<dgm:colorsDef xmlns:dgm="http://schemas.openxmlformats.org/drawingml/2006/diagram" xmlns:a="http://schemas.openxmlformats.org/drawingml/2006/main" uniqueId="urn:microsoft.com/office/officeart/2005/8/colors/accent2_2">
+<dgm:colorsDef xmlns:dgm="http://schemas.openxmlformats.org/drawingml/2006/diagram" xmlns:a="http://schemas.openxmlformats.org/drawingml/2006/main" uniqueId="urn:microsoft.com/office/officeart/2005/8/colors/accent2_2#1">
   <dgm:title val=""/>
   <dgm:desc val=""/>
   <dgm:catLst>
@@ -883,7 +905,7 @@
 <dgm:dataModel xmlns:dgm="http://schemas.openxmlformats.org/drawingml/2006/diagram" xmlns:a="http://schemas.openxmlformats.org/drawingml/2006/main">
   <dgm:ptLst>
     <dgm:pt modelId="{9D527559-FDD8-4274-B634-C7FBCF5BC573}" type="doc">
-      <dgm:prSet loTypeId="process" loCatId="process" qsTypeId="urn:microsoft.com/office/officeart/2005/8/quickstyle/simple1" qsCatId="simple" csTypeId="urn:microsoft.com/office/officeart/2005/8/colors/accent2_2" csCatId="accent1" phldr="0"/>
+      <dgm:prSet loTypeId="urn:microsoft.com/office/officeart/2005/8/layout/chevron1" loCatId="process" qsTypeId="urn:microsoft.com/office/officeart/2005/8/quickstyle/simple1#1" qsCatId="simple" csTypeId="urn:microsoft.com/office/officeart/2005/8/colors/accent2_2#1" csCatId="accent1" phldr="0"/>
       <dgm:spPr/>
     </dgm:pt>
     <dgm:pt modelId="{870E4F47-8CC4-4F59-B4C1-42B5AAA5CEFE}">
@@ -891,6 +913,7 @@
       <dgm:spPr/>
       <dgm:t>
         <a:bodyPr vert="horz" wrap="square"/>
+        <a:lstStyle/>
         <a:p>
           <a:pPr>
             <a:lnSpc>
@@ -907,15 +930,14 @@
             <a:rPr lang="en-US"/>
             <a:t>Gather</a:t>
           </a:r>
-          <a:endParaRPr lang="en-US"/>
         </a:p>
       </dgm:t>
     </dgm:pt>
-    <dgm:pt modelId="{3D1AB2CA-88A4-4E4C-9A8A-508DF0E06639}" cxnId="{8AA3A503-A788-433D-A7C2-119D2F38702E}" type="parTrans">
+    <dgm:pt modelId="{3D1AB2CA-88A4-4E4C-9A8A-508DF0E06639}" type="parTrans" cxnId="{8AA3A503-A788-433D-A7C2-119D2F38702E}">
       <dgm:prSet/>
       <dgm:spPr/>
     </dgm:pt>
-    <dgm:pt modelId="{856E2728-BF00-49C7-82BA-8F4DCB00940B}" cxnId="{8AA3A503-A788-433D-A7C2-119D2F38702E}" type="sibTrans">
+    <dgm:pt modelId="{856E2728-BF00-49C7-82BA-8F4DCB00940B}" type="sibTrans" cxnId="{8AA3A503-A788-433D-A7C2-119D2F38702E}">
       <dgm:prSet/>
       <dgm:spPr/>
     </dgm:pt>
@@ -924,6 +946,7 @@
       <dgm:spPr/>
       <dgm:t>
         <a:bodyPr vert="horz" wrap="square"/>
+        <a:lstStyle/>
         <a:p>
           <a:pPr>
             <a:lnSpc>
@@ -940,19 +963,14 @@
             <a:rPr lang="en-US"/>
             <a:t>Discover</a:t>
           </a:r>
-          <a:r>
-            <a:rPr lang="en-US"/>
-            <a:t/>
-          </a:r>
-          <a:endParaRPr lang="en-US"/>
         </a:p>
       </dgm:t>
     </dgm:pt>
-    <dgm:pt modelId="{845A32C3-0E8A-4EED-972E-FC6F9A8364F8}" cxnId="{D7340DBC-9EB3-4A90-A3A3-4ADBAA5877D3}" type="parTrans">
+    <dgm:pt modelId="{845A32C3-0E8A-4EED-972E-FC6F9A8364F8}" type="parTrans" cxnId="{D7340DBC-9EB3-4A90-A3A3-4ADBAA5877D3}">
       <dgm:prSet/>
       <dgm:spPr/>
     </dgm:pt>
-    <dgm:pt modelId="{C0D86BAE-7711-4781-A574-7BE0EA273229}" cxnId="{D7340DBC-9EB3-4A90-A3A3-4ADBAA5877D3}" type="sibTrans">
+    <dgm:pt modelId="{C0D86BAE-7711-4781-A574-7BE0EA273229}" type="sibTrans" cxnId="{D7340DBC-9EB3-4A90-A3A3-4ADBAA5877D3}">
       <dgm:prSet/>
       <dgm:spPr/>
     </dgm:pt>
@@ -961,6 +979,7 @@
       <dgm:spPr/>
       <dgm:t>
         <a:bodyPr vert="horz" wrap="square"/>
+        <a:lstStyle/>
         <a:p>
           <a:pPr>
             <a:lnSpc>
@@ -977,19 +996,14 @@
             <a:rPr lang="en-US"/>
             <a:t>Cleanse</a:t>
           </a:r>
-          <a:r>
-            <a:rPr lang="en-US"/>
-            <a:t/>
-          </a:r>
-          <a:endParaRPr lang="en-US"/>
         </a:p>
       </dgm:t>
     </dgm:pt>
-    <dgm:pt modelId="{E2B7565C-BEBF-47B7-AC71-10023CB96091}" cxnId="{1BE8C5FF-102D-4C14-9E4B-4A047AC87322}" type="parTrans">
+    <dgm:pt modelId="{E2B7565C-BEBF-47B7-AC71-10023CB96091}" type="parTrans" cxnId="{1BE8C5FF-102D-4C14-9E4B-4A047AC87322}">
       <dgm:prSet/>
       <dgm:spPr/>
     </dgm:pt>
-    <dgm:pt modelId="{BE48B07B-4C6F-4C50-9D7F-CE1D6590BF95}" cxnId="{1BE8C5FF-102D-4C14-9E4B-4A047AC87322}" type="sibTrans">
+    <dgm:pt modelId="{BE48B07B-4C6F-4C50-9D7F-CE1D6590BF95}" type="sibTrans" cxnId="{1BE8C5FF-102D-4C14-9E4B-4A047AC87322}">
       <dgm:prSet/>
       <dgm:spPr/>
     </dgm:pt>
@@ -998,6 +1012,7 @@
       <dgm:spPr/>
       <dgm:t>
         <a:bodyPr vert="horz" wrap="square"/>
+        <a:lstStyle/>
         <a:p>
           <a:pPr>
             <a:lnSpc>
@@ -1014,15 +1029,14 @@
             <a:rPr lang="en-US"/>
             <a:t>Transform</a:t>
           </a:r>
-          <a:endParaRPr lang="en-US"/>
         </a:p>
       </dgm:t>
     </dgm:pt>
-    <dgm:pt modelId="{7CE17E2D-B914-43DE-92D0-4E00843C0D2D}" cxnId="{303DA51C-277C-4181-A73F-B4C74AF60271}" type="parTrans">
+    <dgm:pt modelId="{7CE17E2D-B914-43DE-92D0-4E00843C0D2D}" type="parTrans" cxnId="{303DA51C-277C-4181-A73F-B4C74AF60271}">
       <dgm:prSet/>
       <dgm:spPr/>
     </dgm:pt>
-    <dgm:pt modelId="{76530BCF-0642-47C8-BC97-41B5662E466A}" cxnId="{303DA51C-277C-4181-A73F-B4C74AF60271}" type="sibTrans">
+    <dgm:pt modelId="{76530BCF-0642-47C8-BC97-41B5662E466A}" type="sibTrans" cxnId="{303DA51C-277C-4181-A73F-B4C74AF60271}">
       <dgm:prSet/>
       <dgm:spPr/>
     </dgm:pt>
@@ -1031,6 +1045,7 @@
       <dgm:spPr/>
       <dgm:t>
         <a:bodyPr vert="horz" wrap="square"/>
+        <a:lstStyle/>
         <a:p>
           <a:pPr>
             <a:lnSpc>
@@ -1047,15 +1062,14 @@
             <a:rPr lang="en-US"/>
             <a:t>Store</a:t>
           </a:r>
-          <a:endParaRPr lang="en-US"/>
         </a:p>
       </dgm:t>
     </dgm:pt>
-    <dgm:pt modelId="{735708B0-4498-4EA6-A3AD-991FDCD1BC95}" cxnId="{955E6F13-2A88-452D-AA2D-4C12C87BA9E1}" type="parTrans">
+    <dgm:pt modelId="{735708B0-4498-4EA6-A3AD-991FDCD1BC95}" type="parTrans" cxnId="{955E6F13-2A88-452D-AA2D-4C12C87BA9E1}">
       <dgm:prSet/>
       <dgm:spPr/>
     </dgm:pt>
-    <dgm:pt modelId="{B9DDD71C-486C-40F3-AB72-A85754C595F1}" cxnId="{955E6F13-2A88-452D-AA2D-4C12C87BA9E1}" type="sibTrans">
+    <dgm:pt modelId="{B9DDD71C-486C-40F3-AB72-A85754C595F1}" type="sibTrans" cxnId="{955E6F13-2A88-452D-AA2D-4C12C87BA9E1}">
       <dgm:prSet/>
       <dgm:spPr/>
     </dgm:pt>
@@ -1137,72 +1151,86 @@
     </dgm:pt>
   </dgm:ptLst>
   <dgm:cxnLst>
+    <dgm:cxn modelId="{CC767200-0C85-42DA-AA38-BA571FF1BACF}" type="presOf" srcId="{9D527559-FDD8-4274-B634-C7FBCF5BC573}" destId="{60E81CF5-4537-4C2F-8762-598D2E914097}" srcOrd="0" destOrd="0" presId="urn:microsoft.com/office/officeart/2005/8/layout/chevron1"/>
     <dgm:cxn modelId="{8AA3A503-A788-433D-A7C2-119D2F38702E}" srcId="{9D527559-FDD8-4274-B634-C7FBCF5BC573}" destId="{870E4F47-8CC4-4F59-B4C1-42B5AAA5CEFE}" srcOrd="0" destOrd="0" parTransId="{3D1AB2CA-88A4-4E4C-9A8A-508DF0E06639}" sibTransId="{856E2728-BF00-49C7-82BA-8F4DCB00940B}"/>
+    <dgm:cxn modelId="{A7F75410-0539-4C48-AAE3-457E9211C3B2}" type="presOf" srcId="{69A34FA6-AE94-441C-9DF5-A029DE71C5C1}" destId="{34E3ECE1-CC2F-4DDC-8E98-ABA0E3A055BD}" srcOrd="0" destOrd="0" presId="urn:microsoft.com/office/officeart/2005/8/layout/chevron1"/>
+    <dgm:cxn modelId="{955E6F13-2A88-452D-AA2D-4C12C87BA9E1}" srcId="{9D527559-FDD8-4274-B634-C7FBCF5BC573}" destId="{8898168D-FC22-400F-A732-7FC81B805255}" srcOrd="4" destOrd="0" parTransId="{735708B0-4498-4EA6-A3AD-991FDCD1BC95}" sibTransId="{B9DDD71C-486C-40F3-AB72-A85754C595F1}"/>
+    <dgm:cxn modelId="{C269061C-5D4B-443A-ABF0-2E846B0D96E8}" type="presOf" srcId="{870E4F47-8CC4-4F59-B4C1-42B5AAA5CEFE}" destId="{67FF3BB9-6612-4697-87EE-EC66312779BE}" srcOrd="0" destOrd="0" presId="urn:microsoft.com/office/officeart/2005/8/layout/chevron1"/>
+    <dgm:cxn modelId="{303DA51C-277C-4181-A73F-B4C74AF60271}" srcId="{9D527559-FDD8-4274-B634-C7FBCF5BC573}" destId="{69A34FA6-AE94-441C-9DF5-A029DE71C5C1}" srcOrd="3" destOrd="0" parTransId="{7CE17E2D-B914-43DE-92D0-4E00843C0D2D}" sibTransId="{76530BCF-0642-47C8-BC97-41B5662E466A}"/>
+    <dgm:cxn modelId="{86918D63-4C9D-41DA-B76F-C3D21B3ED1CA}" type="presOf" srcId="{1AA64000-5F0F-47A8-A435-2AF8D82F28B1}" destId="{D3000CD6-B08B-4D3B-8D2A-7F1C26A23961}" srcOrd="0" destOrd="0" presId="urn:microsoft.com/office/officeart/2005/8/layout/chevron1"/>
     <dgm:cxn modelId="{D7340DBC-9EB3-4A90-A3A3-4ADBAA5877D3}" srcId="{9D527559-FDD8-4274-B634-C7FBCF5BC573}" destId="{1AA64000-5F0F-47A8-A435-2AF8D82F28B1}" srcOrd="1" destOrd="0" parTransId="{845A32C3-0E8A-4EED-972E-FC6F9A8364F8}" sibTransId="{C0D86BAE-7711-4781-A574-7BE0EA273229}"/>
+    <dgm:cxn modelId="{D2AE0DBD-3AC5-45E0-B09A-1A85CAAC1208}" type="presOf" srcId="{9C12F5BE-AC2F-4662-8DFA-C79428950CF2}" destId="{74437C11-3810-488A-B265-8C8037793D77}" srcOrd="0" destOrd="0" presId="urn:microsoft.com/office/officeart/2005/8/layout/chevron1"/>
+    <dgm:cxn modelId="{582A63CF-891F-4AA8-BBED-7D18B82490C4}" type="presOf" srcId="{8898168D-FC22-400F-A732-7FC81B805255}" destId="{7A7A4BA6-187B-483E-87E5-7646635EA69E}" srcOrd="0" destOrd="0" presId="urn:microsoft.com/office/officeart/2005/8/layout/chevron1"/>
     <dgm:cxn modelId="{1BE8C5FF-102D-4C14-9E4B-4A047AC87322}" srcId="{9D527559-FDD8-4274-B634-C7FBCF5BC573}" destId="{9C12F5BE-AC2F-4662-8DFA-C79428950CF2}" srcOrd="2" destOrd="0" parTransId="{E2B7565C-BEBF-47B7-AC71-10023CB96091}" sibTransId="{BE48B07B-4C6F-4C50-9D7F-CE1D6590BF95}"/>
-    <dgm:cxn modelId="{303DA51C-277C-4181-A73F-B4C74AF60271}" srcId="{9D527559-FDD8-4274-B634-C7FBCF5BC573}" destId="{69A34FA6-AE94-441C-9DF5-A029DE71C5C1}" srcOrd="3" destOrd="0" parTransId="{7CE17E2D-B914-43DE-92D0-4E00843C0D2D}" sibTransId="{76530BCF-0642-47C8-BC97-41B5662E466A}"/>
-    <dgm:cxn modelId="{955E6F13-2A88-452D-AA2D-4C12C87BA9E1}" srcId="{9D527559-FDD8-4274-B634-C7FBCF5BC573}" destId="{8898168D-FC22-400F-A732-7FC81B805255}" srcOrd="4" destOrd="0" parTransId="{735708B0-4498-4EA6-A3AD-991FDCD1BC95}" sibTransId="{B9DDD71C-486C-40F3-AB72-A85754C595F1}"/>
-    <dgm:cxn modelId="{CC767200-0C85-42DA-AA38-BA571FF1BACF}" type="presOf" srcId="{9D527559-FDD8-4274-B634-C7FBCF5BC573}" destId="{60E81CF5-4537-4C2F-8762-598D2E914097}" srcOrd="0" destOrd="0" presId="urn:microsoft.com/office/officeart/2005/8/layout/chevron1"/>
     <dgm:cxn modelId="{10DB0E10-CFF8-44F3-99C2-EE59A763136D}" type="presParOf" srcId="{60E81CF5-4537-4C2F-8762-598D2E914097}" destId="{67FF3BB9-6612-4697-87EE-EC66312779BE}" srcOrd="0" destOrd="0" presId="urn:microsoft.com/office/officeart/2005/8/layout/chevron1"/>
-    <dgm:cxn modelId="{C269061C-5D4B-443A-ABF0-2E846B0D96E8}" type="presOf" srcId="{870E4F47-8CC4-4F59-B4C1-42B5AAA5CEFE}" destId="{67FF3BB9-6612-4697-87EE-EC66312779BE}" srcOrd="0" destOrd="0" presId="urn:microsoft.com/office/officeart/2005/8/layout/chevron1"/>
     <dgm:cxn modelId="{D7359B5B-6E58-46EF-8046-001AD53BBB33}" type="presParOf" srcId="{60E81CF5-4537-4C2F-8762-598D2E914097}" destId="{E484CEA2-673C-4A85-8A00-8580D721B29A}" srcOrd="1" destOrd="0" presId="urn:microsoft.com/office/officeart/2005/8/layout/chevron1"/>
     <dgm:cxn modelId="{11A50EE8-AB32-42B6-A7B6-0439F1597047}" type="presParOf" srcId="{60E81CF5-4537-4C2F-8762-598D2E914097}" destId="{D3000CD6-B08B-4D3B-8D2A-7F1C26A23961}" srcOrd="2" destOrd="0" presId="urn:microsoft.com/office/officeart/2005/8/layout/chevron1"/>
-    <dgm:cxn modelId="{86918D63-4C9D-41DA-B76F-C3D21B3ED1CA}" type="presOf" srcId="{1AA64000-5F0F-47A8-A435-2AF8D82F28B1}" destId="{D3000CD6-B08B-4D3B-8D2A-7F1C26A23961}" srcOrd="0" destOrd="0" presId="urn:microsoft.com/office/officeart/2005/8/layout/chevron1"/>
     <dgm:cxn modelId="{4C2787AE-50D6-47BD-8978-39BE7977C429}" type="presParOf" srcId="{60E81CF5-4537-4C2F-8762-598D2E914097}" destId="{1773A515-DFFE-41F0-B581-98757CBEC16E}" srcOrd="3" destOrd="0" presId="urn:microsoft.com/office/officeart/2005/8/layout/chevron1"/>
     <dgm:cxn modelId="{090B4593-D37D-4B5C-9447-D2ECA6D67295}" type="presParOf" srcId="{60E81CF5-4537-4C2F-8762-598D2E914097}" destId="{74437C11-3810-488A-B265-8C8037793D77}" srcOrd="4" destOrd="0" presId="urn:microsoft.com/office/officeart/2005/8/layout/chevron1"/>
-    <dgm:cxn modelId="{D2AE0DBD-3AC5-45E0-B09A-1A85CAAC1208}" type="presOf" srcId="{9C12F5BE-AC2F-4662-8DFA-C79428950CF2}" destId="{74437C11-3810-488A-B265-8C8037793D77}" srcOrd="0" destOrd="0" presId="urn:microsoft.com/office/officeart/2005/8/layout/chevron1"/>
     <dgm:cxn modelId="{BA509718-22EC-4D1D-84E7-4EB941F318FA}" type="presParOf" srcId="{60E81CF5-4537-4C2F-8762-598D2E914097}" destId="{54DFA43B-0CEB-4FFF-9BF5-E8399A6F2AD8}" srcOrd="5" destOrd="0" presId="urn:microsoft.com/office/officeart/2005/8/layout/chevron1"/>
     <dgm:cxn modelId="{6F4815F3-9C87-47F3-A3C0-029F3684096E}" type="presParOf" srcId="{60E81CF5-4537-4C2F-8762-598D2E914097}" destId="{34E3ECE1-CC2F-4DDC-8E98-ABA0E3A055BD}" srcOrd="6" destOrd="0" presId="urn:microsoft.com/office/officeart/2005/8/layout/chevron1"/>
-    <dgm:cxn modelId="{A7F75410-0539-4C48-AAE3-457E9211C3B2}" type="presOf" srcId="{69A34FA6-AE94-441C-9DF5-A029DE71C5C1}" destId="{34E3ECE1-CC2F-4DDC-8E98-ABA0E3A055BD}" srcOrd="0" destOrd="0" presId="urn:microsoft.com/office/officeart/2005/8/layout/chevron1"/>
     <dgm:cxn modelId="{81FC18C4-B85F-47A2-9859-C4DEBD02EBD7}" type="presParOf" srcId="{60E81CF5-4537-4C2F-8762-598D2E914097}" destId="{48BE0BD3-BBB7-40C1-A0C0-E4112BD7BF9E}" srcOrd="7" destOrd="0" presId="urn:microsoft.com/office/officeart/2005/8/layout/chevron1"/>
     <dgm:cxn modelId="{C75A7459-39DB-4D61-B94E-E3A010F27E0F}" type="presParOf" srcId="{60E81CF5-4537-4C2F-8762-598D2E914097}" destId="{7A7A4BA6-187B-483E-87E5-7646635EA69E}" srcOrd="8" destOrd="0" presId="urn:microsoft.com/office/officeart/2005/8/layout/chevron1"/>
-    <dgm:cxn modelId="{582A63CF-891F-4AA8-BBED-7D18B82490C4}" type="presOf" srcId="{8898168D-FC22-400F-A732-7FC81B805255}" destId="{7A7A4BA6-187B-483E-87E5-7646635EA69E}" srcOrd="0" destOrd="0" presId="urn:microsoft.com/office/officeart/2005/8/layout/chevron1"/>
   </dgm:cxnLst>
   <dgm:bg/>
   <dgm:whole/>
   <dgm:extLst>
     <a:ext uri="http://schemas.microsoft.com/office/drawing/2008/diagram">
-      <dsp:dataModelExt xmlns:dsp="http://schemas.microsoft.com/office/drawing/2008/diagram" relId="rId5" minVer="http://schemas.openxmlformats.org/drawingml/2006/diagram"/>
+      <dsp:dataModelExt xmlns:dsp="http://schemas.microsoft.com/office/drawing/2008/diagram" relId="rId6" minVer="http://schemas.openxmlformats.org/drawingml/2006/diagram"/>
     </a:ext>
   </dgm:extLst>
 </dgm:dataModel>
 </file>
 
 <file path=ppt/diagrams/drawing1.xml><?xml version="1.0" encoding="utf-8"?>
-<dsp:drawing xmlns:dgm="http://schemas.openxmlformats.org/drawingml/2006/diagram" xmlns:dsp="http://schemas.microsoft.com/office/drawing/2008/diagram" xmlns:a="http://schemas.openxmlformats.org/drawingml/2006/main" xmlns:r="http://schemas.openxmlformats.org/officeDocument/2006/relationships">
+<dsp:drawing xmlns:dgm="http://schemas.openxmlformats.org/drawingml/2006/diagram" xmlns:dsp="http://schemas.microsoft.com/office/drawing/2008/diagram" xmlns:a="http://schemas.openxmlformats.org/drawingml/2006/main">
   <dsp:spTree>
     <dsp:nvGrpSpPr>
-      <dsp:cNvPr id="2" name="Group 1"/>
+      <dsp:cNvPr id="0" name=""/>
       <dsp:cNvGrpSpPr/>
     </dsp:nvGrpSpPr>
-    <dsp:grpSpPr>
-      <a:xfrm>
-        <a:off x="0" y="0"/>
-        <a:ext cx="9550400" cy="1254760"/>
-        <a:chOff x="0" y="0"/>
-        <a:chExt cx="9550400" cy="1254760"/>
-      </a:xfrm>
-    </dsp:grpSpPr>
+    <dsp:grpSpPr/>
     <dsp:sp modelId="{67FF3BB9-6612-4697-87EE-EC66312779BE}">
       <dsp:nvSpPr>
-        <dsp:cNvPr id="3" name="Chevron 2"/>
+        <dsp:cNvPr id="0" name=""/>
         <dsp:cNvSpPr/>
       </dsp:nvSpPr>
       <dsp:spPr bwMode="white">
         <a:xfrm>
-          <a:off x="0" y="212145"/>
-          <a:ext cx="2076174" cy="830470"/>
+          <a:off x="2331" y="212347"/>
+          <a:ext cx="2075160" cy="830064"/>
         </a:xfrm>
         <a:prstGeom prst="chevron">
           <a:avLst/>
         </a:prstGeom>
+        <a:solidFill>
+          <a:schemeClr val="accent2">
+            <a:hueOff val="0"/>
+            <a:satOff val="0"/>
+            <a:lumOff val="0"/>
+            <a:alphaOff val="0"/>
+          </a:schemeClr>
+        </a:solidFill>
+        <a:ln w="12700" cap="flat" cmpd="sng" algn="ctr">
+          <a:solidFill>
+            <a:schemeClr val="lt1">
+              <a:hueOff val="0"/>
+              <a:satOff val="0"/>
+              <a:lumOff val="0"/>
+              <a:alphaOff val="0"/>
+            </a:schemeClr>
+          </a:solidFill>
+          <a:prstDash val="solid"/>
+          <a:miter lim="800000"/>
+        </a:ln>
+        <a:effectLst/>
       </dsp:spPr>
       <dsp:style>
         <a:lnRef idx="2">
-          <a:schemeClr val="lt1"/>
+          <a:scrgbClr r="0" g="0" b="0"/>
         </a:lnRef>
         <a:fillRef idx="1">
-          <a:schemeClr val="accent2"/>
+          <a:scrgbClr r="0" g="0" b="0"/>
         </a:fillRef>
         <a:effectRef idx="0">
           <a:scrgbClr r="0" g="0" b="0"/>
@@ -1212,370 +1240,12 @@
         </a:fontRef>
       </dsp:style>
       <dsp:txBody>
-        <a:bodyPr vert="horz" wrap="square" lIns="68008" tIns="22669" rIns="22669" bIns="22669" anchor="ctr"/>
-        <a:lstStyle>
-          <a:lvl1pPr algn="ctr">
-            <a:defRPr sz="1700"/>
-          </a:lvl1pPr>
-          <a:lvl2pPr marL="114300" indent="-114300" algn="ctr">
-            <a:defRPr sz="1300"/>
-          </a:lvl2pPr>
-          <a:lvl3pPr marL="228600" indent="-114300" algn="ctr">
-            <a:defRPr sz="1300"/>
-          </a:lvl3pPr>
-          <a:lvl4pPr marL="342900" indent="-114300" algn="ctr">
-            <a:defRPr sz="1300"/>
-          </a:lvl4pPr>
-          <a:lvl5pPr marL="457200" indent="-114300" algn="ctr">
-            <a:defRPr sz="1300"/>
-          </a:lvl5pPr>
-          <a:lvl6pPr marL="571500" indent="-114300" algn="ctr">
-            <a:defRPr sz="1300"/>
-          </a:lvl6pPr>
-          <a:lvl7pPr marL="685800" indent="-114300" algn="ctr">
-            <a:defRPr sz="1300"/>
-          </a:lvl7pPr>
-          <a:lvl8pPr marL="800100" indent="-114300" algn="ctr">
-            <a:defRPr sz="1300"/>
-          </a:lvl8pPr>
-          <a:lvl9pPr marL="914400" indent="-114300" algn="ctr">
-            <a:defRPr sz="1300"/>
-          </a:lvl9pPr>
-        </a:lstStyle>
+        <a:bodyPr spcFirstLastPara="0" vert="horz" wrap="square" lIns="76010" tIns="25337" rIns="25337" bIns="25337" numCol="1" spcCol="1270" anchor="ctr" anchorCtr="0">
+          <a:noAutofit/>
+        </a:bodyPr>
+        <a:lstStyle/>
         <a:p>
-          <a:pPr lvl="0">
-            <a:lnSpc>
-              <a:spcPct val="100000"/>
-            </a:lnSpc>
-            <a:spcBef>
-              <a:spcPct val="0"/>
-            </a:spcBef>
-            <a:spcAft>
-              <a:spcPct val="35000"/>
-            </a:spcAft>
-          </a:pPr>
-          <a:r>
-            <a:rPr lang="en-US"/>
-            <a:t>Gather</a:t>
-          </a:r>
-          <a:endParaRPr lang="en-US"/>
-        </a:p>
-      </dsp:txBody>
-      <dsp:txXfrm>
-        <a:off x="0" y="212145"/>
-        <a:ext cx="2076174" cy="830470"/>
-      </dsp:txXfrm>
-    </dsp:sp>
-    <dsp:sp modelId="{D3000CD6-B08B-4D3B-8D2A-7F1C26A23961}">
-      <dsp:nvSpPr>
-        <dsp:cNvPr id="4" name="Chevron 3"/>
-        <dsp:cNvSpPr/>
-      </dsp:nvSpPr>
-      <dsp:spPr bwMode="white">
-        <a:xfrm>
-          <a:off x="1868557" y="212145"/>
-          <a:ext cx="2076174" cy="830470"/>
-        </a:xfrm>
-        <a:prstGeom prst="chevron">
-          <a:avLst/>
-        </a:prstGeom>
-      </dsp:spPr>
-      <dsp:style>
-        <a:lnRef idx="2">
-          <a:schemeClr val="lt1"/>
-        </a:lnRef>
-        <a:fillRef idx="1">
-          <a:schemeClr val="accent2"/>
-        </a:fillRef>
-        <a:effectRef idx="0">
-          <a:scrgbClr r="0" g="0" b="0"/>
-        </a:effectRef>
-        <a:fontRef idx="minor">
-          <a:schemeClr val="lt1"/>
-        </a:fontRef>
-      </dsp:style>
-      <dsp:txBody>
-        <a:bodyPr vert="horz" wrap="square" lIns="68008" tIns="22669" rIns="22669" bIns="22669" anchor="ctr"/>
-        <a:lstStyle>
-          <a:lvl1pPr algn="ctr">
-            <a:defRPr sz="1700"/>
-          </a:lvl1pPr>
-          <a:lvl2pPr marL="114300" indent="-114300" algn="ctr">
-            <a:defRPr sz="1300"/>
-          </a:lvl2pPr>
-          <a:lvl3pPr marL="228600" indent="-114300" algn="ctr">
-            <a:defRPr sz="1300"/>
-          </a:lvl3pPr>
-          <a:lvl4pPr marL="342900" indent="-114300" algn="ctr">
-            <a:defRPr sz="1300"/>
-          </a:lvl4pPr>
-          <a:lvl5pPr marL="457200" indent="-114300" algn="ctr">
-            <a:defRPr sz="1300"/>
-          </a:lvl5pPr>
-          <a:lvl6pPr marL="571500" indent="-114300" algn="ctr">
-            <a:defRPr sz="1300"/>
-          </a:lvl6pPr>
-          <a:lvl7pPr marL="685800" indent="-114300" algn="ctr">
-            <a:defRPr sz="1300"/>
-          </a:lvl7pPr>
-          <a:lvl8pPr marL="800100" indent="-114300" algn="ctr">
-            <a:defRPr sz="1300"/>
-          </a:lvl8pPr>
-          <a:lvl9pPr marL="914400" indent="-114300" algn="ctr">
-            <a:defRPr sz="1300"/>
-          </a:lvl9pPr>
-        </a:lstStyle>
-        <a:p>
-          <a:pPr lvl="0">
-            <a:lnSpc>
-              <a:spcPct val="100000"/>
-            </a:lnSpc>
-            <a:spcBef>
-              <a:spcPct val="0"/>
-            </a:spcBef>
-            <a:spcAft>
-              <a:spcPct val="35000"/>
-            </a:spcAft>
-          </a:pPr>
-          <a:r>
-            <a:rPr lang="en-US"/>
-            <a:t>Discover</a:t>
-          </a:r>
-          <a:endParaRPr lang="en-US"/>
-        </a:p>
-      </dsp:txBody>
-      <dsp:txXfrm>
-        <a:off x="1868557" y="212145"/>
-        <a:ext cx="2076174" cy="830470"/>
-      </dsp:txXfrm>
-    </dsp:sp>
-    <dsp:sp modelId="{74437C11-3810-488A-B265-8C8037793D77}">
-      <dsp:nvSpPr>
-        <dsp:cNvPr id="5" name="Chevron 4"/>
-        <dsp:cNvSpPr/>
-      </dsp:nvSpPr>
-      <dsp:spPr bwMode="white">
-        <a:xfrm>
-          <a:off x="3737113" y="212145"/>
-          <a:ext cx="2076174" cy="830470"/>
-        </a:xfrm>
-        <a:prstGeom prst="chevron">
-          <a:avLst/>
-        </a:prstGeom>
-      </dsp:spPr>
-      <dsp:style>
-        <a:lnRef idx="2">
-          <a:schemeClr val="lt1"/>
-        </a:lnRef>
-        <a:fillRef idx="1">
-          <a:schemeClr val="accent2"/>
-        </a:fillRef>
-        <a:effectRef idx="0">
-          <a:scrgbClr r="0" g="0" b="0"/>
-        </a:effectRef>
-        <a:fontRef idx="minor">
-          <a:schemeClr val="lt1"/>
-        </a:fontRef>
-      </dsp:style>
-      <dsp:txBody>
-        <a:bodyPr vert="horz" wrap="square" lIns="68008" tIns="22669" rIns="22669" bIns="22669" anchor="ctr"/>
-        <a:lstStyle>
-          <a:lvl1pPr algn="ctr">
-            <a:defRPr sz="1700"/>
-          </a:lvl1pPr>
-          <a:lvl2pPr marL="114300" indent="-114300" algn="ctr">
-            <a:defRPr sz="1300"/>
-          </a:lvl2pPr>
-          <a:lvl3pPr marL="228600" indent="-114300" algn="ctr">
-            <a:defRPr sz="1300"/>
-          </a:lvl3pPr>
-          <a:lvl4pPr marL="342900" indent="-114300" algn="ctr">
-            <a:defRPr sz="1300"/>
-          </a:lvl4pPr>
-          <a:lvl5pPr marL="457200" indent="-114300" algn="ctr">
-            <a:defRPr sz="1300"/>
-          </a:lvl5pPr>
-          <a:lvl6pPr marL="571500" indent="-114300" algn="ctr">
-            <a:defRPr sz="1300"/>
-          </a:lvl6pPr>
-          <a:lvl7pPr marL="685800" indent="-114300" algn="ctr">
-            <a:defRPr sz="1300"/>
-          </a:lvl7pPr>
-          <a:lvl8pPr marL="800100" indent="-114300" algn="ctr">
-            <a:defRPr sz="1300"/>
-          </a:lvl8pPr>
-          <a:lvl9pPr marL="914400" indent="-114300" algn="ctr">
-            <a:defRPr sz="1300"/>
-          </a:lvl9pPr>
-        </a:lstStyle>
-        <a:p>
-          <a:pPr lvl="0">
-            <a:lnSpc>
-              <a:spcPct val="100000"/>
-            </a:lnSpc>
-            <a:spcBef>
-              <a:spcPct val="0"/>
-            </a:spcBef>
-            <a:spcAft>
-              <a:spcPct val="35000"/>
-            </a:spcAft>
-          </a:pPr>
-          <a:r>
-            <a:rPr lang="en-US"/>
-            <a:t>Cleanse</a:t>
-          </a:r>
-          <a:endParaRPr lang="en-US"/>
-        </a:p>
-      </dsp:txBody>
-      <dsp:txXfrm>
-        <a:off x="3737113" y="212145"/>
-        <a:ext cx="2076174" cy="830470"/>
-      </dsp:txXfrm>
-    </dsp:sp>
-    <dsp:sp modelId="{34E3ECE1-CC2F-4DDC-8E98-ABA0E3A055BD}">
-      <dsp:nvSpPr>
-        <dsp:cNvPr id="6" name="Chevron 5"/>
-        <dsp:cNvSpPr/>
-      </dsp:nvSpPr>
-      <dsp:spPr bwMode="white">
-        <a:xfrm>
-          <a:off x="5605670" y="212145"/>
-          <a:ext cx="2076174" cy="830470"/>
-        </a:xfrm>
-        <a:prstGeom prst="chevron">
-          <a:avLst/>
-        </a:prstGeom>
-      </dsp:spPr>
-      <dsp:style>
-        <a:lnRef idx="2">
-          <a:schemeClr val="lt1"/>
-        </a:lnRef>
-        <a:fillRef idx="1">
-          <a:schemeClr val="accent2"/>
-        </a:fillRef>
-        <a:effectRef idx="0">
-          <a:scrgbClr r="0" g="0" b="0"/>
-        </a:effectRef>
-        <a:fontRef idx="minor">
-          <a:schemeClr val="lt1"/>
-        </a:fontRef>
-      </dsp:style>
-      <dsp:txBody>
-        <a:bodyPr vert="horz" wrap="square" lIns="68008" tIns="22669" rIns="22669" bIns="22669" anchor="ctr"/>
-        <a:lstStyle>
-          <a:lvl1pPr algn="ctr">
-            <a:defRPr sz="1700"/>
-          </a:lvl1pPr>
-          <a:lvl2pPr marL="114300" indent="-114300" algn="ctr">
-            <a:defRPr sz="1300"/>
-          </a:lvl2pPr>
-          <a:lvl3pPr marL="228600" indent="-114300" algn="ctr">
-            <a:defRPr sz="1300"/>
-          </a:lvl3pPr>
-          <a:lvl4pPr marL="342900" indent="-114300" algn="ctr">
-            <a:defRPr sz="1300"/>
-          </a:lvl4pPr>
-          <a:lvl5pPr marL="457200" indent="-114300" algn="ctr">
-            <a:defRPr sz="1300"/>
-          </a:lvl5pPr>
-          <a:lvl6pPr marL="571500" indent="-114300" algn="ctr">
-            <a:defRPr sz="1300"/>
-          </a:lvl6pPr>
-          <a:lvl7pPr marL="685800" indent="-114300" algn="ctr">
-            <a:defRPr sz="1300"/>
-          </a:lvl7pPr>
-          <a:lvl8pPr marL="800100" indent="-114300" algn="ctr">
-            <a:defRPr sz="1300"/>
-          </a:lvl8pPr>
-          <a:lvl9pPr marL="914400" indent="-114300" algn="ctr">
-            <a:defRPr sz="1300"/>
-          </a:lvl9pPr>
-        </a:lstStyle>
-        <a:p>
-          <a:pPr lvl="0">
-            <a:lnSpc>
-              <a:spcPct val="100000"/>
-            </a:lnSpc>
-            <a:spcBef>
-              <a:spcPct val="0"/>
-            </a:spcBef>
-            <a:spcAft>
-              <a:spcPct val="35000"/>
-            </a:spcAft>
-          </a:pPr>
-          <a:r>
-            <a:rPr lang="en-US"/>
-            <a:t>Transform</a:t>
-          </a:r>
-          <a:endParaRPr lang="en-US"/>
-        </a:p>
-      </dsp:txBody>
-      <dsp:txXfrm>
-        <a:off x="5605670" y="212145"/>
-        <a:ext cx="2076174" cy="830470"/>
-      </dsp:txXfrm>
-    </dsp:sp>
-    <dsp:sp modelId="{7A7A4BA6-187B-483E-87E5-7646635EA69E}">
-      <dsp:nvSpPr>
-        <dsp:cNvPr id="7" name="Chevron 6"/>
-        <dsp:cNvSpPr/>
-      </dsp:nvSpPr>
-      <dsp:spPr bwMode="white">
-        <a:xfrm>
-          <a:off x="7474226" y="212145"/>
-          <a:ext cx="2076174" cy="830470"/>
-        </a:xfrm>
-        <a:prstGeom prst="chevron">
-          <a:avLst/>
-        </a:prstGeom>
-      </dsp:spPr>
-      <dsp:style>
-        <a:lnRef idx="2">
-          <a:schemeClr val="lt1"/>
-        </a:lnRef>
-        <a:fillRef idx="1">
-          <a:schemeClr val="accent2"/>
-        </a:fillRef>
-        <a:effectRef idx="0">
-          <a:scrgbClr r="0" g="0" b="0"/>
-        </a:effectRef>
-        <a:fontRef idx="minor">
-          <a:schemeClr val="lt1"/>
-        </a:fontRef>
-      </dsp:style>
-      <dsp:txBody>
-        <a:bodyPr vert="horz" wrap="square" lIns="68008" tIns="22669" rIns="22669" bIns="22669" anchor="ctr"/>
-        <a:lstStyle>
-          <a:lvl1pPr algn="ctr">
-            <a:defRPr sz="1700"/>
-          </a:lvl1pPr>
-          <a:lvl2pPr marL="114300" indent="-114300" algn="ctr">
-            <a:defRPr sz="1300"/>
-          </a:lvl2pPr>
-          <a:lvl3pPr marL="228600" indent="-114300" algn="ctr">
-            <a:defRPr sz="1300"/>
-          </a:lvl3pPr>
-          <a:lvl4pPr marL="342900" indent="-114300" algn="ctr">
-            <a:defRPr sz="1300"/>
-          </a:lvl4pPr>
-          <a:lvl5pPr marL="457200" indent="-114300" algn="ctr">
-            <a:defRPr sz="1300"/>
-          </a:lvl5pPr>
-          <a:lvl6pPr marL="571500" indent="-114300" algn="ctr">
-            <a:defRPr sz="1300"/>
-          </a:lvl6pPr>
-          <a:lvl7pPr marL="685800" indent="-114300" algn="ctr">
-            <a:defRPr sz="1300"/>
-          </a:lvl7pPr>
-          <a:lvl8pPr marL="800100" indent="-114300" algn="ctr">
-            <a:defRPr sz="1300"/>
-          </a:lvl8pPr>
-          <a:lvl9pPr marL="914400" indent="-114300" algn="ctr">
-            <a:defRPr sz="1300"/>
-          </a:lvl9pPr>
-        </a:lstStyle>
-        <a:p>
-          <a:pPr lvl="0">
+          <a:pPr marL="0" lvl="0" indent="0" algn="ctr" defTabSz="844550">
             <a:lnSpc>
               <a:spcPct val="100000"/>
             </a:lnSpc>
@@ -1588,15 +1258,326 @@
             <a:buNone/>
           </a:pPr>
           <a:r>
-            <a:rPr lang="en-US"/>
-            <a:t>Store</a:t>
+            <a:rPr lang="en-US" sz="1900" kern="1200"/>
+            <a:t>Gather</a:t>
           </a:r>
-          <a:endParaRPr lang="en-US"/>
         </a:p>
       </dsp:txBody>
       <dsp:txXfrm>
-        <a:off x="7474226" y="212145"/>
-        <a:ext cx="2076174" cy="830470"/>
+        <a:off x="417363" y="212347"/>
+        <a:ext cx="1245096" cy="830064"/>
+      </dsp:txXfrm>
+    </dsp:sp>
+    <dsp:sp modelId="{D3000CD6-B08B-4D3B-8D2A-7F1C26A23961}">
+      <dsp:nvSpPr>
+        <dsp:cNvPr id="0" name=""/>
+        <dsp:cNvSpPr/>
+      </dsp:nvSpPr>
+      <dsp:spPr bwMode="white">
+        <a:xfrm>
+          <a:off x="1869975" y="212347"/>
+          <a:ext cx="2075160" cy="830064"/>
+        </a:xfrm>
+        <a:prstGeom prst="chevron">
+          <a:avLst/>
+        </a:prstGeom>
+        <a:solidFill>
+          <a:schemeClr val="accent2">
+            <a:hueOff val="0"/>
+            <a:satOff val="0"/>
+            <a:lumOff val="0"/>
+            <a:alphaOff val="0"/>
+          </a:schemeClr>
+        </a:solidFill>
+        <a:ln w="12700" cap="flat" cmpd="sng" algn="ctr">
+          <a:solidFill>
+            <a:schemeClr val="lt1">
+              <a:hueOff val="0"/>
+              <a:satOff val="0"/>
+              <a:lumOff val="0"/>
+              <a:alphaOff val="0"/>
+            </a:schemeClr>
+          </a:solidFill>
+          <a:prstDash val="solid"/>
+          <a:miter lim="800000"/>
+        </a:ln>
+        <a:effectLst/>
+      </dsp:spPr>
+      <dsp:style>
+        <a:lnRef idx="2">
+          <a:scrgbClr r="0" g="0" b="0"/>
+        </a:lnRef>
+        <a:fillRef idx="1">
+          <a:scrgbClr r="0" g="0" b="0"/>
+        </a:fillRef>
+        <a:effectRef idx="0">
+          <a:scrgbClr r="0" g="0" b="0"/>
+        </a:effectRef>
+        <a:fontRef idx="minor">
+          <a:schemeClr val="lt1"/>
+        </a:fontRef>
+      </dsp:style>
+      <dsp:txBody>
+        <a:bodyPr spcFirstLastPara="0" vert="horz" wrap="square" lIns="76010" tIns="25337" rIns="25337" bIns="25337" numCol="1" spcCol="1270" anchor="ctr" anchorCtr="0">
+          <a:noAutofit/>
+        </a:bodyPr>
+        <a:lstStyle/>
+        <a:p>
+          <a:pPr marL="0" lvl="0" indent="0" algn="ctr" defTabSz="844550">
+            <a:lnSpc>
+              <a:spcPct val="100000"/>
+            </a:lnSpc>
+            <a:spcBef>
+              <a:spcPct val="0"/>
+            </a:spcBef>
+            <a:spcAft>
+              <a:spcPct val="35000"/>
+            </a:spcAft>
+            <a:buNone/>
+          </a:pPr>
+          <a:r>
+            <a:rPr lang="en-US" sz="1900" kern="1200"/>
+            <a:t>Discover</a:t>
+          </a:r>
+        </a:p>
+      </dsp:txBody>
+      <dsp:txXfrm>
+        <a:off x="2285007" y="212347"/>
+        <a:ext cx="1245096" cy="830064"/>
+      </dsp:txXfrm>
+    </dsp:sp>
+    <dsp:sp modelId="{74437C11-3810-488A-B265-8C8037793D77}">
+      <dsp:nvSpPr>
+        <dsp:cNvPr id="0" name=""/>
+        <dsp:cNvSpPr/>
+      </dsp:nvSpPr>
+      <dsp:spPr bwMode="white">
+        <a:xfrm>
+          <a:off x="3737619" y="212347"/>
+          <a:ext cx="2075160" cy="830064"/>
+        </a:xfrm>
+        <a:prstGeom prst="chevron">
+          <a:avLst/>
+        </a:prstGeom>
+        <a:solidFill>
+          <a:schemeClr val="accent2">
+            <a:hueOff val="0"/>
+            <a:satOff val="0"/>
+            <a:lumOff val="0"/>
+            <a:alphaOff val="0"/>
+          </a:schemeClr>
+        </a:solidFill>
+        <a:ln w="12700" cap="flat" cmpd="sng" algn="ctr">
+          <a:solidFill>
+            <a:schemeClr val="lt1">
+              <a:hueOff val="0"/>
+              <a:satOff val="0"/>
+              <a:lumOff val="0"/>
+              <a:alphaOff val="0"/>
+            </a:schemeClr>
+          </a:solidFill>
+          <a:prstDash val="solid"/>
+          <a:miter lim="800000"/>
+        </a:ln>
+        <a:effectLst/>
+      </dsp:spPr>
+      <dsp:style>
+        <a:lnRef idx="2">
+          <a:scrgbClr r="0" g="0" b="0"/>
+        </a:lnRef>
+        <a:fillRef idx="1">
+          <a:scrgbClr r="0" g="0" b="0"/>
+        </a:fillRef>
+        <a:effectRef idx="0">
+          <a:scrgbClr r="0" g="0" b="0"/>
+        </a:effectRef>
+        <a:fontRef idx="minor">
+          <a:schemeClr val="lt1"/>
+        </a:fontRef>
+      </dsp:style>
+      <dsp:txBody>
+        <a:bodyPr spcFirstLastPara="0" vert="horz" wrap="square" lIns="76010" tIns="25337" rIns="25337" bIns="25337" numCol="1" spcCol="1270" anchor="ctr" anchorCtr="0">
+          <a:noAutofit/>
+        </a:bodyPr>
+        <a:lstStyle/>
+        <a:p>
+          <a:pPr marL="0" lvl="0" indent="0" algn="ctr" defTabSz="844550">
+            <a:lnSpc>
+              <a:spcPct val="100000"/>
+            </a:lnSpc>
+            <a:spcBef>
+              <a:spcPct val="0"/>
+            </a:spcBef>
+            <a:spcAft>
+              <a:spcPct val="35000"/>
+            </a:spcAft>
+            <a:buNone/>
+          </a:pPr>
+          <a:r>
+            <a:rPr lang="en-US" sz="1900" kern="1200"/>
+            <a:t>Cleanse</a:t>
+          </a:r>
+        </a:p>
+      </dsp:txBody>
+      <dsp:txXfrm>
+        <a:off x="4152651" y="212347"/>
+        <a:ext cx="1245096" cy="830064"/>
+      </dsp:txXfrm>
+    </dsp:sp>
+    <dsp:sp modelId="{34E3ECE1-CC2F-4DDC-8E98-ABA0E3A055BD}">
+      <dsp:nvSpPr>
+        <dsp:cNvPr id="0" name=""/>
+        <dsp:cNvSpPr/>
+      </dsp:nvSpPr>
+      <dsp:spPr bwMode="white">
+        <a:xfrm>
+          <a:off x="5605264" y="212347"/>
+          <a:ext cx="2075160" cy="830064"/>
+        </a:xfrm>
+        <a:prstGeom prst="chevron">
+          <a:avLst/>
+        </a:prstGeom>
+        <a:solidFill>
+          <a:schemeClr val="accent2">
+            <a:hueOff val="0"/>
+            <a:satOff val="0"/>
+            <a:lumOff val="0"/>
+            <a:alphaOff val="0"/>
+          </a:schemeClr>
+        </a:solidFill>
+        <a:ln w="12700" cap="flat" cmpd="sng" algn="ctr">
+          <a:solidFill>
+            <a:schemeClr val="lt1">
+              <a:hueOff val="0"/>
+              <a:satOff val="0"/>
+              <a:lumOff val="0"/>
+              <a:alphaOff val="0"/>
+            </a:schemeClr>
+          </a:solidFill>
+          <a:prstDash val="solid"/>
+          <a:miter lim="800000"/>
+        </a:ln>
+        <a:effectLst/>
+      </dsp:spPr>
+      <dsp:style>
+        <a:lnRef idx="2">
+          <a:scrgbClr r="0" g="0" b="0"/>
+        </a:lnRef>
+        <a:fillRef idx="1">
+          <a:scrgbClr r="0" g="0" b="0"/>
+        </a:fillRef>
+        <a:effectRef idx="0">
+          <a:scrgbClr r="0" g="0" b="0"/>
+        </a:effectRef>
+        <a:fontRef idx="minor">
+          <a:schemeClr val="lt1"/>
+        </a:fontRef>
+      </dsp:style>
+      <dsp:txBody>
+        <a:bodyPr spcFirstLastPara="0" vert="horz" wrap="square" lIns="76010" tIns="25337" rIns="25337" bIns="25337" numCol="1" spcCol="1270" anchor="ctr" anchorCtr="0">
+          <a:noAutofit/>
+        </a:bodyPr>
+        <a:lstStyle/>
+        <a:p>
+          <a:pPr marL="0" lvl="0" indent="0" algn="ctr" defTabSz="844550">
+            <a:lnSpc>
+              <a:spcPct val="100000"/>
+            </a:lnSpc>
+            <a:spcBef>
+              <a:spcPct val="0"/>
+            </a:spcBef>
+            <a:spcAft>
+              <a:spcPct val="35000"/>
+            </a:spcAft>
+            <a:buNone/>
+          </a:pPr>
+          <a:r>
+            <a:rPr lang="en-US" sz="1900" kern="1200"/>
+            <a:t>Transform</a:t>
+          </a:r>
+        </a:p>
+      </dsp:txBody>
+      <dsp:txXfrm>
+        <a:off x="6020296" y="212347"/>
+        <a:ext cx="1245096" cy="830064"/>
+      </dsp:txXfrm>
+    </dsp:sp>
+    <dsp:sp modelId="{7A7A4BA6-187B-483E-87E5-7646635EA69E}">
+      <dsp:nvSpPr>
+        <dsp:cNvPr id="0" name=""/>
+        <dsp:cNvSpPr/>
+      </dsp:nvSpPr>
+      <dsp:spPr bwMode="white">
+        <a:xfrm>
+          <a:off x="7472908" y="212347"/>
+          <a:ext cx="2075160" cy="830064"/>
+        </a:xfrm>
+        <a:prstGeom prst="chevron">
+          <a:avLst/>
+        </a:prstGeom>
+        <a:solidFill>
+          <a:schemeClr val="accent2">
+            <a:hueOff val="0"/>
+            <a:satOff val="0"/>
+            <a:lumOff val="0"/>
+            <a:alphaOff val="0"/>
+          </a:schemeClr>
+        </a:solidFill>
+        <a:ln w="12700" cap="flat" cmpd="sng" algn="ctr">
+          <a:solidFill>
+            <a:schemeClr val="lt1">
+              <a:hueOff val="0"/>
+              <a:satOff val="0"/>
+              <a:lumOff val="0"/>
+              <a:alphaOff val="0"/>
+            </a:schemeClr>
+          </a:solidFill>
+          <a:prstDash val="solid"/>
+          <a:miter lim="800000"/>
+        </a:ln>
+        <a:effectLst/>
+      </dsp:spPr>
+      <dsp:style>
+        <a:lnRef idx="2">
+          <a:scrgbClr r="0" g="0" b="0"/>
+        </a:lnRef>
+        <a:fillRef idx="1">
+          <a:scrgbClr r="0" g="0" b="0"/>
+        </a:fillRef>
+        <a:effectRef idx="0">
+          <a:scrgbClr r="0" g="0" b="0"/>
+        </a:effectRef>
+        <a:fontRef idx="minor">
+          <a:schemeClr val="lt1"/>
+        </a:fontRef>
+      </dsp:style>
+      <dsp:txBody>
+        <a:bodyPr spcFirstLastPara="0" vert="horz" wrap="square" lIns="76010" tIns="25337" rIns="25337" bIns="25337" numCol="1" spcCol="1270" anchor="ctr" anchorCtr="0">
+          <a:noAutofit/>
+        </a:bodyPr>
+        <a:lstStyle/>
+        <a:p>
+          <a:pPr marL="0" lvl="0" indent="0" algn="ctr" defTabSz="844550">
+            <a:lnSpc>
+              <a:spcPct val="100000"/>
+            </a:lnSpc>
+            <a:spcBef>
+              <a:spcPct val="0"/>
+            </a:spcBef>
+            <a:spcAft>
+              <a:spcPct val="35000"/>
+            </a:spcAft>
+            <a:buNone/>
+          </a:pPr>
+          <a:r>
+            <a:rPr lang="en-US" sz="1900" kern="1200"/>
+            <a:t>Store</a:t>
+          </a:r>
+        </a:p>
+      </dsp:txBody>
+      <dsp:txXfrm>
+        <a:off x="7887940" y="212347"/>
+        <a:ext cx="1245096" cy="830064"/>
       </dsp:txXfrm>
     </dsp:sp>
   </dsp:spTree>
@@ -1620,9 +1601,7 @@
   <dgm:styleData>
     <dgm:dataModel>
       <dgm:ptLst>
-        <dgm:pt modelId="0" type="doc">
-          <dgm:prSet qsTypeId="urn:microsoft.com/office/officeart/2005/8/quickstyle/simple5"/>
-        </dgm:pt>
+        <dgm:pt modelId="0" type="doc"/>
         <dgm:pt modelId="1"/>
         <dgm:pt modelId="2"/>
       </dgm:ptLst>
@@ -1637,9 +1616,7 @@
   <dgm:clrData>
     <dgm:dataModel>
       <dgm:ptLst>
-        <dgm:pt modelId="0" type="doc">
-          <dgm:prSet csTypeId="urn:microsoft.com/office/officeart/2005/8/colors/accent6_5"/>
-        </dgm:pt>
+        <dgm:pt modelId="0" type="doc"/>
         <dgm:pt modelId="1"/>
         <dgm:pt modelId="2"/>
         <dgm:pt modelId="3"/>
@@ -1740,7 +1717,7 @@
                   </dgm:shape>
                 </dgm:if>
                 <dgm:else name="Name12">
-                  <dgm:shape xmlns:r="http://schemas.openxmlformats.org/officeDocument/2006/relationships" type="chevron" r:blip="" rot="180">
+                  <dgm:shape xmlns:r="http://schemas.openxmlformats.org/officeDocument/2006/relationships" rot="180" type="chevron" r:blip="">
                     <dgm:adjLst/>
                   </dgm:shape>
                 </dgm:else>
@@ -1842,7 +1819,7 @@
                 </dgm:shape>
               </dgm:if>
               <dgm:else name="Name24">
-                <dgm:shape xmlns:r="http://schemas.openxmlformats.org/officeDocument/2006/relationships" type="chevron" r:blip="" rot="180">
+                <dgm:shape xmlns:r="http://schemas.openxmlformats.org/officeDocument/2006/relationships" rot="180" type="chevron" r:blip="">
                   <dgm:adjLst/>
                 </dgm:shape>
               </dgm:else>
@@ -1891,7 +1868,7 @@
 </file>
 
 <file path=ppt/diagrams/quickStyle1.xml><?xml version="1.0" encoding="utf-8"?>
-<dgm:styleDef xmlns:dgm="http://schemas.openxmlformats.org/drawingml/2006/diagram" xmlns:a="http://schemas.openxmlformats.org/drawingml/2006/main" uniqueId="urn:microsoft.com/office/officeart/2005/8/quickstyle/simple1">
+<dgm:styleDef xmlns:dgm="http://schemas.openxmlformats.org/drawingml/2006/diagram" xmlns:a="http://schemas.openxmlformats.org/drawingml/2006/main" uniqueId="urn:microsoft.com/office/officeart/2005/8/quickstyle/simple1#1">
   <dgm:title val=""/>
   <dgm:desc val=""/>
   <dgm:catLst>
@@ -1906,6 +1883,7 @@
       <a:camera prst="orthographicFront"/>
       <a:lightRig rig="threePt" dir="t"/>
     </dgm:scene3d>
+    <dgm:sp3d/>
     <dgm:txPr/>
     <dgm:style>
       <a:lnRef idx="2">
@@ -1925,6 +1903,7 @@
       <a:camera prst="orthographicFront"/>
       <a:lightRig rig="threePt" dir="t"/>
     </dgm:scene3d>
+    <dgm:sp3d/>
     <dgm:txPr/>
     <dgm:style>
       <a:lnRef idx="2">
@@ -1944,6 +1923,7 @@
       <a:camera prst="orthographicFront"/>
       <a:lightRig rig="threePt" dir="t"/>
     </dgm:scene3d>
+    <dgm:sp3d/>
     <dgm:txPr/>
     <dgm:style>
       <a:lnRef idx="2">
@@ -1963,6 +1943,7 @@
       <a:camera prst="orthographicFront"/>
       <a:lightRig rig="threePt" dir="t"/>
     </dgm:scene3d>
+    <dgm:sp3d/>
     <dgm:txPr/>
     <dgm:style>
       <a:lnRef idx="2">
@@ -1984,6 +1965,7 @@
       <a:camera prst="orthographicFront"/>
       <a:lightRig rig="threePt" dir="t"/>
     </dgm:scene3d>
+    <dgm:sp3d/>
     <dgm:txPr/>
     <dgm:style>
       <a:lnRef idx="2">
@@ -2005,6 +1987,7 @@
       <a:camera prst="orthographicFront"/>
       <a:lightRig rig="threePt" dir="t"/>
     </dgm:scene3d>
+    <dgm:sp3d/>
     <dgm:txPr/>
     <dgm:style>
       <a:lnRef idx="2">
@@ -2026,6 +2009,7 @@
       <a:camera prst="orthographicFront"/>
       <a:lightRig rig="threePt" dir="t"/>
     </dgm:scene3d>
+    <dgm:sp3d/>
     <dgm:txPr/>
     <dgm:style>
       <a:lnRef idx="2">
@@ -2047,6 +2031,7 @@
       <a:camera prst="orthographicFront"/>
       <a:lightRig rig="threePt" dir="t"/>
     </dgm:scene3d>
+    <dgm:sp3d/>
     <dgm:txPr/>
     <dgm:style>
       <a:lnRef idx="2">
@@ -2068,6 +2053,7 @@
       <a:camera prst="orthographicFront"/>
       <a:lightRig rig="threePt" dir="t"/>
     </dgm:scene3d>
+    <dgm:sp3d/>
     <dgm:txPr/>
     <dgm:style>
       <a:lnRef idx="2">
@@ -2089,6 +2075,7 @@
       <a:camera prst="orthographicFront"/>
       <a:lightRig rig="threePt" dir="t"/>
     </dgm:scene3d>
+    <dgm:sp3d/>
     <dgm:txPr/>
     <dgm:style>
       <a:lnRef idx="2">
@@ -2108,6 +2095,7 @@
       <a:camera prst="orthographicFront"/>
       <a:lightRig rig="threePt" dir="t"/>
     </dgm:scene3d>
+    <dgm:sp3d/>
     <dgm:txPr/>
     <dgm:style>
       <a:lnRef idx="2">
@@ -2127,6 +2115,7 @@
       <a:camera prst="orthographicFront"/>
       <a:lightRig rig="threePt" dir="t"/>
     </dgm:scene3d>
+    <dgm:sp3d/>
     <dgm:txPr/>
     <dgm:style>
       <a:lnRef idx="2">
@@ -2146,6 +2135,7 @@
       <a:camera prst="orthographicFront"/>
       <a:lightRig rig="threePt" dir="t"/>
     </dgm:scene3d>
+    <dgm:sp3d/>
     <dgm:txPr/>
     <dgm:style>
       <a:lnRef idx="0">
@@ -2165,6 +2155,7 @@
       <a:camera prst="orthographicFront"/>
       <a:lightRig rig="threePt" dir="t"/>
     </dgm:scene3d>
+    <dgm:sp3d/>
     <dgm:txPr/>
     <dgm:style>
       <a:lnRef idx="0">
@@ -2186,6 +2177,7 @@
       <a:camera prst="orthographicFront"/>
       <a:lightRig rig="threePt" dir="t"/>
     </dgm:scene3d>
+    <dgm:sp3d/>
     <dgm:txPr/>
     <dgm:style>
       <a:lnRef idx="2">
@@ -2205,6 +2197,7 @@
       <a:camera prst="orthographicFront"/>
       <a:lightRig rig="threePt" dir="t"/>
     </dgm:scene3d>
+    <dgm:sp3d/>
     <dgm:txPr/>
     <dgm:style>
       <a:lnRef idx="2">
@@ -2224,6 +2217,7 @@
       <a:camera prst="orthographicFront"/>
       <a:lightRig rig="threePt" dir="t"/>
     </dgm:scene3d>
+    <dgm:sp3d/>
     <dgm:txPr/>
     <dgm:style>
       <a:lnRef idx="0">
@@ -2243,6 +2237,7 @@
       <a:camera prst="orthographicFront"/>
       <a:lightRig rig="threePt" dir="t"/>
     </dgm:scene3d>
+    <dgm:sp3d/>
     <dgm:txPr/>
     <dgm:style>
       <a:lnRef idx="2">
@@ -2262,6 +2257,7 @@
       <a:camera prst="orthographicFront"/>
       <a:lightRig rig="threePt" dir="t"/>
     </dgm:scene3d>
+    <dgm:sp3d/>
     <dgm:txPr/>
     <dgm:style>
       <a:lnRef idx="2">
@@ -2281,6 +2277,7 @@
       <a:camera prst="orthographicFront"/>
       <a:lightRig rig="threePt" dir="t"/>
     </dgm:scene3d>
+    <dgm:sp3d/>
     <dgm:txPr/>
     <dgm:style>
       <a:lnRef idx="2">
@@ -2300,6 +2297,7 @@
       <a:camera prst="orthographicFront"/>
       <a:lightRig rig="threePt" dir="t"/>
     </dgm:scene3d>
+    <dgm:sp3d/>
     <dgm:txPr/>
     <dgm:style>
       <a:lnRef idx="2">
@@ -2319,6 +2317,7 @@
       <a:camera prst="orthographicFront"/>
       <a:lightRig rig="threePt" dir="t"/>
     </dgm:scene3d>
+    <dgm:sp3d/>
     <dgm:txPr/>
     <dgm:style>
       <a:lnRef idx="2">
@@ -2338,6 +2337,7 @@
       <a:camera prst="orthographicFront"/>
       <a:lightRig rig="threePt" dir="t"/>
     </dgm:scene3d>
+    <dgm:sp3d/>
     <dgm:txPr/>
     <dgm:style>
       <a:lnRef idx="2">
@@ -2357,6 +2357,7 @@
       <a:camera prst="orthographicFront"/>
       <a:lightRig rig="threePt" dir="t"/>
     </dgm:scene3d>
+    <dgm:sp3d/>
     <dgm:txPr/>
     <dgm:style>
       <a:lnRef idx="2">
@@ -2376,6 +2377,7 @@
       <a:camera prst="orthographicFront"/>
       <a:lightRig rig="threePt" dir="t"/>
     </dgm:scene3d>
+    <dgm:sp3d/>
     <dgm:txPr/>
     <dgm:style>
       <a:lnRef idx="2">
@@ -2395,6 +2397,7 @@
       <a:camera prst="orthographicFront"/>
       <a:lightRig rig="threePt" dir="t"/>
     </dgm:scene3d>
+    <dgm:sp3d/>
     <dgm:txPr/>
     <dgm:style>
       <a:lnRef idx="0">
@@ -2416,6 +2419,7 @@
       <a:camera prst="orthographicFront"/>
       <a:lightRig rig="threePt" dir="t"/>
     </dgm:scene3d>
+    <dgm:sp3d/>
     <dgm:txPr/>
     <dgm:style>
       <a:lnRef idx="2">
@@ -2437,6 +2441,7 @@
       <a:camera prst="orthographicFront"/>
       <a:lightRig rig="threePt" dir="t"/>
     </dgm:scene3d>
+    <dgm:sp3d/>
     <dgm:txPr/>
     <dgm:style>
       <a:lnRef idx="2">
@@ -2458,6 +2463,7 @@
       <a:camera prst="orthographicFront"/>
       <a:lightRig rig="threePt" dir="t"/>
     </dgm:scene3d>
+    <dgm:sp3d/>
     <dgm:txPr/>
     <dgm:style>
       <a:lnRef idx="2">
@@ -2479,6 +2485,7 @@
       <a:camera prst="orthographicFront"/>
       <a:lightRig rig="threePt" dir="t"/>
     </dgm:scene3d>
+    <dgm:sp3d/>
     <dgm:txPr/>
     <dgm:style>
       <a:lnRef idx="2">
@@ -2500,6 +2507,7 @@
       <a:camera prst="orthographicFront"/>
       <a:lightRig rig="threePt" dir="t"/>
     </dgm:scene3d>
+    <dgm:sp3d/>
     <dgm:txPr/>
     <dgm:style>
       <a:lnRef idx="2">
@@ -2521,6 +2529,7 @@
       <a:camera prst="orthographicFront"/>
       <a:lightRig rig="threePt" dir="t"/>
     </dgm:scene3d>
+    <dgm:sp3d/>
     <dgm:txPr/>
     <dgm:style>
       <a:lnRef idx="2">
@@ -2542,6 +2551,7 @@
       <a:camera prst="orthographicFront"/>
       <a:lightRig rig="threePt" dir="t"/>
     </dgm:scene3d>
+    <dgm:sp3d/>
     <dgm:txPr/>
     <dgm:style>
       <a:lnRef idx="2">
@@ -2561,6 +2571,7 @@
       <a:camera prst="orthographicFront"/>
       <a:lightRig rig="threePt" dir="t"/>
     </dgm:scene3d>
+    <dgm:sp3d/>
     <dgm:txPr/>
     <dgm:style>
       <a:lnRef idx="2">
@@ -2580,6 +2591,7 @@
       <a:camera prst="orthographicFront"/>
       <a:lightRig rig="threePt" dir="t"/>
     </dgm:scene3d>
+    <dgm:sp3d/>
     <dgm:txPr/>
     <dgm:style>
       <a:lnRef idx="2">
@@ -2599,6 +2611,7 @@
       <a:camera prst="orthographicFront"/>
       <a:lightRig rig="threePt" dir="t"/>
     </dgm:scene3d>
+    <dgm:sp3d/>
     <dgm:txPr/>
     <dgm:style>
       <a:lnRef idx="2">
@@ -2618,6 +2631,7 @@
       <a:camera prst="orthographicFront"/>
       <a:lightRig rig="threePt" dir="t"/>
     </dgm:scene3d>
+    <dgm:sp3d/>
     <dgm:txPr/>
     <dgm:style>
       <a:lnRef idx="2">
@@ -2639,6 +2653,7 @@
       <a:camera prst="orthographicFront"/>
       <a:lightRig rig="threePt" dir="t"/>
     </dgm:scene3d>
+    <dgm:sp3d/>
     <dgm:txPr/>
     <dgm:style>
       <a:lnRef idx="2">
@@ -2660,6 +2675,7 @@
       <a:camera prst="orthographicFront"/>
       <a:lightRig rig="threePt" dir="t"/>
     </dgm:scene3d>
+    <dgm:sp3d/>
     <dgm:txPr/>
     <dgm:style>
       <a:lnRef idx="2">
@@ -2681,6 +2697,7 @@
       <a:camera prst="orthographicFront"/>
       <a:lightRig rig="threePt" dir="t"/>
     </dgm:scene3d>
+    <dgm:sp3d/>
     <dgm:txPr/>
     <dgm:style>
       <a:lnRef idx="2">
@@ -2702,6 +2719,7 @@
       <a:camera prst="orthographicFront"/>
       <a:lightRig rig="threePt" dir="t"/>
     </dgm:scene3d>
+    <dgm:sp3d/>
     <dgm:txPr/>
     <dgm:style>
       <a:lnRef idx="0">
@@ -2721,6 +2739,7 @@
       <a:camera prst="orthographicFront"/>
       <a:lightRig rig="threePt" dir="t"/>
     </dgm:scene3d>
+    <dgm:sp3d/>
     <dgm:txPr/>
     <dgm:style>
       <a:lnRef idx="1">
@@ -2740,6 +2759,7 @@
       <a:camera prst="orthographicFront"/>
       <a:lightRig rig="threePt" dir="t"/>
     </dgm:scene3d>
+    <dgm:sp3d/>
     <dgm:txPr/>
     <dgm:style>
       <a:lnRef idx="0">
@@ -2761,6 +2781,7 @@
       <a:camera prst="orthographicFront"/>
       <a:lightRig rig="threePt" dir="t"/>
     </dgm:scene3d>
+    <dgm:sp3d/>
     <dgm:txPr/>
     <dgm:style>
       <a:lnRef idx="2">
@@ -2780,6 +2801,7 @@
       <a:camera prst="orthographicFront"/>
       <a:lightRig rig="threePt" dir="t"/>
     </dgm:scene3d>
+    <dgm:sp3d/>
     <dgm:txPr/>
     <dgm:style>
       <a:lnRef idx="2">
@@ -2799,6 +2821,7 @@
       <a:camera prst="orthographicFront"/>
       <a:lightRig rig="threePt" dir="t"/>
     </dgm:scene3d>
+    <dgm:sp3d/>
     <dgm:txPr/>
     <dgm:style>
       <a:lnRef idx="2">
@@ -2818,6 +2841,7 @@
       <a:camera prst="orthographicFront"/>
       <a:lightRig rig="threePt" dir="t"/>
     </dgm:scene3d>
+    <dgm:sp3d/>
     <dgm:txPr/>
     <dgm:style>
       <a:lnRef idx="1">
@@ -2837,6 +2861,7 @@
       <a:camera prst="orthographicFront"/>
       <a:lightRig rig="threePt" dir="t"/>
     </dgm:scene3d>
+    <dgm:sp3d/>
     <dgm:txPr/>
     <dgm:style>
       <a:lnRef idx="0">
@@ -2856,6 +2881,7 @@
       <a:camera prst="orthographicFront"/>
       <a:lightRig rig="threePt" dir="t"/>
     </dgm:scene3d>
+    <dgm:sp3d/>
     <dgm:txPr/>
     <dgm:style>
       <a:lnRef idx="2">
@@ -2957,6 +2983,7 @@
           <a:p>
             <a:fld id="{0F9B84EA-7D68-4D60-9CB1-D50884785D1C}" type="datetimeFigureOut">
               <a:rPr lang="zh-CN" altLang="en-US" smtClean="0"/>
+              <a:t>2023/10/28</a:t>
             </a:fld>
             <a:endParaRPr lang="zh-CN" altLang="en-US"/>
           </a:p>
@@ -3022,12 +3049,18 @@
           <a:p>
             <a:fld id="{8D4E0FC9-F1F8-4FAE-9988-3BA365CFD46F}" type="slidenum">
               <a:rPr lang="zh-CN" altLang="en-US" smtClean="0"/>
+              <a:t>‹#›</a:t>
             </a:fld>
             <a:endParaRPr lang="zh-CN" altLang="en-US"/>
           </a:p>
         </p:txBody>
       </p:sp>
     </p:spTree>
+    <p:extLst>
+      <p:ext uri="{BB962C8B-B14F-4D97-AF65-F5344CB8AC3E}">
+        <p14:creationId xmlns:p14="http://schemas.microsoft.com/office/powerpoint/2010/main" val="1"/>
+      </p:ext>
+    </p:extLst>
   </p:cSld>
   <p:clrMap bg1="lt1" tx1="dk1" bg2="lt2" tx2="dk2" accent1="accent1" accent2="accent2" accent3="accent3" accent4="accent4" accent5="accent5" accent6="accent6" hlink="hlink" folHlink="folHlink"/>
 </p:handoutMaster>
@@ -3115,6 +3148,7 @@
           <a:p>
             <a:fld id="{D6C8D182-E4C8-4120-9249-FC9774456FFA}" type="datetimeFigureOut">
               <a:rPr lang="zh-CN" altLang="en-US" smtClean="0"/>
+              <a:t>2023/10/28</a:t>
             </a:fld>
             <a:endParaRPr lang="zh-CN" altLang="en-US"/>
           </a:p>
@@ -3181,7 +3215,6 @@
               <a:rPr lang="zh-CN" altLang="en-US"/>
               <a:t>编辑母版文本样式</a:t>
             </a:r>
-            <a:endParaRPr lang="zh-CN" altLang="en-US"/>
           </a:p>
           <a:p>
             <a:pPr lvl="1"/>
@@ -3189,7 +3222,6 @@
               <a:rPr lang="zh-CN" altLang="en-US"/>
               <a:t>第二级</a:t>
             </a:r>
-            <a:endParaRPr lang="zh-CN" altLang="en-US"/>
           </a:p>
           <a:p>
             <a:pPr lvl="2"/>
@@ -3197,7 +3229,6 @@
               <a:rPr lang="zh-CN" altLang="en-US"/>
               <a:t>第三级</a:t>
             </a:r>
-            <a:endParaRPr lang="zh-CN" altLang="en-US"/>
           </a:p>
           <a:p>
             <a:pPr lvl="3"/>
@@ -3205,7 +3236,6 @@
               <a:rPr lang="zh-CN" altLang="en-US"/>
               <a:t>第四级</a:t>
             </a:r>
-            <a:endParaRPr lang="zh-CN" altLang="en-US"/>
           </a:p>
           <a:p>
             <a:pPr lvl="4"/>
@@ -3213,7 +3243,6 @@
               <a:rPr lang="zh-CN" altLang="en-US"/>
               <a:t>第五级</a:t>
             </a:r>
-            <a:endParaRPr lang="zh-CN" altLang="en-US"/>
           </a:p>
         </p:txBody>
       </p:sp>
@@ -3277,6 +3306,7 @@
           <a:p>
             <a:fld id="{85D0DACE-38E0-42D2-9336-2B707D34BC6D}" type="slidenum">
               <a:rPr lang="zh-CN" altLang="en-US" smtClean="0"/>
+              <a:t>‹#›</a:t>
             </a:fld>
             <a:endParaRPr lang="zh-CN" altLang="en-US"/>
           </a:p>
@@ -3389,11 +3419,20 @@
         <p:cNvGrpSpPr/>
         <p:nvPr/>
       </p:nvGrpSpPr>
-      <p:grpSpPr/>
+      <p:grpSpPr>
+        <a:xfrm>
+          <a:off x="0" y="0"/>
+          <a:ext cx="0" cy="0"/>
+          <a:chOff x="0" y="0"/>
+          <a:chExt cx="0" cy="0"/>
+        </a:xfrm>
+      </p:grpSpPr>
       <p:sp>
         <p:nvSpPr>
           <p:cNvPr id="2" name="Slide Image Placeholder 1"/>
-          <p:cNvSpPr/>
+          <p:cNvSpPr>
+            <a:spLocks noGrp="1" noRot="1" noChangeAspect="1"/>
+          </p:cNvSpPr>
           <p:nvPr>
             <p:ph type="sldImg" idx="2"/>
           </p:nvPr>
@@ -3403,7 +3442,9 @@
       <p:sp>
         <p:nvSpPr>
           <p:cNvPr id="3" name="Text Placeholder 2"/>
-          <p:cNvSpPr/>
+          <p:cNvSpPr>
+            <a:spLocks noGrp="1"/>
+          </p:cNvSpPr>
           <p:nvPr>
             <p:ph type="body" idx="3"/>
           </p:nvPr>
@@ -3411,6 +3452,7 @@
         <p:spPr/>
         <p:txBody>
           <a:bodyPr/>
+          <a:lstStyle/>
           <a:p>
             <a:endParaRPr lang="en-US"/>
           </a:p>
@@ -3433,11 +3475,20 @@
         <p:cNvGrpSpPr/>
         <p:nvPr/>
       </p:nvGrpSpPr>
-      <p:grpSpPr/>
+      <p:grpSpPr>
+        <a:xfrm>
+          <a:off x="0" y="0"/>
+          <a:ext cx="0" cy="0"/>
+          <a:chOff x="0" y="0"/>
+          <a:chExt cx="0" cy="0"/>
+        </a:xfrm>
+      </p:grpSpPr>
       <p:sp>
         <p:nvSpPr>
           <p:cNvPr id="2" name="Slide Image Placeholder 1"/>
-          <p:cNvSpPr/>
+          <p:cNvSpPr>
+            <a:spLocks noGrp="1" noRot="1" noChangeAspect="1"/>
+          </p:cNvSpPr>
           <p:nvPr>
             <p:ph type="sldImg" idx="2"/>
           </p:nvPr>
@@ -3447,7 +3498,9 @@
       <p:sp>
         <p:nvSpPr>
           <p:cNvPr id="3" name="Text Placeholder 2"/>
-          <p:cNvSpPr/>
+          <p:cNvSpPr>
+            <a:spLocks noGrp="1"/>
+          </p:cNvSpPr>
           <p:nvPr>
             <p:ph type="body" idx="3"/>
           </p:nvPr>
@@ -3455,12 +3508,379 @@
         <p:spPr/>
         <p:txBody>
           <a:bodyPr/>
-          <a:p>
-            <a:endParaRPr lang="en-US"/>
+          <a:lstStyle/>
+          <a:p>
+            <a:endParaRPr lang="en-US" dirty="0"/>
           </a:p>
         </p:txBody>
       </p:sp>
     </p:spTree>
+  </p:cSld>
+  <p:clrMapOvr>
+    <a:masterClrMapping/>
+  </p:clrMapOvr>
+</p:notes>
+</file>
+
+<file path=ppt/notesSlides/notesSlide3.xml><?xml version="1.0" encoding="utf-8"?>
+<p:notes xmlns:a="http://schemas.openxmlformats.org/drawingml/2006/main" xmlns:r="http://schemas.openxmlformats.org/officeDocument/2006/relationships" xmlns:p="http://schemas.openxmlformats.org/presentationml/2006/main">
+  <p:cSld>
+    <p:spTree>
+      <p:nvGrpSpPr>
+        <p:cNvPr id="1" name=""/>
+        <p:cNvGrpSpPr/>
+        <p:nvPr/>
+      </p:nvGrpSpPr>
+      <p:grpSpPr>
+        <a:xfrm>
+          <a:off x="0" y="0"/>
+          <a:ext cx="0" cy="0"/>
+          <a:chOff x="0" y="0"/>
+          <a:chExt cx="0" cy="0"/>
+        </a:xfrm>
+      </p:grpSpPr>
+      <p:sp>
+        <p:nvSpPr>
+          <p:cNvPr id="2" name="Slide Image Placeholder 1"/>
+          <p:cNvSpPr>
+            <a:spLocks noGrp="1" noRot="1" noChangeAspect="1"/>
+          </p:cNvSpPr>
+          <p:nvPr>
+            <p:ph type="sldImg" idx="2"/>
+          </p:nvPr>
+        </p:nvSpPr>
+        <p:spPr/>
+      </p:sp>
+      <p:sp>
+        <p:nvSpPr>
+          <p:cNvPr id="3" name="Text Placeholder 2"/>
+          <p:cNvSpPr>
+            <a:spLocks noGrp="1"/>
+          </p:cNvSpPr>
+          <p:nvPr>
+            <p:ph type="body" idx="3"/>
+          </p:nvPr>
+        </p:nvSpPr>
+        <p:spPr/>
+        <p:txBody>
+          <a:bodyPr/>
+          <a:lstStyle/>
+          <a:p>
+            <a:endParaRPr lang="en-US" dirty="0"/>
+          </a:p>
+        </p:txBody>
+      </p:sp>
+    </p:spTree>
+    <p:extLst>
+      <p:ext uri="{BB962C8B-B14F-4D97-AF65-F5344CB8AC3E}">
+        <p14:creationId xmlns:p14="http://schemas.microsoft.com/office/powerpoint/2010/main" val="3671551965"/>
+      </p:ext>
+    </p:extLst>
+  </p:cSld>
+  <p:clrMapOvr>
+    <a:masterClrMapping/>
+  </p:clrMapOvr>
+</p:notes>
+</file>
+
+<file path=ppt/notesSlides/notesSlide4.xml><?xml version="1.0" encoding="utf-8"?>
+<p:notes xmlns:a="http://schemas.openxmlformats.org/drawingml/2006/main" xmlns:r="http://schemas.openxmlformats.org/officeDocument/2006/relationships" xmlns:p="http://schemas.openxmlformats.org/presentationml/2006/main">
+  <p:cSld>
+    <p:spTree>
+      <p:nvGrpSpPr>
+        <p:cNvPr id="1" name=""/>
+        <p:cNvGrpSpPr/>
+        <p:nvPr/>
+      </p:nvGrpSpPr>
+      <p:grpSpPr>
+        <a:xfrm>
+          <a:off x="0" y="0"/>
+          <a:ext cx="0" cy="0"/>
+          <a:chOff x="0" y="0"/>
+          <a:chExt cx="0" cy="0"/>
+        </a:xfrm>
+      </p:grpSpPr>
+      <p:sp>
+        <p:nvSpPr>
+          <p:cNvPr id="2" name="Slide Image Placeholder 1"/>
+          <p:cNvSpPr>
+            <a:spLocks noGrp="1" noRot="1" noChangeAspect="1"/>
+          </p:cNvSpPr>
+          <p:nvPr>
+            <p:ph type="sldImg" idx="2"/>
+          </p:nvPr>
+        </p:nvSpPr>
+        <p:spPr/>
+      </p:sp>
+      <p:sp>
+        <p:nvSpPr>
+          <p:cNvPr id="3" name="Text Placeholder 2"/>
+          <p:cNvSpPr>
+            <a:spLocks noGrp="1"/>
+          </p:cNvSpPr>
+          <p:nvPr>
+            <p:ph type="body" idx="3"/>
+          </p:nvPr>
+        </p:nvSpPr>
+        <p:spPr/>
+        <p:txBody>
+          <a:bodyPr/>
+          <a:lstStyle/>
+          <a:p>
+            <a:endParaRPr lang="en-US" dirty="0"/>
+          </a:p>
+        </p:txBody>
+      </p:sp>
+    </p:spTree>
+    <p:extLst>
+      <p:ext uri="{BB962C8B-B14F-4D97-AF65-F5344CB8AC3E}">
+        <p14:creationId xmlns:p14="http://schemas.microsoft.com/office/powerpoint/2010/main" val="3674608473"/>
+      </p:ext>
+    </p:extLst>
+  </p:cSld>
+  <p:clrMapOvr>
+    <a:masterClrMapping/>
+  </p:clrMapOvr>
+</p:notes>
+</file>
+
+<file path=ppt/notesSlides/notesSlide5.xml><?xml version="1.0" encoding="utf-8"?>
+<p:notes xmlns:a="http://schemas.openxmlformats.org/drawingml/2006/main" xmlns:r="http://schemas.openxmlformats.org/officeDocument/2006/relationships" xmlns:p="http://schemas.openxmlformats.org/presentationml/2006/main">
+  <p:cSld>
+    <p:spTree>
+      <p:nvGrpSpPr>
+        <p:cNvPr id="1" name=""/>
+        <p:cNvGrpSpPr/>
+        <p:nvPr/>
+      </p:nvGrpSpPr>
+      <p:grpSpPr>
+        <a:xfrm>
+          <a:off x="0" y="0"/>
+          <a:ext cx="0" cy="0"/>
+          <a:chOff x="0" y="0"/>
+          <a:chExt cx="0" cy="0"/>
+        </a:xfrm>
+      </p:grpSpPr>
+      <p:sp>
+        <p:nvSpPr>
+          <p:cNvPr id="2" name="Slide Image Placeholder 1"/>
+          <p:cNvSpPr>
+            <a:spLocks noGrp="1" noRot="1" noChangeAspect="1"/>
+          </p:cNvSpPr>
+          <p:nvPr>
+            <p:ph type="sldImg" idx="2"/>
+          </p:nvPr>
+        </p:nvSpPr>
+        <p:spPr/>
+      </p:sp>
+      <p:sp>
+        <p:nvSpPr>
+          <p:cNvPr id="3" name="Text Placeholder 2"/>
+          <p:cNvSpPr>
+            <a:spLocks noGrp="1"/>
+          </p:cNvSpPr>
+          <p:nvPr>
+            <p:ph type="body" idx="3"/>
+          </p:nvPr>
+        </p:nvSpPr>
+        <p:spPr/>
+        <p:txBody>
+          <a:bodyPr/>
+          <a:lstStyle/>
+          <a:p>
+            <a:endParaRPr lang="en-US" dirty="0"/>
+          </a:p>
+        </p:txBody>
+      </p:sp>
+    </p:spTree>
+    <p:extLst>
+      <p:ext uri="{BB962C8B-B14F-4D97-AF65-F5344CB8AC3E}">
+        <p14:creationId xmlns:p14="http://schemas.microsoft.com/office/powerpoint/2010/main" val="4051300290"/>
+      </p:ext>
+    </p:extLst>
+  </p:cSld>
+  <p:clrMapOvr>
+    <a:masterClrMapping/>
+  </p:clrMapOvr>
+</p:notes>
+</file>
+
+<file path=ppt/notesSlides/notesSlide6.xml><?xml version="1.0" encoding="utf-8"?>
+<p:notes xmlns:a="http://schemas.openxmlformats.org/drawingml/2006/main" xmlns:r="http://schemas.openxmlformats.org/officeDocument/2006/relationships" xmlns:p="http://schemas.openxmlformats.org/presentationml/2006/main">
+  <p:cSld>
+    <p:spTree>
+      <p:nvGrpSpPr>
+        <p:cNvPr id="1" name=""/>
+        <p:cNvGrpSpPr/>
+        <p:nvPr/>
+      </p:nvGrpSpPr>
+      <p:grpSpPr>
+        <a:xfrm>
+          <a:off x="0" y="0"/>
+          <a:ext cx="0" cy="0"/>
+          <a:chOff x="0" y="0"/>
+          <a:chExt cx="0" cy="0"/>
+        </a:xfrm>
+      </p:grpSpPr>
+      <p:sp>
+        <p:nvSpPr>
+          <p:cNvPr id="2" name="Slide Image Placeholder 1"/>
+          <p:cNvSpPr>
+            <a:spLocks noGrp="1" noRot="1" noChangeAspect="1"/>
+          </p:cNvSpPr>
+          <p:nvPr>
+            <p:ph type="sldImg" idx="2"/>
+          </p:nvPr>
+        </p:nvSpPr>
+        <p:spPr/>
+      </p:sp>
+      <p:sp>
+        <p:nvSpPr>
+          <p:cNvPr id="3" name="Text Placeholder 2"/>
+          <p:cNvSpPr>
+            <a:spLocks noGrp="1"/>
+          </p:cNvSpPr>
+          <p:nvPr>
+            <p:ph type="body" idx="3"/>
+          </p:nvPr>
+        </p:nvSpPr>
+        <p:spPr/>
+        <p:txBody>
+          <a:bodyPr/>
+          <a:lstStyle/>
+          <a:p>
+            <a:endParaRPr lang="en-US" dirty="0"/>
+          </a:p>
+        </p:txBody>
+      </p:sp>
+    </p:spTree>
+    <p:extLst>
+      <p:ext uri="{BB962C8B-B14F-4D97-AF65-F5344CB8AC3E}">
+        <p14:creationId xmlns:p14="http://schemas.microsoft.com/office/powerpoint/2010/main" val="2651170674"/>
+      </p:ext>
+    </p:extLst>
+  </p:cSld>
+  <p:clrMapOvr>
+    <a:masterClrMapping/>
+  </p:clrMapOvr>
+</p:notes>
+</file>
+
+<file path=ppt/notesSlides/notesSlide7.xml><?xml version="1.0" encoding="utf-8"?>
+<p:notes xmlns:a="http://schemas.openxmlformats.org/drawingml/2006/main" xmlns:r="http://schemas.openxmlformats.org/officeDocument/2006/relationships" xmlns:p="http://schemas.openxmlformats.org/presentationml/2006/main">
+  <p:cSld>
+    <p:spTree>
+      <p:nvGrpSpPr>
+        <p:cNvPr id="1" name=""/>
+        <p:cNvGrpSpPr/>
+        <p:nvPr/>
+      </p:nvGrpSpPr>
+      <p:grpSpPr>
+        <a:xfrm>
+          <a:off x="0" y="0"/>
+          <a:ext cx="0" cy="0"/>
+          <a:chOff x="0" y="0"/>
+          <a:chExt cx="0" cy="0"/>
+        </a:xfrm>
+      </p:grpSpPr>
+      <p:sp>
+        <p:nvSpPr>
+          <p:cNvPr id="2" name="Slide Image Placeholder 1"/>
+          <p:cNvSpPr>
+            <a:spLocks noGrp="1" noRot="1" noChangeAspect="1"/>
+          </p:cNvSpPr>
+          <p:nvPr>
+            <p:ph type="sldImg" idx="2"/>
+          </p:nvPr>
+        </p:nvSpPr>
+        <p:spPr/>
+      </p:sp>
+      <p:sp>
+        <p:nvSpPr>
+          <p:cNvPr id="3" name="Text Placeholder 2"/>
+          <p:cNvSpPr>
+            <a:spLocks noGrp="1"/>
+          </p:cNvSpPr>
+          <p:nvPr>
+            <p:ph type="body" idx="3"/>
+          </p:nvPr>
+        </p:nvSpPr>
+        <p:spPr/>
+        <p:txBody>
+          <a:bodyPr/>
+          <a:lstStyle/>
+          <a:p>
+            <a:endParaRPr lang="en-US" dirty="0"/>
+          </a:p>
+        </p:txBody>
+      </p:sp>
+    </p:spTree>
+    <p:extLst>
+      <p:ext uri="{BB962C8B-B14F-4D97-AF65-F5344CB8AC3E}">
+        <p14:creationId xmlns:p14="http://schemas.microsoft.com/office/powerpoint/2010/main" val="4294357437"/>
+      </p:ext>
+    </p:extLst>
+  </p:cSld>
+  <p:clrMapOvr>
+    <a:masterClrMapping/>
+  </p:clrMapOvr>
+</p:notes>
+</file>
+
+<file path=ppt/notesSlides/notesSlide8.xml><?xml version="1.0" encoding="utf-8"?>
+<p:notes xmlns:a="http://schemas.openxmlformats.org/drawingml/2006/main" xmlns:r="http://schemas.openxmlformats.org/officeDocument/2006/relationships" xmlns:p="http://schemas.openxmlformats.org/presentationml/2006/main">
+  <p:cSld>
+    <p:spTree>
+      <p:nvGrpSpPr>
+        <p:cNvPr id="1" name=""/>
+        <p:cNvGrpSpPr/>
+        <p:nvPr/>
+      </p:nvGrpSpPr>
+      <p:grpSpPr>
+        <a:xfrm>
+          <a:off x="0" y="0"/>
+          <a:ext cx="0" cy="0"/>
+          <a:chOff x="0" y="0"/>
+          <a:chExt cx="0" cy="0"/>
+        </a:xfrm>
+      </p:grpSpPr>
+      <p:sp>
+        <p:nvSpPr>
+          <p:cNvPr id="2" name="Slide Image Placeholder 1"/>
+          <p:cNvSpPr>
+            <a:spLocks noGrp="1" noRot="1" noChangeAspect="1"/>
+          </p:cNvSpPr>
+          <p:nvPr>
+            <p:ph type="sldImg" idx="2"/>
+          </p:nvPr>
+        </p:nvSpPr>
+        <p:spPr/>
+      </p:sp>
+      <p:sp>
+        <p:nvSpPr>
+          <p:cNvPr id="3" name="Text Placeholder 2"/>
+          <p:cNvSpPr>
+            <a:spLocks noGrp="1"/>
+          </p:cNvSpPr>
+          <p:nvPr>
+            <p:ph type="body" idx="3"/>
+          </p:nvPr>
+        </p:nvSpPr>
+        <p:spPr/>
+        <p:txBody>
+          <a:bodyPr/>
+          <a:lstStyle/>
+          <a:p>
+            <a:endParaRPr lang="en-US" dirty="0"/>
+          </a:p>
+        </p:txBody>
+      </p:sp>
+    </p:spTree>
+    <p:extLst>
+      <p:ext uri="{BB962C8B-B14F-4D97-AF65-F5344CB8AC3E}">
+        <p14:creationId xmlns:p14="http://schemas.microsoft.com/office/powerpoint/2010/main" val="3082499086"/>
+      </p:ext>
+    </p:extLst>
   </p:cSld>
   <p:clrMapOvr>
     <a:masterClrMapping/>
@@ -3510,10 +3930,9 @@
           </a:lstStyle>
           <a:p>
             <a:r>
-              <a:rPr lang="en-US" smtClean="0"/>
+              <a:rPr lang="en-US"/>
               <a:t>Click to edit Master title style</a:t>
             </a:r>
-            <a:endParaRPr lang="en-US"/>
           </a:p>
         </p:txBody>
       </p:sp>
@@ -3575,10 +3994,9 @@
           </a:lstStyle>
           <a:p>
             <a:r>
-              <a:rPr lang="en-US" smtClean="0"/>
+              <a:rPr lang="en-US"/>
               <a:t>Click to edit Master subtitle style</a:t>
             </a:r>
-            <a:endParaRPr lang="en-US"/>
           </a:p>
         </p:txBody>
       </p:sp>
@@ -3599,6 +4017,7 @@
           <a:p>
             <a:fld id="{760FBDFE-C587-4B4C-A407-44438C67B59E}" type="datetimeFigureOut">
               <a:rPr lang="zh-CN" altLang="en-US" smtClean="0"/>
+              <a:t>2023/10/28</a:t>
             </a:fld>
             <a:endParaRPr lang="zh-CN" altLang="en-US"/>
           </a:p>
@@ -3640,6 +4059,7 @@
           <a:p>
             <a:fld id="{49AE70B2-8BF9-45C0-BB95-33D1B9D3A854}" type="slidenum">
               <a:rPr lang="zh-CN" altLang="en-US" smtClean="0"/>
+              <a:t>‹#›</a:t>
             </a:fld>
             <a:endParaRPr lang="zh-CN" altLang="en-US"/>
           </a:p>
@@ -3687,10 +4107,9 @@
           <a:lstStyle/>
           <a:p>
             <a:r>
-              <a:rPr lang="en-US" smtClean="0"/>
+              <a:rPr lang="en-US"/>
               <a:t>Click to edit Master title style</a:t>
             </a:r>
-            <a:endParaRPr lang="en-US"/>
           </a:p>
         </p:txBody>
       </p:sp>
@@ -3711,42 +4130,37 @@
           <a:p>
             <a:pPr lvl="0"/>
             <a:r>
-              <a:rPr lang="en-US" smtClean="0"/>
+              <a:rPr lang="en-US"/>
               <a:t>Click to edit Master text styles</a:t>
             </a:r>
-            <a:endParaRPr lang="en-US" smtClean="0"/>
           </a:p>
           <a:p>
             <a:pPr lvl="1"/>
             <a:r>
-              <a:rPr lang="en-US" smtClean="0"/>
+              <a:rPr lang="en-US"/>
               <a:t>Second level</a:t>
             </a:r>
-            <a:endParaRPr lang="en-US" smtClean="0"/>
           </a:p>
           <a:p>
             <a:pPr lvl="2"/>
             <a:r>
-              <a:rPr lang="en-US" smtClean="0"/>
+              <a:rPr lang="en-US"/>
               <a:t>Third level</a:t>
             </a:r>
-            <a:endParaRPr lang="en-US" smtClean="0"/>
           </a:p>
           <a:p>
             <a:pPr lvl="3"/>
             <a:r>
-              <a:rPr lang="en-US" smtClean="0"/>
+              <a:rPr lang="en-US"/>
               <a:t>Fourth level</a:t>
             </a:r>
-            <a:endParaRPr lang="en-US" smtClean="0"/>
           </a:p>
           <a:p>
             <a:pPr lvl="4"/>
             <a:r>
-              <a:rPr lang="en-US" smtClean="0"/>
+              <a:rPr lang="en-US"/>
               <a:t>Fifth level</a:t>
             </a:r>
-            <a:endParaRPr lang="en-US"/>
           </a:p>
         </p:txBody>
       </p:sp>
@@ -3781,7 +4195,7 @@
               <a:buNone/>
               <a:defRPr/>
             </a:pPr>
-            <a:endParaRPr kumimoji="0" lang="en-US" altLang="zh-CN" sz="1400" b="0" i="0" u="none" strike="noStrike" kern="1200" cap="none" spc="0" normalizeH="0" baseline="0" noProof="0" smtClean="0">
+            <a:endParaRPr kumimoji="0" lang="en-US" altLang="zh-CN" sz="1400" b="0" i="0" u="none" strike="noStrike" kern="1200" cap="none" spc="0" normalizeH="0" baseline="0" noProof="0">
               <a:ln>
                 <a:noFill/>
               </a:ln>
@@ -3829,7 +4243,7 @@
               <a:buNone/>
               <a:defRPr/>
             </a:pPr>
-            <a:endParaRPr kumimoji="0" lang="en-US" altLang="zh-CN" sz="1400" b="0" i="0" u="none" strike="noStrike" kern="1200" cap="none" spc="0" normalizeH="0" baseline="0" noProof="0" smtClean="0">
+            <a:endParaRPr kumimoji="0" lang="en-US" altLang="zh-CN" sz="1400" b="0" i="0" u="none" strike="noStrike" kern="1200" cap="none" spc="0" normalizeH="0" baseline="0" noProof="0">
               <a:ln>
                 <a:noFill/>
               </a:ln>
@@ -3892,8 +4306,9 @@
                 <a:ea typeface="SimSun" pitchFamily="2" charset="-122"/>
                 <a:cs typeface="+mn-cs"/>
               </a:rPr>
+              <a:t>‹#›</a:t>
             </a:fld>
-            <a:endParaRPr kumimoji="0" lang="en-US" altLang="zh-CN" sz="1400" b="0" i="0" u="none" strike="noStrike" kern="1200" cap="none" spc="0" normalizeH="0" baseline="0" noProof="0" smtClean="0">
+            <a:endParaRPr kumimoji="0" lang="en-US" altLang="zh-CN" sz="1400" b="0" i="0" u="none" strike="noStrike" kern="1200" cap="none" spc="0" normalizeH="0" baseline="0" noProof="0">
               <a:ln>
                 <a:noFill/>
               </a:ln>
@@ -3957,10 +4372,9 @@
           <a:lstStyle/>
           <a:p>
             <a:r>
-              <a:rPr lang="en-US" smtClean="0"/>
+              <a:rPr lang="en-US"/>
               <a:t>Click to edit Master title style</a:t>
             </a:r>
-            <a:endParaRPr lang="en-US"/>
           </a:p>
         </p:txBody>
       </p:sp>
@@ -3986,42 +4400,37 @@
           <a:p>
             <a:pPr lvl="0"/>
             <a:r>
-              <a:rPr lang="en-US" smtClean="0"/>
+              <a:rPr lang="en-US"/>
               <a:t>Click to edit Master text styles</a:t>
             </a:r>
-            <a:endParaRPr lang="en-US" smtClean="0"/>
           </a:p>
           <a:p>
             <a:pPr lvl="1"/>
             <a:r>
-              <a:rPr lang="en-US" smtClean="0"/>
+              <a:rPr lang="en-US"/>
               <a:t>Second level</a:t>
             </a:r>
-            <a:endParaRPr lang="en-US" smtClean="0"/>
           </a:p>
           <a:p>
             <a:pPr lvl="2"/>
             <a:r>
-              <a:rPr lang="en-US" smtClean="0"/>
+              <a:rPr lang="en-US"/>
               <a:t>Third level</a:t>
             </a:r>
-            <a:endParaRPr lang="en-US" smtClean="0"/>
           </a:p>
           <a:p>
             <a:pPr lvl="3"/>
             <a:r>
-              <a:rPr lang="en-US" smtClean="0"/>
+              <a:rPr lang="en-US"/>
               <a:t>Fourth level</a:t>
             </a:r>
-            <a:endParaRPr lang="en-US" smtClean="0"/>
           </a:p>
           <a:p>
             <a:pPr lvl="4"/>
             <a:r>
-              <a:rPr lang="en-US" smtClean="0"/>
+              <a:rPr lang="en-US"/>
               <a:t>Fifth level</a:t>
             </a:r>
-            <a:endParaRPr lang="en-US"/>
           </a:p>
         </p:txBody>
       </p:sp>
@@ -4042,6 +4451,7 @@
           <a:p>
             <a:fld id="{760FBDFE-C587-4B4C-A407-44438C67B59E}" type="datetimeFigureOut">
               <a:rPr lang="zh-CN" altLang="en-US" smtClean="0"/>
+              <a:t>2023/10/28</a:t>
             </a:fld>
             <a:endParaRPr lang="zh-CN" altLang="en-US"/>
           </a:p>
@@ -4083,6 +4493,7 @@
           <a:p>
             <a:fld id="{49AE70B2-8BF9-45C0-BB95-33D1B9D3A854}" type="slidenum">
               <a:rPr lang="zh-CN" altLang="en-US" smtClean="0"/>
+              <a:t>‹#›</a:t>
             </a:fld>
             <a:endParaRPr lang="zh-CN" altLang="en-US"/>
           </a:p>
@@ -4130,10 +4541,9 @@
           <a:lstStyle/>
           <a:p>
             <a:r>
-              <a:rPr lang="en-US" smtClean="0"/>
+              <a:rPr lang="en-US"/>
               <a:t>Click to edit Master title style</a:t>
             </a:r>
-            <a:endParaRPr lang="en-US"/>
           </a:p>
         </p:txBody>
       </p:sp>
@@ -4154,42 +4564,37 @@
           <a:p>
             <a:pPr lvl="0"/>
             <a:r>
-              <a:rPr lang="en-US" smtClean="0"/>
+              <a:rPr lang="en-US"/>
               <a:t>Click to edit Master text styles</a:t>
             </a:r>
-            <a:endParaRPr lang="en-US" smtClean="0"/>
           </a:p>
           <a:p>
             <a:pPr lvl="1"/>
             <a:r>
-              <a:rPr lang="en-US" smtClean="0"/>
+              <a:rPr lang="en-US"/>
               <a:t>Second level</a:t>
             </a:r>
-            <a:endParaRPr lang="en-US" smtClean="0"/>
           </a:p>
           <a:p>
             <a:pPr lvl="2"/>
             <a:r>
-              <a:rPr lang="en-US" smtClean="0"/>
+              <a:rPr lang="en-US"/>
               <a:t>Third level</a:t>
             </a:r>
-            <a:endParaRPr lang="en-US" smtClean="0"/>
           </a:p>
           <a:p>
             <a:pPr lvl="3"/>
             <a:r>
-              <a:rPr lang="en-US" smtClean="0"/>
+              <a:rPr lang="en-US"/>
               <a:t>Fourth level</a:t>
             </a:r>
-            <a:endParaRPr lang="en-US" smtClean="0"/>
           </a:p>
           <a:p>
             <a:pPr lvl="4"/>
             <a:r>
-              <a:rPr lang="en-US" smtClean="0"/>
+              <a:rPr lang="en-US"/>
               <a:t>Fifth level</a:t>
             </a:r>
-            <a:endParaRPr lang="en-US"/>
           </a:p>
         </p:txBody>
       </p:sp>
@@ -4210,6 +4615,7 @@
           <a:p>
             <a:fld id="{760FBDFE-C587-4B4C-A407-44438C67B59E}" type="datetimeFigureOut">
               <a:rPr lang="zh-CN" altLang="en-US" smtClean="0"/>
+              <a:t>2023/10/28</a:t>
             </a:fld>
             <a:endParaRPr lang="zh-CN" altLang="en-US"/>
           </a:p>
@@ -4251,6 +4657,7 @@
           <a:p>
             <a:fld id="{49AE70B2-8BF9-45C0-BB95-33D1B9D3A854}" type="slidenum">
               <a:rPr lang="zh-CN" altLang="en-US" smtClean="0"/>
+              <a:t>‹#›</a:t>
             </a:fld>
             <a:endParaRPr lang="zh-CN" altLang="en-US"/>
           </a:p>
@@ -4307,10 +4714,9 @@
           </a:lstStyle>
           <a:p>
             <a:r>
-              <a:rPr lang="en-US" smtClean="0"/>
+              <a:rPr lang="en-US"/>
               <a:t>Click to edit Master title style</a:t>
             </a:r>
-            <a:endParaRPr lang="en-US"/>
           </a:p>
         </p:txBody>
       </p:sp>
@@ -4427,10 +4833,9 @@
           <a:p>
             <a:pPr lvl="0"/>
             <a:r>
-              <a:rPr lang="en-US" smtClean="0"/>
+              <a:rPr lang="en-US"/>
               <a:t>Click to edit Master text styles</a:t>
             </a:r>
-            <a:endParaRPr lang="en-US" smtClean="0"/>
           </a:p>
         </p:txBody>
       </p:sp>
@@ -4451,6 +4856,7 @@
           <a:p>
             <a:fld id="{760FBDFE-C587-4B4C-A407-44438C67B59E}" type="datetimeFigureOut">
               <a:rPr lang="zh-CN" altLang="en-US" smtClean="0"/>
+              <a:t>2023/10/28</a:t>
             </a:fld>
             <a:endParaRPr lang="zh-CN" altLang="en-US"/>
           </a:p>
@@ -4492,6 +4898,7 @@
           <a:p>
             <a:fld id="{49AE70B2-8BF9-45C0-BB95-33D1B9D3A854}" type="slidenum">
               <a:rPr lang="zh-CN" altLang="en-US" smtClean="0"/>
+              <a:t>‹#›</a:t>
             </a:fld>
             <a:endParaRPr lang="zh-CN" altLang="en-US"/>
           </a:p>
@@ -4539,10 +4946,9 @@
           <a:lstStyle/>
           <a:p>
             <a:r>
-              <a:rPr lang="en-US" smtClean="0"/>
+              <a:rPr lang="en-US"/>
               <a:t>Click to edit Master title style</a:t>
             </a:r>
-            <a:endParaRPr lang="en-US"/>
           </a:p>
         </p:txBody>
       </p:sp>
@@ -4568,42 +4974,37 @@
           <a:p>
             <a:pPr lvl="0"/>
             <a:r>
-              <a:rPr lang="en-US" smtClean="0"/>
+              <a:rPr lang="en-US"/>
               <a:t>Click to edit Master text styles</a:t>
             </a:r>
-            <a:endParaRPr lang="en-US" smtClean="0"/>
           </a:p>
           <a:p>
             <a:pPr lvl="1"/>
             <a:r>
-              <a:rPr lang="en-US" smtClean="0"/>
+              <a:rPr lang="en-US"/>
               <a:t>Second level</a:t>
             </a:r>
-            <a:endParaRPr lang="en-US" smtClean="0"/>
           </a:p>
           <a:p>
             <a:pPr lvl="2"/>
             <a:r>
-              <a:rPr lang="en-US" smtClean="0"/>
+              <a:rPr lang="en-US"/>
               <a:t>Third level</a:t>
             </a:r>
-            <a:endParaRPr lang="en-US" smtClean="0"/>
           </a:p>
           <a:p>
             <a:pPr lvl="3"/>
             <a:r>
-              <a:rPr lang="en-US" smtClean="0"/>
+              <a:rPr lang="en-US"/>
               <a:t>Fourth level</a:t>
             </a:r>
-            <a:endParaRPr lang="en-US" smtClean="0"/>
           </a:p>
           <a:p>
             <a:pPr lvl="4"/>
             <a:r>
-              <a:rPr lang="en-US" smtClean="0"/>
+              <a:rPr lang="en-US"/>
               <a:t>Fifth level</a:t>
             </a:r>
-            <a:endParaRPr lang="en-US"/>
           </a:p>
         </p:txBody>
       </p:sp>
@@ -4629,42 +5030,37 @@
           <a:p>
             <a:pPr lvl="0"/>
             <a:r>
-              <a:rPr lang="en-US" smtClean="0"/>
+              <a:rPr lang="en-US"/>
               <a:t>Click to edit Master text styles</a:t>
             </a:r>
-            <a:endParaRPr lang="en-US" smtClean="0"/>
           </a:p>
           <a:p>
             <a:pPr lvl="1"/>
             <a:r>
-              <a:rPr lang="en-US" smtClean="0"/>
+              <a:rPr lang="en-US"/>
               <a:t>Second level</a:t>
             </a:r>
-            <a:endParaRPr lang="en-US" smtClean="0"/>
           </a:p>
           <a:p>
             <a:pPr lvl="2"/>
             <a:r>
-              <a:rPr lang="en-US" smtClean="0"/>
+              <a:rPr lang="en-US"/>
               <a:t>Third level</a:t>
             </a:r>
-            <a:endParaRPr lang="en-US" smtClean="0"/>
           </a:p>
           <a:p>
             <a:pPr lvl="3"/>
             <a:r>
-              <a:rPr lang="en-US" smtClean="0"/>
+              <a:rPr lang="en-US"/>
               <a:t>Fourth level</a:t>
             </a:r>
-            <a:endParaRPr lang="en-US" smtClean="0"/>
           </a:p>
           <a:p>
             <a:pPr lvl="4"/>
             <a:r>
-              <a:rPr lang="en-US" smtClean="0"/>
+              <a:rPr lang="en-US"/>
               <a:t>Fifth level</a:t>
             </a:r>
-            <a:endParaRPr lang="en-US"/>
           </a:p>
         </p:txBody>
       </p:sp>
@@ -4685,6 +5081,7 @@
           <a:p>
             <a:fld id="{760FBDFE-C587-4B4C-A407-44438C67B59E}" type="datetimeFigureOut">
               <a:rPr lang="zh-CN" altLang="en-US" smtClean="0"/>
+              <a:t>2023/10/28</a:t>
             </a:fld>
             <a:endParaRPr lang="zh-CN" altLang="en-US"/>
           </a:p>
@@ -4726,6 +5123,7 @@
           <a:p>
             <a:fld id="{49AE70B2-8BF9-45C0-BB95-33D1B9D3A854}" type="slidenum">
               <a:rPr lang="zh-CN" altLang="en-US" smtClean="0"/>
+              <a:t>‹#›</a:t>
             </a:fld>
             <a:endParaRPr lang="zh-CN" altLang="en-US"/>
           </a:p>
@@ -4778,10 +5176,9 @@
           <a:lstStyle/>
           <a:p>
             <a:r>
-              <a:rPr lang="en-US" smtClean="0"/>
+              <a:rPr lang="en-US"/>
               <a:t>Click to edit Master title style</a:t>
             </a:r>
-            <a:endParaRPr lang="en-US"/>
           </a:p>
         </p:txBody>
       </p:sp>
@@ -4844,10 +5241,9 @@
           <a:p>
             <a:pPr lvl="0"/>
             <a:r>
-              <a:rPr lang="en-US" smtClean="0"/>
+              <a:rPr lang="en-US"/>
               <a:t>Click to edit Master text styles</a:t>
             </a:r>
-            <a:endParaRPr lang="en-US" smtClean="0"/>
           </a:p>
         </p:txBody>
       </p:sp>
@@ -4873,42 +5269,37 @@
           <a:p>
             <a:pPr lvl="0"/>
             <a:r>
-              <a:rPr lang="en-US" smtClean="0"/>
+              <a:rPr lang="en-US"/>
               <a:t>Click to edit Master text styles</a:t>
             </a:r>
-            <a:endParaRPr lang="en-US" smtClean="0"/>
           </a:p>
           <a:p>
             <a:pPr lvl="1"/>
             <a:r>
-              <a:rPr lang="en-US" smtClean="0"/>
+              <a:rPr lang="en-US"/>
               <a:t>Second level</a:t>
             </a:r>
-            <a:endParaRPr lang="en-US" smtClean="0"/>
           </a:p>
           <a:p>
             <a:pPr lvl="2"/>
             <a:r>
-              <a:rPr lang="en-US" smtClean="0"/>
+              <a:rPr lang="en-US"/>
               <a:t>Third level</a:t>
             </a:r>
-            <a:endParaRPr lang="en-US" smtClean="0"/>
           </a:p>
           <a:p>
             <a:pPr lvl="3"/>
             <a:r>
-              <a:rPr lang="en-US" smtClean="0"/>
+              <a:rPr lang="en-US"/>
               <a:t>Fourth level</a:t>
             </a:r>
-            <a:endParaRPr lang="en-US" smtClean="0"/>
           </a:p>
           <a:p>
             <a:pPr lvl="4"/>
             <a:r>
-              <a:rPr lang="en-US" smtClean="0"/>
+              <a:rPr lang="en-US"/>
               <a:t>Fifth level</a:t>
             </a:r>
-            <a:endParaRPr lang="en-US"/>
           </a:p>
         </p:txBody>
       </p:sp>
@@ -4971,10 +5362,9 @@
           <a:p>
             <a:pPr lvl="0"/>
             <a:r>
-              <a:rPr lang="en-US" smtClean="0"/>
+              <a:rPr lang="en-US"/>
               <a:t>Click to edit Master text styles</a:t>
             </a:r>
-            <a:endParaRPr lang="en-US" smtClean="0"/>
           </a:p>
         </p:txBody>
       </p:sp>
@@ -5000,42 +5390,37 @@
           <a:p>
             <a:pPr lvl="0"/>
             <a:r>
-              <a:rPr lang="en-US" smtClean="0"/>
+              <a:rPr lang="en-US"/>
               <a:t>Click to edit Master text styles</a:t>
             </a:r>
-            <a:endParaRPr lang="en-US" smtClean="0"/>
           </a:p>
           <a:p>
             <a:pPr lvl="1"/>
             <a:r>
-              <a:rPr lang="en-US" smtClean="0"/>
+              <a:rPr lang="en-US"/>
               <a:t>Second level</a:t>
             </a:r>
-            <a:endParaRPr lang="en-US" smtClean="0"/>
           </a:p>
           <a:p>
             <a:pPr lvl="2"/>
             <a:r>
-              <a:rPr lang="en-US" smtClean="0"/>
+              <a:rPr lang="en-US"/>
               <a:t>Third level</a:t>
             </a:r>
-            <a:endParaRPr lang="en-US" smtClean="0"/>
           </a:p>
           <a:p>
             <a:pPr lvl="3"/>
             <a:r>
-              <a:rPr lang="en-US" smtClean="0"/>
+              <a:rPr lang="en-US"/>
               <a:t>Fourth level</a:t>
             </a:r>
-            <a:endParaRPr lang="en-US" smtClean="0"/>
           </a:p>
           <a:p>
             <a:pPr lvl="4"/>
             <a:r>
-              <a:rPr lang="en-US" smtClean="0"/>
+              <a:rPr lang="en-US"/>
               <a:t>Fifth level</a:t>
             </a:r>
-            <a:endParaRPr lang="en-US"/>
           </a:p>
         </p:txBody>
       </p:sp>
@@ -5056,6 +5441,7 @@
           <a:p>
             <a:fld id="{760FBDFE-C587-4B4C-A407-44438C67B59E}" type="datetimeFigureOut">
               <a:rPr lang="zh-CN" altLang="en-US" smtClean="0"/>
+              <a:t>2023/10/28</a:t>
             </a:fld>
             <a:endParaRPr lang="zh-CN" altLang="en-US"/>
           </a:p>
@@ -5097,6 +5483,7 @@
           <a:p>
             <a:fld id="{49AE70B2-8BF9-45C0-BB95-33D1B9D3A854}" type="slidenum">
               <a:rPr lang="zh-CN" altLang="en-US" smtClean="0"/>
+              <a:t>‹#›</a:t>
             </a:fld>
             <a:endParaRPr lang="zh-CN" altLang="en-US"/>
           </a:p>
@@ -5144,10 +5531,9 @@
           <a:lstStyle/>
           <a:p>
             <a:r>
-              <a:rPr lang="en-US" smtClean="0"/>
+              <a:rPr lang="en-US"/>
               <a:t>Click to edit Master title style</a:t>
             </a:r>
-            <a:endParaRPr lang="en-US"/>
           </a:p>
         </p:txBody>
       </p:sp>
@@ -5168,6 +5554,7 @@
           <a:p>
             <a:fld id="{760FBDFE-C587-4B4C-A407-44438C67B59E}" type="datetimeFigureOut">
               <a:rPr lang="zh-CN" altLang="en-US" smtClean="0"/>
+              <a:t>2023/10/28</a:t>
             </a:fld>
             <a:endParaRPr lang="zh-CN" altLang="en-US"/>
           </a:p>
@@ -5209,6 +5596,7 @@
           <a:p>
             <a:fld id="{49AE70B2-8BF9-45C0-BB95-33D1B9D3A854}" type="slidenum">
               <a:rPr lang="zh-CN" altLang="en-US" smtClean="0"/>
+              <a:t>‹#›</a:t>
             </a:fld>
             <a:endParaRPr lang="zh-CN" altLang="en-US"/>
           </a:p>
@@ -5257,6 +5645,7 @@
           <a:p>
             <a:fld id="{760FBDFE-C587-4B4C-A407-44438C67B59E}" type="datetimeFigureOut">
               <a:rPr lang="zh-CN" altLang="en-US" smtClean="0"/>
+              <a:t>2023/10/28</a:t>
             </a:fld>
             <a:endParaRPr lang="zh-CN" altLang="en-US"/>
           </a:p>
@@ -5298,6 +5687,7 @@
           <a:p>
             <a:fld id="{49AE70B2-8BF9-45C0-BB95-33D1B9D3A854}" type="slidenum">
               <a:rPr lang="zh-CN" altLang="en-US" smtClean="0"/>
+              <a:t>‹#›</a:t>
             </a:fld>
             <a:endParaRPr lang="zh-CN" altLang="en-US"/>
           </a:p>
@@ -5354,10 +5744,9 @@
           </a:lstStyle>
           <a:p>
             <a:r>
-              <a:rPr lang="en-US" smtClean="0"/>
+              <a:rPr lang="en-US"/>
               <a:t>Click to edit Master title style</a:t>
             </a:r>
-            <a:endParaRPr lang="en-US"/>
           </a:p>
         </p:txBody>
       </p:sp>
@@ -5411,42 +5800,37 @@
           <a:p>
             <a:pPr lvl="0"/>
             <a:r>
-              <a:rPr lang="en-US" smtClean="0"/>
+              <a:rPr lang="en-US"/>
               <a:t>Click to edit Master text styles</a:t>
             </a:r>
-            <a:endParaRPr lang="en-US" smtClean="0"/>
           </a:p>
           <a:p>
             <a:pPr lvl="1"/>
             <a:r>
-              <a:rPr lang="en-US" smtClean="0"/>
+              <a:rPr lang="en-US"/>
               <a:t>Second level</a:t>
             </a:r>
-            <a:endParaRPr lang="en-US" smtClean="0"/>
           </a:p>
           <a:p>
             <a:pPr lvl="2"/>
             <a:r>
-              <a:rPr lang="en-US" smtClean="0"/>
+              <a:rPr lang="en-US"/>
               <a:t>Third level</a:t>
             </a:r>
-            <a:endParaRPr lang="en-US" smtClean="0"/>
           </a:p>
           <a:p>
             <a:pPr lvl="3"/>
             <a:r>
-              <a:rPr lang="en-US" smtClean="0"/>
+              <a:rPr lang="en-US"/>
               <a:t>Fourth level</a:t>
             </a:r>
-            <a:endParaRPr lang="en-US" smtClean="0"/>
           </a:p>
           <a:p>
             <a:pPr lvl="4"/>
             <a:r>
-              <a:rPr lang="en-US" smtClean="0"/>
+              <a:rPr lang="en-US"/>
               <a:t>Fifth level</a:t>
             </a:r>
-            <a:endParaRPr lang="en-US"/>
           </a:p>
         </p:txBody>
       </p:sp>
@@ -5509,10 +5893,9 @@
           <a:p>
             <a:pPr lvl="0"/>
             <a:r>
-              <a:rPr lang="en-US" smtClean="0"/>
+              <a:rPr lang="en-US"/>
               <a:t>Click to edit Master text styles</a:t>
             </a:r>
-            <a:endParaRPr lang="en-US" smtClean="0"/>
           </a:p>
         </p:txBody>
       </p:sp>
@@ -5547,7 +5930,7 @@
               <a:buNone/>
               <a:defRPr/>
             </a:pPr>
-            <a:endParaRPr kumimoji="0" lang="en-US" altLang="zh-CN" sz="1400" b="0" i="0" u="none" strike="noStrike" kern="1200" cap="none" spc="0" normalizeH="0" baseline="0" noProof="0" smtClean="0">
+            <a:endParaRPr kumimoji="0" lang="en-US" altLang="zh-CN" sz="1400" b="0" i="0" u="none" strike="noStrike" kern="1200" cap="none" spc="0" normalizeH="0" baseline="0" noProof="0">
               <a:ln>
                 <a:noFill/>
               </a:ln>
@@ -5595,7 +5978,7 @@
               <a:buNone/>
               <a:defRPr/>
             </a:pPr>
-            <a:endParaRPr kumimoji="0" lang="en-US" altLang="zh-CN" sz="1400" b="0" i="0" u="none" strike="noStrike" kern="1200" cap="none" spc="0" normalizeH="0" baseline="0" noProof="0" smtClean="0">
+            <a:endParaRPr kumimoji="0" lang="en-US" altLang="zh-CN" sz="1400" b="0" i="0" u="none" strike="noStrike" kern="1200" cap="none" spc="0" normalizeH="0" baseline="0" noProof="0">
               <a:ln>
                 <a:noFill/>
               </a:ln>
@@ -5658,8 +6041,9 @@
                 <a:ea typeface="SimSun" pitchFamily="2" charset="-122"/>
                 <a:cs typeface="+mn-cs"/>
               </a:rPr>
+              <a:t>‹#›</a:t>
             </a:fld>
-            <a:endParaRPr kumimoji="0" lang="en-US" altLang="zh-CN" sz="1400" b="0" i="0" u="none" strike="noStrike" kern="1200" cap="none" spc="0" normalizeH="0" baseline="0" noProof="0" smtClean="0">
+            <a:endParaRPr kumimoji="0" lang="en-US" altLang="zh-CN" sz="1400" b="0" i="0" u="none" strike="noStrike" kern="1200" cap="none" spc="0" normalizeH="0" baseline="0" noProof="0">
               <a:ln>
                 <a:noFill/>
               </a:ln>
@@ -5727,10 +6111,9 @@
           </a:lstStyle>
           <a:p>
             <a:r>
-              <a:rPr lang="en-US" smtClean="0"/>
+              <a:rPr lang="en-US"/>
               <a:t>Click to edit Master title style</a:t>
             </a:r>
-            <a:endParaRPr lang="en-US"/>
           </a:p>
         </p:txBody>
       </p:sp>
@@ -5854,10 +6237,9 @@
           <a:p>
             <a:pPr lvl="0"/>
             <a:r>
-              <a:rPr lang="en-US" smtClean="0"/>
+              <a:rPr lang="en-US"/>
               <a:t>Click to edit Master text styles</a:t>
             </a:r>
-            <a:endParaRPr lang="en-US" smtClean="0"/>
           </a:p>
         </p:txBody>
       </p:sp>
@@ -5878,6 +6260,7 @@
           <a:p>
             <a:fld id="{9EFD9D74-47D9-4702-A33C-335B63B48DBF}" type="datetimeFigureOut">
               <a:rPr lang="zh-CN" altLang="en-US" smtClean="0"/>
+              <a:t>2023/10/28</a:t>
             </a:fld>
             <a:endParaRPr lang="zh-CN" altLang="en-US" dirty="0"/>
           </a:p>
@@ -5919,6 +6302,7 @@
           <a:p>
             <a:fld id="{FABC47A4-756D-490B-A52F-7D9E2C9FC05F}" type="slidenum">
               <a:rPr lang="zh-CN" altLang="en-US" smtClean="0"/>
+              <a:t>‹#›</a:t>
             </a:fld>
             <a:endParaRPr lang="zh-CN" altLang="en-US"/>
           </a:p>
@@ -5959,13 +6343,6 @@
   <p:clrMapOvr>
     <a:masterClrMapping/>
   </p:clrMapOvr>
-  <p:timing>
-    <p:tnLst>
-      <p:par>
-        <p:cTn id="1" dur="indefinite" restart="never" nodeType="tmRoot"/>
-      </p:par>
-    </p:tnLst>
-  </p:timing>
   <p:hf sldNum="0" hdr="0" ftr="0" dt="0"/>
 </p:sldLayout>
 </file>
@@ -5989,11 +6366,20 @@
         <p:cNvGrpSpPr/>
         <p:nvPr/>
       </p:nvGrpSpPr>
-      <p:grpSpPr/>
+      <p:grpSpPr>
+        <a:xfrm>
+          <a:off x="0" y="0"/>
+          <a:ext cx="0" cy="0"/>
+          <a:chOff x="0" y="0"/>
+          <a:chExt cx="0" cy="0"/>
+        </a:xfrm>
+      </p:grpSpPr>
       <p:sp>
         <p:nvSpPr>
           <p:cNvPr id="1026" name="Title 1025"/>
-          <p:cNvSpPr/>
+          <p:cNvSpPr>
+            <a:spLocks noGrp="1"/>
+          </p:cNvSpPr>
           <p:nvPr>
             <p:ph type="title"/>
           </p:nvPr>
@@ -6013,6 +6399,7 @@
         </p:spPr>
         <p:txBody>
           <a:bodyPr anchor="ctr" anchorCtr="0"/>
+          <a:lstStyle/>
           <a:p>
             <a:pPr lvl="0"/>
             <a:r>
@@ -6024,7 +6411,9 @@
       <p:sp>
         <p:nvSpPr>
           <p:cNvPr id="1027" name="Text Placeholder 1026"/>
-          <p:cNvSpPr/>
+          <p:cNvSpPr>
+            <a:spLocks noGrp="1"/>
+          </p:cNvSpPr>
           <p:nvPr>
             <p:ph type="body" idx="1"/>
           </p:nvPr>
@@ -6044,6 +6433,7 @@
         </p:spPr>
         <p:txBody>
           <a:bodyPr/>
+          <a:lstStyle/>
           <a:p>
             <a:pPr lvl="0"/>
             <a:r>
@@ -6079,7 +6469,9 @@
       <p:sp>
         <p:nvSpPr>
           <p:cNvPr id="1028" name="Date Placeholder 1027"/>
-          <p:cNvSpPr/>
+          <p:cNvSpPr>
+            <a:spLocks noGrp="1"/>
+          </p:cNvSpPr>
           <p:nvPr>
             <p:ph type="dt" sz="half" idx="2"/>
           </p:nvPr>
@@ -6107,6 +6499,7 @@
           <a:p>
             <a:fld id="{760FBDFE-C587-4B4C-A407-44438C67B59E}" type="datetimeFigureOut">
               <a:rPr lang="zh-CN" altLang="en-US" smtClean="0"/>
+              <a:t>2023/10/28</a:t>
             </a:fld>
             <a:endParaRPr lang="zh-CN" altLang="en-US"/>
           </a:p>
@@ -6115,7 +6508,9 @@
       <p:sp>
         <p:nvSpPr>
           <p:cNvPr id="1029" name="Footer Placeholder 1028"/>
-          <p:cNvSpPr/>
+          <p:cNvSpPr>
+            <a:spLocks noGrp="1"/>
+          </p:cNvSpPr>
           <p:nvPr>
             <p:ph type="ftr" sz="quarter" idx="3"/>
           </p:nvPr>
@@ -6148,7 +6543,9 @@
       <p:sp>
         <p:nvSpPr>
           <p:cNvPr id="1030" name="Slide Number Placeholder 1029"/>
-          <p:cNvSpPr/>
+          <p:cNvSpPr>
+            <a:spLocks noGrp="1"/>
+          </p:cNvSpPr>
           <p:nvPr>
             <p:ph type="sldNum" sz="quarter" idx="4"/>
           </p:nvPr>
@@ -6176,6 +6573,7 @@
           <a:p>
             <a:fld id="{49AE70B2-8BF9-45C0-BB95-33D1B9D3A854}" type="slidenum">
               <a:rPr lang="zh-CN" altLang="en-US" smtClean="0"/>
+              <a:t>‹#›</a:t>
             </a:fld>
             <a:endParaRPr lang="zh-CN" altLang="en-US"/>
           </a:p>
@@ -6642,10 +7040,6 @@
               </a:rPr>
               <a:t>Data Science Committee</a:t>
             </a:r>
-            <a:endParaRPr lang="en-US" altLang="ug-CN">
-              <a:latin typeface="Ubuntu" panose="020B0504030602030204" charset="0"/>
-              <a:cs typeface="Ubuntu" panose="020B0504030602030204" charset="0"/>
-            </a:endParaRPr>
           </a:p>
         </p:txBody>
       </p:sp>
@@ -6676,10 +7070,6 @@
               </a:rPr>
               <a:t>Session 1 - Introduction to Data Science</a:t>
             </a:r>
-            <a:endParaRPr lang="en-US" altLang="zh-CN" sz="2000">
-              <a:latin typeface="Ubuntu" panose="020B0504030602030204" charset="0"/>
-              <a:cs typeface="Ubuntu" panose="020B0504030602030204" charset="0"/>
-            </a:endParaRPr>
           </a:p>
         </p:txBody>
       </p:sp>
@@ -6692,7 +7082,7 @@
           <p:nvPr/>
         </p:nvPicPr>
         <p:blipFill>
-          <a:blip r:embed="rId1"/>
+          <a:blip r:embed="rId2"/>
           <a:stretch>
             <a:fillRect/>
           </a:stretch>
@@ -6921,10 +7311,6 @@
               </a:rPr>
               <a:t>Prepared by: Ashraf Abdulkhaliq	</a:t>
             </a:r>
-            <a:endParaRPr lang="en-US" altLang="zh-CN">
-              <a:latin typeface="Ubuntu" panose="020B0504030602030204" charset="0"/>
-              <a:cs typeface="Ubuntu" panose="020B0504030602030204" charset="0"/>
-            </a:endParaRPr>
           </a:p>
         </p:txBody>
       </p:sp>
@@ -6933,13 +7319,13 @@
   <p:clrMapOvr>
     <a:masterClrMapping/>
   </p:clrMapOvr>
-  <mc:AlternateContent xmlns:mc="http://schemas.openxmlformats.org/markup-compatibility/2006">
-    <mc:Choice xmlns:p14="http://schemas.microsoft.com/office/powerpoint/2010/main" Requires="p14">
+  <mc:AlternateContent xmlns:mc="http://schemas.openxmlformats.org/markup-compatibility/2006" xmlns:p14="http://schemas.microsoft.com/office/powerpoint/2010/main">
+    <mc:Choice Requires="p14">
       <p:transition spd="slow" p14:dur="1200">
         <p:dissolve/>
       </p:transition>
     </mc:Choice>
-    <mc:Fallback>
+    <mc:Fallback xmlns="">
       <p:transition spd="slow">
         <p:dissolve/>
       </p:transition>
@@ -6957,7 +7343,14 @@
         <p:cNvGrpSpPr/>
         <p:nvPr/>
       </p:nvGrpSpPr>
-      <p:grpSpPr/>
+      <p:grpSpPr>
+        <a:xfrm>
+          <a:off x="0" y="0"/>
+          <a:ext cx="0" cy="0"/>
+          <a:chOff x="0" y="0"/>
+          <a:chExt cx="0" cy="0"/>
+        </a:xfrm>
+      </p:grpSpPr>
       <p:sp>
         <p:nvSpPr>
           <p:cNvPr id="2" name="Title 1"/>
@@ -6971,6 +7364,7 @@
         <p:spPr/>
         <p:txBody>
           <a:bodyPr/>
+          <a:lstStyle/>
           <a:p>
             <a:pPr algn="l"/>
             <a:r>
@@ -6978,12 +7372,8 @@
                 <a:latin typeface="Ubuntu" panose="020B0504030602030204" charset="0"/>
                 <a:cs typeface="Ubuntu" panose="020B0504030602030204" charset="0"/>
               </a:rPr>
-              <a:t>Course Learning Objectives</a:t>
-            </a:r>
-            <a:endParaRPr lang="en-US">
-              <a:latin typeface="Ubuntu" panose="020B0504030602030204" charset="0"/>
-              <a:cs typeface="Ubuntu" panose="020B0504030602030204" charset="0"/>
-            </a:endParaRPr>
+              <a:t>Importance of Data Science</a:t>
+            </a:r>
           </a:p>
         </p:txBody>
       </p:sp>
@@ -7000,6 +7390,7 @@
         <p:spPr/>
         <p:txBody>
           <a:bodyPr/>
+          <a:lstStyle/>
           <a:p>
             <a:pPr algn="l"/>
             <a:r>
@@ -7007,12 +7398,8 @@
                 <a:latin typeface="Ubuntu" panose="020B0504030602030204" charset="0"/>
                 <a:cs typeface="Ubuntu" panose="020B0504030602030204" charset="0"/>
               </a:rPr>
-              <a:t>Understand the end-to-end data science pipeline, from data collection to model deployment.</a:t>
-            </a:r>
-            <a:endParaRPr lang="en-US" sz="2400">
-              <a:latin typeface="Ubuntu" panose="020B0504030602030204" charset="0"/>
-              <a:cs typeface="Ubuntu" panose="020B0504030602030204" charset="0"/>
-            </a:endParaRPr>
+              <a:t>Data Science helps brands to understand their customers in a much enhanced and empowered manner.</a:t>
+            </a:r>
           </a:p>
           <a:p>
             <a:pPr algn="l"/>
@@ -7021,12 +7408,8 @@
                 <a:latin typeface="Ubuntu" panose="020B0504030602030204" charset="0"/>
                 <a:cs typeface="Ubuntu" panose="020B0504030602030204" charset="0"/>
               </a:rPr>
-              <a:t>Be familiar with the programming tools and libraries required to execute different phases of data science projects.</a:t>
-            </a:r>
-            <a:endParaRPr lang="en-US" sz="2400">
-              <a:latin typeface="Ubuntu" panose="020B0504030602030204" charset="0"/>
-              <a:cs typeface="Ubuntu" panose="020B0504030602030204" charset="0"/>
-            </a:endParaRPr>
+              <a:t>It allows brands to communicate their story in such a engaging and powerful manner.</a:t>
+            </a:r>
           </a:p>
           <a:p>
             <a:pPr algn="l"/>
@@ -7035,54 +7418,8 @@
                 <a:latin typeface="Ubuntu" panose="020B0504030602030204" charset="0"/>
                 <a:cs typeface="Ubuntu" panose="020B0504030602030204" charset="0"/>
               </a:rPr>
-              <a:t>Demonstrate the ability to collect data from a variety of sources, including structured and unstructured data.</a:t>
-            </a:r>
-            <a:endParaRPr lang="en-US" sz="2400">
-              <a:latin typeface="Ubuntu" panose="020B0504030602030204" charset="0"/>
-              <a:cs typeface="Ubuntu" panose="020B0504030602030204" charset="0"/>
-            </a:endParaRPr>
-          </a:p>
-          <a:p>
-            <a:pPr algn="l"/>
-            <a:r>
-              <a:rPr lang="en-US" sz="2400">
-                <a:latin typeface="Ubuntu" panose="020B0504030602030204" charset="0"/>
-                <a:cs typeface="Ubuntu" panose="020B0504030602030204" charset="0"/>
-              </a:rPr>
-              <a:t>Know how to explore and visualize datasets, gaining insights into data distributions, patterns, and outliers.</a:t>
-            </a:r>
-            <a:endParaRPr lang="en-US" sz="2400">
-              <a:latin typeface="Ubuntu" panose="020B0504030602030204" charset="0"/>
-              <a:cs typeface="Ubuntu" panose="020B0504030602030204" charset="0"/>
-            </a:endParaRPr>
-          </a:p>
-          <a:p>
-            <a:pPr algn="l"/>
-            <a:r>
-              <a:rPr lang="en-US" sz="2400">
-                <a:latin typeface="Ubuntu" panose="020B0504030602030204" charset="0"/>
-                <a:cs typeface="Ubuntu" panose="020B0504030602030204" charset="0"/>
-              </a:rPr>
-              <a:t>Be proficient in conducting data analysis using a range of statistical and machine learning techniques.</a:t>
-            </a:r>
-            <a:endParaRPr lang="en-US" sz="2400">
-              <a:latin typeface="Ubuntu" panose="020B0504030602030204" charset="0"/>
-              <a:cs typeface="Ubuntu" panose="020B0504030602030204" charset="0"/>
-            </a:endParaRPr>
-          </a:p>
-          <a:p>
-            <a:pPr algn="l"/>
-            <a:r>
-              <a:rPr lang="en-US" sz="2400">
-                <a:latin typeface="Ubuntu" panose="020B0504030602030204" charset="0"/>
-                <a:cs typeface="Ubuntu" panose="020B0504030602030204" charset="0"/>
-              </a:rPr>
-              <a:t>Create data-driven reports and presentations that convey insights in a clear and compelling manner, addressing the needs of different audiences.</a:t>
-            </a:r>
-            <a:endParaRPr lang="en-US" sz="2400">
-              <a:latin typeface="Ubuntu" panose="020B0504030602030204" charset="0"/>
-              <a:cs typeface="Ubuntu" panose="020B0504030602030204" charset="0"/>
-            </a:endParaRPr>
+              <a:t>Can be applied to almost any industry like education, travel, healthcare, game development, etc...</a:t>
+            </a:r>
           </a:p>
         </p:txBody>
       </p:sp>
@@ -7103,7 +7440,14 @@
         <p:cNvGrpSpPr/>
         <p:nvPr/>
       </p:nvGrpSpPr>
-      <p:grpSpPr/>
+      <p:grpSpPr>
+        <a:xfrm>
+          <a:off x="0" y="0"/>
+          <a:ext cx="0" cy="0"/>
+          <a:chOff x="0" y="0"/>
+          <a:chExt cx="0" cy="0"/>
+        </a:xfrm>
+      </p:grpSpPr>
       <p:sp>
         <p:nvSpPr>
           <p:cNvPr id="2" name="Title 1"/>
@@ -7117,6 +7461,7 @@
         <p:spPr/>
         <p:txBody>
           <a:bodyPr/>
+          <a:lstStyle/>
           <a:p>
             <a:pPr algn="l"/>
             <a:r>
@@ -7124,121 +7469,175 @@
                 <a:latin typeface="Ubuntu" panose="020B0504030602030204" charset="0"/>
                 <a:cs typeface="Ubuntu" panose="020B0504030602030204" charset="0"/>
               </a:rPr>
-              <a:t>Recommended Background</a:t>
-            </a:r>
-            <a:endParaRPr lang="en-US">
+              <a:t>Outline</a:t>
+            </a:r>
+          </a:p>
+        </p:txBody>
+      </p:sp>
+      <p:sp>
+        <p:nvSpPr>
+          <p:cNvPr id="3" name="Content Placeholder 2"/>
+          <p:cNvSpPr>
+            <a:spLocks noGrp="1"/>
+          </p:cNvSpPr>
+          <p:nvPr>
+            <p:ph idx="1"/>
+          </p:nvPr>
+        </p:nvSpPr>
+        <p:spPr/>
+        <p:txBody>
+          <a:bodyPr/>
+          <a:lstStyle/>
+          <a:p>
+            <a:pPr marL="457200" indent="-457200" algn="l">
+              <a:buFont typeface="+mj-lt"/>
+              <a:buAutoNum type="arabicPeriod"/>
+            </a:pPr>
+            <a:r>
+              <a:rPr lang="en-US" sz="2400" dirty="0">
+                <a:solidFill>
+                  <a:schemeClr val="bg1">
+                    <a:lumMod val="65000"/>
+                  </a:schemeClr>
+                </a:solidFill>
+                <a:latin typeface="Ubuntu" panose="020B0504030602030204" charset="0"/>
+                <a:cs typeface="Ubuntu" panose="020B0504030602030204" charset="0"/>
+              </a:rPr>
+              <a:t>What’s Data Science?</a:t>
+            </a:r>
+          </a:p>
+          <a:p>
+            <a:pPr marL="457200" indent="-457200" algn="l">
+              <a:buFont typeface="+mj-lt"/>
+              <a:buAutoNum type="arabicPeriod"/>
+            </a:pPr>
+            <a:r>
+              <a:rPr lang="en-US" sz="2400" dirty="0">
+                <a:solidFill>
+                  <a:schemeClr val="bg1">
+                    <a:lumMod val="65000"/>
+                  </a:schemeClr>
+                </a:solidFill>
+                <a:latin typeface="Ubuntu" panose="020B0504030602030204" charset="0"/>
+                <a:cs typeface="Ubuntu" panose="020B0504030602030204" charset="0"/>
+              </a:rPr>
+              <a:t>Importance of Data Science</a:t>
+            </a:r>
+          </a:p>
+          <a:p>
+            <a:pPr marL="457200" indent="-457200" algn="l">
+              <a:buFont typeface="+mj-lt"/>
+              <a:buAutoNum type="arabicPeriod"/>
+            </a:pPr>
+            <a:r>
+              <a:rPr lang="en-US" sz="2400" dirty="0">
+                <a:latin typeface="Ubuntu" panose="020B0504030602030204" charset="0"/>
+                <a:cs typeface="Ubuntu" panose="020B0504030602030204" charset="0"/>
+                <a:sym typeface="+mn-ea"/>
+              </a:rPr>
+              <a:t>Data Science Tools</a:t>
+            </a:r>
+            <a:endParaRPr lang="en-US" sz="2400" dirty="0">
               <a:latin typeface="Ubuntu" panose="020B0504030602030204" charset="0"/>
               <a:cs typeface="Ubuntu" panose="020B0504030602030204" charset="0"/>
             </a:endParaRPr>
           </a:p>
-        </p:txBody>
-      </p:sp>
-      <p:sp>
-        <p:nvSpPr>
-          <p:cNvPr id="3" name="Content Placeholder 2"/>
-          <p:cNvSpPr>
-            <a:spLocks noGrp="1"/>
-          </p:cNvSpPr>
-          <p:nvPr>
-            <p:ph idx="1"/>
-          </p:nvPr>
-        </p:nvSpPr>
-        <p:spPr/>
-        <p:txBody>
-          <a:bodyPr/>
-          <a:p>
-            <a:pPr marL="0" indent="0" algn="l">
-              <a:buNone/>
+          <a:p>
+            <a:pPr marL="457200" indent="-457200" algn="l">
+              <a:buFont typeface="+mj-lt"/>
+              <a:buAutoNum type="arabicPeriod"/>
             </a:pPr>
             <a:r>
-              <a:rPr lang="en-US" sz="2400">
-                <a:latin typeface="Ubuntu" panose="020B0504030602030204" charset="0"/>
-                <a:cs typeface="Ubuntu" panose="020B0504030602030204" charset="0"/>
-              </a:rPr>
-              <a:t>Strongly recommend that students have experience with </a:t>
-            </a:r>
-            <a:r>
-              <a:rPr lang="en-US" sz="2400" b="1">
-                <a:latin typeface="Ubuntu" panose="020B0504030602030204" charset="0"/>
-                <a:cs typeface="Ubuntu" panose="020B0504030602030204" charset="0"/>
-              </a:rPr>
-              <a:t>Python</a:t>
-            </a:r>
-            <a:r>
-              <a:rPr lang="en-US" sz="2400">
-                <a:latin typeface="Ubuntu" panose="020B0504030602030204" charset="0"/>
-                <a:cs typeface="Ubuntu" panose="020B0504030602030204" charset="0"/>
-              </a:rPr>
-              <a:t>, ideally some background of </a:t>
-            </a:r>
-            <a:r>
-              <a:rPr lang="en-US" sz="2400" b="1">
-                <a:latin typeface="Ubuntu" panose="020B0504030602030204" charset="0"/>
-                <a:cs typeface="Ubuntu" panose="020B0504030602030204" charset="0"/>
-              </a:rPr>
-              <a:t>machine learning</a:t>
-            </a:r>
-            <a:r>
-              <a:rPr lang="en-US" sz="2400">
-                <a:latin typeface="Ubuntu" panose="020B0504030602030204" charset="0"/>
-                <a:cs typeface="Ubuntu" panose="020B0504030602030204" charset="0"/>
-              </a:rPr>
-              <a:t>, in </a:t>
-            </a:r>
-            <a:r>
-              <a:rPr lang="en-US" sz="2400" b="1">
-                <a:latin typeface="Ubuntu" panose="020B0504030602030204" charset="0"/>
-                <a:cs typeface="Ubuntu" panose="020B0504030602030204" charset="0"/>
-              </a:rPr>
-              <a:t>probability</a:t>
-            </a:r>
-            <a:r>
-              <a:rPr lang="en-US" sz="2400">
-                <a:latin typeface="Ubuntu" panose="020B0504030602030204" charset="0"/>
-                <a:cs typeface="Ubuntu" panose="020B0504030602030204" charset="0"/>
-              </a:rPr>
-              <a:t> </a:t>
-            </a:r>
-            <a:r>
-              <a:rPr lang="en-US" sz="2400" b="1">
-                <a:latin typeface="Ubuntu" panose="020B0504030602030204" charset="0"/>
-                <a:cs typeface="Ubuntu" panose="020B0504030602030204" charset="0"/>
-              </a:rPr>
-              <a:t>and statistics</a:t>
-            </a:r>
-            <a:r>
-              <a:rPr lang="en-US" sz="2400">
-                <a:latin typeface="Ubuntu" panose="020B0504030602030204" charset="0"/>
-                <a:cs typeface="Ubuntu" panose="020B0504030602030204" charset="0"/>
-              </a:rPr>
-              <a:t>, and </a:t>
-            </a:r>
-            <a:r>
-              <a:rPr lang="en-US" sz="2400" b="1">
-                <a:latin typeface="Ubuntu" panose="020B0504030602030204" charset="0"/>
-                <a:cs typeface="Ubuntu" panose="020B0504030602030204" charset="0"/>
-              </a:rPr>
-              <a:t>linear algebra</a:t>
-            </a:r>
-            <a:r>
-              <a:rPr lang="en-US" sz="2400">
-                <a:latin typeface="Ubuntu" panose="020B0504030602030204" charset="0"/>
-                <a:cs typeface="Ubuntu" panose="020B0504030602030204" charset="0"/>
-              </a:rPr>
-              <a:t>.</a:t>
-            </a:r>
-            <a:endParaRPr lang="en-US" sz="2400">
+              <a:rPr lang="en-US" sz="2400" dirty="0">
+                <a:solidFill>
+                  <a:schemeClr val="bg1">
+                    <a:lumMod val="65000"/>
+                  </a:schemeClr>
+                </a:solidFill>
+                <a:latin typeface="Ubuntu" panose="020B0504030602030204" charset="0"/>
+                <a:cs typeface="Ubuntu" panose="020B0504030602030204" charset="0"/>
+                <a:sym typeface="+mn-ea"/>
+              </a:rPr>
+              <a:t>Learning Objectives</a:t>
+            </a:r>
+          </a:p>
+          <a:p>
+            <a:pPr marL="457200" indent="-457200" algn="l">
+              <a:buFont typeface="+mj-lt"/>
+              <a:buAutoNum type="arabicPeriod"/>
+            </a:pPr>
+            <a:r>
+              <a:rPr lang="en-US" sz="2400" dirty="0">
+                <a:solidFill>
+                  <a:schemeClr val="bg1">
+                    <a:lumMod val="65000"/>
+                  </a:schemeClr>
+                </a:solidFill>
+                <a:latin typeface="Ubuntu" panose="020B0504030602030204" charset="0"/>
+                <a:cs typeface="Ubuntu" panose="020B0504030602030204" charset="0"/>
+                <a:sym typeface="+mn-ea"/>
+              </a:rPr>
+              <a:t>Recommended Background</a:t>
+            </a:r>
+          </a:p>
+          <a:p>
+            <a:pPr marL="457200" indent="-457200" algn="l">
+              <a:buFont typeface="+mj-lt"/>
+              <a:buAutoNum type="arabicPeriod"/>
+            </a:pPr>
+            <a:r>
+              <a:rPr lang="en-US" sz="2400" dirty="0">
+                <a:solidFill>
+                  <a:schemeClr val="bg1">
+                    <a:lumMod val="65000"/>
+                  </a:schemeClr>
+                </a:solidFill>
+                <a:latin typeface="Ubuntu" panose="020B0504030602030204" charset="0"/>
+                <a:cs typeface="Ubuntu" panose="020B0504030602030204" charset="0"/>
+                <a:sym typeface="+mn-ea"/>
+              </a:rPr>
+              <a:t>Plan Outline</a:t>
+            </a:r>
+            <a:endParaRPr lang="en-US" sz="2400" dirty="0">
+              <a:solidFill>
+                <a:schemeClr val="bg1">
+                  <a:lumMod val="65000"/>
+                </a:schemeClr>
+              </a:solidFill>
               <a:latin typeface="Ubuntu" panose="020B0504030602030204" charset="0"/>
               <a:cs typeface="Ubuntu" panose="020B0504030602030204" charset="0"/>
             </a:endParaRPr>
           </a:p>
+          <a:p>
+            <a:pPr marL="457200" indent="-457200" algn="l">
+              <a:buFont typeface="+mj-lt"/>
+              <a:buAutoNum type="arabicPeriod"/>
+            </a:pPr>
+            <a:endParaRPr lang="en-US" sz="2400" dirty="0">
+              <a:latin typeface="Ubuntu" panose="020B0504030602030204" charset="0"/>
+              <a:cs typeface="Ubuntu" panose="020B0504030602030204" charset="0"/>
+            </a:endParaRPr>
+          </a:p>
         </p:txBody>
       </p:sp>
     </p:spTree>
+    <p:extLst>
+      <p:ext uri="{BB962C8B-B14F-4D97-AF65-F5344CB8AC3E}">
+        <p14:creationId xmlns:p14="http://schemas.microsoft.com/office/powerpoint/2010/main" val="1849591642"/>
+      </p:ext>
+    </p:extLst>
   </p:cSld>
   <p:clrMapOvr>
     <a:masterClrMapping/>
   </p:clrMapOvr>
+  <mc:AlternateContent xmlns:mc="http://schemas.openxmlformats.org/markup-compatibility/2006" xmlns:p14="http://schemas.microsoft.com/office/powerpoint/2010/main">
+    <mc:Choice Requires="p14">
+      <p:transition spd="slow" p14:dur="1200"/>
+    </mc:Choice>
+    <mc:Fallback xmlns="">
+      <p:transition spd="slow"/>
+    </mc:Fallback>
+  </mc:AlternateContent>
 </p:sld>
 </file>
 
@@ -7251,7 +7650,14 @@
         <p:cNvGrpSpPr/>
         <p:nvPr/>
       </p:nvGrpSpPr>
-      <p:grpSpPr/>
+      <p:grpSpPr>
+        <a:xfrm>
+          <a:off x="0" y="0"/>
+          <a:ext cx="0" cy="0"/>
+          <a:chOff x="0" y="0"/>
+          <a:chExt cx="0" cy="0"/>
+        </a:xfrm>
+      </p:grpSpPr>
       <p:sp>
         <p:nvSpPr>
           <p:cNvPr id="2" name="Title 1"/>
@@ -7265,6 +7671,7 @@
         <p:spPr/>
         <p:txBody>
           <a:bodyPr/>
+          <a:lstStyle/>
           <a:p>
             <a:pPr algn="l"/>
             <a:r>
@@ -7272,12 +7679,1269 @@
                 <a:latin typeface="Ubuntu" panose="020B0504030602030204" charset="0"/>
                 <a:cs typeface="Ubuntu" panose="020B0504030602030204" charset="0"/>
               </a:rPr>
-              <a:t>Plan Outline</a:t>
-            </a:r>
-            <a:endParaRPr lang="en-US">
+              <a:t>Data Science Tools</a:t>
+            </a:r>
+          </a:p>
+        </p:txBody>
+      </p:sp>
+      <p:pic>
+        <p:nvPicPr>
+          <p:cNvPr id="16" name="Picture 15" descr="jupyter notebook logo"/>
+          <p:cNvPicPr>
+            <a:picLocks noChangeAspect="1"/>
+          </p:cNvPicPr>
+          <p:nvPr/>
+        </p:nvPicPr>
+        <p:blipFill>
+          <a:blip r:embed="rId2"/>
+          <a:stretch>
+            <a:fillRect/>
+          </a:stretch>
+        </p:blipFill>
+        <p:spPr>
+          <a:xfrm>
+            <a:off x="7277735" y="1600835"/>
+            <a:ext cx="4606925" cy="2303780"/>
+          </a:xfrm>
+          <a:prstGeom prst="rect">
+            <a:avLst/>
+          </a:prstGeom>
+        </p:spPr>
+      </p:pic>
+      <p:pic>
+        <p:nvPicPr>
+          <p:cNvPr id="17" name="Picture 16" descr="matplotlib logo"/>
+          <p:cNvPicPr>
+            <a:picLocks noChangeAspect="1"/>
+          </p:cNvPicPr>
+          <p:nvPr/>
+        </p:nvPicPr>
+        <p:blipFill>
+          <a:blip r:embed="rId3"/>
+          <a:stretch>
+            <a:fillRect/>
+          </a:stretch>
+        </p:blipFill>
+        <p:spPr>
+          <a:xfrm>
+            <a:off x="422275" y="5447030"/>
+            <a:ext cx="4587875" cy="917575"/>
+          </a:xfrm>
+          <a:prstGeom prst="rect">
+            <a:avLst/>
+          </a:prstGeom>
+        </p:spPr>
+      </p:pic>
+      <p:pic>
+        <p:nvPicPr>
+          <p:cNvPr id="18" name="Picture 17" descr="microsoft azure logo"/>
+          <p:cNvPicPr>
+            <a:picLocks noChangeAspect="1"/>
+          </p:cNvPicPr>
+          <p:nvPr/>
+        </p:nvPicPr>
+        <p:blipFill>
+          <a:blip r:embed="rId4"/>
+          <a:stretch>
+            <a:fillRect/>
+          </a:stretch>
+        </p:blipFill>
+        <p:spPr>
+          <a:xfrm>
+            <a:off x="8319135" y="5152390"/>
+            <a:ext cx="3579495" cy="1035050"/>
+          </a:xfrm>
+          <a:prstGeom prst="rect">
+            <a:avLst/>
+          </a:prstGeom>
+        </p:spPr>
+      </p:pic>
+      <p:pic>
+        <p:nvPicPr>
+          <p:cNvPr id="19" name="Picture 18" descr="mongodb logo"/>
+          <p:cNvPicPr>
+            <a:picLocks noChangeAspect="1"/>
+          </p:cNvPicPr>
+          <p:nvPr/>
+        </p:nvPicPr>
+        <p:blipFill>
+          <a:blip r:embed="rId5"/>
+          <a:stretch>
+            <a:fillRect/>
+          </a:stretch>
+        </p:blipFill>
+        <p:spPr>
+          <a:xfrm>
+            <a:off x="711200" y="1548130"/>
+            <a:ext cx="2829560" cy="806450"/>
+          </a:xfrm>
+          <a:prstGeom prst="rect">
+            <a:avLst/>
+          </a:prstGeom>
+        </p:spPr>
+      </p:pic>
+      <p:pic>
+        <p:nvPicPr>
+          <p:cNvPr id="20" name="Picture 19" descr="numpy logo"/>
+          <p:cNvPicPr>
+            <a:picLocks noChangeAspect="1"/>
+          </p:cNvPicPr>
+          <p:nvPr/>
+        </p:nvPicPr>
+        <p:blipFill>
+          <a:blip r:embed="rId6"/>
+          <a:stretch>
+            <a:fillRect/>
+          </a:stretch>
+        </p:blipFill>
+        <p:spPr>
+          <a:xfrm>
+            <a:off x="711200" y="4277995"/>
+            <a:ext cx="2588260" cy="1024890"/>
+          </a:xfrm>
+          <a:prstGeom prst="rect">
+            <a:avLst/>
+          </a:prstGeom>
+        </p:spPr>
+      </p:pic>
+      <p:pic>
+        <p:nvPicPr>
+          <p:cNvPr id="21" name="Picture 20" descr="optuna logo"/>
+          <p:cNvPicPr>
+            <a:picLocks noChangeAspect="1"/>
+          </p:cNvPicPr>
+          <p:nvPr/>
+        </p:nvPicPr>
+        <p:blipFill>
+          <a:blip r:embed="rId7"/>
+          <a:stretch>
+            <a:fillRect/>
+          </a:stretch>
+        </p:blipFill>
+        <p:spPr>
+          <a:xfrm>
+            <a:off x="5010150" y="4087495"/>
+            <a:ext cx="3295650" cy="2197735"/>
+          </a:xfrm>
+          <a:prstGeom prst="rect">
+            <a:avLst/>
+          </a:prstGeom>
+        </p:spPr>
+      </p:pic>
+      <p:pic>
+        <p:nvPicPr>
+          <p:cNvPr id="22" name="Picture 21" descr="pandas logo"/>
+          <p:cNvPicPr>
+            <a:picLocks noChangeAspect="1"/>
+          </p:cNvPicPr>
+          <p:nvPr/>
+        </p:nvPicPr>
+        <p:blipFill>
+          <a:blip r:embed="rId8"/>
+          <a:stretch>
+            <a:fillRect/>
+          </a:stretch>
+        </p:blipFill>
+        <p:spPr>
+          <a:xfrm>
+            <a:off x="2760980" y="3394075"/>
+            <a:ext cx="2634615" cy="1064260"/>
+          </a:xfrm>
+          <a:prstGeom prst="rect">
+            <a:avLst/>
+          </a:prstGeom>
+        </p:spPr>
+      </p:pic>
+      <p:pic>
+        <p:nvPicPr>
+          <p:cNvPr id="23" name="Picture 22" descr="plotly express logo"/>
+          <p:cNvPicPr>
+            <a:picLocks noChangeAspect="1"/>
+          </p:cNvPicPr>
+          <p:nvPr/>
+        </p:nvPicPr>
+        <p:blipFill>
+          <a:blip r:embed="rId9"/>
+          <a:stretch>
+            <a:fillRect/>
+          </a:stretch>
+        </p:blipFill>
+        <p:spPr>
+          <a:xfrm>
+            <a:off x="3540760" y="4227195"/>
+            <a:ext cx="2027555" cy="1126490"/>
+          </a:xfrm>
+          <a:prstGeom prst="rect">
+            <a:avLst/>
+          </a:prstGeom>
+        </p:spPr>
+      </p:pic>
+      <p:pic>
+        <p:nvPicPr>
+          <p:cNvPr id="24" name="Picture 23" descr="python logo"/>
+          <p:cNvPicPr>
+            <a:picLocks noChangeAspect="1"/>
+          </p:cNvPicPr>
+          <p:nvPr/>
+        </p:nvPicPr>
+        <p:blipFill>
+          <a:blip r:embed="rId10">
+            <a:extLst>
+              <a:ext uri="{96DAC541-7B7A-43D3-8B79-37D633B846F1}">
+                <asvg:svgBlip xmlns:asvg="http://schemas.microsoft.com/office/drawing/2016/SVG/main" r:embed="rId11"/>
+              </a:ext>
+            </a:extLst>
+          </a:blip>
+          <a:stretch>
+            <a:fillRect/>
+          </a:stretch>
+        </p:blipFill>
+        <p:spPr>
+          <a:xfrm>
+            <a:off x="728980" y="3599815"/>
+            <a:ext cx="2032000" cy="601980"/>
+          </a:xfrm>
+          <a:prstGeom prst="rect">
+            <a:avLst/>
+          </a:prstGeom>
+        </p:spPr>
+      </p:pic>
+      <p:pic>
+        <p:nvPicPr>
+          <p:cNvPr id="25" name="Picture 24" descr="seaborn logo"/>
+          <p:cNvPicPr>
+            <a:picLocks noChangeAspect="1"/>
+          </p:cNvPicPr>
+          <p:nvPr/>
+        </p:nvPicPr>
+        <p:blipFill>
+          <a:blip r:embed="rId12"/>
+          <a:stretch>
+            <a:fillRect/>
+          </a:stretch>
+        </p:blipFill>
+        <p:spPr>
+          <a:xfrm>
+            <a:off x="7811135" y="3910330"/>
+            <a:ext cx="4101465" cy="1242060"/>
+          </a:xfrm>
+          <a:prstGeom prst="rect">
+            <a:avLst/>
+          </a:prstGeom>
+        </p:spPr>
+      </p:pic>
+      <p:pic>
+        <p:nvPicPr>
+          <p:cNvPr id="26" name="Picture 25" descr="sklearn logo"/>
+          <p:cNvPicPr>
+            <a:picLocks noChangeAspect="1"/>
+          </p:cNvPicPr>
+          <p:nvPr/>
+        </p:nvPicPr>
+        <p:blipFill>
+          <a:blip r:embed="rId13"/>
+          <a:stretch>
+            <a:fillRect/>
+          </a:stretch>
+        </p:blipFill>
+        <p:spPr>
+          <a:xfrm>
+            <a:off x="3624580" y="1562100"/>
+            <a:ext cx="3500120" cy="1884045"/>
+          </a:xfrm>
+          <a:prstGeom prst="rect">
+            <a:avLst/>
+          </a:prstGeom>
+        </p:spPr>
+      </p:pic>
+      <p:pic>
+        <p:nvPicPr>
+          <p:cNvPr id="27" name="Picture 26" descr="sqlite logo"/>
+          <p:cNvPicPr>
+            <a:picLocks noChangeAspect="1"/>
+          </p:cNvPicPr>
+          <p:nvPr/>
+        </p:nvPicPr>
+        <p:blipFill>
+          <a:blip r:embed="rId14"/>
+          <a:stretch>
+            <a:fillRect/>
+          </a:stretch>
+        </p:blipFill>
+        <p:spPr>
+          <a:xfrm>
+            <a:off x="711200" y="2373630"/>
+            <a:ext cx="2588260" cy="1226185"/>
+          </a:xfrm>
+          <a:prstGeom prst="rect">
+            <a:avLst/>
+          </a:prstGeom>
+        </p:spPr>
+      </p:pic>
+    </p:spTree>
+  </p:cSld>
+  <p:clrMapOvr>
+    <a:masterClrMapping/>
+  </p:clrMapOvr>
+</p:sld>
+</file>
+
+<file path=ppt/slides/slide13.xml><?xml version="1.0" encoding="utf-8"?>
+<p:sld xmlns:a="http://schemas.openxmlformats.org/drawingml/2006/main" xmlns:r="http://schemas.openxmlformats.org/officeDocument/2006/relationships" xmlns:p="http://schemas.openxmlformats.org/presentationml/2006/main">
+  <p:cSld>
+    <p:spTree>
+      <p:nvGrpSpPr>
+        <p:cNvPr id="1" name=""/>
+        <p:cNvGrpSpPr/>
+        <p:nvPr/>
+      </p:nvGrpSpPr>
+      <p:grpSpPr>
+        <a:xfrm>
+          <a:off x="0" y="0"/>
+          <a:ext cx="0" cy="0"/>
+          <a:chOff x="0" y="0"/>
+          <a:chExt cx="0" cy="0"/>
+        </a:xfrm>
+      </p:grpSpPr>
+      <p:sp>
+        <p:nvSpPr>
+          <p:cNvPr id="2" name="Title 1"/>
+          <p:cNvSpPr>
+            <a:spLocks noGrp="1"/>
+          </p:cNvSpPr>
+          <p:nvPr>
+            <p:ph type="title"/>
+          </p:nvPr>
+        </p:nvSpPr>
+        <p:spPr/>
+        <p:txBody>
+          <a:bodyPr/>
+          <a:lstStyle/>
+          <a:p>
+            <a:pPr algn="l"/>
+            <a:r>
+              <a:rPr lang="en-US">
+                <a:latin typeface="Ubuntu" panose="020B0504030602030204" charset="0"/>
+                <a:cs typeface="Ubuntu" panose="020B0504030602030204" charset="0"/>
+              </a:rPr>
+              <a:t>Outline</a:t>
+            </a:r>
+          </a:p>
+        </p:txBody>
+      </p:sp>
+      <p:sp>
+        <p:nvSpPr>
+          <p:cNvPr id="3" name="Content Placeholder 2"/>
+          <p:cNvSpPr>
+            <a:spLocks noGrp="1"/>
+          </p:cNvSpPr>
+          <p:nvPr>
+            <p:ph idx="1"/>
+          </p:nvPr>
+        </p:nvSpPr>
+        <p:spPr/>
+        <p:txBody>
+          <a:bodyPr/>
+          <a:lstStyle/>
+          <a:p>
+            <a:pPr marL="457200" indent="-457200" algn="l">
+              <a:buFont typeface="+mj-lt"/>
+              <a:buAutoNum type="arabicPeriod"/>
+            </a:pPr>
+            <a:r>
+              <a:rPr lang="en-US" sz="2400" dirty="0">
+                <a:solidFill>
+                  <a:schemeClr val="bg1">
+                    <a:lumMod val="65000"/>
+                  </a:schemeClr>
+                </a:solidFill>
+                <a:latin typeface="Ubuntu" panose="020B0504030602030204" charset="0"/>
+                <a:cs typeface="Ubuntu" panose="020B0504030602030204" charset="0"/>
+              </a:rPr>
+              <a:t>What’s Data Science?</a:t>
+            </a:r>
+          </a:p>
+          <a:p>
+            <a:pPr marL="457200" indent="-457200" algn="l">
+              <a:buFont typeface="+mj-lt"/>
+              <a:buAutoNum type="arabicPeriod"/>
+            </a:pPr>
+            <a:r>
+              <a:rPr lang="en-US" sz="2400" dirty="0">
+                <a:solidFill>
+                  <a:schemeClr val="bg1">
+                    <a:lumMod val="65000"/>
+                  </a:schemeClr>
+                </a:solidFill>
+                <a:latin typeface="Ubuntu" panose="020B0504030602030204" charset="0"/>
+                <a:cs typeface="Ubuntu" panose="020B0504030602030204" charset="0"/>
+              </a:rPr>
+              <a:t>Importance of Data Science</a:t>
+            </a:r>
+          </a:p>
+          <a:p>
+            <a:pPr marL="457200" indent="-457200" algn="l">
+              <a:buFont typeface="+mj-lt"/>
+              <a:buAutoNum type="arabicPeriod"/>
+            </a:pPr>
+            <a:r>
+              <a:rPr lang="en-US" sz="2400" dirty="0">
+                <a:solidFill>
+                  <a:schemeClr val="bg1">
+                    <a:lumMod val="65000"/>
+                  </a:schemeClr>
+                </a:solidFill>
+                <a:latin typeface="Ubuntu" panose="020B0504030602030204" charset="0"/>
+                <a:cs typeface="Ubuntu" panose="020B0504030602030204" charset="0"/>
+                <a:sym typeface="+mn-ea"/>
+              </a:rPr>
+              <a:t>Data Science Tools</a:t>
+            </a:r>
+            <a:endParaRPr lang="en-US" sz="2400" dirty="0">
+              <a:solidFill>
+                <a:schemeClr val="bg1">
+                  <a:lumMod val="65000"/>
+                </a:schemeClr>
+              </a:solidFill>
               <a:latin typeface="Ubuntu" panose="020B0504030602030204" charset="0"/>
               <a:cs typeface="Ubuntu" panose="020B0504030602030204" charset="0"/>
             </a:endParaRPr>
+          </a:p>
+          <a:p>
+            <a:pPr marL="457200" indent="-457200" algn="l">
+              <a:buFont typeface="+mj-lt"/>
+              <a:buAutoNum type="arabicPeriod"/>
+            </a:pPr>
+            <a:r>
+              <a:rPr lang="en-US" sz="2400" dirty="0">
+                <a:latin typeface="Ubuntu" panose="020B0504030602030204" charset="0"/>
+                <a:cs typeface="Ubuntu" panose="020B0504030602030204" charset="0"/>
+                <a:sym typeface="+mn-ea"/>
+              </a:rPr>
+              <a:t>Learning Objectives</a:t>
+            </a:r>
+          </a:p>
+          <a:p>
+            <a:pPr marL="457200" indent="-457200" algn="l">
+              <a:buFont typeface="+mj-lt"/>
+              <a:buAutoNum type="arabicPeriod"/>
+            </a:pPr>
+            <a:r>
+              <a:rPr lang="en-US" sz="2400" dirty="0">
+                <a:solidFill>
+                  <a:schemeClr val="bg1">
+                    <a:lumMod val="65000"/>
+                  </a:schemeClr>
+                </a:solidFill>
+                <a:latin typeface="Ubuntu" panose="020B0504030602030204" charset="0"/>
+                <a:cs typeface="Ubuntu" panose="020B0504030602030204" charset="0"/>
+                <a:sym typeface="+mn-ea"/>
+              </a:rPr>
+              <a:t>Recommended Background</a:t>
+            </a:r>
+          </a:p>
+          <a:p>
+            <a:pPr marL="457200" indent="-457200" algn="l">
+              <a:buFont typeface="+mj-lt"/>
+              <a:buAutoNum type="arabicPeriod"/>
+            </a:pPr>
+            <a:r>
+              <a:rPr lang="en-US" sz="2400" dirty="0">
+                <a:solidFill>
+                  <a:schemeClr val="bg1">
+                    <a:lumMod val="65000"/>
+                  </a:schemeClr>
+                </a:solidFill>
+                <a:latin typeface="Ubuntu" panose="020B0504030602030204" charset="0"/>
+                <a:cs typeface="Ubuntu" panose="020B0504030602030204" charset="0"/>
+                <a:sym typeface="+mn-ea"/>
+              </a:rPr>
+              <a:t>Plan Outline</a:t>
+            </a:r>
+            <a:endParaRPr lang="en-US" sz="2400" dirty="0">
+              <a:solidFill>
+                <a:schemeClr val="bg1">
+                  <a:lumMod val="65000"/>
+                </a:schemeClr>
+              </a:solidFill>
+              <a:latin typeface="Ubuntu" panose="020B0504030602030204" charset="0"/>
+              <a:cs typeface="Ubuntu" panose="020B0504030602030204" charset="0"/>
+            </a:endParaRPr>
+          </a:p>
+          <a:p>
+            <a:pPr marL="457200" indent="-457200" algn="l">
+              <a:buFont typeface="+mj-lt"/>
+              <a:buAutoNum type="arabicPeriod"/>
+            </a:pPr>
+            <a:endParaRPr lang="en-US" sz="2400" dirty="0">
+              <a:latin typeface="Ubuntu" panose="020B0504030602030204" charset="0"/>
+              <a:cs typeface="Ubuntu" panose="020B0504030602030204" charset="0"/>
+            </a:endParaRPr>
+          </a:p>
+        </p:txBody>
+      </p:sp>
+    </p:spTree>
+    <p:extLst>
+      <p:ext uri="{BB962C8B-B14F-4D97-AF65-F5344CB8AC3E}">
+        <p14:creationId xmlns:p14="http://schemas.microsoft.com/office/powerpoint/2010/main" val="3416244378"/>
+      </p:ext>
+    </p:extLst>
+  </p:cSld>
+  <p:clrMapOvr>
+    <a:masterClrMapping/>
+  </p:clrMapOvr>
+  <mc:AlternateContent xmlns:mc="http://schemas.openxmlformats.org/markup-compatibility/2006" xmlns:p14="http://schemas.microsoft.com/office/powerpoint/2010/main">
+    <mc:Choice Requires="p14">
+      <p:transition spd="slow" p14:dur="1200"/>
+    </mc:Choice>
+    <mc:Fallback xmlns="">
+      <p:transition spd="slow"/>
+    </mc:Fallback>
+  </mc:AlternateContent>
+</p:sld>
+</file>
+
+<file path=ppt/slides/slide14.xml><?xml version="1.0" encoding="utf-8"?>
+<p:sld xmlns:a="http://schemas.openxmlformats.org/drawingml/2006/main" xmlns:r="http://schemas.openxmlformats.org/officeDocument/2006/relationships" xmlns:p="http://schemas.openxmlformats.org/presentationml/2006/main">
+  <p:cSld>
+    <p:spTree>
+      <p:nvGrpSpPr>
+        <p:cNvPr id="1" name=""/>
+        <p:cNvGrpSpPr/>
+        <p:nvPr/>
+      </p:nvGrpSpPr>
+      <p:grpSpPr>
+        <a:xfrm>
+          <a:off x="0" y="0"/>
+          <a:ext cx="0" cy="0"/>
+          <a:chOff x="0" y="0"/>
+          <a:chExt cx="0" cy="0"/>
+        </a:xfrm>
+      </p:grpSpPr>
+      <p:sp>
+        <p:nvSpPr>
+          <p:cNvPr id="2" name="Title 1"/>
+          <p:cNvSpPr>
+            <a:spLocks noGrp="1"/>
+          </p:cNvSpPr>
+          <p:nvPr>
+            <p:ph type="title"/>
+          </p:nvPr>
+        </p:nvSpPr>
+        <p:spPr/>
+        <p:txBody>
+          <a:bodyPr/>
+          <a:lstStyle/>
+          <a:p>
+            <a:pPr algn="l"/>
+            <a:r>
+              <a:rPr lang="en-US" dirty="0">
+                <a:latin typeface="Ubuntu" panose="020B0504030602030204" charset="0"/>
+                <a:cs typeface="Ubuntu" panose="020B0504030602030204" charset="0"/>
+              </a:rPr>
+              <a:t>Learning Objectives</a:t>
+            </a:r>
+          </a:p>
+        </p:txBody>
+      </p:sp>
+      <p:sp>
+        <p:nvSpPr>
+          <p:cNvPr id="3" name="Content Placeholder 2"/>
+          <p:cNvSpPr>
+            <a:spLocks noGrp="1"/>
+          </p:cNvSpPr>
+          <p:nvPr>
+            <p:ph idx="1"/>
+          </p:nvPr>
+        </p:nvSpPr>
+        <p:spPr/>
+        <p:txBody>
+          <a:bodyPr/>
+          <a:lstStyle/>
+          <a:p>
+            <a:pPr algn="l"/>
+            <a:r>
+              <a:rPr lang="en-US" sz="2400">
+                <a:latin typeface="Ubuntu" panose="020B0504030602030204" charset="0"/>
+                <a:cs typeface="Ubuntu" panose="020B0504030602030204" charset="0"/>
+              </a:rPr>
+              <a:t>Understand the end-to-end data science pipeline, from data collection to model deployment.</a:t>
+            </a:r>
+          </a:p>
+          <a:p>
+            <a:pPr algn="l"/>
+            <a:r>
+              <a:rPr lang="en-US" sz="2400">
+                <a:latin typeface="Ubuntu" panose="020B0504030602030204" charset="0"/>
+                <a:cs typeface="Ubuntu" panose="020B0504030602030204" charset="0"/>
+              </a:rPr>
+              <a:t>Be familiar with the programming tools and libraries required to execute different phases of data science projects.</a:t>
+            </a:r>
+          </a:p>
+          <a:p>
+            <a:pPr algn="l"/>
+            <a:r>
+              <a:rPr lang="en-US" sz="2400">
+                <a:latin typeface="Ubuntu" panose="020B0504030602030204" charset="0"/>
+                <a:cs typeface="Ubuntu" panose="020B0504030602030204" charset="0"/>
+              </a:rPr>
+              <a:t>Demonstrate the ability to collect data from a variety of sources, including structured and unstructured data.</a:t>
+            </a:r>
+          </a:p>
+          <a:p>
+            <a:pPr algn="l"/>
+            <a:r>
+              <a:rPr lang="en-US" sz="2400">
+                <a:latin typeface="Ubuntu" panose="020B0504030602030204" charset="0"/>
+                <a:cs typeface="Ubuntu" panose="020B0504030602030204" charset="0"/>
+              </a:rPr>
+              <a:t>Know how to explore and visualize datasets, gaining insights into data distributions, patterns, and outliers.</a:t>
+            </a:r>
+          </a:p>
+          <a:p>
+            <a:pPr algn="l"/>
+            <a:r>
+              <a:rPr lang="en-US" sz="2400">
+                <a:latin typeface="Ubuntu" panose="020B0504030602030204" charset="0"/>
+                <a:cs typeface="Ubuntu" panose="020B0504030602030204" charset="0"/>
+              </a:rPr>
+              <a:t>Be proficient in conducting data analysis using a range of statistical and machine learning techniques.</a:t>
+            </a:r>
+          </a:p>
+          <a:p>
+            <a:pPr algn="l"/>
+            <a:r>
+              <a:rPr lang="en-US" sz="2400">
+                <a:latin typeface="Ubuntu" panose="020B0504030602030204" charset="0"/>
+                <a:cs typeface="Ubuntu" panose="020B0504030602030204" charset="0"/>
+              </a:rPr>
+              <a:t>Create data-driven reports and presentations that convey insights in a clear and compelling manner, addressing the needs of different audiences.</a:t>
+            </a:r>
+          </a:p>
+        </p:txBody>
+      </p:sp>
+    </p:spTree>
+  </p:cSld>
+  <p:clrMapOvr>
+    <a:masterClrMapping/>
+  </p:clrMapOvr>
+</p:sld>
+</file>
+
+<file path=ppt/slides/slide15.xml><?xml version="1.0" encoding="utf-8"?>
+<p:sld xmlns:a="http://schemas.openxmlformats.org/drawingml/2006/main" xmlns:r="http://schemas.openxmlformats.org/officeDocument/2006/relationships" xmlns:p="http://schemas.openxmlformats.org/presentationml/2006/main">
+  <p:cSld>
+    <p:spTree>
+      <p:nvGrpSpPr>
+        <p:cNvPr id="1" name=""/>
+        <p:cNvGrpSpPr/>
+        <p:nvPr/>
+      </p:nvGrpSpPr>
+      <p:grpSpPr>
+        <a:xfrm>
+          <a:off x="0" y="0"/>
+          <a:ext cx="0" cy="0"/>
+          <a:chOff x="0" y="0"/>
+          <a:chExt cx="0" cy="0"/>
+        </a:xfrm>
+      </p:grpSpPr>
+      <p:sp>
+        <p:nvSpPr>
+          <p:cNvPr id="2" name="Title 1"/>
+          <p:cNvSpPr>
+            <a:spLocks noGrp="1"/>
+          </p:cNvSpPr>
+          <p:nvPr>
+            <p:ph type="title"/>
+          </p:nvPr>
+        </p:nvSpPr>
+        <p:spPr/>
+        <p:txBody>
+          <a:bodyPr/>
+          <a:lstStyle/>
+          <a:p>
+            <a:pPr algn="l"/>
+            <a:r>
+              <a:rPr lang="en-US">
+                <a:latin typeface="Ubuntu" panose="020B0504030602030204" charset="0"/>
+                <a:cs typeface="Ubuntu" panose="020B0504030602030204" charset="0"/>
+              </a:rPr>
+              <a:t>Outline</a:t>
+            </a:r>
+          </a:p>
+        </p:txBody>
+      </p:sp>
+      <p:sp>
+        <p:nvSpPr>
+          <p:cNvPr id="3" name="Content Placeholder 2"/>
+          <p:cNvSpPr>
+            <a:spLocks noGrp="1"/>
+          </p:cNvSpPr>
+          <p:nvPr>
+            <p:ph idx="1"/>
+          </p:nvPr>
+        </p:nvSpPr>
+        <p:spPr/>
+        <p:txBody>
+          <a:bodyPr/>
+          <a:lstStyle/>
+          <a:p>
+            <a:pPr marL="457200" indent="-457200" algn="l">
+              <a:buFont typeface="+mj-lt"/>
+              <a:buAutoNum type="arabicPeriod"/>
+            </a:pPr>
+            <a:r>
+              <a:rPr lang="en-US" sz="2400" dirty="0">
+                <a:solidFill>
+                  <a:schemeClr val="bg1">
+                    <a:lumMod val="65000"/>
+                  </a:schemeClr>
+                </a:solidFill>
+                <a:latin typeface="Ubuntu" panose="020B0504030602030204" charset="0"/>
+                <a:cs typeface="Ubuntu" panose="020B0504030602030204" charset="0"/>
+              </a:rPr>
+              <a:t>What’s Data Science?</a:t>
+            </a:r>
+          </a:p>
+          <a:p>
+            <a:pPr marL="457200" indent="-457200" algn="l">
+              <a:buFont typeface="+mj-lt"/>
+              <a:buAutoNum type="arabicPeriod"/>
+            </a:pPr>
+            <a:r>
+              <a:rPr lang="en-US" sz="2400" dirty="0">
+                <a:solidFill>
+                  <a:schemeClr val="bg1">
+                    <a:lumMod val="65000"/>
+                  </a:schemeClr>
+                </a:solidFill>
+                <a:latin typeface="Ubuntu" panose="020B0504030602030204" charset="0"/>
+                <a:cs typeface="Ubuntu" panose="020B0504030602030204" charset="0"/>
+              </a:rPr>
+              <a:t>Importance of Data Science</a:t>
+            </a:r>
+          </a:p>
+          <a:p>
+            <a:pPr marL="457200" indent="-457200" algn="l">
+              <a:buFont typeface="+mj-lt"/>
+              <a:buAutoNum type="arabicPeriod"/>
+            </a:pPr>
+            <a:r>
+              <a:rPr lang="en-US" sz="2400" dirty="0">
+                <a:solidFill>
+                  <a:schemeClr val="bg1">
+                    <a:lumMod val="65000"/>
+                  </a:schemeClr>
+                </a:solidFill>
+                <a:latin typeface="Ubuntu" panose="020B0504030602030204" charset="0"/>
+                <a:cs typeface="Ubuntu" panose="020B0504030602030204" charset="0"/>
+                <a:sym typeface="+mn-ea"/>
+              </a:rPr>
+              <a:t>Data Science Tools</a:t>
+            </a:r>
+            <a:endParaRPr lang="en-US" sz="2400" dirty="0">
+              <a:solidFill>
+                <a:schemeClr val="bg1">
+                  <a:lumMod val="65000"/>
+                </a:schemeClr>
+              </a:solidFill>
+              <a:latin typeface="Ubuntu" panose="020B0504030602030204" charset="0"/>
+              <a:cs typeface="Ubuntu" panose="020B0504030602030204" charset="0"/>
+            </a:endParaRPr>
+          </a:p>
+          <a:p>
+            <a:pPr marL="457200" indent="-457200" algn="l">
+              <a:buFont typeface="+mj-lt"/>
+              <a:buAutoNum type="arabicPeriod"/>
+            </a:pPr>
+            <a:r>
+              <a:rPr lang="en-US" sz="2400" dirty="0">
+                <a:solidFill>
+                  <a:schemeClr val="bg1">
+                    <a:lumMod val="65000"/>
+                  </a:schemeClr>
+                </a:solidFill>
+                <a:latin typeface="Ubuntu" panose="020B0504030602030204" charset="0"/>
+                <a:cs typeface="Ubuntu" panose="020B0504030602030204" charset="0"/>
+                <a:sym typeface="+mn-ea"/>
+              </a:rPr>
+              <a:t>Learning Objectives</a:t>
+            </a:r>
+          </a:p>
+          <a:p>
+            <a:pPr marL="457200" indent="-457200" algn="l">
+              <a:buFont typeface="+mj-lt"/>
+              <a:buAutoNum type="arabicPeriod"/>
+            </a:pPr>
+            <a:r>
+              <a:rPr lang="en-US" sz="2400" dirty="0">
+                <a:latin typeface="Ubuntu" panose="020B0504030602030204" charset="0"/>
+                <a:cs typeface="Ubuntu" panose="020B0504030602030204" charset="0"/>
+                <a:sym typeface="+mn-ea"/>
+              </a:rPr>
+              <a:t>Recommended Background</a:t>
+            </a:r>
+          </a:p>
+          <a:p>
+            <a:pPr marL="457200" indent="-457200" algn="l">
+              <a:buFont typeface="+mj-lt"/>
+              <a:buAutoNum type="arabicPeriod"/>
+            </a:pPr>
+            <a:r>
+              <a:rPr lang="en-US" sz="2400" dirty="0">
+                <a:solidFill>
+                  <a:schemeClr val="bg1">
+                    <a:lumMod val="65000"/>
+                  </a:schemeClr>
+                </a:solidFill>
+                <a:latin typeface="Ubuntu" panose="020B0504030602030204" charset="0"/>
+                <a:cs typeface="Ubuntu" panose="020B0504030602030204" charset="0"/>
+                <a:sym typeface="+mn-ea"/>
+              </a:rPr>
+              <a:t>Plan Outline</a:t>
+            </a:r>
+            <a:endParaRPr lang="en-US" sz="2400" dirty="0">
+              <a:solidFill>
+                <a:schemeClr val="bg1">
+                  <a:lumMod val="65000"/>
+                </a:schemeClr>
+              </a:solidFill>
+              <a:latin typeface="Ubuntu" panose="020B0504030602030204" charset="0"/>
+              <a:cs typeface="Ubuntu" panose="020B0504030602030204" charset="0"/>
+            </a:endParaRPr>
+          </a:p>
+          <a:p>
+            <a:pPr marL="457200" indent="-457200" algn="l">
+              <a:buFont typeface="+mj-lt"/>
+              <a:buAutoNum type="arabicPeriod"/>
+            </a:pPr>
+            <a:endParaRPr lang="en-US" sz="2400" dirty="0">
+              <a:latin typeface="Ubuntu" panose="020B0504030602030204" charset="0"/>
+              <a:cs typeface="Ubuntu" panose="020B0504030602030204" charset="0"/>
+            </a:endParaRPr>
+          </a:p>
+        </p:txBody>
+      </p:sp>
+    </p:spTree>
+    <p:extLst>
+      <p:ext uri="{BB962C8B-B14F-4D97-AF65-F5344CB8AC3E}">
+        <p14:creationId xmlns:p14="http://schemas.microsoft.com/office/powerpoint/2010/main" val="19962887"/>
+      </p:ext>
+    </p:extLst>
+  </p:cSld>
+  <p:clrMapOvr>
+    <a:masterClrMapping/>
+  </p:clrMapOvr>
+  <mc:AlternateContent xmlns:mc="http://schemas.openxmlformats.org/markup-compatibility/2006" xmlns:p14="http://schemas.microsoft.com/office/powerpoint/2010/main">
+    <mc:Choice Requires="p14">
+      <p:transition spd="slow" p14:dur="1200"/>
+    </mc:Choice>
+    <mc:Fallback xmlns="">
+      <p:transition spd="slow"/>
+    </mc:Fallback>
+  </mc:AlternateContent>
+</p:sld>
+</file>
+
+<file path=ppt/slides/slide16.xml><?xml version="1.0" encoding="utf-8"?>
+<p:sld xmlns:a="http://schemas.openxmlformats.org/drawingml/2006/main" xmlns:r="http://schemas.openxmlformats.org/officeDocument/2006/relationships" xmlns:p="http://schemas.openxmlformats.org/presentationml/2006/main">
+  <p:cSld>
+    <p:spTree>
+      <p:nvGrpSpPr>
+        <p:cNvPr id="1" name=""/>
+        <p:cNvGrpSpPr/>
+        <p:nvPr/>
+      </p:nvGrpSpPr>
+      <p:grpSpPr>
+        <a:xfrm>
+          <a:off x="0" y="0"/>
+          <a:ext cx="0" cy="0"/>
+          <a:chOff x="0" y="0"/>
+          <a:chExt cx="0" cy="0"/>
+        </a:xfrm>
+      </p:grpSpPr>
+      <p:sp>
+        <p:nvSpPr>
+          <p:cNvPr id="2" name="Title 1"/>
+          <p:cNvSpPr>
+            <a:spLocks noGrp="1"/>
+          </p:cNvSpPr>
+          <p:nvPr>
+            <p:ph type="title"/>
+          </p:nvPr>
+        </p:nvSpPr>
+        <p:spPr/>
+        <p:txBody>
+          <a:bodyPr/>
+          <a:lstStyle/>
+          <a:p>
+            <a:pPr algn="l"/>
+            <a:r>
+              <a:rPr lang="en-US">
+                <a:latin typeface="Ubuntu" panose="020B0504030602030204" charset="0"/>
+                <a:cs typeface="Ubuntu" panose="020B0504030602030204" charset="0"/>
+              </a:rPr>
+              <a:t>Recommended Background</a:t>
+            </a:r>
+          </a:p>
+        </p:txBody>
+      </p:sp>
+      <p:sp>
+        <p:nvSpPr>
+          <p:cNvPr id="3" name="Content Placeholder 2"/>
+          <p:cNvSpPr>
+            <a:spLocks noGrp="1"/>
+          </p:cNvSpPr>
+          <p:nvPr>
+            <p:ph idx="1"/>
+          </p:nvPr>
+        </p:nvSpPr>
+        <p:spPr/>
+        <p:txBody>
+          <a:bodyPr/>
+          <a:lstStyle/>
+          <a:p>
+            <a:pPr marL="0" indent="0" algn="l">
+              <a:buNone/>
+            </a:pPr>
+            <a:r>
+              <a:rPr lang="en-US" sz="2400">
+                <a:latin typeface="Ubuntu" panose="020B0504030602030204" charset="0"/>
+                <a:cs typeface="Ubuntu" panose="020B0504030602030204" charset="0"/>
+              </a:rPr>
+              <a:t>Strongly recommend that students have experience with </a:t>
+            </a:r>
+            <a:r>
+              <a:rPr lang="en-US" sz="2400" b="1">
+                <a:latin typeface="Ubuntu" panose="020B0504030602030204" charset="0"/>
+                <a:cs typeface="Ubuntu" panose="020B0504030602030204" charset="0"/>
+              </a:rPr>
+              <a:t>Python</a:t>
+            </a:r>
+            <a:r>
+              <a:rPr lang="en-US" sz="2400">
+                <a:latin typeface="Ubuntu" panose="020B0504030602030204" charset="0"/>
+                <a:cs typeface="Ubuntu" panose="020B0504030602030204" charset="0"/>
+              </a:rPr>
+              <a:t>, ideally some background of </a:t>
+            </a:r>
+            <a:r>
+              <a:rPr lang="en-US" sz="2400" b="1">
+                <a:latin typeface="Ubuntu" panose="020B0504030602030204" charset="0"/>
+                <a:cs typeface="Ubuntu" panose="020B0504030602030204" charset="0"/>
+              </a:rPr>
+              <a:t>machine learning</a:t>
+            </a:r>
+            <a:r>
+              <a:rPr lang="en-US" sz="2400">
+                <a:latin typeface="Ubuntu" panose="020B0504030602030204" charset="0"/>
+                <a:cs typeface="Ubuntu" panose="020B0504030602030204" charset="0"/>
+              </a:rPr>
+              <a:t>, in </a:t>
+            </a:r>
+            <a:r>
+              <a:rPr lang="en-US" sz="2400" b="1">
+                <a:latin typeface="Ubuntu" panose="020B0504030602030204" charset="0"/>
+                <a:cs typeface="Ubuntu" panose="020B0504030602030204" charset="0"/>
+              </a:rPr>
+              <a:t>probability</a:t>
+            </a:r>
+            <a:r>
+              <a:rPr lang="en-US" sz="2400">
+                <a:latin typeface="Ubuntu" panose="020B0504030602030204" charset="0"/>
+                <a:cs typeface="Ubuntu" panose="020B0504030602030204" charset="0"/>
+              </a:rPr>
+              <a:t> </a:t>
+            </a:r>
+            <a:r>
+              <a:rPr lang="en-US" sz="2400" b="1">
+                <a:latin typeface="Ubuntu" panose="020B0504030602030204" charset="0"/>
+                <a:cs typeface="Ubuntu" panose="020B0504030602030204" charset="0"/>
+              </a:rPr>
+              <a:t>and statistics</a:t>
+            </a:r>
+            <a:r>
+              <a:rPr lang="en-US" sz="2400">
+                <a:latin typeface="Ubuntu" panose="020B0504030602030204" charset="0"/>
+                <a:cs typeface="Ubuntu" panose="020B0504030602030204" charset="0"/>
+              </a:rPr>
+              <a:t>, and </a:t>
+            </a:r>
+            <a:r>
+              <a:rPr lang="en-US" sz="2400" b="1">
+                <a:latin typeface="Ubuntu" panose="020B0504030602030204" charset="0"/>
+                <a:cs typeface="Ubuntu" panose="020B0504030602030204" charset="0"/>
+              </a:rPr>
+              <a:t>linear algebra</a:t>
+            </a:r>
+            <a:r>
+              <a:rPr lang="en-US" sz="2400">
+                <a:latin typeface="Ubuntu" panose="020B0504030602030204" charset="0"/>
+                <a:cs typeface="Ubuntu" panose="020B0504030602030204" charset="0"/>
+              </a:rPr>
+              <a:t>.</a:t>
+            </a:r>
+          </a:p>
+        </p:txBody>
+      </p:sp>
+    </p:spTree>
+  </p:cSld>
+  <p:clrMapOvr>
+    <a:masterClrMapping/>
+  </p:clrMapOvr>
+</p:sld>
+</file>
+
+<file path=ppt/slides/slide17.xml><?xml version="1.0" encoding="utf-8"?>
+<p:sld xmlns:a="http://schemas.openxmlformats.org/drawingml/2006/main" xmlns:r="http://schemas.openxmlformats.org/officeDocument/2006/relationships" xmlns:p="http://schemas.openxmlformats.org/presentationml/2006/main">
+  <p:cSld>
+    <p:spTree>
+      <p:nvGrpSpPr>
+        <p:cNvPr id="1" name=""/>
+        <p:cNvGrpSpPr/>
+        <p:nvPr/>
+      </p:nvGrpSpPr>
+      <p:grpSpPr>
+        <a:xfrm>
+          <a:off x="0" y="0"/>
+          <a:ext cx="0" cy="0"/>
+          <a:chOff x="0" y="0"/>
+          <a:chExt cx="0" cy="0"/>
+        </a:xfrm>
+      </p:grpSpPr>
+      <p:sp>
+        <p:nvSpPr>
+          <p:cNvPr id="2" name="Title 1"/>
+          <p:cNvSpPr>
+            <a:spLocks noGrp="1"/>
+          </p:cNvSpPr>
+          <p:nvPr>
+            <p:ph type="title"/>
+          </p:nvPr>
+        </p:nvSpPr>
+        <p:spPr/>
+        <p:txBody>
+          <a:bodyPr/>
+          <a:lstStyle/>
+          <a:p>
+            <a:pPr algn="l"/>
+            <a:r>
+              <a:rPr lang="en-US">
+                <a:latin typeface="Ubuntu" panose="020B0504030602030204" charset="0"/>
+                <a:cs typeface="Ubuntu" panose="020B0504030602030204" charset="0"/>
+              </a:rPr>
+              <a:t>Outline</a:t>
+            </a:r>
+          </a:p>
+        </p:txBody>
+      </p:sp>
+      <p:sp>
+        <p:nvSpPr>
+          <p:cNvPr id="3" name="Content Placeholder 2"/>
+          <p:cNvSpPr>
+            <a:spLocks noGrp="1"/>
+          </p:cNvSpPr>
+          <p:nvPr>
+            <p:ph idx="1"/>
+          </p:nvPr>
+        </p:nvSpPr>
+        <p:spPr/>
+        <p:txBody>
+          <a:bodyPr/>
+          <a:lstStyle/>
+          <a:p>
+            <a:pPr marL="457200" indent="-457200" algn="l">
+              <a:buFont typeface="+mj-lt"/>
+              <a:buAutoNum type="arabicPeriod"/>
+            </a:pPr>
+            <a:r>
+              <a:rPr lang="en-US" sz="2400" dirty="0">
+                <a:solidFill>
+                  <a:schemeClr val="bg1">
+                    <a:lumMod val="65000"/>
+                  </a:schemeClr>
+                </a:solidFill>
+                <a:latin typeface="Ubuntu" panose="020B0504030602030204" charset="0"/>
+                <a:cs typeface="Ubuntu" panose="020B0504030602030204" charset="0"/>
+              </a:rPr>
+              <a:t>What’s Data Science?</a:t>
+            </a:r>
+          </a:p>
+          <a:p>
+            <a:pPr marL="457200" indent="-457200" algn="l">
+              <a:buFont typeface="+mj-lt"/>
+              <a:buAutoNum type="arabicPeriod"/>
+            </a:pPr>
+            <a:r>
+              <a:rPr lang="en-US" sz="2400" dirty="0">
+                <a:solidFill>
+                  <a:schemeClr val="bg1">
+                    <a:lumMod val="65000"/>
+                  </a:schemeClr>
+                </a:solidFill>
+                <a:latin typeface="Ubuntu" panose="020B0504030602030204" charset="0"/>
+                <a:cs typeface="Ubuntu" panose="020B0504030602030204" charset="0"/>
+              </a:rPr>
+              <a:t>Importance of Data Science</a:t>
+            </a:r>
+          </a:p>
+          <a:p>
+            <a:pPr marL="457200" indent="-457200" algn="l">
+              <a:buFont typeface="+mj-lt"/>
+              <a:buAutoNum type="arabicPeriod"/>
+            </a:pPr>
+            <a:r>
+              <a:rPr lang="en-US" sz="2400" dirty="0">
+                <a:solidFill>
+                  <a:schemeClr val="bg1">
+                    <a:lumMod val="65000"/>
+                  </a:schemeClr>
+                </a:solidFill>
+                <a:latin typeface="Ubuntu" panose="020B0504030602030204" charset="0"/>
+                <a:cs typeface="Ubuntu" panose="020B0504030602030204" charset="0"/>
+                <a:sym typeface="+mn-ea"/>
+              </a:rPr>
+              <a:t>Data Science Tools</a:t>
+            </a:r>
+            <a:endParaRPr lang="en-US" sz="2400" dirty="0">
+              <a:solidFill>
+                <a:schemeClr val="bg1">
+                  <a:lumMod val="65000"/>
+                </a:schemeClr>
+              </a:solidFill>
+              <a:latin typeface="Ubuntu" panose="020B0504030602030204" charset="0"/>
+              <a:cs typeface="Ubuntu" panose="020B0504030602030204" charset="0"/>
+            </a:endParaRPr>
+          </a:p>
+          <a:p>
+            <a:pPr marL="457200" indent="-457200" algn="l">
+              <a:buFont typeface="+mj-lt"/>
+              <a:buAutoNum type="arabicPeriod"/>
+            </a:pPr>
+            <a:r>
+              <a:rPr lang="en-US" sz="2400" dirty="0">
+                <a:solidFill>
+                  <a:schemeClr val="bg1">
+                    <a:lumMod val="65000"/>
+                  </a:schemeClr>
+                </a:solidFill>
+                <a:latin typeface="Ubuntu" panose="020B0504030602030204" charset="0"/>
+                <a:cs typeface="Ubuntu" panose="020B0504030602030204" charset="0"/>
+                <a:sym typeface="+mn-ea"/>
+              </a:rPr>
+              <a:t>Learning Objectives</a:t>
+            </a:r>
+          </a:p>
+          <a:p>
+            <a:pPr marL="457200" indent="-457200" algn="l">
+              <a:buFont typeface="+mj-lt"/>
+              <a:buAutoNum type="arabicPeriod"/>
+            </a:pPr>
+            <a:r>
+              <a:rPr lang="en-US" sz="2400" dirty="0">
+                <a:solidFill>
+                  <a:schemeClr val="bg1">
+                    <a:lumMod val="65000"/>
+                  </a:schemeClr>
+                </a:solidFill>
+                <a:latin typeface="Ubuntu" panose="020B0504030602030204" charset="0"/>
+                <a:cs typeface="Ubuntu" panose="020B0504030602030204" charset="0"/>
+                <a:sym typeface="+mn-ea"/>
+              </a:rPr>
+              <a:t>Recommended Background</a:t>
+            </a:r>
+          </a:p>
+          <a:p>
+            <a:pPr marL="457200" indent="-457200" algn="l">
+              <a:buFont typeface="+mj-lt"/>
+              <a:buAutoNum type="arabicPeriod"/>
+            </a:pPr>
+            <a:r>
+              <a:rPr lang="en-US" sz="2400" dirty="0">
+                <a:latin typeface="Ubuntu" panose="020B0504030602030204" charset="0"/>
+                <a:cs typeface="Ubuntu" panose="020B0504030602030204" charset="0"/>
+                <a:sym typeface="+mn-ea"/>
+              </a:rPr>
+              <a:t>Plan Outline</a:t>
+            </a:r>
+            <a:endParaRPr lang="en-US" sz="2400" dirty="0">
+              <a:latin typeface="Ubuntu" panose="020B0504030602030204" charset="0"/>
+              <a:cs typeface="Ubuntu" panose="020B0504030602030204" charset="0"/>
+            </a:endParaRPr>
+          </a:p>
+          <a:p>
+            <a:pPr marL="457200" indent="-457200" algn="l">
+              <a:buFont typeface="+mj-lt"/>
+              <a:buAutoNum type="arabicPeriod"/>
+            </a:pPr>
+            <a:endParaRPr lang="en-US" sz="2400" dirty="0">
+              <a:latin typeface="Ubuntu" panose="020B0504030602030204" charset="0"/>
+              <a:cs typeface="Ubuntu" panose="020B0504030602030204" charset="0"/>
+            </a:endParaRPr>
+          </a:p>
+        </p:txBody>
+      </p:sp>
+    </p:spTree>
+    <p:extLst>
+      <p:ext uri="{BB962C8B-B14F-4D97-AF65-F5344CB8AC3E}">
+        <p14:creationId xmlns:p14="http://schemas.microsoft.com/office/powerpoint/2010/main" val="2305071273"/>
+      </p:ext>
+    </p:extLst>
+  </p:cSld>
+  <p:clrMapOvr>
+    <a:masterClrMapping/>
+  </p:clrMapOvr>
+  <mc:AlternateContent xmlns:mc="http://schemas.openxmlformats.org/markup-compatibility/2006" xmlns:p14="http://schemas.microsoft.com/office/powerpoint/2010/main">
+    <mc:Choice Requires="p14">
+      <p:transition spd="slow" p14:dur="1200"/>
+    </mc:Choice>
+    <mc:Fallback xmlns="">
+      <p:transition spd="slow"/>
+    </mc:Fallback>
+  </mc:AlternateContent>
+</p:sld>
+</file>
+
+<file path=ppt/slides/slide18.xml><?xml version="1.0" encoding="utf-8"?>
+<p:sld xmlns:a="http://schemas.openxmlformats.org/drawingml/2006/main" xmlns:r="http://schemas.openxmlformats.org/officeDocument/2006/relationships" xmlns:p="http://schemas.openxmlformats.org/presentationml/2006/main">
+  <p:cSld>
+    <p:spTree>
+      <p:nvGrpSpPr>
+        <p:cNvPr id="1" name=""/>
+        <p:cNvGrpSpPr/>
+        <p:nvPr/>
+      </p:nvGrpSpPr>
+      <p:grpSpPr>
+        <a:xfrm>
+          <a:off x="0" y="0"/>
+          <a:ext cx="0" cy="0"/>
+          <a:chOff x="0" y="0"/>
+          <a:chExt cx="0" cy="0"/>
+        </a:xfrm>
+      </p:grpSpPr>
+      <p:sp>
+        <p:nvSpPr>
+          <p:cNvPr id="2" name="Title 1"/>
+          <p:cNvSpPr>
+            <a:spLocks noGrp="1"/>
+          </p:cNvSpPr>
+          <p:nvPr>
+            <p:ph type="title"/>
+          </p:nvPr>
+        </p:nvSpPr>
+        <p:spPr/>
+        <p:txBody>
+          <a:bodyPr/>
+          <a:lstStyle/>
+          <a:p>
+            <a:pPr algn="l"/>
+            <a:r>
+              <a:rPr lang="en-US">
+                <a:latin typeface="Ubuntu" panose="020B0504030602030204" charset="0"/>
+                <a:cs typeface="Ubuntu" panose="020B0504030602030204" charset="0"/>
+              </a:rPr>
+              <a:t>Plan Outline</a:t>
+            </a:r>
           </a:p>
         </p:txBody>
       </p:sp>
@@ -7299,6 +8963,7 @@
         </p:spPr>
         <p:txBody>
           <a:bodyPr/>
+          <a:lstStyle/>
           <a:p>
             <a:pPr marL="0" indent="0" algn="l">
               <a:buNone/>
@@ -7310,10 +8975,6 @@
               </a:rPr>
               <a:t>1. Data Preparation</a:t>
             </a:r>
-            <a:endParaRPr lang="en-US" sz="2800">
-              <a:latin typeface="Ubuntu" panose="020B0504030602030204" charset="0"/>
-              <a:cs typeface="Ubuntu" panose="020B0504030602030204" charset="0"/>
-            </a:endParaRPr>
           </a:p>
         </p:txBody>
       </p:sp>
@@ -7329,7 +8990,7 @@
         </p:xfrm>
         <a:graphic>
           <a:graphicData uri="http://schemas.openxmlformats.org/drawingml/2006/diagram">
-            <dgm:relIds xmlns:dgm="http://schemas.openxmlformats.org/drawingml/2006/diagram" xmlns:r="http://schemas.openxmlformats.org/officeDocument/2006/relationships" r:dm="rId1" r:lo="rId2" r:qs="rId3" r:cs="rId4"/>
+            <dgm:relIds xmlns:dgm="http://schemas.openxmlformats.org/drawingml/2006/diagram" xmlns:r="http://schemas.openxmlformats.org/officeDocument/2006/relationships" r:dm="rId2" r:lo="rId3" r:qs="rId4" r:cs="rId5"/>
           </a:graphicData>
         </a:graphic>
       </p:graphicFrame>
@@ -7549,10 +9210,6 @@
               </a:rPr>
               <a:t>2. Machine Learning</a:t>
             </a:r>
-            <a:endParaRPr lang="en-US" sz="2800">
-              <a:latin typeface="Ubuntu" panose="020B0504030602030204" charset="0"/>
-              <a:cs typeface="Ubuntu" panose="020B0504030602030204" charset="0"/>
-            </a:endParaRPr>
           </a:p>
         </p:txBody>
       </p:sp>
@@ -7772,10 +9429,6 @@
               </a:rPr>
               <a:t>3. Deployment and Communicating Results </a:t>
             </a:r>
-            <a:endParaRPr lang="en-US" sz="2800">
-              <a:latin typeface="Ubuntu" panose="020B0504030602030204" charset="0"/>
-              <a:cs typeface="Ubuntu" panose="020B0504030602030204" charset="0"/>
-            </a:endParaRPr>
           </a:p>
         </p:txBody>
       </p:sp>
@@ -7995,10 +9648,6 @@
               </a:rPr>
               <a:t>Supervise and Unsupervise learning, Hyperparameter tunning, Ensemble Learning, and how to evaluate ML model ...</a:t>
             </a:r>
-            <a:endParaRPr lang="en-US" sz="2000">
-              <a:latin typeface="Ubuntu" panose="020B0504030602030204" charset="0"/>
-              <a:cs typeface="Ubuntu" panose="020B0504030602030204" charset="0"/>
-            </a:endParaRPr>
           </a:p>
         </p:txBody>
       </p:sp>
@@ -8010,7 +9659,7 @@
 </p:sld>
 </file>
 
-<file path=ppt/slides/slide13.xml><?xml version="1.0" encoding="utf-8"?>
+<file path=ppt/slides/slide19.xml><?xml version="1.0" encoding="utf-8"?>
 <p:sld xmlns:a="http://schemas.openxmlformats.org/drawingml/2006/main" xmlns:r="http://schemas.openxmlformats.org/officeDocument/2006/relationships" xmlns:p="http://schemas.openxmlformats.org/presentationml/2006/main">
   <p:cSld>
     <p:spTree>
@@ -8019,7 +9668,14 @@
         <p:cNvGrpSpPr/>
         <p:nvPr/>
       </p:nvGrpSpPr>
-      <p:grpSpPr/>
+      <p:grpSpPr>
+        <a:xfrm>
+          <a:off x="0" y="0"/>
+          <a:ext cx="0" cy="0"/>
+          <a:chOff x="0" y="0"/>
+          <a:chExt cx="0" cy="0"/>
+        </a:xfrm>
+      </p:grpSpPr>
       <p:sp>
         <p:nvSpPr>
           <p:cNvPr id="2" name="Title 1"/>
@@ -8033,6 +9689,7 @@
         <p:spPr/>
         <p:txBody>
           <a:bodyPr/>
+          <a:lstStyle/>
           <a:p>
             <a:pPr algn="l"/>
             <a:r>
@@ -8042,10 +9699,6 @@
               </a:rPr>
               <a:t>References</a:t>
             </a:r>
-            <a:endParaRPr lang="en-US">
-              <a:latin typeface="Ubuntu" panose="020B0504030602030204" charset="0"/>
-              <a:cs typeface="Ubuntu" panose="020B0504030602030204" charset="0"/>
-            </a:endParaRPr>
           </a:p>
         </p:txBody>
       </p:sp>
@@ -8062,146 +9715,31 @@
         <p:spPr/>
         <p:txBody>
           <a:bodyPr/>
+          <a:lstStyle/>
           <a:p>
             <a:pPr algn="l"/>
             <a:r>
               <a:rPr lang="en-US" sz="2400">
                 <a:latin typeface="Ubuntu" panose="020B0504030602030204" charset="0"/>
                 <a:cs typeface="Ubuntu" panose="020B0504030602030204" charset="0"/>
-                <a:hlinkClick r:id="rId1"/>
+                <a:hlinkClick r:id="rId2"/>
               </a:rPr>
               <a:t>http://www.datasciencecourse.org/</a:t>
+            </a:r>
+          </a:p>
+          <a:p>
+            <a:pPr algn="l"/>
+            <a:r>
+              <a:rPr lang="en-US" sz="2400">
+                <a:latin typeface="Ubuntu" panose="020B0504030602030204" charset="0"/>
+                <a:cs typeface="Ubuntu" panose="020B0504030602030204" charset="0"/>
+                <a:hlinkClick r:id="rId3" action="ppaction://hlinkfile"/>
+              </a:rPr>
+              <a:t>https://www.slideshare.net/fvsandoval/introduction-to-data-science-164979975</a:t>
             </a:r>
             <a:endParaRPr lang="en-US" sz="2400">
               <a:latin typeface="Ubuntu" panose="020B0504030602030204" charset="0"/>
               <a:cs typeface="Ubuntu" panose="020B0504030602030204" charset="0"/>
-              <a:hlinkClick r:id="rId1"/>
-            </a:endParaRPr>
-          </a:p>
-          <a:p>
-            <a:pPr algn="l"/>
-            <a:r>
-              <a:rPr lang="en-US" sz="2400">
-                <a:latin typeface="Ubuntu" panose="020B0504030602030204" charset="0"/>
-                <a:cs typeface="Ubuntu" panose="020B0504030602030204" charset="0"/>
-                <a:hlinkClick r:id="rId2" action="ppaction://hlinkfile"/>
-              </a:rPr>
-              <a:t>https://www.slideshare.net/fvsandoval/introduction-to-data-science-164979975</a:t>
-            </a:r>
-            <a:endParaRPr lang="en-US" sz="2400">
-              <a:latin typeface="Ubuntu" panose="020B0504030602030204" charset="0"/>
-              <a:cs typeface="Ubuntu" panose="020B0504030602030204" charset="0"/>
-            </a:endParaRPr>
-          </a:p>
-        </p:txBody>
-      </p:sp>
-    </p:spTree>
-  </p:cSld>
-  <p:clrMapOvr>
-    <a:masterClrMapping/>
-  </p:clrMapOvr>
-</p:sld>
-</file>
-
-<file path=ppt/slides/slide14.xml><?xml version="1.0" encoding="utf-8"?>
-<p:sld xmlns:a="http://schemas.openxmlformats.org/drawingml/2006/main" xmlns:r="http://schemas.openxmlformats.org/officeDocument/2006/relationships" xmlns:p="http://schemas.openxmlformats.org/presentationml/2006/main">
-  <p:cSld>
-    <p:spTree>
-      <p:nvGrpSpPr>
-        <p:cNvPr id="1" name=""/>
-        <p:cNvGrpSpPr/>
-        <p:nvPr/>
-      </p:nvGrpSpPr>
-      <p:grpSpPr/>
-      <p:sp>
-        <p:nvSpPr>
-          <p:cNvPr id="2" name="Title 1"/>
-          <p:cNvSpPr>
-            <a:spLocks noGrp="1"/>
-          </p:cNvSpPr>
-          <p:nvPr>
-            <p:ph type="title"/>
-          </p:nvPr>
-        </p:nvSpPr>
-        <p:spPr>
-          <a:xfrm>
-            <a:off x="609600" y="1556385"/>
-            <a:ext cx="10972800" cy="1511935"/>
-          </a:xfrm>
-        </p:spPr>
-        <p:txBody>
-          <a:bodyPr/>
-          <a:p>
-            <a:pPr algn="ctr">
-              <a:lnSpc>
-                <a:spcPct val="250000"/>
-              </a:lnSpc>
-            </a:pPr>
-            <a:r>
-              <a:rPr lang="en-US">
-                <a:latin typeface="Ubuntu" panose="020B0504030602030204" charset="0"/>
-                <a:cs typeface="Ubuntu" panose="020B0504030602030204" charset="0"/>
-              </a:rPr>
-              <a:t>Thanks</a:t>
-            </a:r>
-            <a:endParaRPr lang="en-US">
-              <a:latin typeface="Ubuntu" panose="020B0504030602030204" charset="0"/>
-              <a:cs typeface="Ubuntu" panose="020B0504030602030204" charset="0"/>
-            </a:endParaRPr>
-          </a:p>
-        </p:txBody>
-      </p:sp>
-      <p:sp>
-        <p:nvSpPr>
-          <p:cNvPr id="3" name="Content Placeholder 2"/>
-          <p:cNvSpPr>
-            <a:spLocks noGrp="1"/>
-          </p:cNvSpPr>
-          <p:nvPr>
-            <p:ph idx="1"/>
-          </p:nvPr>
-        </p:nvSpPr>
-        <p:spPr>
-          <a:xfrm>
-            <a:off x="609600" y="3178175"/>
-            <a:ext cx="10972800" cy="2948305"/>
-          </a:xfrm>
-        </p:spPr>
-        <p:txBody>
-          <a:bodyPr/>
-          <a:p>
-            <a:pPr marL="0" indent="0" algn="ctr">
-              <a:buNone/>
-            </a:pPr>
-            <a:r>
-              <a:rPr lang="en-US" sz="2400">
-                <a:latin typeface="Ubuntu" panose="020B0504030602030204" charset="0"/>
-                <a:cs typeface="Ubuntu" panose="020B0504030602030204" charset="0"/>
-              </a:rPr>
-              <a:t>Please keep updated: </a:t>
-            </a:r>
-            <a:endParaRPr lang="en-US" sz="2400">
-              <a:latin typeface="Ubuntu" panose="020B0504030602030204" charset="0"/>
-              <a:cs typeface="Ubuntu" panose="020B0504030602030204" charset="0"/>
-            </a:endParaRPr>
-          </a:p>
-          <a:p>
-            <a:pPr marL="0" indent="0" algn="ctr">
-              <a:buNone/>
-            </a:pPr>
-            <a:r>
-              <a:rPr lang="en-US" sz="2400">
-                <a:latin typeface="Ubuntu" panose="020B0504030602030204" charset="0"/>
-                <a:cs typeface="Ubuntu" panose="020B0504030602030204" charset="0"/>
-                <a:sym typeface="+mn-ea"/>
-                <a:hlinkClick r:id="rId1" action="ppaction://hlinkfile"/>
-              </a:rPr>
-              <a:t>https://github.com/kershrita/IEEE-Data-Science</a:t>
-            </a:r>
-            <a:endParaRPr lang="en-US" sz="2400">
-              <a:latin typeface="Ubuntu" panose="020B0504030602030204" charset="0"/>
-              <a:cs typeface="Ubuntu" panose="020B0504030602030204" charset="0"/>
-              <a:sym typeface="+mn-ea"/>
             </a:endParaRPr>
           </a:p>
         </p:txBody>
@@ -8223,7 +9761,14 @@
         <p:cNvGrpSpPr/>
         <p:nvPr/>
       </p:nvGrpSpPr>
-      <p:grpSpPr/>
+      <p:grpSpPr>
+        <a:xfrm>
+          <a:off x="0" y="0"/>
+          <a:ext cx="0" cy="0"/>
+          <a:chOff x="0" y="0"/>
+          <a:chExt cx="0" cy="0"/>
+        </a:xfrm>
+      </p:grpSpPr>
       <p:sp>
         <p:nvSpPr>
           <p:cNvPr id="2" name="Title 1"/>
@@ -8242,6 +9787,7 @@
         </p:spPr>
         <p:txBody>
           <a:bodyPr/>
+          <a:lstStyle/>
           <a:p>
             <a:pPr algn="ctr"/>
             <a:r>
@@ -8251,10 +9797,6 @@
               </a:rPr>
               <a:t>Ashraf Abdulkhaliq Bassuoni</a:t>
             </a:r>
-            <a:endParaRPr lang="en-US">
-              <a:latin typeface="Ubuntu" panose="020B0504030602030204" charset="0"/>
-              <a:cs typeface="Ubuntu" panose="020B0504030602030204" charset="0"/>
-            </a:endParaRPr>
           </a:p>
         </p:txBody>
       </p:sp>
@@ -8276,6 +9818,7 @@
         </p:spPr>
         <p:txBody>
           <a:bodyPr/>
+          <a:lstStyle/>
           <a:p>
             <a:pPr marL="0" indent="0" algn="l">
               <a:buNone/>
@@ -8287,10 +9830,6 @@
               </a:rPr>
               <a:t>Student at Faculty of Artificial Intelligence (level three), Microsoft Learn Student Ambassador, Data Science Head at IEEE KSB, Data Science Intern at SHAI.</a:t>
             </a:r>
-            <a:endParaRPr lang="en-US" sz="2400">
-              <a:latin typeface="Ubuntu" panose="020B0504030602030204" charset="0"/>
-              <a:cs typeface="Ubuntu" panose="020B0504030602030204" charset="0"/>
-            </a:endParaRPr>
           </a:p>
         </p:txBody>
       </p:sp>
@@ -8309,7 +9848,7 @@
             <a:avLst/>
           </a:prstGeom>
           <a:blipFill rotWithShape="1">
-            <a:blip r:embed="rId1"/>
+            <a:blip r:embed="rId3"/>
             <a:stretch>
               <a:fillRect/>
             </a:stretch>
@@ -8336,6 +9875,7 @@
         </p:style>
         <p:txBody>
           <a:bodyPr rtlCol="0" anchor="ctr"/>
+          <a:lstStyle/>
           <a:p>
             <a:pPr algn="ctr"/>
             <a:endParaRPr lang="en-US"/>
@@ -8362,90 +9902,593 @@
           <a:bodyPr wrap="square" rtlCol="0" anchor="t">
             <a:spAutoFit/>
           </a:bodyPr>
+          <a:lstStyle/>
           <a:p>
             <a:pPr algn="ctr"/>
             <a:r>
               <a:rPr lang="en-US" altLang="zh-CN">
+                <a:latin typeface="Ubuntu" panose="020B0504030602030204" charset="0"/>
+                <a:cs typeface="Ubuntu" panose="020B0504030602030204" charset="0"/>
+                <a:sym typeface="+mn-ea"/>
+                <a:hlinkClick r:id="rId4" action="ppaction://hlinkfile"/>
+              </a:rPr>
+              <a:t>LinkedIn</a:t>
+            </a:r>
+            <a:r>
+              <a:rPr lang="en-US" altLang="zh-CN">
+                <a:latin typeface="Ubuntu" panose="020B0504030602030204" charset="0"/>
+                <a:cs typeface="Ubuntu" panose="020B0504030602030204" charset="0"/>
+                <a:sym typeface="+mn-ea"/>
+              </a:rPr>
+              <a:t> | </a:t>
+            </a:r>
+            <a:r>
+              <a:rPr lang="en-US" altLang="zh-CN">
+                <a:latin typeface="Ubuntu" panose="020B0504030602030204" charset="0"/>
+                <a:cs typeface="Ubuntu" panose="020B0504030602030204" charset="0"/>
+                <a:sym typeface="+mn-ea"/>
+                <a:hlinkClick r:id="rId5" action="ppaction://hlinkfile"/>
+              </a:rPr>
+              <a:t>GitHub</a:t>
+            </a:r>
+            <a:r>
+              <a:rPr lang="en-US" altLang="zh-CN">
+                <a:latin typeface="Ubuntu" panose="020B0504030602030204" charset="0"/>
+                <a:cs typeface="Ubuntu" panose="020B0504030602030204" charset="0"/>
+                <a:sym typeface="+mn-ea"/>
+              </a:rPr>
+              <a:t> | </a:t>
+            </a:r>
+            <a:r>
+              <a:rPr lang="en-US" altLang="zh-CN">
+                <a:latin typeface="Ubuntu" panose="020B0504030602030204" charset="0"/>
+                <a:cs typeface="Ubuntu" panose="020B0504030602030204" charset="0"/>
+                <a:sym typeface="+mn-ea"/>
+                <a:hlinkClick r:id="rId6" action="ppaction://hlinkfile"/>
+              </a:rPr>
+              <a:t>Microsoft Learn</a:t>
+            </a:r>
+            <a:r>
+              <a:rPr lang="en-US" altLang="zh-CN">
+                <a:latin typeface="Ubuntu" panose="020B0504030602030204" charset="0"/>
+                <a:cs typeface="Ubuntu" panose="020B0504030602030204" charset="0"/>
+                <a:sym typeface="+mn-ea"/>
+              </a:rPr>
+              <a:t> | </a:t>
+            </a:r>
+            <a:r>
+              <a:rPr lang="en-US" altLang="zh-CN">
+                <a:latin typeface="Ubuntu" panose="020B0504030602030204" charset="0"/>
+                <a:cs typeface="Ubuntu" panose="020B0504030602030204" charset="0"/>
+                <a:sym typeface="+mn-ea"/>
+                <a:hlinkClick r:id="rId7" action="ppaction://hlinkfile"/>
+              </a:rPr>
+              <a:t>Kaggle</a:t>
+            </a:r>
+            <a:r>
+              <a:rPr lang="en-US" altLang="zh-CN">
+                <a:latin typeface="Ubuntu" panose="020B0504030602030204" charset="0"/>
+                <a:cs typeface="Ubuntu" panose="020B0504030602030204" charset="0"/>
+                <a:sym typeface="+mn-ea"/>
+              </a:rPr>
+              <a:t> | </a:t>
+            </a:r>
+            <a:r>
+              <a:rPr lang="en-US" altLang="zh-CN">
+                <a:latin typeface="Ubuntu" panose="020B0504030602030204" charset="0"/>
+                <a:cs typeface="Ubuntu" panose="020B0504030602030204" charset="0"/>
+                <a:sym typeface="+mn-ea"/>
+                <a:hlinkClick r:id="rId8" action="ppaction://hlinkfile"/>
+              </a:rPr>
+              <a:t>Codeforces</a:t>
+            </a:r>
+            <a:endParaRPr lang="en-US"/>
+          </a:p>
+        </p:txBody>
+      </p:sp>
+    </p:spTree>
+  </p:cSld>
+  <p:clrMapOvr>
+    <a:masterClrMapping/>
+  </p:clrMapOvr>
+  <mc:AlternateContent xmlns:mc="http://schemas.openxmlformats.org/markup-compatibility/2006" xmlns:p14="http://schemas.microsoft.com/office/powerpoint/2010/main">
+    <mc:Choice Requires="p14">
+      <p:transition spd="slow" p14:dur="1200"/>
+    </mc:Choice>
+    <mc:Fallback xmlns="">
+      <p:transition spd="slow"/>
+    </mc:Fallback>
+  </mc:AlternateContent>
+</p:sld>
+</file>
+
+<file path=ppt/slides/slide20.xml><?xml version="1.0" encoding="utf-8"?>
+<p:sld xmlns:a="http://schemas.openxmlformats.org/drawingml/2006/main" xmlns:r="http://schemas.openxmlformats.org/officeDocument/2006/relationships" xmlns:p="http://schemas.openxmlformats.org/presentationml/2006/main">
+  <p:cSld>
+    <p:spTree>
+      <p:nvGrpSpPr>
+        <p:cNvPr id="1" name=""/>
+        <p:cNvGrpSpPr/>
+        <p:nvPr/>
+      </p:nvGrpSpPr>
+      <p:grpSpPr>
+        <a:xfrm>
+          <a:off x="0" y="0"/>
+          <a:ext cx="0" cy="0"/>
+          <a:chOff x="0" y="0"/>
+          <a:chExt cx="0" cy="0"/>
+        </a:xfrm>
+      </p:grpSpPr>
+      <p:sp>
+        <p:nvSpPr>
+          <p:cNvPr id="2" name="Title 1"/>
+          <p:cNvSpPr>
+            <a:spLocks noGrp="1"/>
+          </p:cNvSpPr>
+          <p:nvPr>
+            <p:ph type="title"/>
+          </p:nvPr>
+        </p:nvSpPr>
+        <p:spPr>
+          <a:xfrm>
+            <a:off x="609600" y="1556385"/>
+            <a:ext cx="10972800" cy="1511935"/>
+          </a:xfrm>
+        </p:spPr>
+        <p:txBody>
+          <a:bodyPr/>
+          <a:lstStyle/>
+          <a:p>
+            <a:pPr algn="ctr">
+              <a:lnSpc>
+                <a:spcPct val="250000"/>
+              </a:lnSpc>
+            </a:pPr>
+            <a:r>
+              <a:rPr lang="en-US">
+                <a:latin typeface="Ubuntu" panose="020B0504030602030204" charset="0"/>
+                <a:cs typeface="Ubuntu" panose="020B0504030602030204" charset="0"/>
+              </a:rPr>
+              <a:t>Thanks</a:t>
+            </a:r>
+          </a:p>
+        </p:txBody>
+      </p:sp>
+      <p:sp>
+        <p:nvSpPr>
+          <p:cNvPr id="3" name="Content Placeholder 2"/>
+          <p:cNvSpPr>
+            <a:spLocks noGrp="1"/>
+          </p:cNvSpPr>
+          <p:nvPr>
+            <p:ph idx="1"/>
+          </p:nvPr>
+        </p:nvSpPr>
+        <p:spPr>
+          <a:xfrm>
+            <a:off x="609600" y="3178175"/>
+            <a:ext cx="10972800" cy="2948305"/>
+          </a:xfrm>
+        </p:spPr>
+        <p:txBody>
+          <a:bodyPr/>
+          <a:lstStyle/>
+          <a:p>
+            <a:pPr marL="0" indent="0" algn="ctr">
+              <a:buNone/>
+            </a:pPr>
+            <a:r>
+              <a:rPr lang="en-US" sz="2400">
+                <a:latin typeface="Ubuntu" panose="020B0504030602030204" charset="0"/>
+                <a:cs typeface="Ubuntu" panose="020B0504030602030204" charset="0"/>
+              </a:rPr>
+              <a:t>Please keep updated: </a:t>
+            </a:r>
+          </a:p>
+          <a:p>
+            <a:pPr marL="0" indent="0" algn="ctr">
+              <a:buNone/>
+            </a:pPr>
+            <a:r>
+              <a:rPr lang="en-US" sz="2400">
                 <a:latin typeface="Ubuntu" panose="020B0504030602030204" charset="0"/>
                 <a:cs typeface="Ubuntu" panose="020B0504030602030204" charset="0"/>
                 <a:sym typeface="+mn-ea"/>
                 <a:hlinkClick r:id="rId2" action="ppaction://hlinkfile"/>
               </a:rPr>
-              <a:t>LinkedIn</a:t>
-            </a:r>
-            <a:r>
-              <a:rPr lang="en-US" altLang="zh-CN">
+              <a:t>https://github.com/kershrita/IEEE-Data-Science</a:t>
+            </a:r>
+            <a:endParaRPr lang="en-US" sz="2400">
+              <a:latin typeface="Ubuntu" panose="020B0504030602030204" charset="0"/>
+              <a:cs typeface="Ubuntu" panose="020B0504030602030204" charset="0"/>
+              <a:sym typeface="+mn-ea"/>
+            </a:endParaRPr>
+          </a:p>
+        </p:txBody>
+      </p:sp>
+    </p:spTree>
+  </p:cSld>
+  <p:clrMapOvr>
+    <a:masterClrMapping/>
+  </p:clrMapOvr>
+</p:sld>
+</file>
+
+<file path=ppt/slides/slide3.xml><?xml version="1.0" encoding="utf-8"?>
+<p:sld xmlns:a="http://schemas.openxmlformats.org/drawingml/2006/main" xmlns:r="http://schemas.openxmlformats.org/officeDocument/2006/relationships" xmlns:p="http://schemas.openxmlformats.org/presentationml/2006/main">
+  <p:cSld>
+    <p:spTree>
+      <p:nvGrpSpPr>
+        <p:cNvPr id="1" name=""/>
+        <p:cNvGrpSpPr/>
+        <p:nvPr/>
+      </p:nvGrpSpPr>
+      <p:grpSpPr>
+        <a:xfrm>
+          <a:off x="0" y="0"/>
+          <a:ext cx="0" cy="0"/>
+          <a:chOff x="0" y="0"/>
+          <a:chExt cx="0" cy="0"/>
+        </a:xfrm>
+      </p:grpSpPr>
+      <p:sp>
+        <p:nvSpPr>
+          <p:cNvPr id="2" name="Title 1"/>
+          <p:cNvSpPr>
+            <a:spLocks noGrp="1"/>
+          </p:cNvSpPr>
+          <p:nvPr>
+            <p:ph type="title"/>
+          </p:nvPr>
+        </p:nvSpPr>
+        <p:spPr/>
+        <p:txBody>
+          <a:bodyPr/>
+          <a:lstStyle/>
+          <a:p>
+            <a:pPr algn="l"/>
+            <a:r>
+              <a:rPr lang="en-US">
+                <a:latin typeface="Ubuntu" panose="020B0504030602030204" charset="0"/>
+                <a:cs typeface="Ubuntu" panose="020B0504030602030204" charset="0"/>
+              </a:rPr>
+              <a:t>Outline</a:t>
+            </a:r>
+          </a:p>
+        </p:txBody>
+      </p:sp>
+      <p:sp>
+        <p:nvSpPr>
+          <p:cNvPr id="3" name="Content Placeholder 2"/>
+          <p:cNvSpPr>
+            <a:spLocks noGrp="1"/>
+          </p:cNvSpPr>
+          <p:nvPr>
+            <p:ph idx="1"/>
+          </p:nvPr>
+        </p:nvSpPr>
+        <p:spPr/>
+        <p:txBody>
+          <a:bodyPr/>
+          <a:lstStyle/>
+          <a:p>
+            <a:pPr marL="457200" indent="-457200" algn="l">
+              <a:buFont typeface="+mj-lt"/>
+              <a:buAutoNum type="arabicPeriod"/>
+            </a:pPr>
+            <a:r>
+              <a:rPr lang="en-US" sz="2400" dirty="0">
+                <a:latin typeface="Ubuntu" panose="020B0504030602030204" charset="0"/>
+                <a:cs typeface="Ubuntu" panose="020B0504030602030204" charset="0"/>
+              </a:rPr>
+              <a:t>What’s Data Science?</a:t>
+            </a:r>
+          </a:p>
+          <a:p>
+            <a:pPr marL="457200" indent="-457200" algn="l">
+              <a:buFont typeface="+mj-lt"/>
+              <a:buAutoNum type="arabicPeriod"/>
+            </a:pPr>
+            <a:r>
+              <a:rPr lang="en-US" sz="2400" dirty="0">
+                <a:latin typeface="Ubuntu" panose="020B0504030602030204" charset="0"/>
+                <a:cs typeface="Ubuntu" panose="020B0504030602030204" charset="0"/>
+              </a:rPr>
+              <a:t>Importance of Data Science</a:t>
+            </a:r>
+          </a:p>
+          <a:p>
+            <a:pPr marL="457200" indent="-457200" algn="l">
+              <a:buFont typeface="+mj-lt"/>
+              <a:buAutoNum type="arabicPeriod"/>
+            </a:pPr>
+            <a:r>
+              <a:rPr lang="en-US" sz="2400" dirty="0">
                 <a:latin typeface="Ubuntu" panose="020B0504030602030204" charset="0"/>
                 <a:cs typeface="Ubuntu" panose="020B0504030602030204" charset="0"/>
                 <a:sym typeface="+mn-ea"/>
               </a:rPr>
-              <a:t> | </a:t>
-            </a:r>
-            <a:r>
-              <a:rPr lang="en-US" altLang="zh-CN">
+              <a:t>Data Science Tools</a:t>
+            </a:r>
+            <a:endParaRPr lang="en-US" sz="2400" dirty="0">
+              <a:latin typeface="Ubuntu" panose="020B0504030602030204" charset="0"/>
+              <a:cs typeface="Ubuntu" panose="020B0504030602030204" charset="0"/>
+            </a:endParaRPr>
+          </a:p>
+          <a:p>
+            <a:pPr marL="457200" indent="-457200" algn="l">
+              <a:buFont typeface="+mj-lt"/>
+              <a:buAutoNum type="arabicPeriod"/>
+            </a:pPr>
+            <a:r>
+              <a:rPr lang="en-US" sz="2400" dirty="0">
                 <a:latin typeface="Ubuntu" panose="020B0504030602030204" charset="0"/>
                 <a:cs typeface="Ubuntu" panose="020B0504030602030204" charset="0"/>
                 <a:sym typeface="+mn-ea"/>
-                <a:hlinkClick r:id="rId3" tooltip="" action="ppaction://hlinkfile"/>
-              </a:rPr>
-              <a:t>GitHub</a:t>
-            </a:r>
-            <a:r>
-              <a:rPr lang="en-US" altLang="zh-CN">
+              </a:rPr>
+              <a:t>Learning Objectives</a:t>
+            </a:r>
+          </a:p>
+          <a:p>
+            <a:pPr marL="457200" indent="-457200" algn="l">
+              <a:buFont typeface="+mj-lt"/>
+              <a:buAutoNum type="arabicPeriod"/>
+            </a:pPr>
+            <a:r>
+              <a:rPr lang="en-US" sz="2400" dirty="0">
                 <a:latin typeface="Ubuntu" panose="020B0504030602030204" charset="0"/>
                 <a:cs typeface="Ubuntu" panose="020B0504030602030204" charset="0"/>
                 <a:sym typeface="+mn-ea"/>
               </a:rPr>
-              <a:t> | </a:t>
-            </a:r>
-            <a:r>
-              <a:rPr lang="en-US" altLang="zh-CN">
+              <a:t>Recommended Background</a:t>
+            </a:r>
+          </a:p>
+          <a:p>
+            <a:pPr marL="457200" indent="-457200" algn="l">
+              <a:buFont typeface="+mj-lt"/>
+              <a:buAutoNum type="arabicPeriod"/>
+            </a:pPr>
+            <a:r>
+              <a:rPr lang="en-US" sz="2400" dirty="0">
                 <a:latin typeface="Ubuntu" panose="020B0504030602030204" charset="0"/>
                 <a:cs typeface="Ubuntu" panose="020B0504030602030204" charset="0"/>
                 <a:sym typeface="+mn-ea"/>
-                <a:hlinkClick r:id="rId4" tooltip="" action="ppaction://hlinkfile"/>
-              </a:rPr>
-              <a:t>Microsoft Learn</a:t>
-            </a:r>
-            <a:r>
-              <a:rPr lang="en-US" altLang="zh-CN">
+              </a:rPr>
+              <a:t>Plan Outline</a:t>
+            </a:r>
+            <a:endParaRPr lang="en-US" sz="2400" dirty="0">
+              <a:latin typeface="Ubuntu" panose="020B0504030602030204" charset="0"/>
+              <a:cs typeface="Ubuntu" panose="020B0504030602030204" charset="0"/>
+            </a:endParaRPr>
+          </a:p>
+          <a:p>
+            <a:pPr marL="457200" indent="-457200" algn="l">
+              <a:buFont typeface="+mj-lt"/>
+              <a:buAutoNum type="arabicPeriod"/>
+            </a:pPr>
+            <a:endParaRPr lang="en-US" sz="2400" dirty="0">
+              <a:latin typeface="Ubuntu" panose="020B0504030602030204" charset="0"/>
+              <a:cs typeface="Ubuntu" panose="020B0504030602030204" charset="0"/>
+            </a:endParaRPr>
+          </a:p>
+        </p:txBody>
+      </p:sp>
+    </p:spTree>
+  </p:cSld>
+  <p:clrMapOvr>
+    <a:masterClrMapping/>
+  </p:clrMapOvr>
+  <mc:AlternateContent xmlns:mc="http://schemas.openxmlformats.org/markup-compatibility/2006" xmlns:p14="http://schemas.microsoft.com/office/powerpoint/2010/main">
+    <mc:Choice Requires="p14">
+      <p:transition spd="slow" p14:dur="1200"/>
+    </mc:Choice>
+    <mc:Fallback xmlns="">
+      <p:transition spd="slow"/>
+    </mc:Fallback>
+  </mc:AlternateContent>
+</p:sld>
+</file>
+
+<file path=ppt/slides/slide4.xml><?xml version="1.0" encoding="utf-8"?>
+<p:sld xmlns:a="http://schemas.openxmlformats.org/drawingml/2006/main" xmlns:r="http://schemas.openxmlformats.org/officeDocument/2006/relationships" xmlns:p="http://schemas.openxmlformats.org/presentationml/2006/main">
+  <p:cSld>
+    <p:spTree>
+      <p:nvGrpSpPr>
+        <p:cNvPr id="1" name=""/>
+        <p:cNvGrpSpPr/>
+        <p:nvPr/>
+      </p:nvGrpSpPr>
+      <p:grpSpPr>
+        <a:xfrm>
+          <a:off x="0" y="0"/>
+          <a:ext cx="0" cy="0"/>
+          <a:chOff x="0" y="0"/>
+          <a:chExt cx="0" cy="0"/>
+        </a:xfrm>
+      </p:grpSpPr>
+      <p:sp>
+        <p:nvSpPr>
+          <p:cNvPr id="2" name="Title 1"/>
+          <p:cNvSpPr>
+            <a:spLocks noGrp="1"/>
+          </p:cNvSpPr>
+          <p:nvPr>
+            <p:ph type="title"/>
+          </p:nvPr>
+        </p:nvSpPr>
+        <p:spPr/>
+        <p:txBody>
+          <a:bodyPr/>
+          <a:lstStyle/>
+          <a:p>
+            <a:pPr algn="l"/>
+            <a:r>
+              <a:rPr lang="en-US">
+                <a:latin typeface="Ubuntu" panose="020B0504030602030204" charset="0"/>
+                <a:cs typeface="Ubuntu" panose="020B0504030602030204" charset="0"/>
+              </a:rPr>
+              <a:t>Outline</a:t>
+            </a:r>
+          </a:p>
+        </p:txBody>
+      </p:sp>
+      <p:sp>
+        <p:nvSpPr>
+          <p:cNvPr id="3" name="Content Placeholder 2"/>
+          <p:cNvSpPr>
+            <a:spLocks noGrp="1"/>
+          </p:cNvSpPr>
+          <p:nvPr>
+            <p:ph idx="1"/>
+          </p:nvPr>
+        </p:nvSpPr>
+        <p:spPr/>
+        <p:txBody>
+          <a:bodyPr/>
+          <a:lstStyle/>
+          <a:p>
+            <a:pPr marL="457200" indent="-457200" algn="l">
+              <a:buFont typeface="+mj-lt"/>
+              <a:buAutoNum type="arabicPeriod"/>
+            </a:pPr>
+            <a:r>
+              <a:rPr lang="en-US" sz="2400" dirty="0">
+                <a:latin typeface="Ubuntu" panose="020B0504030602030204" charset="0"/>
+                <a:cs typeface="Ubuntu" panose="020B0504030602030204" charset="0"/>
+              </a:rPr>
+              <a:t>What’s Data Science?</a:t>
+            </a:r>
+          </a:p>
+          <a:p>
+            <a:pPr marL="457200" indent="-457200" algn="l">
+              <a:buFont typeface="+mj-lt"/>
+              <a:buAutoNum type="arabicPeriod"/>
+            </a:pPr>
+            <a:r>
+              <a:rPr lang="en-US" sz="2400" dirty="0">
+                <a:solidFill>
+                  <a:schemeClr val="bg1">
+                    <a:lumMod val="65000"/>
+                  </a:schemeClr>
+                </a:solidFill>
+                <a:latin typeface="Ubuntu" panose="020B0504030602030204" charset="0"/>
+                <a:cs typeface="Ubuntu" panose="020B0504030602030204" charset="0"/>
+              </a:rPr>
+              <a:t>Importance of Data Science</a:t>
+            </a:r>
+          </a:p>
+          <a:p>
+            <a:pPr marL="457200" indent="-457200" algn="l">
+              <a:buFont typeface="+mj-lt"/>
+              <a:buAutoNum type="arabicPeriod"/>
+            </a:pPr>
+            <a:r>
+              <a:rPr lang="en-US" sz="2400" dirty="0">
+                <a:solidFill>
+                  <a:schemeClr val="bg1">
+                    <a:lumMod val="65000"/>
+                  </a:schemeClr>
+                </a:solidFill>
                 <a:latin typeface="Ubuntu" panose="020B0504030602030204" charset="0"/>
                 <a:cs typeface="Ubuntu" panose="020B0504030602030204" charset="0"/>
                 <a:sym typeface="+mn-ea"/>
               </a:rPr>
-              <a:t> | </a:t>
-            </a:r>
-            <a:r>
-              <a:rPr lang="en-US" altLang="zh-CN">
+              <a:t>Data Science Tools</a:t>
+            </a:r>
+            <a:endParaRPr lang="en-US" sz="2400" dirty="0">
+              <a:solidFill>
+                <a:schemeClr val="bg1">
+                  <a:lumMod val="65000"/>
+                </a:schemeClr>
+              </a:solidFill>
+              <a:latin typeface="Ubuntu" panose="020B0504030602030204" charset="0"/>
+              <a:cs typeface="Ubuntu" panose="020B0504030602030204" charset="0"/>
+            </a:endParaRPr>
+          </a:p>
+          <a:p>
+            <a:pPr marL="457200" indent="-457200" algn="l">
+              <a:buFont typeface="+mj-lt"/>
+              <a:buAutoNum type="arabicPeriod"/>
+            </a:pPr>
+            <a:r>
+              <a:rPr lang="en-US" sz="2400" dirty="0">
+                <a:solidFill>
+                  <a:schemeClr val="bg1">
+                    <a:lumMod val="65000"/>
+                  </a:schemeClr>
+                </a:solidFill>
                 <a:latin typeface="Ubuntu" panose="020B0504030602030204" charset="0"/>
                 <a:cs typeface="Ubuntu" panose="020B0504030602030204" charset="0"/>
                 <a:sym typeface="+mn-ea"/>
-                <a:hlinkClick r:id="rId5" tooltip="" action="ppaction://hlinkfile"/>
-              </a:rPr>
-              <a:t>Kaggle</a:t>
-            </a:r>
-            <a:r>
-              <a:rPr lang="en-US" altLang="zh-CN">
+              </a:rPr>
+              <a:t>Learning Objectives</a:t>
+            </a:r>
+          </a:p>
+          <a:p>
+            <a:pPr marL="457200" indent="-457200" algn="l">
+              <a:buFont typeface="+mj-lt"/>
+              <a:buAutoNum type="arabicPeriod"/>
+            </a:pPr>
+            <a:r>
+              <a:rPr lang="en-US" sz="2400" dirty="0">
+                <a:solidFill>
+                  <a:schemeClr val="bg1">
+                    <a:lumMod val="65000"/>
+                  </a:schemeClr>
+                </a:solidFill>
                 <a:latin typeface="Ubuntu" panose="020B0504030602030204" charset="0"/>
                 <a:cs typeface="Ubuntu" panose="020B0504030602030204" charset="0"/>
                 <a:sym typeface="+mn-ea"/>
               </a:rPr>
-              <a:t> | </a:t>
-            </a:r>
-            <a:r>
-              <a:rPr lang="en-US" altLang="zh-CN">
+              <a:t>Recommended Background</a:t>
+            </a:r>
+          </a:p>
+          <a:p>
+            <a:pPr marL="457200" indent="-457200" algn="l">
+              <a:buFont typeface="+mj-lt"/>
+              <a:buAutoNum type="arabicPeriod"/>
+            </a:pPr>
+            <a:r>
+              <a:rPr lang="en-US" sz="2400" dirty="0">
+                <a:solidFill>
+                  <a:schemeClr val="bg1">
+                    <a:lumMod val="65000"/>
+                  </a:schemeClr>
+                </a:solidFill>
                 <a:latin typeface="Ubuntu" panose="020B0504030602030204" charset="0"/>
                 <a:cs typeface="Ubuntu" panose="020B0504030602030204" charset="0"/>
                 <a:sym typeface="+mn-ea"/>
-                <a:hlinkClick r:id="rId6" tooltip="" action="ppaction://hlinkfile"/>
-              </a:rPr>
-              <a:t>Codeforces</a:t>
-            </a:r>
-            <a:endParaRPr lang="en-US"/>
+              </a:rPr>
+              <a:t>Plan Outline</a:t>
+            </a:r>
+            <a:endParaRPr lang="en-US" sz="2400" dirty="0">
+              <a:solidFill>
+                <a:schemeClr val="bg1">
+                  <a:lumMod val="65000"/>
+                </a:schemeClr>
+              </a:solidFill>
+              <a:latin typeface="Ubuntu" panose="020B0504030602030204" charset="0"/>
+              <a:cs typeface="Ubuntu" panose="020B0504030602030204" charset="0"/>
+            </a:endParaRPr>
+          </a:p>
+          <a:p>
+            <a:pPr marL="457200" indent="-457200" algn="l">
+              <a:buFont typeface="+mj-lt"/>
+              <a:buAutoNum type="arabicPeriod"/>
+            </a:pPr>
+            <a:endParaRPr lang="en-US" sz="2400" dirty="0">
+              <a:latin typeface="Ubuntu" panose="020B0504030602030204" charset="0"/>
+              <a:cs typeface="Ubuntu" panose="020B0504030602030204" charset="0"/>
+            </a:endParaRPr>
           </a:p>
         </p:txBody>
       </p:sp>
     </p:spTree>
+    <p:extLst>
+      <p:ext uri="{BB962C8B-B14F-4D97-AF65-F5344CB8AC3E}">
+        <p14:creationId xmlns:p14="http://schemas.microsoft.com/office/powerpoint/2010/main" val="2064176903"/>
+      </p:ext>
+    </p:extLst>
   </p:cSld>
   <p:clrMapOvr>
     <a:masterClrMapping/>
@@ -8461,7 +10504,7 @@
 </p:sld>
 </file>
 
-<file path=ppt/slides/slide3.xml><?xml version="1.0" encoding="utf-8"?>
+<file path=ppt/slides/slide5.xml><?xml version="1.0" encoding="utf-8"?>
 <p:sld xmlns:a="http://schemas.openxmlformats.org/drawingml/2006/main" xmlns:r="http://schemas.openxmlformats.org/officeDocument/2006/relationships" xmlns:p="http://schemas.openxmlformats.org/presentationml/2006/main">
   <p:cSld>
     <p:spTree>
@@ -8470,7 +10513,14 @@
         <p:cNvGrpSpPr/>
         <p:nvPr/>
       </p:nvGrpSpPr>
-      <p:grpSpPr/>
+      <p:grpSpPr>
+        <a:xfrm>
+          <a:off x="0" y="0"/>
+          <a:ext cx="0" cy="0"/>
+          <a:chOff x="0" y="0"/>
+          <a:chExt cx="0" cy="0"/>
+        </a:xfrm>
+      </p:grpSpPr>
       <p:sp>
         <p:nvSpPr>
           <p:cNvPr id="2" name="Title 1"/>
@@ -8484,6 +10534,7 @@
         <p:spPr/>
         <p:txBody>
           <a:bodyPr/>
+          <a:lstStyle/>
           <a:p>
             <a:pPr algn="l"/>
             <a:r>
@@ -8491,200 +10542,8 @@
                 <a:latin typeface="Ubuntu" panose="020B0504030602030204" charset="0"/>
                 <a:cs typeface="Ubuntu" panose="020B0504030602030204" charset="0"/>
               </a:rPr>
-              <a:t>Outline</a:t>
-            </a:r>
-            <a:endParaRPr lang="en-US">
-              <a:latin typeface="Ubuntu" panose="020B0504030602030204" charset="0"/>
-              <a:cs typeface="Ubuntu" panose="020B0504030602030204" charset="0"/>
-            </a:endParaRPr>
-          </a:p>
-        </p:txBody>
-      </p:sp>
-      <p:sp>
-        <p:nvSpPr>
-          <p:cNvPr id="3" name="Content Placeholder 2"/>
-          <p:cNvSpPr>
-            <a:spLocks noGrp="1"/>
-          </p:cNvSpPr>
-          <p:nvPr>
-            <p:ph idx="1"/>
-          </p:nvPr>
-        </p:nvSpPr>
-        <p:spPr/>
-        <p:txBody>
-          <a:bodyPr/>
-          <a:p>
-            <a:pPr marL="457200" indent="-457200" algn="l">
-              <a:buFont typeface="+mj-lt"/>
-              <a:buAutoNum type="arabicPeriod"/>
-            </a:pPr>
-            <a:r>
-              <a:rPr lang="en-US" sz="2400">
-                <a:latin typeface="Ubuntu" panose="020B0504030602030204" charset="0"/>
-                <a:cs typeface="Ubuntu" panose="020B0504030602030204" charset="0"/>
-              </a:rPr>
-              <a:t>What’s Data Science?</a:t>
-            </a:r>
-            <a:endParaRPr lang="en-US" sz="2400">
-              <a:latin typeface="Ubuntu" panose="020B0504030602030204" charset="0"/>
-              <a:cs typeface="Ubuntu" panose="020B0504030602030204" charset="0"/>
-            </a:endParaRPr>
-          </a:p>
-          <a:p>
-            <a:pPr marL="457200" indent="-457200" algn="l">
-              <a:buFont typeface="+mj-lt"/>
-              <a:buAutoNum type="arabicPeriod"/>
-            </a:pPr>
-            <a:r>
-              <a:rPr lang="en-US" sz="2400">
-                <a:latin typeface="Ubuntu" panose="020B0504030602030204" charset="0"/>
-                <a:cs typeface="Ubuntu" panose="020B0504030602030204" charset="0"/>
-              </a:rPr>
-              <a:t>Importance of Data Science</a:t>
-            </a:r>
-            <a:endParaRPr lang="en-US" sz="2400">
-              <a:latin typeface="Ubuntu" panose="020B0504030602030204" charset="0"/>
-              <a:cs typeface="Ubuntu" panose="020B0504030602030204" charset="0"/>
-            </a:endParaRPr>
-          </a:p>
-          <a:p>
-            <a:pPr marL="457200" indent="-457200" algn="l">
-              <a:buFont typeface="+mj-lt"/>
-              <a:buAutoNum type="arabicPeriod"/>
-            </a:pPr>
-            <a:r>
-              <a:rPr lang="en-US" sz="2400">
-                <a:latin typeface="Ubuntu" panose="020B0504030602030204" charset="0"/>
-                <a:cs typeface="Ubuntu" panose="020B0504030602030204" charset="0"/>
-                <a:sym typeface="+mn-ea"/>
-              </a:rPr>
-              <a:t>Data Science Tools</a:t>
-            </a:r>
-            <a:endParaRPr lang="en-US" sz="2400">
-              <a:latin typeface="Ubuntu" panose="020B0504030602030204" charset="0"/>
-              <a:cs typeface="Ubuntu" panose="020B0504030602030204" charset="0"/>
-            </a:endParaRPr>
-          </a:p>
-          <a:p>
-            <a:pPr marL="457200" indent="-457200" algn="l">
-              <a:buFont typeface="+mj-lt"/>
-              <a:buAutoNum type="arabicPeriod"/>
-            </a:pPr>
-            <a:r>
-              <a:rPr lang="en-US" sz="2400">
-                <a:latin typeface="Ubuntu" panose="020B0504030602030204" charset="0"/>
-                <a:cs typeface="Ubuntu" panose="020B0504030602030204" charset="0"/>
-                <a:sym typeface="+mn-ea"/>
-              </a:rPr>
-              <a:t>Learning Objectives</a:t>
-            </a:r>
-            <a:endParaRPr lang="en-US" sz="2400">
-              <a:latin typeface="Ubuntu" panose="020B0504030602030204" charset="0"/>
-              <a:cs typeface="Ubuntu" panose="020B0504030602030204" charset="0"/>
-              <a:sym typeface="+mn-ea"/>
-            </a:endParaRPr>
-          </a:p>
-          <a:p>
-            <a:pPr marL="457200" indent="-457200" algn="l">
-              <a:buFont typeface="+mj-lt"/>
-              <a:buAutoNum type="arabicPeriod"/>
-            </a:pPr>
-            <a:r>
-              <a:rPr lang="en-US" sz="2400">
-                <a:latin typeface="Ubuntu" panose="020B0504030602030204" charset="0"/>
-                <a:cs typeface="Ubuntu" panose="020B0504030602030204" charset="0"/>
-                <a:sym typeface="+mn-ea"/>
-              </a:rPr>
-              <a:t>Recommended Background</a:t>
-            </a:r>
-            <a:endParaRPr lang="en-US" sz="2400">
-              <a:latin typeface="Ubuntu" panose="020B0504030602030204" charset="0"/>
-              <a:cs typeface="Ubuntu" panose="020B0504030602030204" charset="0"/>
-              <a:sym typeface="+mn-ea"/>
-            </a:endParaRPr>
-          </a:p>
-          <a:p>
-            <a:pPr marL="457200" indent="-457200" algn="l">
-              <a:buFont typeface="+mj-lt"/>
-              <a:buAutoNum type="arabicPeriod"/>
-            </a:pPr>
-            <a:r>
-              <a:rPr lang="en-US" sz="2400">
-                <a:latin typeface="Ubuntu" panose="020B0504030602030204" charset="0"/>
-                <a:cs typeface="Ubuntu" panose="020B0504030602030204" charset="0"/>
-                <a:sym typeface="+mn-ea"/>
-              </a:rPr>
-              <a:t>Plan Outline</a:t>
-            </a:r>
-            <a:endParaRPr lang="en-US" sz="2400">
-              <a:latin typeface="Ubuntu" panose="020B0504030602030204" charset="0"/>
-              <a:cs typeface="Ubuntu" panose="020B0504030602030204" charset="0"/>
-            </a:endParaRPr>
-          </a:p>
-          <a:p>
-            <a:pPr marL="457200" indent="-457200" algn="l">
-              <a:buFont typeface="+mj-lt"/>
-              <a:buAutoNum type="arabicPeriod"/>
-            </a:pPr>
-            <a:endParaRPr lang="en-US" sz="2400">
-              <a:latin typeface="Ubuntu" panose="020B0504030602030204" charset="0"/>
-              <a:cs typeface="Ubuntu" panose="020B0504030602030204" charset="0"/>
-            </a:endParaRPr>
-          </a:p>
-        </p:txBody>
-      </p:sp>
-    </p:spTree>
-  </p:cSld>
-  <p:clrMapOvr>
-    <a:masterClrMapping/>
-  </p:clrMapOvr>
-  <mc:AlternateContent xmlns:mc="http://schemas.openxmlformats.org/markup-compatibility/2006">
-    <mc:Choice xmlns:p14="http://schemas.microsoft.com/office/powerpoint/2010/main" Requires="p14">
-      <p:transition spd="slow" p14:dur="1200"/>
-    </mc:Choice>
-    <mc:Fallback>
-      <p:transition spd="slow"/>
-    </mc:Fallback>
-  </mc:AlternateContent>
-</p:sld>
-</file>
-
-<file path=ppt/slides/slide4.xml><?xml version="1.0" encoding="utf-8"?>
-<p:sld xmlns:a="http://schemas.openxmlformats.org/drawingml/2006/main" xmlns:r="http://schemas.openxmlformats.org/officeDocument/2006/relationships" xmlns:p="http://schemas.openxmlformats.org/presentationml/2006/main">
-  <p:cSld>
-    <p:spTree>
-      <p:nvGrpSpPr>
-        <p:cNvPr id="1" name=""/>
-        <p:cNvGrpSpPr/>
-        <p:nvPr/>
-      </p:nvGrpSpPr>
-      <p:grpSpPr/>
-      <p:sp>
-        <p:nvSpPr>
-          <p:cNvPr id="2" name="Title 1"/>
-          <p:cNvSpPr>
-            <a:spLocks noGrp="1"/>
-          </p:cNvSpPr>
-          <p:nvPr>
-            <p:ph type="title"/>
-          </p:nvPr>
-        </p:nvSpPr>
-        <p:spPr/>
-        <p:txBody>
-          <a:bodyPr/>
-          <a:p>
-            <a:pPr algn="l"/>
-            <a:r>
-              <a:rPr lang="en-US">
-                <a:latin typeface="Ubuntu" panose="020B0504030602030204" charset="0"/>
-                <a:cs typeface="Ubuntu" panose="020B0504030602030204" charset="0"/>
-              </a:rPr>
               <a:t>What’s Data Science</a:t>
             </a:r>
-            <a:endParaRPr lang="en-US">
-              <a:latin typeface="Ubuntu" panose="020B0504030602030204" charset="0"/>
-              <a:cs typeface="Ubuntu" panose="020B0504030602030204" charset="0"/>
-            </a:endParaRPr>
           </a:p>
         </p:txBody>
       </p:sp>
@@ -8706,6 +10565,7 @@
         </p:spPr>
         <p:txBody>
           <a:bodyPr/>
+          <a:lstStyle/>
           <a:p>
             <a:pPr marL="0" indent="0" algn="l">
               <a:buNone/>
@@ -8766,10 +10626,6 @@
               </a:rPr>
               <a:t>.</a:t>
             </a:r>
-            <a:endParaRPr lang="en-US" altLang="ug-CN" sz="2400">
-              <a:latin typeface="Ubuntu" panose="020B0504030602030204" charset="0"/>
-              <a:cs typeface="Ubuntu" panose="020B0504030602030204" charset="0"/>
-            </a:endParaRPr>
           </a:p>
           <a:p>
             <a:pPr marL="0" indent="0" algn="l">
@@ -8791,10 +10647,6 @@
               </a:rPr>
               <a:t>Data science = statistics +</a:t>
             </a:r>
-            <a:endParaRPr lang="en-US" altLang="ug-CN" sz="2400">
-              <a:latin typeface="Ubuntu" panose="020B0504030602030204" charset="0"/>
-              <a:cs typeface="Ubuntu" panose="020B0504030602030204" charset="0"/>
-            </a:endParaRPr>
           </a:p>
           <a:p>
             <a:pPr marL="0" indent="0" algn="l">
@@ -8814,10 +10666,6 @@
               </a:rPr>
               <a:t>data processing +</a:t>
             </a:r>
-            <a:endParaRPr lang="en-US" altLang="ug-CN" sz="2400">
-              <a:latin typeface="Ubuntu" panose="020B0504030602030204" charset="0"/>
-              <a:cs typeface="Ubuntu" panose="020B0504030602030204" charset="0"/>
-            </a:endParaRPr>
           </a:p>
           <a:p>
             <a:pPr marL="0" indent="0" algn="l">
@@ -8837,10 +10685,6 @@
               </a:rPr>
               <a:t>machine learning +</a:t>
             </a:r>
-            <a:endParaRPr lang="en-US" altLang="ug-CN" sz="2400">
-              <a:latin typeface="Ubuntu" panose="020B0504030602030204" charset="0"/>
-              <a:cs typeface="Ubuntu" panose="020B0504030602030204" charset="0"/>
-            </a:endParaRPr>
           </a:p>
           <a:p>
             <a:pPr marL="0" indent="0" algn="l">
@@ -8860,10 +10704,6 @@
               </a:rPr>
               <a:t>scientific inquiry +</a:t>
             </a:r>
-            <a:endParaRPr lang="en-US" altLang="ug-CN" sz="2400">
-              <a:latin typeface="Ubuntu" panose="020B0504030602030204" charset="0"/>
-              <a:cs typeface="Ubuntu" panose="020B0504030602030204" charset="0"/>
-            </a:endParaRPr>
           </a:p>
           <a:p>
             <a:pPr marL="0" indent="0" algn="l">
@@ -8883,10 +10723,6 @@
               </a:rPr>
               <a:t>visualization +</a:t>
             </a:r>
-            <a:endParaRPr lang="en-US" altLang="ug-CN" sz="2400">
-              <a:latin typeface="Ubuntu" panose="020B0504030602030204" charset="0"/>
-              <a:cs typeface="Ubuntu" panose="020B0504030602030204" charset="0"/>
-            </a:endParaRPr>
           </a:p>
           <a:p>
             <a:pPr marL="0" indent="0" algn="l">
@@ -8906,10 +10742,6 @@
               </a:rPr>
               <a:t>business analytics +</a:t>
             </a:r>
-            <a:endParaRPr lang="en-US" altLang="ug-CN" sz="2400">
-              <a:latin typeface="Ubuntu" panose="020B0504030602030204" charset="0"/>
-              <a:cs typeface="Ubuntu" panose="020B0504030602030204" charset="0"/>
-            </a:endParaRPr>
           </a:p>
           <a:p>
             <a:pPr marL="0" indent="0" algn="l">
@@ -8929,10 +10761,6 @@
               </a:rPr>
               <a:t>big data + …</a:t>
             </a:r>
-            <a:endParaRPr lang="en-US" altLang="ug-CN" sz="2400">
-              <a:latin typeface="Ubuntu" panose="020B0504030602030204" charset="0"/>
-              <a:cs typeface="Ubuntu" panose="020B0504030602030204" charset="0"/>
-            </a:endParaRPr>
           </a:p>
         </p:txBody>
       </p:sp>
@@ -8945,7 +10773,7 @@
           <p:nvPr/>
         </p:nvPicPr>
         <p:blipFill>
-          <a:blip r:embed="rId1"/>
+          <a:blip r:embed="rId2"/>
           <a:stretch>
             <a:fillRect/>
           </a:stretch>
@@ -8968,110 +10796,6 @@
 </p:sld>
 </file>
 
-<file path=ppt/slides/slide5.xml><?xml version="1.0" encoding="utf-8"?>
-<p:sld xmlns:a="http://schemas.openxmlformats.org/drawingml/2006/main" xmlns:r="http://schemas.openxmlformats.org/officeDocument/2006/relationships" xmlns:p="http://schemas.openxmlformats.org/presentationml/2006/main">
-  <p:cSld>
-    <p:spTree>
-      <p:nvGrpSpPr>
-        <p:cNvPr id="1" name=""/>
-        <p:cNvGrpSpPr/>
-        <p:nvPr/>
-      </p:nvGrpSpPr>
-      <p:grpSpPr/>
-      <p:sp>
-        <p:nvSpPr>
-          <p:cNvPr id="2" name="Title 1"/>
-          <p:cNvSpPr>
-            <a:spLocks noGrp="1"/>
-          </p:cNvSpPr>
-          <p:nvPr>
-            <p:ph type="title"/>
-          </p:nvPr>
-        </p:nvSpPr>
-        <p:spPr/>
-        <p:txBody>
-          <a:bodyPr/>
-          <a:p>
-            <a:pPr algn="l"/>
-            <a:r>
-              <a:rPr lang="en-US">
-                <a:latin typeface="Ubuntu" panose="020B0504030602030204" charset="0"/>
-                <a:cs typeface="Ubuntu" panose="020B0504030602030204" charset="0"/>
-              </a:rPr>
-              <a:t>Data Science is not Machine Learning</a:t>
-            </a:r>
-            <a:endParaRPr lang="en-US">
-              <a:latin typeface="Ubuntu" panose="020B0504030602030204" charset="0"/>
-              <a:cs typeface="Ubuntu" panose="020B0504030602030204" charset="0"/>
-            </a:endParaRPr>
-          </a:p>
-        </p:txBody>
-      </p:sp>
-      <p:sp>
-        <p:nvSpPr>
-          <p:cNvPr id="3" name="Content Placeholder 2"/>
-          <p:cNvSpPr>
-            <a:spLocks noGrp="1"/>
-          </p:cNvSpPr>
-          <p:nvPr>
-            <p:ph idx="1"/>
-          </p:nvPr>
-        </p:nvSpPr>
-        <p:spPr/>
-        <p:txBody>
-          <a:bodyPr/>
-          <a:p>
-            <a:pPr algn="l"/>
-            <a:r>
-              <a:rPr lang="en-US" sz="2400">
-                <a:latin typeface="Ubuntu" panose="020B0504030602030204" charset="0"/>
-                <a:cs typeface="Ubuntu" panose="020B0504030602030204" charset="0"/>
-              </a:rPr>
-              <a:t>Machine learning involves computation and statistics, but has not (traditionally) been very concerned about answering scientific questions.</a:t>
-            </a:r>
-            <a:endParaRPr lang="en-US" sz="2400">
-              <a:latin typeface="Ubuntu" panose="020B0504030602030204" charset="0"/>
-              <a:cs typeface="Ubuntu" panose="020B0504030602030204" charset="0"/>
-            </a:endParaRPr>
-          </a:p>
-          <a:p>
-            <a:pPr algn="l"/>
-            <a:r>
-              <a:rPr lang="en-US" sz="2400">
-                <a:latin typeface="Ubuntu" panose="020B0504030602030204" charset="0"/>
-                <a:cs typeface="Ubuntu" panose="020B0504030602030204" charset="0"/>
-              </a:rPr>
-              <a:t>Machine learning has a heavy focus on fancy algorithms…</a:t>
-            </a:r>
-            <a:endParaRPr lang="en-US" sz="2400">
-              <a:latin typeface="Ubuntu" panose="020B0504030602030204" charset="0"/>
-              <a:cs typeface="Ubuntu" panose="020B0504030602030204" charset="0"/>
-            </a:endParaRPr>
-          </a:p>
-          <a:p>
-            <a:pPr algn="l"/>
-            <a:r>
-              <a:rPr lang="en-US" sz="2400">
-                <a:latin typeface="Ubuntu" panose="020B0504030602030204" charset="0"/>
-                <a:cs typeface="Ubuntu" panose="020B0504030602030204" charset="0"/>
-              </a:rPr>
-              <a:t>Sometimes the best way to solve a problem is just by visualizing the data, for instance.</a:t>
-            </a:r>
-            <a:endParaRPr lang="en-US" sz="2400">
-              <a:latin typeface="Ubuntu" panose="020B0504030602030204" charset="0"/>
-              <a:cs typeface="Ubuntu" panose="020B0504030602030204" charset="0"/>
-            </a:endParaRPr>
-          </a:p>
-        </p:txBody>
-      </p:sp>
-    </p:spTree>
-  </p:cSld>
-  <p:clrMapOvr>
-    <a:masterClrMapping/>
-  </p:clrMapOvr>
-</p:sld>
-</file>
-
 <file path=ppt/slides/slide6.xml><?xml version="1.0" encoding="utf-8"?>
 <p:sld xmlns:a="http://schemas.openxmlformats.org/drawingml/2006/main" xmlns:r="http://schemas.openxmlformats.org/officeDocument/2006/relationships" xmlns:p="http://schemas.openxmlformats.org/presentationml/2006/main">
   <p:cSld>
@@ -9081,7 +10805,14 @@
         <p:cNvGrpSpPr/>
         <p:nvPr/>
       </p:nvGrpSpPr>
-      <p:grpSpPr/>
+      <p:grpSpPr>
+        <a:xfrm>
+          <a:off x="0" y="0"/>
+          <a:ext cx="0" cy="0"/>
+          <a:chOff x="0" y="0"/>
+          <a:chExt cx="0" cy="0"/>
+        </a:xfrm>
+      </p:grpSpPr>
       <p:sp>
         <p:nvSpPr>
           <p:cNvPr id="2" name="Title 1"/>
@@ -9095,6 +10826,7 @@
         <p:spPr/>
         <p:txBody>
           <a:bodyPr/>
+          <a:lstStyle/>
           <a:p>
             <a:pPr algn="l"/>
             <a:r>
@@ -9104,10 +10836,6 @@
               </a:rPr>
               <a:t>Data Science is not Machine Learning</a:t>
             </a:r>
-            <a:endParaRPr lang="en-US">
-              <a:latin typeface="Ubuntu" panose="020B0504030602030204" charset="0"/>
-              <a:cs typeface="Ubuntu" panose="020B0504030602030204" charset="0"/>
-            </a:endParaRPr>
           </a:p>
         </p:txBody>
       </p:sp>
@@ -9121,14 +10849,10 @@
             <p:ph idx="1"/>
           </p:nvPr>
         </p:nvSpPr>
-        <p:spPr>
-          <a:xfrm>
-            <a:off x="6179820" y="1600200"/>
-            <a:ext cx="5402580" cy="4526280"/>
-          </a:xfrm>
-        </p:spPr>
+        <p:spPr/>
         <p:txBody>
           <a:bodyPr/>
+          <a:lstStyle/>
           <a:p>
             <a:pPr algn="l"/>
             <a:r>
@@ -9136,12 +10860,8 @@
                 <a:latin typeface="Ubuntu" panose="020B0504030602030204" charset="0"/>
                 <a:cs typeface="Ubuntu" panose="020B0504030602030204" charset="0"/>
               </a:rPr>
-              <a:t>Data science competitions like Kaggle ask you to optimize a metric on a fixed data set.</a:t>
-            </a:r>
-            <a:endParaRPr lang="en-US" sz="2400">
-              <a:latin typeface="Ubuntu" panose="020B0504030602030204" charset="0"/>
-              <a:cs typeface="Ubuntu" panose="020B0504030602030204" charset="0"/>
-            </a:endParaRPr>
+              <a:t>Machine learning involves computation and statistics, but has not (traditionally) been very concerned about answering scientific questions.</a:t>
+            </a:r>
           </a:p>
           <a:p>
             <a:pPr algn="l"/>
@@ -9150,12 +10870,8 @@
                 <a:latin typeface="Ubuntu" panose="020B0504030602030204" charset="0"/>
                 <a:cs typeface="Ubuntu" panose="020B0504030602030204" charset="0"/>
               </a:rPr>
-              <a:t>This may or may not ultimately solve the desired business/scientific problem.</a:t>
-            </a:r>
-            <a:endParaRPr lang="en-US" sz="2400">
-              <a:latin typeface="Ubuntu" panose="020B0504030602030204" charset="0"/>
-              <a:cs typeface="Ubuntu" panose="020B0504030602030204" charset="0"/>
-            </a:endParaRPr>
+              <a:t>Machine learning has a heavy focus on fancy algorithms…</a:t>
+            </a:r>
           </a:p>
           <a:p>
             <a:pPr algn="l"/>
@@ -9164,39 +10880,11 @@
                 <a:latin typeface="Ubuntu" panose="020B0504030602030204" charset="0"/>
                 <a:cs typeface="Ubuntu" panose="020B0504030602030204" charset="0"/>
               </a:rPr>
-              <a:t>Data science is the iterative cycle of designing a concrete problem, building an algorithm to solve it, and evaluating what insights this provides for the real underlying question.</a:t>
-            </a:r>
-            <a:endParaRPr lang="en-US" sz="2400">
-              <a:latin typeface="Ubuntu" panose="020B0504030602030204" charset="0"/>
-              <a:cs typeface="Ubuntu" panose="020B0504030602030204" charset="0"/>
-            </a:endParaRPr>
+              <a:t>Sometimes the best way to solve a problem is just by visualizing the data, for instance.</a:t>
+            </a:r>
           </a:p>
         </p:txBody>
       </p:sp>
-      <p:pic>
-        <p:nvPicPr>
-          <p:cNvPr id="5" name="Picture 4"/>
-          <p:cNvPicPr>
-            <a:picLocks noChangeAspect="1"/>
-          </p:cNvPicPr>
-          <p:nvPr/>
-        </p:nvPicPr>
-        <p:blipFill>
-          <a:blip r:embed="rId1"/>
-          <a:stretch>
-            <a:fillRect/>
-          </a:stretch>
-        </p:blipFill>
-        <p:spPr>
-          <a:xfrm>
-            <a:off x="665480" y="2141220"/>
-            <a:ext cx="5215890" cy="3443605"/>
-          </a:xfrm>
-          <a:prstGeom prst="rect">
-            <a:avLst/>
-          </a:prstGeom>
-        </p:spPr>
-      </p:pic>
     </p:spTree>
   </p:cSld>
   <p:clrMapOvr>
@@ -9214,7 +10902,14 @@
         <p:cNvGrpSpPr/>
         <p:nvPr/>
       </p:nvGrpSpPr>
-      <p:grpSpPr/>
+      <p:grpSpPr>
+        <a:xfrm>
+          <a:off x="0" y="0"/>
+          <a:ext cx="0" cy="0"/>
+          <a:chOff x="0" y="0"/>
+          <a:chExt cx="0" cy="0"/>
+        </a:xfrm>
+      </p:grpSpPr>
       <p:sp>
         <p:nvSpPr>
           <p:cNvPr id="2" name="Title 1"/>
@@ -9228,6 +10923,7 @@
         <p:spPr/>
         <p:txBody>
           <a:bodyPr/>
+          <a:lstStyle/>
           <a:p>
             <a:pPr algn="l"/>
             <a:r>
@@ -9235,35 +10931,80 @@
                 <a:latin typeface="Ubuntu" panose="020B0504030602030204" charset="0"/>
                 <a:cs typeface="Ubuntu" panose="020B0504030602030204" charset="0"/>
               </a:rPr>
-              <a:t>Back to Data Science Pipeline</a:t>
-            </a:r>
-            <a:endParaRPr lang="en-US">
-              <a:latin typeface="Ubuntu" panose="020B0504030602030204" charset="0"/>
-              <a:cs typeface="Ubuntu" panose="020B0504030602030204" charset="0"/>
-            </a:endParaRPr>
+              <a:t>Data Science is not Machine Learning</a:t>
+            </a:r>
+          </a:p>
+        </p:txBody>
+      </p:sp>
+      <p:sp>
+        <p:nvSpPr>
+          <p:cNvPr id="3" name="Content Placeholder 2"/>
+          <p:cNvSpPr>
+            <a:spLocks noGrp="1"/>
+          </p:cNvSpPr>
+          <p:nvPr>
+            <p:ph idx="1"/>
+          </p:nvPr>
+        </p:nvSpPr>
+        <p:spPr>
+          <a:xfrm>
+            <a:off x="6179820" y="1600200"/>
+            <a:ext cx="5402580" cy="4526280"/>
+          </a:xfrm>
+        </p:spPr>
+        <p:txBody>
+          <a:bodyPr/>
+          <a:lstStyle/>
+          <a:p>
+            <a:pPr algn="l"/>
+            <a:r>
+              <a:rPr lang="en-US" sz="2400">
+                <a:latin typeface="Ubuntu" panose="020B0504030602030204" charset="0"/>
+                <a:cs typeface="Ubuntu" panose="020B0504030602030204" charset="0"/>
+              </a:rPr>
+              <a:t>Data science competitions like Kaggle ask you to optimize a metric on a fixed data set.</a:t>
+            </a:r>
+          </a:p>
+          <a:p>
+            <a:pPr algn="l"/>
+            <a:r>
+              <a:rPr lang="en-US" sz="2400">
+                <a:latin typeface="Ubuntu" panose="020B0504030602030204" charset="0"/>
+                <a:cs typeface="Ubuntu" panose="020B0504030602030204" charset="0"/>
+              </a:rPr>
+              <a:t>This may or may not ultimately solve the desired business/scientific problem.</a:t>
+            </a:r>
+          </a:p>
+          <a:p>
+            <a:pPr algn="l"/>
+            <a:r>
+              <a:rPr lang="en-US" sz="2400">
+                <a:latin typeface="Ubuntu" panose="020B0504030602030204" charset="0"/>
+                <a:cs typeface="Ubuntu" panose="020B0504030602030204" charset="0"/>
+              </a:rPr>
+              <a:t>Data science is the iterative cycle of designing a concrete problem, building an algorithm to solve it, and evaluating what insights this provides for the real underlying question.</a:t>
+            </a:r>
           </a:p>
         </p:txBody>
       </p:sp>
       <p:pic>
         <p:nvPicPr>
-          <p:cNvPr id="7" name="Content Placeholder 6" descr="data-science-pipeline"/>
+          <p:cNvPr id="5" name="Picture 4"/>
           <p:cNvPicPr>
             <a:picLocks noChangeAspect="1"/>
           </p:cNvPicPr>
-          <p:nvPr>
-            <p:ph idx="1"/>
-          </p:nvPr>
+          <p:nvPr/>
         </p:nvPicPr>
         <p:blipFill>
-          <a:blip r:embed="rId1"/>
+          <a:blip r:embed="rId2"/>
           <a:stretch>
             <a:fillRect/>
           </a:stretch>
         </p:blipFill>
         <p:spPr>
           <a:xfrm>
-            <a:off x="609600" y="2283460"/>
-            <a:ext cx="10972800" cy="2533015"/>
+            <a:off x="665480" y="2141220"/>
+            <a:ext cx="5215890" cy="3443605"/>
           </a:xfrm>
           <a:prstGeom prst="rect">
             <a:avLst/>
@@ -9287,7 +11028,14 @@
         <p:cNvGrpSpPr/>
         <p:nvPr/>
       </p:nvGrpSpPr>
-      <p:grpSpPr/>
+      <p:grpSpPr>
+        <a:xfrm>
+          <a:off x="0" y="0"/>
+          <a:ext cx="0" cy="0"/>
+          <a:chOff x="0" y="0"/>
+          <a:chExt cx="0" cy="0"/>
+        </a:xfrm>
+      </p:grpSpPr>
       <p:sp>
         <p:nvSpPr>
           <p:cNvPr id="2" name="Title 1"/>
@@ -9301,6 +11049,7 @@
         <p:spPr/>
         <p:txBody>
           <a:bodyPr/>
+          <a:lstStyle/>
           <a:p>
             <a:pPr algn="l"/>
             <a:r>
@@ -9308,72 +11057,37 @@
                 <a:latin typeface="Ubuntu" panose="020B0504030602030204" charset="0"/>
                 <a:cs typeface="Ubuntu" panose="020B0504030602030204" charset="0"/>
               </a:rPr>
-              <a:t>Importance of Data Science</a:t>
-            </a:r>
-            <a:endParaRPr lang="en-US">
-              <a:latin typeface="Ubuntu" panose="020B0504030602030204" charset="0"/>
-              <a:cs typeface="Ubuntu" panose="020B0504030602030204" charset="0"/>
-            </a:endParaRPr>
+              <a:t>Back to Data Science Pipeline</a:t>
+            </a:r>
           </a:p>
         </p:txBody>
       </p:sp>
-      <p:sp>
-        <p:nvSpPr>
-          <p:cNvPr id="3" name="Content Placeholder 2"/>
-          <p:cNvSpPr>
-            <a:spLocks noGrp="1"/>
-          </p:cNvSpPr>
+      <p:pic>
+        <p:nvPicPr>
+          <p:cNvPr id="7" name="Content Placeholder 6" descr="data-science-pipeline"/>
+          <p:cNvPicPr>
+            <a:picLocks noGrp="1" noChangeAspect="1"/>
+          </p:cNvPicPr>
           <p:nvPr>
             <p:ph idx="1"/>
           </p:nvPr>
-        </p:nvSpPr>
-        <p:spPr/>
-        <p:txBody>
-          <a:bodyPr/>
-          <a:p>
-            <a:pPr algn="l"/>
-            <a:r>
-              <a:rPr lang="en-US" sz="2400">
-                <a:latin typeface="Ubuntu" panose="020B0504030602030204" charset="0"/>
-                <a:cs typeface="Ubuntu" panose="020B0504030602030204" charset="0"/>
-              </a:rPr>
-              <a:t>Data Science helps brands to understand their customers in a much enhanced and empowered manner.</a:t>
-            </a:r>
-            <a:endParaRPr lang="en-US" sz="2400">
-              <a:latin typeface="Ubuntu" panose="020B0504030602030204" charset="0"/>
-              <a:cs typeface="Ubuntu" panose="020B0504030602030204" charset="0"/>
-            </a:endParaRPr>
-          </a:p>
-          <a:p>
-            <a:pPr algn="l"/>
-            <a:r>
-              <a:rPr lang="en-US" sz="2400">
-                <a:latin typeface="Ubuntu" panose="020B0504030602030204" charset="0"/>
-                <a:cs typeface="Ubuntu" panose="020B0504030602030204" charset="0"/>
-              </a:rPr>
-              <a:t>It allows brands to communicate their story in such a engaging and powerful manner.</a:t>
-            </a:r>
-            <a:endParaRPr lang="en-US" sz="2400">
-              <a:latin typeface="Ubuntu" panose="020B0504030602030204" charset="0"/>
-              <a:cs typeface="Ubuntu" panose="020B0504030602030204" charset="0"/>
-            </a:endParaRPr>
-          </a:p>
-          <a:p>
-            <a:pPr algn="l"/>
-            <a:r>
-              <a:rPr lang="en-US" sz="2400">
-                <a:latin typeface="Ubuntu" panose="020B0504030602030204" charset="0"/>
-                <a:cs typeface="Ubuntu" panose="020B0504030602030204" charset="0"/>
-              </a:rPr>
-              <a:t>Can be applied to almost any industry like education, travel, healthcare, game development, etc...</a:t>
-            </a:r>
-            <a:endParaRPr lang="en-US" sz="2400">
-              <a:latin typeface="Ubuntu" panose="020B0504030602030204" charset="0"/>
-              <a:cs typeface="Ubuntu" panose="020B0504030602030204" charset="0"/>
-            </a:endParaRPr>
-          </a:p>
-        </p:txBody>
-      </p:sp>
+        </p:nvPicPr>
+        <p:blipFill>
+          <a:blip r:embed="rId2"/>
+          <a:stretch>
+            <a:fillRect/>
+          </a:stretch>
+        </p:blipFill>
+        <p:spPr>
+          <a:xfrm>
+            <a:off x="609600" y="2283460"/>
+            <a:ext cx="10972800" cy="2533015"/>
+          </a:xfrm>
+          <a:prstGeom prst="rect">
+            <a:avLst/>
+          </a:prstGeom>
+        </p:spPr>
+      </p:pic>
     </p:spTree>
   </p:cSld>
   <p:clrMapOvr>
@@ -9391,7 +11105,14 @@
         <p:cNvGrpSpPr/>
         <p:nvPr/>
       </p:nvGrpSpPr>
-      <p:grpSpPr/>
+      <p:grpSpPr>
+        <a:xfrm>
+          <a:off x="0" y="0"/>
+          <a:ext cx="0" cy="0"/>
+          <a:chOff x="0" y="0"/>
+          <a:chExt cx="0" cy="0"/>
+        </a:xfrm>
+      </p:grpSpPr>
       <p:sp>
         <p:nvSpPr>
           <p:cNvPr id="2" name="Title 1"/>
@@ -9405,6 +11126,7 @@
         <p:spPr/>
         <p:txBody>
           <a:bodyPr/>
+          <a:lstStyle/>
           <a:p>
             <a:pPr algn="l"/>
             <a:r>
@@ -9412,314 +11134,180 @@
                 <a:latin typeface="Ubuntu" panose="020B0504030602030204" charset="0"/>
                 <a:cs typeface="Ubuntu" panose="020B0504030602030204" charset="0"/>
               </a:rPr>
+              <a:t>Outline</a:t>
+            </a:r>
+          </a:p>
+        </p:txBody>
+      </p:sp>
+      <p:sp>
+        <p:nvSpPr>
+          <p:cNvPr id="3" name="Content Placeholder 2"/>
+          <p:cNvSpPr>
+            <a:spLocks noGrp="1"/>
+          </p:cNvSpPr>
+          <p:nvPr>
+            <p:ph idx="1"/>
+          </p:nvPr>
+        </p:nvSpPr>
+        <p:spPr/>
+        <p:txBody>
+          <a:bodyPr/>
+          <a:lstStyle/>
+          <a:p>
+            <a:pPr marL="457200" indent="-457200" algn="l">
+              <a:buFont typeface="+mj-lt"/>
+              <a:buAutoNum type="arabicPeriod"/>
+            </a:pPr>
+            <a:r>
+              <a:rPr lang="en-US" sz="2400" dirty="0">
+                <a:solidFill>
+                  <a:schemeClr val="bg1">
+                    <a:lumMod val="65000"/>
+                  </a:schemeClr>
+                </a:solidFill>
+                <a:latin typeface="Ubuntu" panose="020B0504030602030204" charset="0"/>
+                <a:cs typeface="Ubuntu" panose="020B0504030602030204" charset="0"/>
+              </a:rPr>
+              <a:t>What’s Data Science?</a:t>
+            </a:r>
+          </a:p>
+          <a:p>
+            <a:pPr marL="457200" indent="-457200" algn="l">
+              <a:buFont typeface="+mj-lt"/>
+              <a:buAutoNum type="arabicPeriod"/>
+            </a:pPr>
+            <a:r>
+              <a:rPr lang="en-US" sz="2400" dirty="0">
+                <a:latin typeface="Ubuntu" panose="020B0504030602030204" charset="0"/>
+                <a:cs typeface="Ubuntu" panose="020B0504030602030204" charset="0"/>
+              </a:rPr>
+              <a:t>Importance of Data Science</a:t>
+            </a:r>
+          </a:p>
+          <a:p>
+            <a:pPr marL="457200" indent="-457200" algn="l">
+              <a:buFont typeface="+mj-lt"/>
+              <a:buAutoNum type="arabicPeriod"/>
+            </a:pPr>
+            <a:r>
+              <a:rPr lang="en-US" sz="2400" dirty="0">
+                <a:solidFill>
+                  <a:schemeClr val="bg1">
+                    <a:lumMod val="65000"/>
+                  </a:schemeClr>
+                </a:solidFill>
+                <a:latin typeface="Ubuntu" panose="020B0504030602030204" charset="0"/>
+                <a:cs typeface="Ubuntu" panose="020B0504030602030204" charset="0"/>
+                <a:sym typeface="+mn-ea"/>
+              </a:rPr>
               <a:t>Data Science Tools</a:t>
             </a:r>
-            <a:endParaRPr lang="en-US">
+            <a:endParaRPr lang="en-US" sz="2400" dirty="0">
+              <a:solidFill>
+                <a:schemeClr val="bg1">
+                  <a:lumMod val="65000"/>
+                </a:schemeClr>
+              </a:solidFill>
               <a:latin typeface="Ubuntu" panose="020B0504030602030204" charset="0"/>
               <a:cs typeface="Ubuntu" panose="020B0504030602030204" charset="0"/>
             </a:endParaRPr>
           </a:p>
+          <a:p>
+            <a:pPr marL="457200" indent="-457200" algn="l">
+              <a:buFont typeface="+mj-lt"/>
+              <a:buAutoNum type="arabicPeriod"/>
+            </a:pPr>
+            <a:r>
+              <a:rPr lang="en-US" sz="2400" dirty="0">
+                <a:solidFill>
+                  <a:schemeClr val="bg1">
+                    <a:lumMod val="65000"/>
+                  </a:schemeClr>
+                </a:solidFill>
+                <a:latin typeface="Ubuntu" panose="020B0504030602030204" charset="0"/>
+                <a:cs typeface="Ubuntu" panose="020B0504030602030204" charset="0"/>
+                <a:sym typeface="+mn-ea"/>
+              </a:rPr>
+              <a:t>Learning Objectives</a:t>
+            </a:r>
+          </a:p>
+          <a:p>
+            <a:pPr marL="457200" indent="-457200" algn="l">
+              <a:buFont typeface="+mj-lt"/>
+              <a:buAutoNum type="arabicPeriod"/>
+            </a:pPr>
+            <a:r>
+              <a:rPr lang="en-US" sz="2400" dirty="0">
+                <a:solidFill>
+                  <a:schemeClr val="bg1">
+                    <a:lumMod val="65000"/>
+                  </a:schemeClr>
+                </a:solidFill>
+                <a:latin typeface="Ubuntu" panose="020B0504030602030204" charset="0"/>
+                <a:cs typeface="Ubuntu" panose="020B0504030602030204" charset="0"/>
+                <a:sym typeface="+mn-ea"/>
+              </a:rPr>
+              <a:t>Recommended Background</a:t>
+            </a:r>
+          </a:p>
+          <a:p>
+            <a:pPr marL="457200" indent="-457200" algn="l">
+              <a:buFont typeface="+mj-lt"/>
+              <a:buAutoNum type="arabicPeriod"/>
+            </a:pPr>
+            <a:r>
+              <a:rPr lang="en-US" sz="2400" dirty="0">
+                <a:solidFill>
+                  <a:schemeClr val="bg1">
+                    <a:lumMod val="65000"/>
+                  </a:schemeClr>
+                </a:solidFill>
+                <a:latin typeface="Ubuntu" panose="020B0504030602030204" charset="0"/>
+                <a:cs typeface="Ubuntu" panose="020B0504030602030204" charset="0"/>
+                <a:sym typeface="+mn-ea"/>
+              </a:rPr>
+              <a:t>Plan Outline</a:t>
+            </a:r>
+            <a:endParaRPr lang="en-US" sz="2400" dirty="0">
+              <a:solidFill>
+                <a:schemeClr val="bg1">
+                  <a:lumMod val="65000"/>
+                </a:schemeClr>
+              </a:solidFill>
+              <a:latin typeface="Ubuntu" panose="020B0504030602030204" charset="0"/>
+              <a:cs typeface="Ubuntu" panose="020B0504030602030204" charset="0"/>
+            </a:endParaRPr>
+          </a:p>
+          <a:p>
+            <a:pPr marL="457200" indent="-457200" algn="l">
+              <a:buFont typeface="+mj-lt"/>
+              <a:buAutoNum type="arabicPeriod"/>
+            </a:pPr>
+            <a:endParaRPr lang="en-US" sz="2400" dirty="0">
+              <a:latin typeface="Ubuntu" panose="020B0504030602030204" charset="0"/>
+              <a:cs typeface="Ubuntu" panose="020B0504030602030204" charset="0"/>
+            </a:endParaRPr>
+          </a:p>
         </p:txBody>
       </p:sp>
-      <p:pic>
-        <p:nvPicPr>
-          <p:cNvPr id="16" name="Picture 15" descr="jupyter notebook logo"/>
-          <p:cNvPicPr>
-            <a:picLocks noChangeAspect="1"/>
-          </p:cNvPicPr>
-          <p:nvPr/>
-        </p:nvPicPr>
-        <p:blipFill>
-          <a:blip r:embed="rId1"/>
-          <a:stretch>
-            <a:fillRect/>
-          </a:stretch>
-        </p:blipFill>
-        <p:spPr>
-          <a:xfrm>
-            <a:off x="7277735" y="1600835"/>
-            <a:ext cx="4606925" cy="2303780"/>
-          </a:xfrm>
-          <a:prstGeom prst="rect">
-            <a:avLst/>
-          </a:prstGeom>
-        </p:spPr>
-      </p:pic>
-      <p:pic>
-        <p:nvPicPr>
-          <p:cNvPr id="17" name="Picture 16" descr="matplotlib logo"/>
-          <p:cNvPicPr>
-            <a:picLocks noChangeAspect="1"/>
-          </p:cNvPicPr>
-          <p:nvPr/>
-        </p:nvPicPr>
-        <p:blipFill>
-          <a:blip r:embed="rId2"/>
-          <a:stretch>
-            <a:fillRect/>
-          </a:stretch>
-        </p:blipFill>
-        <p:spPr>
-          <a:xfrm>
-            <a:off x="422275" y="5447030"/>
-            <a:ext cx="4587875" cy="917575"/>
-          </a:xfrm>
-          <a:prstGeom prst="rect">
-            <a:avLst/>
-          </a:prstGeom>
-        </p:spPr>
-      </p:pic>
-      <p:pic>
-        <p:nvPicPr>
-          <p:cNvPr id="18" name="Picture 17" descr="microsoft azure logo"/>
-          <p:cNvPicPr>
-            <a:picLocks noChangeAspect="1"/>
-          </p:cNvPicPr>
-          <p:nvPr/>
-        </p:nvPicPr>
-        <p:blipFill>
-          <a:blip r:embed="rId3"/>
-          <a:stretch>
-            <a:fillRect/>
-          </a:stretch>
-        </p:blipFill>
-        <p:spPr>
-          <a:xfrm>
-            <a:off x="8319135" y="5152390"/>
-            <a:ext cx="3579495" cy="1035050"/>
-          </a:xfrm>
-          <a:prstGeom prst="rect">
-            <a:avLst/>
-          </a:prstGeom>
-        </p:spPr>
-      </p:pic>
-      <p:pic>
-        <p:nvPicPr>
-          <p:cNvPr id="19" name="Picture 18" descr="mongodb logo"/>
-          <p:cNvPicPr>
-            <a:picLocks noChangeAspect="1"/>
-          </p:cNvPicPr>
-          <p:nvPr/>
-        </p:nvPicPr>
-        <p:blipFill>
-          <a:blip r:embed="rId4"/>
-          <a:stretch>
-            <a:fillRect/>
-          </a:stretch>
-        </p:blipFill>
-        <p:spPr>
-          <a:xfrm>
-            <a:off x="711200" y="1548130"/>
-            <a:ext cx="2829560" cy="806450"/>
-          </a:xfrm>
-          <a:prstGeom prst="rect">
-            <a:avLst/>
-          </a:prstGeom>
-        </p:spPr>
-      </p:pic>
-      <p:pic>
-        <p:nvPicPr>
-          <p:cNvPr id="20" name="Picture 19" descr="numpy logo"/>
-          <p:cNvPicPr>
-            <a:picLocks noChangeAspect="1"/>
-          </p:cNvPicPr>
-          <p:nvPr/>
-        </p:nvPicPr>
-        <p:blipFill>
-          <a:blip r:embed="rId5"/>
-          <a:stretch>
-            <a:fillRect/>
-          </a:stretch>
-        </p:blipFill>
-        <p:spPr>
-          <a:xfrm>
-            <a:off x="711200" y="4277995"/>
-            <a:ext cx="2588260" cy="1024890"/>
-          </a:xfrm>
-          <a:prstGeom prst="rect">
-            <a:avLst/>
-          </a:prstGeom>
-        </p:spPr>
-      </p:pic>
-      <p:pic>
-        <p:nvPicPr>
-          <p:cNvPr id="21" name="Picture 20" descr="optuna logo"/>
-          <p:cNvPicPr>
-            <a:picLocks noChangeAspect="1"/>
-          </p:cNvPicPr>
-          <p:nvPr/>
-        </p:nvPicPr>
-        <p:blipFill>
-          <a:blip r:embed="rId6"/>
-          <a:stretch>
-            <a:fillRect/>
-          </a:stretch>
-        </p:blipFill>
-        <p:spPr>
-          <a:xfrm>
-            <a:off x="5010150" y="4087495"/>
-            <a:ext cx="3295650" cy="2197735"/>
-          </a:xfrm>
-          <a:prstGeom prst="rect">
-            <a:avLst/>
-          </a:prstGeom>
-        </p:spPr>
-      </p:pic>
-      <p:pic>
-        <p:nvPicPr>
-          <p:cNvPr id="22" name="Picture 21" descr="pandas logo"/>
-          <p:cNvPicPr>
-            <a:picLocks noChangeAspect="1"/>
-          </p:cNvPicPr>
-          <p:nvPr/>
-        </p:nvPicPr>
-        <p:blipFill>
-          <a:blip r:embed="rId7"/>
-          <a:stretch>
-            <a:fillRect/>
-          </a:stretch>
-        </p:blipFill>
-        <p:spPr>
-          <a:xfrm>
-            <a:off x="2760980" y="3394075"/>
-            <a:ext cx="2634615" cy="1064260"/>
-          </a:xfrm>
-          <a:prstGeom prst="rect">
-            <a:avLst/>
-          </a:prstGeom>
-        </p:spPr>
-      </p:pic>
-      <p:pic>
-        <p:nvPicPr>
-          <p:cNvPr id="23" name="Picture 22" descr="plotly express logo"/>
-          <p:cNvPicPr>
-            <a:picLocks noChangeAspect="1"/>
-          </p:cNvPicPr>
-          <p:nvPr/>
-        </p:nvPicPr>
-        <p:blipFill>
-          <a:blip r:embed="rId8"/>
-          <a:stretch>
-            <a:fillRect/>
-          </a:stretch>
-        </p:blipFill>
-        <p:spPr>
-          <a:xfrm>
-            <a:off x="3540760" y="4227195"/>
-            <a:ext cx="2027555" cy="1126490"/>
-          </a:xfrm>
-          <a:prstGeom prst="rect">
-            <a:avLst/>
-          </a:prstGeom>
-        </p:spPr>
-      </p:pic>
-      <p:pic>
-        <p:nvPicPr>
-          <p:cNvPr id="24" name="Picture 23" descr="python logo"/>
-          <p:cNvPicPr>
-            <a:picLocks noChangeAspect="1"/>
-          </p:cNvPicPr>
-          <p:nvPr/>
-        </p:nvPicPr>
-        <p:blipFill>
-          <a:blip r:embed="rId9">
-            <a:extLst>
-              <a:ext uri="{96DAC541-7B7A-43D3-8B79-37D633B846F1}">
-                <asvg:svgBlip xmlns:asvg="http://schemas.microsoft.com/office/drawing/2016/SVG/main" r:embed="rId10"/>
-              </a:ext>
-            </a:extLst>
-          </a:blip>
-          <a:stretch>
-            <a:fillRect/>
-          </a:stretch>
-        </p:blipFill>
-        <p:spPr>
-          <a:xfrm>
-            <a:off x="728980" y="3599815"/>
-            <a:ext cx="2032000" cy="601980"/>
-          </a:xfrm>
-          <a:prstGeom prst="rect">
-            <a:avLst/>
-          </a:prstGeom>
-        </p:spPr>
-      </p:pic>
-      <p:pic>
-        <p:nvPicPr>
-          <p:cNvPr id="25" name="Picture 24" descr="seaborn logo"/>
-          <p:cNvPicPr>
-            <a:picLocks noChangeAspect="1"/>
-          </p:cNvPicPr>
-          <p:nvPr/>
-        </p:nvPicPr>
-        <p:blipFill>
-          <a:blip r:embed="rId11"/>
-          <a:stretch>
-            <a:fillRect/>
-          </a:stretch>
-        </p:blipFill>
-        <p:spPr>
-          <a:xfrm>
-            <a:off x="7811135" y="3910330"/>
-            <a:ext cx="4101465" cy="1242060"/>
-          </a:xfrm>
-          <a:prstGeom prst="rect">
-            <a:avLst/>
-          </a:prstGeom>
-        </p:spPr>
-      </p:pic>
-      <p:pic>
-        <p:nvPicPr>
-          <p:cNvPr id="26" name="Picture 25" descr="sklearn logo"/>
-          <p:cNvPicPr>
-            <a:picLocks noChangeAspect="1"/>
-          </p:cNvPicPr>
-          <p:nvPr/>
-        </p:nvPicPr>
-        <p:blipFill>
-          <a:blip r:embed="rId12"/>
-          <a:stretch>
-            <a:fillRect/>
-          </a:stretch>
-        </p:blipFill>
-        <p:spPr>
-          <a:xfrm>
-            <a:off x="3624580" y="1562100"/>
-            <a:ext cx="3500120" cy="1884045"/>
-          </a:xfrm>
-          <a:prstGeom prst="rect">
-            <a:avLst/>
-          </a:prstGeom>
-        </p:spPr>
-      </p:pic>
-      <p:pic>
-        <p:nvPicPr>
-          <p:cNvPr id="27" name="Picture 26" descr="sqlite logo"/>
-          <p:cNvPicPr>
-            <a:picLocks noChangeAspect="1"/>
-          </p:cNvPicPr>
-          <p:nvPr/>
-        </p:nvPicPr>
-        <p:blipFill>
-          <a:blip r:embed="rId13"/>
-          <a:stretch>
-            <a:fillRect/>
-          </a:stretch>
-        </p:blipFill>
-        <p:spPr>
-          <a:xfrm>
-            <a:off x="711200" y="2373630"/>
-            <a:ext cx="2588260" cy="1226185"/>
-          </a:xfrm>
-          <a:prstGeom prst="rect">
-            <a:avLst/>
-          </a:prstGeom>
-        </p:spPr>
-      </p:pic>
     </p:spTree>
+    <p:extLst>
+      <p:ext uri="{BB962C8B-B14F-4D97-AF65-F5344CB8AC3E}">
+        <p14:creationId xmlns:p14="http://schemas.microsoft.com/office/powerpoint/2010/main" val="90060891"/>
+      </p:ext>
+    </p:extLst>
   </p:cSld>
   <p:clrMapOvr>
     <a:masterClrMapping/>
   </p:clrMapOvr>
+  <mc:AlternateContent xmlns:mc="http://schemas.openxmlformats.org/markup-compatibility/2006" xmlns:p14="http://schemas.microsoft.com/office/powerpoint/2010/main">
+    <mc:Choice Requires="p14">
+      <p:transition spd="slow" p14:dur="1200"/>
+    </mc:Choice>
+    <mc:Fallback xmlns="">
+      <p:transition spd="slow"/>
+    </mc:Fallback>
+  </mc:AlternateContent>
 </p:sld>
 </file>
 
@@ -9914,6 +11502,7 @@
       </a:bgFillStyleLst>
     </a:fmtScheme>
   </a:themeElements>
+  <a:objectDefaults/>
   <a:extraClrSchemeLst>
     <a:extraClrScheme>
       <a:clrScheme name="">
@@ -10667,6 +12256,8 @@
       </a:bgFillStyleLst>
     </a:fmtScheme>
   </a:themeElements>
+  <a:objectDefaults/>
+  <a:extraClrSchemeLst/>
   <a:extLst>
     <a:ext uri="{05A4C25C-085E-4340-85A3-A5531E510DB2}">
       <thm15:themeFamily xmlns:thm15="http://schemas.microsoft.com/office/thememl/2012/main" name="Office Theme" id="{62F939B6-93AF-4DB8-9C6B-D6C7DFDC589F}" vid="{4A3C46E8-61CC-4603-A589-7422A47A8E4A}"/>
@@ -10926,6 +12517,8 @@
       </a:bgFillStyleLst>
     </a:fmtScheme>
   </a:themeElements>
+  <a:objectDefaults/>
+  <a:extraClrSchemeLst/>
   <a:extLst>
     <a:ext uri="{05A4C25C-085E-4340-85A3-A5531E510DB2}">
       <thm15:themeFamily xmlns:thm15="http://schemas.microsoft.com/office/thememl/2012/main" name="Office Theme" id="{62F939B6-93AF-4DB8-9C6B-D6C7DFDC589F}" vid="{4A3C46E8-61CC-4603-A589-7422A47A8E4A}"/>

--- a/slides/Session 01 - Introduction to Data Science.pptx
+++ b/slides/Session 01 - Introduction to Data Science.pptx
@@ -927,7 +927,7 @@
             </a:spcAft>
           </a:pPr>
           <a:r>
-            <a:rPr lang="en-US"/>
+            <a:rPr lang="en-US" dirty="0"/>
             <a:t>Gather</a:t>
           </a:r>
         </a:p>
@@ -936,10 +936,24 @@
     <dgm:pt modelId="{3D1AB2CA-88A4-4E4C-9A8A-508DF0E06639}" type="parTrans" cxnId="{8AA3A503-A788-433D-A7C2-119D2F38702E}">
       <dgm:prSet/>
       <dgm:spPr/>
+      <dgm:t>
+        <a:bodyPr/>
+        <a:lstStyle/>
+        <a:p>
+          <a:endParaRPr lang="en-US"/>
+        </a:p>
+      </dgm:t>
     </dgm:pt>
     <dgm:pt modelId="{856E2728-BF00-49C7-82BA-8F4DCB00940B}" type="sibTrans" cxnId="{8AA3A503-A788-433D-A7C2-119D2F38702E}">
       <dgm:prSet/>
       <dgm:spPr/>
+      <dgm:t>
+        <a:bodyPr/>
+        <a:lstStyle/>
+        <a:p>
+          <a:endParaRPr lang="en-US"/>
+        </a:p>
+      </dgm:t>
     </dgm:pt>
     <dgm:pt modelId="{1AA64000-5F0F-47A8-A435-2AF8D82F28B1}">
       <dgm:prSet phldrT="[Text]" phldr="0" custT="0"/>
@@ -969,10 +983,24 @@
     <dgm:pt modelId="{845A32C3-0E8A-4EED-972E-FC6F9A8364F8}" type="parTrans" cxnId="{D7340DBC-9EB3-4A90-A3A3-4ADBAA5877D3}">
       <dgm:prSet/>
       <dgm:spPr/>
+      <dgm:t>
+        <a:bodyPr/>
+        <a:lstStyle/>
+        <a:p>
+          <a:endParaRPr lang="en-US"/>
+        </a:p>
+      </dgm:t>
     </dgm:pt>
     <dgm:pt modelId="{C0D86BAE-7711-4781-A574-7BE0EA273229}" type="sibTrans" cxnId="{D7340DBC-9EB3-4A90-A3A3-4ADBAA5877D3}">
       <dgm:prSet/>
       <dgm:spPr/>
+      <dgm:t>
+        <a:bodyPr/>
+        <a:lstStyle/>
+        <a:p>
+          <a:endParaRPr lang="en-US"/>
+        </a:p>
+      </dgm:t>
     </dgm:pt>
     <dgm:pt modelId="{9C12F5BE-AC2F-4662-8DFA-C79428950CF2}">
       <dgm:prSet phldrT="[Text]" phldr="0" custT="0"/>
@@ -1002,10 +1030,24 @@
     <dgm:pt modelId="{E2B7565C-BEBF-47B7-AC71-10023CB96091}" type="parTrans" cxnId="{1BE8C5FF-102D-4C14-9E4B-4A047AC87322}">
       <dgm:prSet/>
       <dgm:spPr/>
+      <dgm:t>
+        <a:bodyPr/>
+        <a:lstStyle/>
+        <a:p>
+          <a:endParaRPr lang="en-US"/>
+        </a:p>
+      </dgm:t>
     </dgm:pt>
     <dgm:pt modelId="{BE48B07B-4C6F-4C50-9D7F-CE1D6590BF95}" type="sibTrans" cxnId="{1BE8C5FF-102D-4C14-9E4B-4A047AC87322}">
       <dgm:prSet/>
       <dgm:spPr/>
+      <dgm:t>
+        <a:bodyPr/>
+        <a:lstStyle/>
+        <a:p>
+          <a:endParaRPr lang="en-US"/>
+        </a:p>
+      </dgm:t>
     </dgm:pt>
     <dgm:pt modelId="{69A34FA6-AE94-441C-9DF5-A029DE71C5C1}">
       <dgm:prSet phldr="0" custT="0"/>
@@ -1035,10 +1077,24 @@
     <dgm:pt modelId="{7CE17E2D-B914-43DE-92D0-4E00843C0D2D}" type="parTrans" cxnId="{303DA51C-277C-4181-A73F-B4C74AF60271}">
       <dgm:prSet/>
       <dgm:spPr/>
+      <dgm:t>
+        <a:bodyPr/>
+        <a:lstStyle/>
+        <a:p>
+          <a:endParaRPr lang="en-US"/>
+        </a:p>
+      </dgm:t>
     </dgm:pt>
     <dgm:pt modelId="{76530BCF-0642-47C8-BC97-41B5662E466A}" type="sibTrans" cxnId="{303DA51C-277C-4181-A73F-B4C74AF60271}">
       <dgm:prSet/>
       <dgm:spPr/>
+      <dgm:t>
+        <a:bodyPr/>
+        <a:lstStyle/>
+        <a:p>
+          <a:endParaRPr lang="en-US"/>
+        </a:p>
+      </dgm:t>
     </dgm:pt>
     <dgm:pt modelId="{8898168D-FC22-400F-A732-7FC81B805255}">
       <dgm:prSet phldr="0" custT="0"/>
@@ -1068,10 +1124,24 @@
     <dgm:pt modelId="{735708B0-4498-4EA6-A3AD-991FDCD1BC95}" type="parTrans" cxnId="{955E6F13-2A88-452D-AA2D-4C12C87BA9E1}">
       <dgm:prSet/>
       <dgm:spPr/>
+      <dgm:t>
+        <a:bodyPr/>
+        <a:lstStyle/>
+        <a:p>
+          <a:endParaRPr lang="en-US"/>
+        </a:p>
+      </dgm:t>
     </dgm:pt>
     <dgm:pt modelId="{B9DDD71C-486C-40F3-AB72-A85754C595F1}" type="sibTrans" cxnId="{955E6F13-2A88-452D-AA2D-4C12C87BA9E1}">
       <dgm:prSet/>
       <dgm:spPr/>
+      <dgm:t>
+        <a:bodyPr/>
+        <a:lstStyle/>
+        <a:p>
+          <a:endParaRPr lang="en-US"/>
+        </a:p>
+      </dgm:t>
     </dgm:pt>
     <dgm:pt modelId="{60E81CF5-4537-4C2F-8762-598D2E914097}" type="pres">
       <dgm:prSet presAssocID="{9D527559-FDD8-4274-B634-C7FBCF5BC573}" presName="Name0" presStyleCnt="0">
@@ -1258,7 +1328,7 @@
             <a:buNone/>
           </a:pPr>
           <a:r>
-            <a:rPr lang="en-US" sz="1900" kern="1200"/>
+            <a:rPr lang="en-US" sz="1900" kern="1200" dirty="0"/>
             <a:t>Gather</a:t>
           </a:r>
         </a:p>
@@ -7319,18 +7389,6 @@
   <p:clrMapOvr>
     <a:masterClrMapping/>
   </p:clrMapOvr>
-  <mc:AlternateContent xmlns:mc="http://schemas.openxmlformats.org/markup-compatibility/2006" xmlns:p14="http://schemas.microsoft.com/office/powerpoint/2010/main">
-    <mc:Choice Requires="p14">
-      <p:transition spd="slow" p14:dur="1200">
-        <p:dissolve/>
-      </p:transition>
-    </mc:Choice>
-    <mc:Fallback xmlns="">
-      <p:transition spd="slow">
-        <p:dissolve/>
-      </p:transition>
-    </mc:Fallback>
-  </mc:AlternateContent>
 </p:sld>
 </file>
 
@@ -7394,7 +7452,7 @@
           <a:p>
             <a:pPr algn="l"/>
             <a:r>
-              <a:rPr lang="en-US" sz="2400">
+              <a:rPr lang="en-US" sz="2400" dirty="0">
                 <a:latin typeface="Ubuntu" panose="020B0504030602030204" charset="0"/>
                 <a:cs typeface="Ubuntu" panose="020B0504030602030204" charset="0"/>
               </a:rPr>
@@ -7404,7 +7462,7 @@
           <a:p>
             <a:pPr algn="l"/>
             <a:r>
-              <a:rPr lang="en-US" sz="2400">
+              <a:rPr lang="en-US" sz="2400" dirty="0">
                 <a:latin typeface="Ubuntu" panose="020B0504030602030204" charset="0"/>
                 <a:cs typeface="Ubuntu" panose="020B0504030602030204" charset="0"/>
               </a:rPr>
@@ -7414,7 +7472,7 @@
           <a:p>
             <a:pPr algn="l"/>
             <a:r>
-              <a:rPr lang="en-US" sz="2400">
+              <a:rPr lang="en-US" sz="2400" dirty="0">
                 <a:latin typeface="Ubuntu" panose="020B0504030602030204" charset="0"/>
                 <a:cs typeface="Ubuntu" panose="020B0504030602030204" charset="0"/>
               </a:rPr>
@@ -7428,6 +7486,198 @@
   <p:clrMapOvr>
     <a:masterClrMapping/>
   </p:clrMapOvr>
+  <mc:AlternateContent xmlns:mc="http://schemas.openxmlformats.org/markup-compatibility/2006">
+    <mc:Choice xmlns:p159="http://schemas.microsoft.com/office/powerpoint/2015/09/main" Requires="p159">
+      <p:transition xmlns:p14="http://schemas.microsoft.com/office/powerpoint/2010/main" spd="slow" p14:dur="2000">
+        <p159:morph option="byObject"/>
+      </p:transition>
+    </mc:Choice>
+    <mc:Fallback>
+      <p:transition spd="slow">
+        <p:fade/>
+      </p:transition>
+    </mc:Fallback>
+  </mc:AlternateContent>
+  <p:timing>
+    <p:tnLst>
+      <p:par>
+        <p:cTn id="1" dur="indefinite" restart="never" nodeType="tmRoot">
+          <p:childTnLst>
+            <p:seq concurrent="1" nextAc="seek">
+              <p:cTn id="2" dur="indefinite" nodeType="mainSeq">
+                <p:childTnLst>
+                  <p:par>
+                    <p:cTn id="3" fill="hold">
+                      <p:stCondLst>
+                        <p:cond delay="indefinite"/>
+                      </p:stCondLst>
+                      <p:childTnLst>
+                        <p:par>
+                          <p:cTn id="4" fill="hold">
+                            <p:stCondLst>
+                              <p:cond delay="0"/>
+                            </p:stCondLst>
+                            <p:childTnLst>
+                              <p:par>
+                                <p:cTn id="5" presetID="1" presetClass="entr" presetSubtype="0" fill="hold" grpId="0" nodeType="clickEffect">
+                                  <p:stCondLst>
+                                    <p:cond delay="0"/>
+                                  </p:stCondLst>
+                                  <p:childTnLst>
+                                    <p:set>
+                                      <p:cBhvr>
+                                        <p:cTn id="6" dur="1" fill="hold">
+                                          <p:stCondLst>
+                                            <p:cond delay="0"/>
+                                          </p:stCondLst>
+                                        </p:cTn>
+                                        <p:tgtEl>
+                                          <p:spTgt spid="3">
+                                            <p:txEl>
+                                              <p:pRg st="0" end="0"/>
+                                            </p:txEl>
+                                          </p:spTgt>
+                                        </p:tgtEl>
+                                        <p:attrNameLst>
+                                          <p:attrName>style.visibility</p:attrName>
+                                        </p:attrNameLst>
+                                      </p:cBhvr>
+                                      <p:to>
+                                        <p:strVal val="visible"/>
+                                      </p:to>
+                                    </p:set>
+                                  </p:childTnLst>
+                                </p:cTn>
+                              </p:par>
+                            </p:childTnLst>
+                          </p:cTn>
+                        </p:par>
+                      </p:childTnLst>
+                    </p:cTn>
+                  </p:par>
+                  <p:par>
+                    <p:cTn id="7" fill="hold">
+                      <p:stCondLst>
+                        <p:cond delay="indefinite"/>
+                      </p:stCondLst>
+                      <p:childTnLst>
+                        <p:par>
+                          <p:cTn id="8" fill="hold">
+                            <p:stCondLst>
+                              <p:cond delay="0"/>
+                            </p:stCondLst>
+                            <p:childTnLst>
+                              <p:par>
+                                <p:cTn id="9" presetID="1" presetClass="entr" presetSubtype="0" fill="hold" grpId="0" nodeType="clickEffect">
+                                  <p:stCondLst>
+                                    <p:cond delay="0"/>
+                                  </p:stCondLst>
+                                  <p:childTnLst>
+                                    <p:set>
+                                      <p:cBhvr>
+                                        <p:cTn id="10" dur="1" fill="hold">
+                                          <p:stCondLst>
+                                            <p:cond delay="0"/>
+                                          </p:stCondLst>
+                                        </p:cTn>
+                                        <p:tgtEl>
+                                          <p:spTgt spid="3">
+                                            <p:txEl>
+                                              <p:pRg st="1" end="1"/>
+                                            </p:txEl>
+                                          </p:spTgt>
+                                        </p:tgtEl>
+                                        <p:attrNameLst>
+                                          <p:attrName>style.visibility</p:attrName>
+                                        </p:attrNameLst>
+                                      </p:cBhvr>
+                                      <p:to>
+                                        <p:strVal val="visible"/>
+                                      </p:to>
+                                    </p:set>
+                                  </p:childTnLst>
+                                </p:cTn>
+                              </p:par>
+                            </p:childTnLst>
+                          </p:cTn>
+                        </p:par>
+                      </p:childTnLst>
+                    </p:cTn>
+                  </p:par>
+                  <p:par>
+                    <p:cTn id="11" fill="hold">
+                      <p:stCondLst>
+                        <p:cond delay="indefinite"/>
+                      </p:stCondLst>
+                      <p:childTnLst>
+                        <p:par>
+                          <p:cTn id="12" fill="hold">
+                            <p:stCondLst>
+                              <p:cond delay="0"/>
+                            </p:stCondLst>
+                            <p:childTnLst>
+                              <p:par>
+                                <p:cTn id="13" presetID="1" presetClass="entr" presetSubtype="0" fill="hold" grpId="0" nodeType="clickEffect">
+                                  <p:stCondLst>
+                                    <p:cond delay="0"/>
+                                  </p:stCondLst>
+                                  <p:childTnLst>
+                                    <p:set>
+                                      <p:cBhvr>
+                                        <p:cTn id="14" dur="1" fill="hold">
+                                          <p:stCondLst>
+                                            <p:cond delay="0"/>
+                                          </p:stCondLst>
+                                        </p:cTn>
+                                        <p:tgtEl>
+                                          <p:spTgt spid="3">
+                                            <p:txEl>
+                                              <p:pRg st="2" end="2"/>
+                                            </p:txEl>
+                                          </p:spTgt>
+                                        </p:tgtEl>
+                                        <p:attrNameLst>
+                                          <p:attrName>style.visibility</p:attrName>
+                                        </p:attrNameLst>
+                                      </p:cBhvr>
+                                      <p:to>
+                                        <p:strVal val="visible"/>
+                                      </p:to>
+                                    </p:set>
+                                  </p:childTnLst>
+                                </p:cTn>
+                              </p:par>
+                            </p:childTnLst>
+                          </p:cTn>
+                        </p:par>
+                      </p:childTnLst>
+                    </p:cTn>
+                  </p:par>
+                </p:childTnLst>
+              </p:cTn>
+              <p:prevCondLst>
+                <p:cond evt="onPrev" delay="0">
+                  <p:tgtEl>
+                    <p:sldTgt/>
+                  </p:tgtEl>
+                </p:cond>
+              </p:prevCondLst>
+              <p:nextCondLst>
+                <p:cond evt="onNext" delay="0">
+                  <p:tgtEl>
+                    <p:sldTgt/>
+                  </p:tgtEl>
+                </p:cond>
+              </p:nextCondLst>
+            </p:seq>
+          </p:childTnLst>
+        </p:cTn>
+      </p:par>
+    </p:tnLst>
+    <p:bldLst>
+      <p:bldP spid="3" grpId="0" build="p"/>
+    </p:bldLst>
+  </p:timing>
 </p:sld>
 </file>
 
@@ -7983,6 +8233,18 @@
   <p:clrMapOvr>
     <a:masterClrMapping/>
   </p:clrMapOvr>
+  <mc:AlternateContent xmlns:mc="http://schemas.openxmlformats.org/markup-compatibility/2006">
+    <mc:Choice xmlns:p159="http://schemas.microsoft.com/office/powerpoint/2015/09/main" Requires="p159">
+      <p:transition xmlns:p14="http://schemas.microsoft.com/office/powerpoint/2010/main" spd="slow" p14:dur="2000">
+        <p159:morph option="byObject"/>
+      </p:transition>
+    </mc:Choice>
+    <mc:Fallback>
+      <p:transition spd="slow">
+        <p:fade/>
+      </p:transition>
+    </mc:Fallback>
+  </mc:AlternateContent>
 </p:sld>
 </file>
 
@@ -8261,7 +8523,7 @@
           <a:p>
             <a:pPr algn="l"/>
             <a:r>
-              <a:rPr lang="en-US" sz="2400">
+              <a:rPr lang="en-US" sz="2400" dirty="0">
                 <a:latin typeface="Ubuntu" panose="020B0504030602030204" charset="0"/>
                 <a:cs typeface="Ubuntu" panose="020B0504030602030204" charset="0"/>
               </a:rPr>
@@ -8271,7 +8533,7 @@
           <a:p>
             <a:pPr algn="l"/>
             <a:r>
-              <a:rPr lang="en-US" sz="2400">
+              <a:rPr lang="en-US" sz="2400" dirty="0">
                 <a:latin typeface="Ubuntu" panose="020B0504030602030204" charset="0"/>
                 <a:cs typeface="Ubuntu" panose="020B0504030602030204" charset="0"/>
               </a:rPr>
@@ -8281,7 +8543,7 @@
           <a:p>
             <a:pPr algn="l"/>
             <a:r>
-              <a:rPr lang="en-US" sz="2400">
+              <a:rPr lang="en-US" sz="2400" dirty="0">
                 <a:latin typeface="Ubuntu" panose="020B0504030602030204" charset="0"/>
                 <a:cs typeface="Ubuntu" panose="020B0504030602030204" charset="0"/>
               </a:rPr>
@@ -8291,7 +8553,7 @@
           <a:p>
             <a:pPr algn="l"/>
             <a:r>
-              <a:rPr lang="en-US" sz="2400">
+              <a:rPr lang="en-US" sz="2400" dirty="0">
                 <a:latin typeface="Ubuntu" panose="020B0504030602030204" charset="0"/>
                 <a:cs typeface="Ubuntu" panose="020B0504030602030204" charset="0"/>
               </a:rPr>
@@ -8301,7 +8563,7 @@
           <a:p>
             <a:pPr algn="l"/>
             <a:r>
-              <a:rPr lang="en-US" sz="2400">
+              <a:rPr lang="en-US" sz="2400" dirty="0">
                 <a:latin typeface="Ubuntu" panose="020B0504030602030204" charset="0"/>
                 <a:cs typeface="Ubuntu" panose="020B0504030602030204" charset="0"/>
               </a:rPr>
@@ -8311,7 +8573,7 @@
           <a:p>
             <a:pPr algn="l"/>
             <a:r>
-              <a:rPr lang="en-US" sz="2400">
+              <a:rPr lang="en-US" sz="2400" dirty="0">
                 <a:latin typeface="Ubuntu" panose="020B0504030602030204" charset="0"/>
                 <a:cs typeface="Ubuntu" panose="020B0504030602030204" charset="0"/>
               </a:rPr>
@@ -8325,6 +8587,345 @@
   <p:clrMapOvr>
     <a:masterClrMapping/>
   </p:clrMapOvr>
+  <mc:AlternateContent xmlns:mc="http://schemas.openxmlformats.org/markup-compatibility/2006">
+    <mc:Choice xmlns:p159="http://schemas.microsoft.com/office/powerpoint/2015/09/main" Requires="p159">
+      <p:transition xmlns:p14="http://schemas.microsoft.com/office/powerpoint/2010/main" spd="slow" p14:dur="2000">
+        <p159:morph option="byObject"/>
+      </p:transition>
+    </mc:Choice>
+    <mc:Fallback>
+      <p:transition spd="slow">
+        <p:fade/>
+      </p:transition>
+    </mc:Fallback>
+  </mc:AlternateContent>
+  <p:timing>
+    <p:tnLst>
+      <p:par>
+        <p:cTn id="1" dur="indefinite" restart="never" nodeType="tmRoot">
+          <p:childTnLst>
+            <p:seq concurrent="1" nextAc="seek">
+              <p:cTn id="2" dur="indefinite" nodeType="mainSeq">
+                <p:childTnLst>
+                  <p:par>
+                    <p:cTn id="3" fill="hold">
+                      <p:stCondLst>
+                        <p:cond delay="indefinite"/>
+                      </p:stCondLst>
+                      <p:childTnLst>
+                        <p:par>
+                          <p:cTn id="4" fill="hold">
+                            <p:stCondLst>
+                              <p:cond delay="0"/>
+                            </p:stCondLst>
+                            <p:childTnLst>
+                              <p:par>
+                                <p:cTn id="5" presetID="1" presetClass="entr" presetSubtype="0" fill="hold" grpId="0" nodeType="clickEffect">
+                                  <p:stCondLst>
+                                    <p:cond delay="0"/>
+                                  </p:stCondLst>
+                                  <p:childTnLst>
+                                    <p:set>
+                                      <p:cBhvr>
+                                        <p:cTn id="6" dur="1" fill="hold">
+                                          <p:stCondLst>
+                                            <p:cond delay="0"/>
+                                          </p:stCondLst>
+                                        </p:cTn>
+                                        <p:tgtEl>
+                                          <p:spTgt spid="3">
+                                            <p:txEl>
+                                              <p:pRg st="0" end="0"/>
+                                            </p:txEl>
+                                          </p:spTgt>
+                                        </p:tgtEl>
+                                        <p:attrNameLst>
+                                          <p:attrName>style.visibility</p:attrName>
+                                        </p:attrNameLst>
+                                      </p:cBhvr>
+                                      <p:to>
+                                        <p:strVal val="visible"/>
+                                      </p:to>
+                                    </p:set>
+                                  </p:childTnLst>
+                                </p:cTn>
+                              </p:par>
+                            </p:childTnLst>
+                          </p:cTn>
+                        </p:par>
+                      </p:childTnLst>
+                    </p:cTn>
+                  </p:par>
+                  <p:par>
+                    <p:cTn id="7" fill="hold">
+                      <p:stCondLst>
+                        <p:cond delay="indefinite"/>
+                      </p:stCondLst>
+                      <p:childTnLst>
+                        <p:par>
+                          <p:cTn id="8" fill="hold">
+                            <p:stCondLst>
+                              <p:cond delay="0"/>
+                            </p:stCondLst>
+                            <p:childTnLst>
+                              <p:par>
+                                <p:cTn id="9" presetID="1" presetClass="entr" presetSubtype="0" fill="hold" grpId="0" nodeType="clickEffect">
+                                  <p:stCondLst>
+                                    <p:cond delay="0"/>
+                                  </p:stCondLst>
+                                  <p:childTnLst>
+                                    <p:set>
+                                      <p:cBhvr>
+                                        <p:cTn id="10" dur="1" fill="hold">
+                                          <p:stCondLst>
+                                            <p:cond delay="0"/>
+                                          </p:stCondLst>
+                                        </p:cTn>
+                                        <p:tgtEl>
+                                          <p:spTgt spid="3">
+                                            <p:txEl>
+                                              <p:pRg st="1" end="1"/>
+                                            </p:txEl>
+                                          </p:spTgt>
+                                        </p:tgtEl>
+                                        <p:attrNameLst>
+                                          <p:attrName>style.visibility</p:attrName>
+                                        </p:attrNameLst>
+                                      </p:cBhvr>
+                                      <p:to>
+                                        <p:strVal val="visible"/>
+                                      </p:to>
+                                    </p:set>
+                                  </p:childTnLst>
+                                </p:cTn>
+                              </p:par>
+                            </p:childTnLst>
+                          </p:cTn>
+                        </p:par>
+                      </p:childTnLst>
+                    </p:cTn>
+                  </p:par>
+                  <p:par>
+                    <p:cTn id="11" fill="hold">
+                      <p:stCondLst>
+                        <p:cond delay="indefinite"/>
+                      </p:stCondLst>
+                      <p:childTnLst>
+                        <p:par>
+                          <p:cTn id="12" fill="hold">
+                            <p:stCondLst>
+                              <p:cond delay="0"/>
+                            </p:stCondLst>
+                            <p:childTnLst>
+                              <p:par>
+                                <p:cTn id="13" presetID="1" presetClass="entr" presetSubtype="0" fill="hold" grpId="0" nodeType="clickEffect">
+                                  <p:stCondLst>
+                                    <p:cond delay="0"/>
+                                  </p:stCondLst>
+                                  <p:childTnLst>
+                                    <p:set>
+                                      <p:cBhvr>
+                                        <p:cTn id="14" dur="1" fill="hold">
+                                          <p:stCondLst>
+                                            <p:cond delay="0"/>
+                                          </p:stCondLst>
+                                        </p:cTn>
+                                        <p:tgtEl>
+                                          <p:spTgt spid="3">
+                                            <p:txEl>
+                                              <p:pRg st="2" end="2"/>
+                                            </p:txEl>
+                                          </p:spTgt>
+                                        </p:tgtEl>
+                                        <p:attrNameLst>
+                                          <p:attrName>style.visibility</p:attrName>
+                                        </p:attrNameLst>
+                                      </p:cBhvr>
+                                      <p:to>
+                                        <p:strVal val="visible"/>
+                                      </p:to>
+                                    </p:set>
+                                  </p:childTnLst>
+                                </p:cTn>
+                              </p:par>
+                            </p:childTnLst>
+                          </p:cTn>
+                        </p:par>
+                      </p:childTnLst>
+                    </p:cTn>
+                  </p:par>
+                  <p:par>
+                    <p:cTn id="15" fill="hold">
+                      <p:stCondLst>
+                        <p:cond delay="indefinite"/>
+                      </p:stCondLst>
+                      <p:childTnLst>
+                        <p:par>
+                          <p:cTn id="16" fill="hold">
+                            <p:stCondLst>
+                              <p:cond delay="0"/>
+                            </p:stCondLst>
+                            <p:childTnLst>
+                              <p:par>
+                                <p:cTn id="17" presetID="1" presetClass="entr" presetSubtype="0" fill="hold" grpId="0" nodeType="clickEffect">
+                                  <p:stCondLst>
+                                    <p:cond delay="0"/>
+                                  </p:stCondLst>
+                                  <p:childTnLst>
+                                    <p:set>
+                                      <p:cBhvr>
+                                        <p:cTn id="18" dur="1" fill="hold">
+                                          <p:stCondLst>
+                                            <p:cond delay="0"/>
+                                          </p:stCondLst>
+                                        </p:cTn>
+                                        <p:tgtEl>
+                                          <p:spTgt spid="3">
+                                            <p:txEl>
+                                              <p:pRg st="3" end="3"/>
+                                            </p:txEl>
+                                          </p:spTgt>
+                                        </p:tgtEl>
+                                        <p:attrNameLst>
+                                          <p:attrName>style.visibility</p:attrName>
+                                        </p:attrNameLst>
+                                      </p:cBhvr>
+                                      <p:to>
+                                        <p:strVal val="visible"/>
+                                      </p:to>
+                                    </p:set>
+                                  </p:childTnLst>
+                                </p:cTn>
+                              </p:par>
+                            </p:childTnLst>
+                          </p:cTn>
+                        </p:par>
+                      </p:childTnLst>
+                    </p:cTn>
+                  </p:par>
+                  <p:par>
+                    <p:cTn id="19" fill="hold">
+                      <p:stCondLst>
+                        <p:cond delay="indefinite"/>
+                      </p:stCondLst>
+                      <p:childTnLst>
+                        <p:par>
+                          <p:cTn id="20" fill="hold">
+                            <p:stCondLst>
+                              <p:cond delay="0"/>
+                            </p:stCondLst>
+                            <p:childTnLst>
+                              <p:par>
+                                <p:cTn id="21" presetID="1" presetClass="entr" presetSubtype="0" fill="hold" grpId="0" nodeType="clickEffect">
+                                  <p:stCondLst>
+                                    <p:cond delay="0"/>
+                                  </p:stCondLst>
+                                  <p:childTnLst>
+                                    <p:set>
+                                      <p:cBhvr>
+                                        <p:cTn id="22" dur="1" fill="hold">
+                                          <p:stCondLst>
+                                            <p:cond delay="0"/>
+                                          </p:stCondLst>
+                                        </p:cTn>
+                                        <p:tgtEl>
+                                          <p:spTgt spid="3">
+                                            <p:txEl>
+                                              <p:pRg st="4" end="4"/>
+                                            </p:txEl>
+                                          </p:spTgt>
+                                        </p:tgtEl>
+                                        <p:attrNameLst>
+                                          <p:attrName>style.visibility</p:attrName>
+                                        </p:attrNameLst>
+                                      </p:cBhvr>
+                                      <p:to>
+                                        <p:strVal val="visible"/>
+                                      </p:to>
+                                    </p:set>
+                                  </p:childTnLst>
+                                </p:cTn>
+                              </p:par>
+                            </p:childTnLst>
+                          </p:cTn>
+                        </p:par>
+                      </p:childTnLst>
+                    </p:cTn>
+                  </p:par>
+                  <p:par>
+                    <p:cTn id="23" fill="hold">
+                      <p:stCondLst>
+                        <p:cond delay="indefinite"/>
+                      </p:stCondLst>
+                      <p:childTnLst>
+                        <p:par>
+                          <p:cTn id="24" fill="hold">
+                            <p:stCondLst>
+                              <p:cond delay="0"/>
+                            </p:stCondLst>
+                            <p:childTnLst>
+                              <p:par>
+                                <p:cTn id="25" presetID="1" presetClass="entr" presetSubtype="0" fill="hold" grpId="0" nodeType="clickEffect">
+                                  <p:stCondLst>
+                                    <p:cond delay="0"/>
+                                  </p:stCondLst>
+                                  <p:childTnLst>
+                                    <p:set>
+                                      <p:cBhvr>
+                                        <p:cTn id="26" dur="1" fill="hold">
+                                          <p:stCondLst>
+                                            <p:cond delay="0"/>
+                                          </p:stCondLst>
+                                        </p:cTn>
+                                        <p:tgtEl>
+                                          <p:spTgt spid="3">
+                                            <p:txEl>
+                                              <p:pRg st="5" end="5"/>
+                                            </p:txEl>
+                                          </p:spTgt>
+                                        </p:tgtEl>
+                                        <p:attrNameLst>
+                                          <p:attrName>style.visibility</p:attrName>
+                                        </p:attrNameLst>
+                                      </p:cBhvr>
+                                      <p:to>
+                                        <p:strVal val="visible"/>
+                                      </p:to>
+                                    </p:set>
+                                  </p:childTnLst>
+                                </p:cTn>
+                              </p:par>
+                            </p:childTnLst>
+                          </p:cTn>
+                        </p:par>
+                      </p:childTnLst>
+                    </p:cTn>
+                  </p:par>
+                </p:childTnLst>
+              </p:cTn>
+              <p:prevCondLst>
+                <p:cond evt="onPrev" delay="0">
+                  <p:tgtEl>
+                    <p:sldTgt/>
+                  </p:tgtEl>
+                </p:cond>
+              </p:prevCondLst>
+              <p:nextCondLst>
+                <p:cond evt="onNext" delay="0">
+                  <p:tgtEl>
+                    <p:sldTgt/>
+                  </p:tgtEl>
+                </p:cond>
+              </p:nextCondLst>
+            </p:seq>
+          </p:childTnLst>
+        </p:cTn>
+      </p:par>
+    </p:tnLst>
+    <p:bldLst>
+      <p:bldP spid="3" grpId="0" build="p"/>
+    </p:bldLst>
+  </p:timing>
 </p:sld>
 </file>
 
@@ -8689,6 +9290,18 @@
   <p:clrMapOvr>
     <a:masterClrMapping/>
   </p:clrMapOvr>
+  <mc:AlternateContent xmlns:mc="http://schemas.openxmlformats.org/markup-compatibility/2006">
+    <mc:Choice xmlns:p159="http://schemas.microsoft.com/office/powerpoint/2015/09/main" Requires="p159">
+      <p:transition xmlns:p14="http://schemas.microsoft.com/office/powerpoint/2010/main" spd="slow" p14:dur="2000">
+        <p159:morph option="byObject"/>
+      </p:transition>
+    </mc:Choice>
+    <mc:Fallback>
+      <p:transition spd="slow">
+        <p:fade/>
+      </p:transition>
+    </mc:Fallback>
+  </mc:AlternateContent>
 </p:sld>
 </file>
 
@@ -8969,7 +9582,7 @@
               <a:buNone/>
             </a:pPr>
             <a:r>
-              <a:rPr lang="en-US" sz="2800">
+              <a:rPr lang="en-US" sz="2800" dirty="0">
                 <a:latin typeface="Ubuntu" panose="020B0504030602030204" charset="0"/>
                 <a:cs typeface="Ubuntu" panose="020B0504030602030204" charset="0"/>
               </a:rPr>
@@ -9204,7 +9817,7 @@
               <a:buNone/>
             </a:pPr>
             <a:r>
-              <a:rPr lang="en-US" sz="2800">
+              <a:rPr lang="en-US" sz="2800" dirty="0">
                 <a:latin typeface="Ubuntu" panose="020B0504030602030204" charset="0"/>
                 <a:cs typeface="Ubuntu" panose="020B0504030602030204" charset="0"/>
               </a:rPr>
@@ -9423,7 +10036,7 @@
               <a:buNone/>
             </a:pPr>
             <a:r>
-              <a:rPr lang="en-US" sz="2800">
+              <a:rPr lang="en-US" sz="2800" dirty="0">
                 <a:latin typeface="Ubuntu" panose="020B0504030602030204" charset="0"/>
                 <a:cs typeface="Ubuntu" panose="020B0504030602030204" charset="0"/>
               </a:rPr>
@@ -9642,11 +10255,25 @@
               <a:buNone/>
             </a:pPr>
             <a:r>
-              <a:rPr lang="en-US" sz="2000">
+              <a:rPr lang="en-US" sz="2000" dirty="0">
                 <a:latin typeface="Ubuntu" panose="020B0504030602030204" charset="0"/>
                 <a:cs typeface="Ubuntu" panose="020B0504030602030204" charset="0"/>
               </a:rPr>
-              <a:t>Supervise and Unsupervise learning, Hyperparameter tunning, Ensemble Learning, and how to evaluate ML model ...</a:t>
+              <a:t>Supervise and </a:t>
+            </a:r>
+            <a:r>
+              <a:rPr lang="en-US" sz="2000" dirty="0" err="1">
+                <a:latin typeface="Ubuntu" panose="020B0504030602030204" charset="0"/>
+                <a:cs typeface="Ubuntu" panose="020B0504030602030204" charset="0"/>
+              </a:rPr>
+              <a:t>Unsupervise</a:t>
+            </a:r>
+            <a:r>
+              <a:rPr lang="en-US" sz="2000" dirty="0">
+                <a:latin typeface="Ubuntu" panose="020B0504030602030204" charset="0"/>
+                <a:cs typeface="Ubuntu" panose="020B0504030602030204" charset="0"/>
+              </a:rPr>
+              <a:t> learning, Hyperparameter tunning, Ensemble Learning, and how to evaluate ML model ...</a:t>
             </a:r>
           </a:p>
         </p:txBody>
@@ -9656,6 +10283,286 @@
   <p:clrMapOvr>
     <a:masterClrMapping/>
   </p:clrMapOvr>
+  <mc:AlternateContent xmlns:mc="http://schemas.openxmlformats.org/markup-compatibility/2006">
+    <mc:Choice xmlns:p159="http://schemas.microsoft.com/office/powerpoint/2015/09/main" Requires="p159">
+      <p:transition xmlns:p14="http://schemas.microsoft.com/office/powerpoint/2010/main" spd="slow" p14:dur="2000">
+        <p159:morph option="byObject"/>
+      </p:transition>
+    </mc:Choice>
+    <mc:Fallback>
+      <p:transition spd="slow">
+        <p:fade/>
+      </p:transition>
+    </mc:Fallback>
+  </mc:AlternateContent>
+  <p:timing>
+    <p:tnLst>
+      <p:par>
+        <p:cTn id="1" dur="indefinite" restart="never" nodeType="tmRoot">
+          <p:childTnLst>
+            <p:seq concurrent="1" nextAc="seek">
+              <p:cTn id="2" dur="indefinite" nodeType="mainSeq">
+                <p:childTnLst>
+                  <p:par>
+                    <p:cTn id="3" fill="hold">
+                      <p:stCondLst>
+                        <p:cond delay="indefinite"/>
+                      </p:stCondLst>
+                      <p:childTnLst>
+                        <p:par>
+                          <p:cTn id="4" fill="hold">
+                            <p:stCondLst>
+                              <p:cond delay="0"/>
+                            </p:stCondLst>
+                            <p:childTnLst>
+                              <p:par>
+                                <p:cTn id="5" presetID="1" presetClass="entr" presetSubtype="0" fill="hold" grpId="0" nodeType="clickEffect">
+                                  <p:stCondLst>
+                                    <p:cond delay="0"/>
+                                  </p:stCondLst>
+                                  <p:childTnLst>
+                                    <p:set>
+                                      <p:cBhvr>
+                                        <p:cTn id="6" dur="1" fill="hold">
+                                          <p:stCondLst>
+                                            <p:cond delay="0"/>
+                                          </p:stCondLst>
+                                        </p:cTn>
+                                        <p:tgtEl>
+                                          <p:spTgt spid="3">
+                                            <p:txEl>
+                                              <p:pRg st="0" end="0"/>
+                                            </p:txEl>
+                                          </p:spTgt>
+                                        </p:tgtEl>
+                                        <p:attrNameLst>
+                                          <p:attrName>style.visibility</p:attrName>
+                                        </p:attrNameLst>
+                                      </p:cBhvr>
+                                      <p:to>
+                                        <p:strVal val="visible"/>
+                                      </p:to>
+                                    </p:set>
+                                  </p:childTnLst>
+                                </p:cTn>
+                              </p:par>
+                            </p:childTnLst>
+                          </p:cTn>
+                        </p:par>
+                      </p:childTnLst>
+                    </p:cTn>
+                  </p:par>
+                  <p:par>
+                    <p:cTn id="7" fill="hold">
+                      <p:stCondLst>
+                        <p:cond delay="indefinite"/>
+                      </p:stCondLst>
+                      <p:childTnLst>
+                        <p:par>
+                          <p:cTn id="8" fill="hold">
+                            <p:stCondLst>
+                              <p:cond delay="0"/>
+                            </p:stCondLst>
+                            <p:childTnLst>
+                              <p:par>
+                                <p:cTn id="9" presetID="1" presetClass="entr" presetSubtype="0" fill="hold" grpId="0" nodeType="clickEffect">
+                                  <p:stCondLst>
+                                    <p:cond delay="0"/>
+                                  </p:stCondLst>
+                                  <p:childTnLst>
+                                    <p:set>
+                                      <p:cBhvr>
+                                        <p:cTn id="10" dur="1" fill="hold">
+                                          <p:stCondLst>
+                                            <p:cond delay="0"/>
+                                          </p:stCondLst>
+                                        </p:cTn>
+                                        <p:tgtEl>
+                                          <p:spTgt spid="4"/>
+                                        </p:tgtEl>
+                                        <p:attrNameLst>
+                                          <p:attrName>style.visibility</p:attrName>
+                                        </p:attrNameLst>
+                                      </p:cBhvr>
+                                      <p:to>
+                                        <p:strVal val="visible"/>
+                                      </p:to>
+                                    </p:set>
+                                  </p:childTnLst>
+                                </p:cTn>
+                              </p:par>
+                            </p:childTnLst>
+                          </p:cTn>
+                        </p:par>
+                      </p:childTnLst>
+                    </p:cTn>
+                  </p:par>
+                  <p:par>
+                    <p:cTn id="11" fill="hold">
+                      <p:stCondLst>
+                        <p:cond delay="indefinite"/>
+                      </p:stCondLst>
+                      <p:childTnLst>
+                        <p:par>
+                          <p:cTn id="12" fill="hold">
+                            <p:stCondLst>
+                              <p:cond delay="0"/>
+                            </p:stCondLst>
+                            <p:childTnLst>
+                              <p:par>
+                                <p:cTn id="13" presetID="1" presetClass="entr" presetSubtype="0" fill="hold" grpId="0" nodeType="clickEffect">
+                                  <p:stCondLst>
+                                    <p:cond delay="0"/>
+                                  </p:stCondLst>
+                                  <p:childTnLst>
+                                    <p:set>
+                                      <p:cBhvr>
+                                        <p:cTn id="14" dur="1" fill="hold">
+                                          <p:stCondLst>
+                                            <p:cond delay="0"/>
+                                          </p:stCondLst>
+                                        </p:cTn>
+                                        <p:tgtEl>
+                                          <p:spTgt spid="5"/>
+                                        </p:tgtEl>
+                                        <p:attrNameLst>
+                                          <p:attrName>style.visibility</p:attrName>
+                                        </p:attrNameLst>
+                                      </p:cBhvr>
+                                      <p:to>
+                                        <p:strVal val="visible"/>
+                                      </p:to>
+                                    </p:set>
+                                  </p:childTnLst>
+                                </p:cTn>
+                              </p:par>
+                            </p:childTnLst>
+                          </p:cTn>
+                        </p:par>
+                      </p:childTnLst>
+                    </p:cTn>
+                  </p:par>
+                  <p:par>
+                    <p:cTn id="15" fill="hold">
+                      <p:stCondLst>
+                        <p:cond delay="indefinite"/>
+                      </p:stCondLst>
+                      <p:childTnLst>
+                        <p:par>
+                          <p:cTn id="16" fill="hold">
+                            <p:stCondLst>
+                              <p:cond delay="0"/>
+                            </p:stCondLst>
+                            <p:childTnLst>
+                              <p:par>
+                                <p:cTn id="17" presetID="1" presetClass="entr" presetSubtype="0" fill="hold" grpId="0" nodeType="clickEffect">
+                                  <p:stCondLst>
+                                    <p:cond delay="0"/>
+                                  </p:stCondLst>
+                                  <p:childTnLst>
+                                    <p:set>
+                                      <p:cBhvr>
+                                        <p:cTn id="18" dur="1" fill="hold">
+                                          <p:stCondLst>
+                                            <p:cond delay="0"/>
+                                          </p:stCondLst>
+                                        </p:cTn>
+                                        <p:tgtEl>
+                                          <p:spTgt spid="7"/>
+                                        </p:tgtEl>
+                                        <p:attrNameLst>
+                                          <p:attrName>style.visibility</p:attrName>
+                                        </p:attrNameLst>
+                                      </p:cBhvr>
+                                      <p:to>
+                                        <p:strVal val="visible"/>
+                                      </p:to>
+                                    </p:set>
+                                  </p:childTnLst>
+                                </p:cTn>
+                              </p:par>
+                            </p:childTnLst>
+                          </p:cTn>
+                        </p:par>
+                      </p:childTnLst>
+                    </p:cTn>
+                  </p:par>
+                  <p:par>
+                    <p:cTn id="19" fill="hold">
+                      <p:stCondLst>
+                        <p:cond delay="indefinite"/>
+                      </p:stCondLst>
+                      <p:childTnLst>
+                        <p:par>
+                          <p:cTn id="20" fill="hold">
+                            <p:stCondLst>
+                              <p:cond delay="0"/>
+                            </p:stCondLst>
+                            <p:childTnLst>
+                              <p:par>
+                                <p:cTn id="21" presetID="1" presetClass="entr" presetSubtype="0" fill="hold" grpId="0" nodeType="clickEffect">
+                                  <p:stCondLst>
+                                    <p:cond delay="0"/>
+                                  </p:stCondLst>
+                                  <p:childTnLst>
+                                    <p:set>
+                                      <p:cBhvr>
+                                        <p:cTn id="22" dur="1" fill="hold">
+                                          <p:stCondLst>
+                                            <p:cond delay="0"/>
+                                          </p:stCondLst>
+                                        </p:cTn>
+                                        <p:tgtEl>
+                                          <p:spTgt spid="6"/>
+                                        </p:tgtEl>
+                                        <p:attrNameLst>
+                                          <p:attrName>style.visibility</p:attrName>
+                                        </p:attrNameLst>
+                                      </p:cBhvr>
+                                      <p:to>
+                                        <p:strVal val="visible"/>
+                                      </p:to>
+                                    </p:set>
+                                  </p:childTnLst>
+                                </p:cTn>
+                              </p:par>
+                            </p:childTnLst>
+                          </p:cTn>
+                        </p:par>
+                      </p:childTnLst>
+                    </p:cTn>
+                  </p:par>
+                </p:childTnLst>
+              </p:cTn>
+              <p:prevCondLst>
+                <p:cond evt="onPrev" delay="0">
+                  <p:tgtEl>
+                    <p:sldTgt/>
+                  </p:tgtEl>
+                </p:cond>
+              </p:prevCondLst>
+              <p:nextCondLst>
+                <p:cond evt="onNext" delay="0">
+                  <p:tgtEl>
+                    <p:sldTgt/>
+                  </p:tgtEl>
+                </p:cond>
+              </p:nextCondLst>
+            </p:seq>
+          </p:childTnLst>
+        </p:cTn>
+      </p:par>
+    </p:tnLst>
+    <p:bldLst>
+      <p:bldP spid="3" grpId="0" build="p"/>
+      <p:bldGraphic spid="4" grpId="0">
+        <p:bldAsOne/>
+      </p:bldGraphic>
+      <p:bldP spid="5" grpId="0"/>
+      <p:bldP spid="6" grpId="0"/>
+      <p:bldP spid="7" grpId="0"/>
+    </p:bldLst>
+  </p:timing>
 </p:sld>
 </file>
 
@@ -9991,12 +10898,16 @@
   <p:clrMapOvr>
     <a:masterClrMapping/>
   </p:clrMapOvr>
-  <mc:AlternateContent xmlns:mc="http://schemas.openxmlformats.org/markup-compatibility/2006" xmlns:p14="http://schemas.microsoft.com/office/powerpoint/2010/main">
-    <mc:Choice Requires="p14">
-      <p:transition spd="slow" p14:dur="1200"/>
+  <mc:AlternateContent xmlns:mc="http://schemas.openxmlformats.org/markup-compatibility/2006">
+    <mc:Choice xmlns:p159="http://schemas.microsoft.com/office/powerpoint/2015/09/main" Requires="p159">
+      <p:transition xmlns:p14="http://schemas.microsoft.com/office/powerpoint/2010/main" spd="slow" p14:dur="2000">
+        <p159:morph option="byObject"/>
+      </p:transition>
     </mc:Choice>
-    <mc:Fallback xmlns="">
-      <p:transition spd="slow"/>
+    <mc:Fallback>
+      <p:transition spd="slow">
+        <p:fade/>
+      </p:transition>
     </mc:Fallback>
   </mc:AlternateContent>
 </p:sld>
@@ -10493,11 +11404,11 @@
   <p:clrMapOvr>
     <a:masterClrMapping/>
   </p:clrMapOvr>
-  <mc:AlternateContent xmlns:mc="http://schemas.openxmlformats.org/markup-compatibility/2006">
-    <mc:Choice xmlns:p14="http://schemas.microsoft.com/office/powerpoint/2010/main" Requires="p14">
+  <mc:AlternateContent xmlns:mc="http://schemas.openxmlformats.org/markup-compatibility/2006" xmlns:p14="http://schemas.microsoft.com/office/powerpoint/2010/main">
+    <mc:Choice Requires="p14">
       <p:transition spd="slow" p14:dur="1200"/>
     </mc:Choice>
-    <mc:Fallback>
+    <mc:Fallback xmlns="">
       <p:transition spd="slow"/>
     </mc:Fallback>
   </mc:AlternateContent>
@@ -10571,56 +11482,56 @@
               <a:buNone/>
             </a:pPr>
             <a:r>
-              <a:rPr lang="en-US" sz="2400">
+              <a:rPr lang="en-US" sz="2400" dirty="0">
                 <a:latin typeface="Ubuntu" panose="020B0504030602030204" charset="0"/>
                 <a:cs typeface="Ubuntu" panose="020B0504030602030204" charset="0"/>
               </a:rPr>
               <a:t>Data science is the application of</a:t>
             </a:r>
             <a:r>
-              <a:rPr lang="ug-CN" altLang="en-US" sz="2400">
+              <a:rPr lang="ug-CN" altLang="en-US" sz="2400" dirty="0">
                 <a:latin typeface="Ubuntu" panose="020B0504030602030204" charset="0"/>
                 <a:cs typeface="Ubuntu" panose="020B0504030602030204" charset="0"/>
               </a:rPr>
               <a:t> </a:t>
             </a:r>
             <a:r>
-              <a:rPr lang="en-US" sz="2400">
+              <a:rPr lang="en-US" sz="2400" dirty="0">
                 <a:latin typeface="Ubuntu" panose="020B0504030602030204" charset="0"/>
                 <a:cs typeface="Ubuntu" panose="020B0504030602030204" charset="0"/>
               </a:rPr>
               <a:t>computational and statistical</a:t>
             </a:r>
             <a:r>
-              <a:rPr lang="ug-CN" altLang="en-US" sz="2400">
+              <a:rPr lang="ug-CN" altLang="en-US" sz="2400" dirty="0">
                 <a:latin typeface="Ubuntu" panose="020B0504030602030204" charset="0"/>
                 <a:cs typeface="Ubuntu" panose="020B0504030602030204" charset="0"/>
               </a:rPr>
               <a:t> </a:t>
             </a:r>
             <a:r>
-              <a:rPr lang="en-US" sz="2400">
+              <a:rPr lang="en-US" sz="2400" dirty="0">
                 <a:latin typeface="Ubuntu" panose="020B0504030602030204" charset="0"/>
                 <a:cs typeface="Ubuntu" panose="020B0504030602030204" charset="0"/>
               </a:rPr>
               <a:t>techniques to address or gain insight</a:t>
             </a:r>
             <a:r>
-              <a:rPr lang="ug-CN" altLang="en-US" sz="2400">
+              <a:rPr lang="ug-CN" altLang="en-US" sz="2400" dirty="0">
                 <a:latin typeface="Ubuntu" panose="020B0504030602030204" charset="0"/>
                 <a:cs typeface="Ubuntu" panose="020B0504030602030204" charset="0"/>
               </a:rPr>
               <a:t> </a:t>
             </a:r>
             <a:r>
-              <a:rPr lang="en-US" sz="2400">
+              <a:rPr lang="en-US" sz="2400" dirty="0">
                 <a:latin typeface="Ubuntu" panose="020B0504030602030204" charset="0"/>
                 <a:cs typeface="Ubuntu" panose="020B0504030602030204" charset="0"/>
               </a:rPr>
               <a:t>into some problem in the real world</a:t>
             </a:r>
             <a:r>
-              <a:rPr lang="en-US" altLang="ug-CN" sz="2400">
+              <a:rPr lang="en-US" altLang="ug-CN" sz="2400" dirty="0">
                 <a:latin typeface="Ubuntu" panose="020B0504030602030204" charset="0"/>
                 <a:cs typeface="Ubuntu" panose="020B0504030602030204" charset="0"/>
               </a:rPr>
@@ -10631,7 +11542,7 @@
             <a:pPr marL="0" indent="0" algn="l">
               <a:buNone/>
             </a:pPr>
-            <a:endParaRPr lang="en-US" altLang="ug-CN" sz="2400">
+            <a:endParaRPr lang="en-US" altLang="ug-CN" sz="2400" dirty="0">
               <a:latin typeface="Ubuntu" panose="020B0504030602030204" charset="0"/>
               <a:cs typeface="Ubuntu" panose="020B0504030602030204" charset="0"/>
             </a:endParaRPr>
@@ -10641,7 +11552,7 @@
               <a:buNone/>
             </a:pPr>
             <a:r>
-              <a:rPr lang="en-US" altLang="ug-CN" sz="2400">
+              <a:rPr lang="en-US" altLang="ug-CN" sz="2400" dirty="0">
                 <a:latin typeface="Ubuntu" panose="020B0504030602030204" charset="0"/>
                 <a:cs typeface="Ubuntu" panose="020B0504030602030204" charset="0"/>
               </a:rPr>
@@ -10653,14 +11564,14 @@
               <a:buNone/>
             </a:pPr>
             <a:r>
-              <a:rPr lang="ug-CN" altLang="en-US" sz="2400">
+              <a:rPr lang="ug-CN" altLang="en-US" sz="2400" dirty="0">
                 <a:latin typeface="Ubuntu" panose="020B0504030602030204" charset="0"/>
                 <a:cs typeface="Ubuntu" panose="020B0504030602030204" charset="0"/>
               </a:rPr>
               <a:t>		   </a:t>
             </a:r>
             <a:r>
-              <a:rPr lang="en-US" altLang="ug-CN" sz="2400">
+              <a:rPr lang="en-US" altLang="ug-CN" sz="2400" dirty="0">
                 <a:latin typeface="Ubuntu" panose="020B0504030602030204" charset="0"/>
                 <a:cs typeface="Ubuntu" panose="020B0504030602030204" charset="0"/>
               </a:rPr>
@@ -10672,14 +11583,14 @@
               <a:buNone/>
             </a:pPr>
             <a:r>
-              <a:rPr lang="ug-CN" altLang="en-US" sz="2400">
+              <a:rPr lang="ug-CN" altLang="en-US" sz="2400" dirty="0">
                 <a:latin typeface="Ubuntu" panose="020B0504030602030204" charset="0"/>
                 <a:cs typeface="Ubuntu" panose="020B0504030602030204" charset="0"/>
               </a:rPr>
               <a:t>		   </a:t>
             </a:r>
             <a:r>
-              <a:rPr lang="en-US" altLang="ug-CN" sz="2400">
+              <a:rPr lang="en-US" altLang="ug-CN" sz="2400" dirty="0">
                 <a:latin typeface="Ubuntu" panose="020B0504030602030204" charset="0"/>
                 <a:cs typeface="Ubuntu" panose="020B0504030602030204" charset="0"/>
               </a:rPr>
@@ -10691,14 +11602,14 @@
               <a:buNone/>
             </a:pPr>
             <a:r>
-              <a:rPr lang="ug-CN" altLang="en-US" sz="2400">
+              <a:rPr lang="ug-CN" altLang="en-US" sz="2400" dirty="0">
                 <a:latin typeface="Ubuntu" panose="020B0504030602030204" charset="0"/>
                 <a:cs typeface="Ubuntu" panose="020B0504030602030204" charset="0"/>
               </a:rPr>
               <a:t>		   </a:t>
             </a:r>
             <a:r>
-              <a:rPr lang="en-US" altLang="ug-CN" sz="2400">
+              <a:rPr lang="en-US" altLang="ug-CN" sz="2400" dirty="0">
                 <a:latin typeface="Ubuntu" panose="020B0504030602030204" charset="0"/>
                 <a:cs typeface="Ubuntu" panose="020B0504030602030204" charset="0"/>
               </a:rPr>
@@ -10710,14 +11621,14 @@
               <a:buNone/>
             </a:pPr>
             <a:r>
-              <a:rPr lang="ug-CN" altLang="en-US" sz="2400">
+              <a:rPr lang="ug-CN" altLang="en-US" sz="2400" dirty="0">
                 <a:latin typeface="Ubuntu" panose="020B0504030602030204" charset="0"/>
                 <a:cs typeface="Ubuntu" panose="020B0504030602030204" charset="0"/>
               </a:rPr>
               <a:t>		   </a:t>
             </a:r>
             <a:r>
-              <a:rPr lang="en-US" altLang="ug-CN" sz="2400">
+              <a:rPr lang="en-US" altLang="ug-CN" sz="2400" dirty="0">
                 <a:latin typeface="Ubuntu" panose="020B0504030602030204" charset="0"/>
                 <a:cs typeface="Ubuntu" panose="020B0504030602030204" charset="0"/>
               </a:rPr>
@@ -10729,14 +11640,14 @@
               <a:buNone/>
             </a:pPr>
             <a:r>
-              <a:rPr lang="ug-CN" altLang="en-US" sz="2400">
+              <a:rPr lang="ug-CN" altLang="en-US" sz="2400" dirty="0">
                 <a:latin typeface="Ubuntu" panose="020B0504030602030204" charset="0"/>
                 <a:cs typeface="Ubuntu" panose="020B0504030602030204" charset="0"/>
               </a:rPr>
               <a:t>		   </a:t>
             </a:r>
             <a:r>
-              <a:rPr lang="en-US" altLang="ug-CN" sz="2400">
+              <a:rPr lang="en-US" altLang="ug-CN" sz="2400" dirty="0">
                 <a:latin typeface="Ubuntu" panose="020B0504030602030204" charset="0"/>
                 <a:cs typeface="Ubuntu" panose="020B0504030602030204" charset="0"/>
               </a:rPr>
@@ -10748,14 +11659,14 @@
               <a:buNone/>
             </a:pPr>
             <a:r>
-              <a:rPr lang="ug-CN" altLang="en-US" sz="2400">
+              <a:rPr lang="ug-CN" altLang="en-US" sz="2400" dirty="0">
                 <a:latin typeface="Ubuntu" panose="020B0504030602030204" charset="0"/>
                 <a:cs typeface="Ubuntu" panose="020B0504030602030204" charset="0"/>
               </a:rPr>
               <a:t>                             </a:t>
             </a:r>
             <a:r>
-              <a:rPr lang="en-US" altLang="ug-CN" sz="2400">
+              <a:rPr lang="en-US" altLang="ug-CN" sz="2400" dirty="0">
                 <a:latin typeface="Ubuntu" panose="020B0504030602030204" charset="0"/>
                 <a:cs typeface="Ubuntu" panose="020B0504030602030204" charset="0"/>
               </a:rPr>
@@ -10793,6 +11704,488 @@
   <p:clrMapOvr>
     <a:masterClrMapping/>
   </p:clrMapOvr>
+  <mc:AlternateContent xmlns:mc="http://schemas.openxmlformats.org/markup-compatibility/2006">
+    <mc:Choice xmlns:p159="http://schemas.microsoft.com/office/powerpoint/2015/09/main" Requires="p159">
+      <p:transition xmlns:p14="http://schemas.microsoft.com/office/powerpoint/2010/main" spd="slow" p14:dur="2000">
+        <p159:morph option="byObject"/>
+      </p:transition>
+    </mc:Choice>
+    <mc:Fallback>
+      <p:transition spd="slow">
+        <p:fade/>
+      </p:transition>
+    </mc:Fallback>
+  </mc:AlternateContent>
+  <p:timing>
+    <p:tnLst>
+      <p:par>
+        <p:cTn id="1" dur="indefinite" restart="never" nodeType="tmRoot">
+          <p:childTnLst>
+            <p:seq concurrent="1" nextAc="seek">
+              <p:cTn id="2" dur="indefinite" nodeType="mainSeq">
+                <p:childTnLst>
+                  <p:par>
+                    <p:cTn id="3" fill="hold">
+                      <p:stCondLst>
+                        <p:cond delay="indefinite"/>
+                      </p:stCondLst>
+                      <p:childTnLst>
+                        <p:par>
+                          <p:cTn id="4" fill="hold">
+                            <p:stCondLst>
+                              <p:cond delay="0"/>
+                            </p:stCondLst>
+                            <p:childTnLst>
+                              <p:par>
+                                <p:cTn id="5" presetID="1" presetClass="entr" presetSubtype="0" fill="hold" grpId="0" nodeType="clickEffect">
+                                  <p:stCondLst>
+                                    <p:cond delay="0"/>
+                                  </p:stCondLst>
+                                  <p:childTnLst>
+                                    <p:set>
+                                      <p:cBhvr>
+                                        <p:cTn id="6" dur="1" fill="hold">
+                                          <p:stCondLst>
+                                            <p:cond delay="0"/>
+                                          </p:stCondLst>
+                                        </p:cTn>
+                                        <p:tgtEl>
+                                          <p:spTgt spid="3">
+                                            <p:txEl>
+                                              <p:pRg st="0" end="0"/>
+                                            </p:txEl>
+                                          </p:spTgt>
+                                        </p:tgtEl>
+                                        <p:attrNameLst>
+                                          <p:attrName>style.visibility</p:attrName>
+                                        </p:attrNameLst>
+                                      </p:cBhvr>
+                                      <p:to>
+                                        <p:strVal val="visible"/>
+                                      </p:to>
+                                    </p:set>
+                                  </p:childTnLst>
+                                </p:cTn>
+                              </p:par>
+                            </p:childTnLst>
+                          </p:cTn>
+                        </p:par>
+                      </p:childTnLst>
+                    </p:cTn>
+                  </p:par>
+                  <p:par>
+                    <p:cTn id="7" fill="hold">
+                      <p:stCondLst>
+                        <p:cond delay="indefinite"/>
+                      </p:stCondLst>
+                      <p:childTnLst>
+                        <p:par>
+                          <p:cTn id="8" fill="hold">
+                            <p:stCondLst>
+                              <p:cond delay="0"/>
+                            </p:stCondLst>
+                            <p:childTnLst>
+                              <p:par>
+                                <p:cTn id="9" presetID="1" presetClass="entr" presetSubtype="0" fill="hold" grpId="0" nodeType="clickEffect">
+                                  <p:stCondLst>
+                                    <p:cond delay="0"/>
+                                  </p:stCondLst>
+                                  <p:childTnLst>
+                                    <p:set>
+                                      <p:cBhvr>
+                                        <p:cTn id="10" dur="1" fill="hold">
+                                          <p:stCondLst>
+                                            <p:cond delay="0"/>
+                                          </p:stCondLst>
+                                        </p:cTn>
+                                        <p:tgtEl>
+                                          <p:spTgt spid="3">
+                                            <p:txEl>
+                                              <p:pRg st="2" end="2"/>
+                                            </p:txEl>
+                                          </p:spTgt>
+                                        </p:tgtEl>
+                                        <p:attrNameLst>
+                                          <p:attrName>style.visibility</p:attrName>
+                                        </p:attrNameLst>
+                                      </p:cBhvr>
+                                      <p:to>
+                                        <p:strVal val="visible"/>
+                                      </p:to>
+                                    </p:set>
+                                  </p:childTnLst>
+                                </p:cTn>
+                              </p:par>
+                            </p:childTnLst>
+                          </p:cTn>
+                        </p:par>
+                      </p:childTnLst>
+                    </p:cTn>
+                  </p:par>
+                  <p:par>
+                    <p:cTn id="11" fill="hold">
+                      <p:stCondLst>
+                        <p:cond delay="indefinite"/>
+                      </p:stCondLst>
+                      <p:childTnLst>
+                        <p:par>
+                          <p:cTn id="12" fill="hold">
+                            <p:stCondLst>
+                              <p:cond delay="0"/>
+                            </p:stCondLst>
+                            <p:childTnLst>
+                              <p:par>
+                                <p:cTn id="13" presetID="1" presetClass="entr" presetSubtype="0" fill="hold" grpId="0" nodeType="clickEffect">
+                                  <p:stCondLst>
+                                    <p:cond delay="0"/>
+                                  </p:stCondLst>
+                                  <p:childTnLst>
+                                    <p:set>
+                                      <p:cBhvr>
+                                        <p:cTn id="14" dur="1" fill="hold">
+                                          <p:stCondLst>
+                                            <p:cond delay="0"/>
+                                          </p:stCondLst>
+                                        </p:cTn>
+                                        <p:tgtEl>
+                                          <p:spTgt spid="3">
+                                            <p:txEl>
+                                              <p:pRg st="3" end="3"/>
+                                            </p:txEl>
+                                          </p:spTgt>
+                                        </p:tgtEl>
+                                        <p:attrNameLst>
+                                          <p:attrName>style.visibility</p:attrName>
+                                        </p:attrNameLst>
+                                      </p:cBhvr>
+                                      <p:to>
+                                        <p:strVal val="visible"/>
+                                      </p:to>
+                                    </p:set>
+                                  </p:childTnLst>
+                                </p:cTn>
+                              </p:par>
+                            </p:childTnLst>
+                          </p:cTn>
+                        </p:par>
+                      </p:childTnLst>
+                    </p:cTn>
+                  </p:par>
+                  <p:par>
+                    <p:cTn id="15" fill="hold">
+                      <p:stCondLst>
+                        <p:cond delay="indefinite"/>
+                      </p:stCondLst>
+                      <p:childTnLst>
+                        <p:par>
+                          <p:cTn id="16" fill="hold">
+                            <p:stCondLst>
+                              <p:cond delay="0"/>
+                            </p:stCondLst>
+                            <p:childTnLst>
+                              <p:par>
+                                <p:cTn id="17" presetID="1" presetClass="entr" presetSubtype="0" fill="hold" grpId="0" nodeType="clickEffect">
+                                  <p:stCondLst>
+                                    <p:cond delay="0"/>
+                                  </p:stCondLst>
+                                  <p:childTnLst>
+                                    <p:set>
+                                      <p:cBhvr>
+                                        <p:cTn id="18" dur="1" fill="hold">
+                                          <p:stCondLst>
+                                            <p:cond delay="0"/>
+                                          </p:stCondLst>
+                                        </p:cTn>
+                                        <p:tgtEl>
+                                          <p:spTgt spid="3">
+                                            <p:txEl>
+                                              <p:pRg st="4" end="4"/>
+                                            </p:txEl>
+                                          </p:spTgt>
+                                        </p:tgtEl>
+                                        <p:attrNameLst>
+                                          <p:attrName>style.visibility</p:attrName>
+                                        </p:attrNameLst>
+                                      </p:cBhvr>
+                                      <p:to>
+                                        <p:strVal val="visible"/>
+                                      </p:to>
+                                    </p:set>
+                                  </p:childTnLst>
+                                </p:cTn>
+                              </p:par>
+                            </p:childTnLst>
+                          </p:cTn>
+                        </p:par>
+                      </p:childTnLst>
+                    </p:cTn>
+                  </p:par>
+                  <p:par>
+                    <p:cTn id="19" fill="hold">
+                      <p:stCondLst>
+                        <p:cond delay="indefinite"/>
+                      </p:stCondLst>
+                      <p:childTnLst>
+                        <p:par>
+                          <p:cTn id="20" fill="hold">
+                            <p:stCondLst>
+                              <p:cond delay="0"/>
+                            </p:stCondLst>
+                            <p:childTnLst>
+                              <p:par>
+                                <p:cTn id="21" presetID="1" presetClass="entr" presetSubtype="0" fill="hold" grpId="0" nodeType="clickEffect">
+                                  <p:stCondLst>
+                                    <p:cond delay="0"/>
+                                  </p:stCondLst>
+                                  <p:childTnLst>
+                                    <p:set>
+                                      <p:cBhvr>
+                                        <p:cTn id="22" dur="1" fill="hold">
+                                          <p:stCondLst>
+                                            <p:cond delay="0"/>
+                                          </p:stCondLst>
+                                        </p:cTn>
+                                        <p:tgtEl>
+                                          <p:spTgt spid="3">
+                                            <p:txEl>
+                                              <p:pRg st="5" end="5"/>
+                                            </p:txEl>
+                                          </p:spTgt>
+                                        </p:tgtEl>
+                                        <p:attrNameLst>
+                                          <p:attrName>style.visibility</p:attrName>
+                                        </p:attrNameLst>
+                                      </p:cBhvr>
+                                      <p:to>
+                                        <p:strVal val="visible"/>
+                                      </p:to>
+                                    </p:set>
+                                  </p:childTnLst>
+                                </p:cTn>
+                              </p:par>
+                            </p:childTnLst>
+                          </p:cTn>
+                        </p:par>
+                      </p:childTnLst>
+                    </p:cTn>
+                  </p:par>
+                  <p:par>
+                    <p:cTn id="23" fill="hold">
+                      <p:stCondLst>
+                        <p:cond delay="indefinite"/>
+                      </p:stCondLst>
+                      <p:childTnLst>
+                        <p:par>
+                          <p:cTn id="24" fill="hold">
+                            <p:stCondLst>
+                              <p:cond delay="0"/>
+                            </p:stCondLst>
+                            <p:childTnLst>
+                              <p:par>
+                                <p:cTn id="25" presetID="1" presetClass="entr" presetSubtype="0" fill="hold" grpId="0" nodeType="clickEffect">
+                                  <p:stCondLst>
+                                    <p:cond delay="0"/>
+                                  </p:stCondLst>
+                                  <p:childTnLst>
+                                    <p:set>
+                                      <p:cBhvr>
+                                        <p:cTn id="26" dur="1" fill="hold">
+                                          <p:stCondLst>
+                                            <p:cond delay="0"/>
+                                          </p:stCondLst>
+                                        </p:cTn>
+                                        <p:tgtEl>
+                                          <p:spTgt spid="3">
+                                            <p:txEl>
+                                              <p:pRg st="6" end="6"/>
+                                            </p:txEl>
+                                          </p:spTgt>
+                                        </p:tgtEl>
+                                        <p:attrNameLst>
+                                          <p:attrName>style.visibility</p:attrName>
+                                        </p:attrNameLst>
+                                      </p:cBhvr>
+                                      <p:to>
+                                        <p:strVal val="visible"/>
+                                      </p:to>
+                                    </p:set>
+                                  </p:childTnLst>
+                                </p:cTn>
+                              </p:par>
+                            </p:childTnLst>
+                          </p:cTn>
+                        </p:par>
+                      </p:childTnLst>
+                    </p:cTn>
+                  </p:par>
+                  <p:par>
+                    <p:cTn id="27" fill="hold">
+                      <p:stCondLst>
+                        <p:cond delay="indefinite"/>
+                      </p:stCondLst>
+                      <p:childTnLst>
+                        <p:par>
+                          <p:cTn id="28" fill="hold">
+                            <p:stCondLst>
+                              <p:cond delay="0"/>
+                            </p:stCondLst>
+                            <p:childTnLst>
+                              <p:par>
+                                <p:cTn id="29" presetID="1" presetClass="entr" presetSubtype="0" fill="hold" grpId="0" nodeType="clickEffect">
+                                  <p:stCondLst>
+                                    <p:cond delay="0"/>
+                                  </p:stCondLst>
+                                  <p:childTnLst>
+                                    <p:set>
+                                      <p:cBhvr>
+                                        <p:cTn id="30" dur="1" fill="hold">
+                                          <p:stCondLst>
+                                            <p:cond delay="0"/>
+                                          </p:stCondLst>
+                                        </p:cTn>
+                                        <p:tgtEl>
+                                          <p:spTgt spid="3">
+                                            <p:txEl>
+                                              <p:pRg st="7" end="7"/>
+                                            </p:txEl>
+                                          </p:spTgt>
+                                        </p:tgtEl>
+                                        <p:attrNameLst>
+                                          <p:attrName>style.visibility</p:attrName>
+                                        </p:attrNameLst>
+                                      </p:cBhvr>
+                                      <p:to>
+                                        <p:strVal val="visible"/>
+                                      </p:to>
+                                    </p:set>
+                                  </p:childTnLst>
+                                </p:cTn>
+                              </p:par>
+                            </p:childTnLst>
+                          </p:cTn>
+                        </p:par>
+                      </p:childTnLst>
+                    </p:cTn>
+                  </p:par>
+                  <p:par>
+                    <p:cTn id="31" fill="hold">
+                      <p:stCondLst>
+                        <p:cond delay="indefinite"/>
+                      </p:stCondLst>
+                      <p:childTnLst>
+                        <p:par>
+                          <p:cTn id="32" fill="hold">
+                            <p:stCondLst>
+                              <p:cond delay="0"/>
+                            </p:stCondLst>
+                            <p:childTnLst>
+                              <p:par>
+                                <p:cTn id="33" presetID="1" presetClass="entr" presetSubtype="0" fill="hold" grpId="0" nodeType="clickEffect">
+                                  <p:stCondLst>
+                                    <p:cond delay="0"/>
+                                  </p:stCondLst>
+                                  <p:childTnLst>
+                                    <p:set>
+                                      <p:cBhvr>
+                                        <p:cTn id="34" dur="1" fill="hold">
+                                          <p:stCondLst>
+                                            <p:cond delay="0"/>
+                                          </p:stCondLst>
+                                        </p:cTn>
+                                        <p:tgtEl>
+                                          <p:spTgt spid="3">
+                                            <p:txEl>
+                                              <p:pRg st="8" end="8"/>
+                                            </p:txEl>
+                                          </p:spTgt>
+                                        </p:tgtEl>
+                                        <p:attrNameLst>
+                                          <p:attrName>style.visibility</p:attrName>
+                                        </p:attrNameLst>
+                                      </p:cBhvr>
+                                      <p:to>
+                                        <p:strVal val="visible"/>
+                                      </p:to>
+                                    </p:set>
+                                  </p:childTnLst>
+                                </p:cTn>
+                              </p:par>
+                            </p:childTnLst>
+                          </p:cTn>
+                        </p:par>
+                      </p:childTnLst>
+                    </p:cTn>
+                  </p:par>
+                  <p:par>
+                    <p:cTn id="35" fill="hold">
+                      <p:stCondLst>
+                        <p:cond delay="indefinite"/>
+                      </p:stCondLst>
+                      <p:childTnLst>
+                        <p:par>
+                          <p:cTn id="36" fill="hold">
+                            <p:stCondLst>
+                              <p:cond delay="0"/>
+                            </p:stCondLst>
+                            <p:childTnLst>
+                              <p:par>
+                                <p:cTn id="37" presetID="1" presetClass="entr" presetSubtype="0" fill="hold" nodeType="clickEffect">
+                                  <p:stCondLst>
+                                    <p:cond delay="0"/>
+                                  </p:stCondLst>
+                                  <p:childTnLst>
+                                    <p:set>
+                                      <p:cBhvr>
+                                        <p:cTn id="38" dur="1" fill="hold">
+                                          <p:stCondLst>
+                                            <p:cond delay="0"/>
+                                          </p:stCondLst>
+                                        </p:cTn>
+                                        <p:tgtEl>
+                                          <p:spTgt spid="4"/>
+                                        </p:tgtEl>
+                                        <p:attrNameLst>
+                                          <p:attrName>style.visibility</p:attrName>
+                                        </p:attrNameLst>
+                                      </p:cBhvr>
+                                      <p:to>
+                                        <p:strVal val="visible"/>
+                                      </p:to>
+                                    </p:set>
+                                  </p:childTnLst>
+                                </p:cTn>
+                              </p:par>
+                            </p:childTnLst>
+                          </p:cTn>
+                        </p:par>
+                      </p:childTnLst>
+                    </p:cTn>
+                  </p:par>
+                </p:childTnLst>
+              </p:cTn>
+              <p:prevCondLst>
+                <p:cond evt="onPrev" delay="0">
+                  <p:tgtEl>
+                    <p:sldTgt/>
+                  </p:tgtEl>
+                </p:cond>
+              </p:prevCondLst>
+              <p:nextCondLst>
+                <p:cond evt="onNext" delay="0">
+                  <p:tgtEl>
+                    <p:sldTgt/>
+                  </p:tgtEl>
+                </p:cond>
+              </p:nextCondLst>
+            </p:seq>
+          </p:childTnLst>
+        </p:cTn>
+      </p:par>
+    </p:tnLst>
+    <p:bldLst>
+      <p:bldP spid="3" grpId="0" build="p"/>
+    </p:bldLst>
+  </p:timing>
 </p:sld>
 </file>
 
@@ -10856,17 +12249,17 @@
           <a:p>
             <a:pPr algn="l"/>
             <a:r>
-              <a:rPr lang="en-US" sz="2400">
+              <a:rPr lang="en-US" sz="2400" dirty="0">
                 <a:latin typeface="Ubuntu" panose="020B0504030602030204" charset="0"/>
                 <a:cs typeface="Ubuntu" panose="020B0504030602030204" charset="0"/>
               </a:rPr>
-              <a:t>Machine learning involves computation and statistics, but has not (traditionally) been very concerned about answering scientific questions.</a:t>
+              <a:t>Machine learning involves computation and statistics but has not (traditionally) been very concerned about answering scientific questions.</a:t>
             </a:r>
           </a:p>
           <a:p>
             <a:pPr algn="l"/>
             <a:r>
-              <a:rPr lang="en-US" sz="2400">
+              <a:rPr lang="en-US" sz="2400" dirty="0">
                 <a:latin typeface="Ubuntu" panose="020B0504030602030204" charset="0"/>
                 <a:cs typeface="Ubuntu" panose="020B0504030602030204" charset="0"/>
               </a:rPr>
@@ -10876,7 +12269,7 @@
           <a:p>
             <a:pPr algn="l"/>
             <a:r>
-              <a:rPr lang="en-US" sz="2400">
+              <a:rPr lang="en-US" sz="2400" dirty="0">
                 <a:latin typeface="Ubuntu" panose="020B0504030602030204" charset="0"/>
                 <a:cs typeface="Ubuntu" panose="020B0504030602030204" charset="0"/>
               </a:rPr>
@@ -10890,6 +12283,198 @@
   <p:clrMapOvr>
     <a:masterClrMapping/>
   </p:clrMapOvr>
+  <mc:AlternateContent xmlns:mc="http://schemas.openxmlformats.org/markup-compatibility/2006">
+    <mc:Choice xmlns:p159="http://schemas.microsoft.com/office/powerpoint/2015/09/main" Requires="p159">
+      <p:transition xmlns:p14="http://schemas.microsoft.com/office/powerpoint/2010/main" spd="slow" p14:dur="2000">
+        <p159:morph option="byObject"/>
+      </p:transition>
+    </mc:Choice>
+    <mc:Fallback>
+      <p:transition spd="slow">
+        <p:fade/>
+      </p:transition>
+    </mc:Fallback>
+  </mc:AlternateContent>
+  <p:timing>
+    <p:tnLst>
+      <p:par>
+        <p:cTn id="1" dur="indefinite" restart="never" nodeType="tmRoot">
+          <p:childTnLst>
+            <p:seq concurrent="1" nextAc="seek">
+              <p:cTn id="2" dur="indefinite" nodeType="mainSeq">
+                <p:childTnLst>
+                  <p:par>
+                    <p:cTn id="3" fill="hold">
+                      <p:stCondLst>
+                        <p:cond delay="indefinite"/>
+                      </p:stCondLst>
+                      <p:childTnLst>
+                        <p:par>
+                          <p:cTn id="4" fill="hold">
+                            <p:stCondLst>
+                              <p:cond delay="0"/>
+                            </p:stCondLst>
+                            <p:childTnLst>
+                              <p:par>
+                                <p:cTn id="5" presetID="1" presetClass="entr" presetSubtype="0" fill="hold" grpId="0" nodeType="clickEffect">
+                                  <p:stCondLst>
+                                    <p:cond delay="0"/>
+                                  </p:stCondLst>
+                                  <p:childTnLst>
+                                    <p:set>
+                                      <p:cBhvr>
+                                        <p:cTn id="6" dur="1" fill="hold">
+                                          <p:stCondLst>
+                                            <p:cond delay="0"/>
+                                          </p:stCondLst>
+                                        </p:cTn>
+                                        <p:tgtEl>
+                                          <p:spTgt spid="3">
+                                            <p:txEl>
+                                              <p:pRg st="0" end="0"/>
+                                            </p:txEl>
+                                          </p:spTgt>
+                                        </p:tgtEl>
+                                        <p:attrNameLst>
+                                          <p:attrName>style.visibility</p:attrName>
+                                        </p:attrNameLst>
+                                      </p:cBhvr>
+                                      <p:to>
+                                        <p:strVal val="visible"/>
+                                      </p:to>
+                                    </p:set>
+                                  </p:childTnLst>
+                                </p:cTn>
+                              </p:par>
+                            </p:childTnLst>
+                          </p:cTn>
+                        </p:par>
+                      </p:childTnLst>
+                    </p:cTn>
+                  </p:par>
+                  <p:par>
+                    <p:cTn id="7" fill="hold">
+                      <p:stCondLst>
+                        <p:cond delay="indefinite"/>
+                      </p:stCondLst>
+                      <p:childTnLst>
+                        <p:par>
+                          <p:cTn id="8" fill="hold">
+                            <p:stCondLst>
+                              <p:cond delay="0"/>
+                            </p:stCondLst>
+                            <p:childTnLst>
+                              <p:par>
+                                <p:cTn id="9" presetID="1" presetClass="entr" presetSubtype="0" fill="hold" grpId="0" nodeType="clickEffect">
+                                  <p:stCondLst>
+                                    <p:cond delay="0"/>
+                                  </p:stCondLst>
+                                  <p:childTnLst>
+                                    <p:set>
+                                      <p:cBhvr>
+                                        <p:cTn id="10" dur="1" fill="hold">
+                                          <p:stCondLst>
+                                            <p:cond delay="0"/>
+                                          </p:stCondLst>
+                                        </p:cTn>
+                                        <p:tgtEl>
+                                          <p:spTgt spid="3">
+                                            <p:txEl>
+                                              <p:pRg st="1" end="1"/>
+                                            </p:txEl>
+                                          </p:spTgt>
+                                        </p:tgtEl>
+                                        <p:attrNameLst>
+                                          <p:attrName>style.visibility</p:attrName>
+                                        </p:attrNameLst>
+                                      </p:cBhvr>
+                                      <p:to>
+                                        <p:strVal val="visible"/>
+                                      </p:to>
+                                    </p:set>
+                                  </p:childTnLst>
+                                </p:cTn>
+                              </p:par>
+                            </p:childTnLst>
+                          </p:cTn>
+                        </p:par>
+                      </p:childTnLst>
+                    </p:cTn>
+                  </p:par>
+                  <p:par>
+                    <p:cTn id="11" fill="hold">
+                      <p:stCondLst>
+                        <p:cond delay="indefinite"/>
+                      </p:stCondLst>
+                      <p:childTnLst>
+                        <p:par>
+                          <p:cTn id="12" fill="hold">
+                            <p:stCondLst>
+                              <p:cond delay="0"/>
+                            </p:stCondLst>
+                            <p:childTnLst>
+                              <p:par>
+                                <p:cTn id="13" presetID="1" presetClass="entr" presetSubtype="0" fill="hold" grpId="0" nodeType="clickEffect">
+                                  <p:stCondLst>
+                                    <p:cond delay="0"/>
+                                  </p:stCondLst>
+                                  <p:childTnLst>
+                                    <p:set>
+                                      <p:cBhvr>
+                                        <p:cTn id="14" dur="1" fill="hold">
+                                          <p:stCondLst>
+                                            <p:cond delay="0"/>
+                                          </p:stCondLst>
+                                        </p:cTn>
+                                        <p:tgtEl>
+                                          <p:spTgt spid="3">
+                                            <p:txEl>
+                                              <p:pRg st="2" end="2"/>
+                                            </p:txEl>
+                                          </p:spTgt>
+                                        </p:tgtEl>
+                                        <p:attrNameLst>
+                                          <p:attrName>style.visibility</p:attrName>
+                                        </p:attrNameLst>
+                                      </p:cBhvr>
+                                      <p:to>
+                                        <p:strVal val="visible"/>
+                                      </p:to>
+                                    </p:set>
+                                  </p:childTnLst>
+                                </p:cTn>
+                              </p:par>
+                            </p:childTnLst>
+                          </p:cTn>
+                        </p:par>
+                      </p:childTnLst>
+                    </p:cTn>
+                  </p:par>
+                </p:childTnLst>
+              </p:cTn>
+              <p:prevCondLst>
+                <p:cond evt="onPrev" delay="0">
+                  <p:tgtEl>
+                    <p:sldTgt/>
+                  </p:tgtEl>
+                </p:cond>
+              </p:prevCondLst>
+              <p:nextCondLst>
+                <p:cond evt="onNext" delay="0">
+                  <p:tgtEl>
+                    <p:sldTgt/>
+                  </p:tgtEl>
+                </p:cond>
+              </p:nextCondLst>
+            </p:seq>
+          </p:childTnLst>
+        </p:cTn>
+      </p:par>
+    </p:tnLst>
+    <p:bldLst>
+      <p:bldP spid="3" grpId="0" build="p"/>
+    </p:bldLst>
+  </p:timing>
 </p:sld>
 </file>
 
@@ -10958,7 +12543,7 @@
           <a:p>
             <a:pPr algn="l"/>
             <a:r>
-              <a:rPr lang="en-US" sz="2400">
+              <a:rPr lang="en-US" sz="2400" dirty="0">
                 <a:latin typeface="Ubuntu" panose="020B0504030602030204" charset="0"/>
                 <a:cs typeface="Ubuntu" panose="020B0504030602030204" charset="0"/>
               </a:rPr>
@@ -10968,7 +12553,7 @@
           <a:p>
             <a:pPr algn="l"/>
             <a:r>
-              <a:rPr lang="en-US" sz="2400">
+              <a:rPr lang="en-US" sz="2400" dirty="0">
                 <a:latin typeface="Ubuntu" panose="020B0504030602030204" charset="0"/>
                 <a:cs typeface="Ubuntu" panose="020B0504030602030204" charset="0"/>
               </a:rPr>
@@ -10978,7 +12563,7 @@
           <a:p>
             <a:pPr algn="l"/>
             <a:r>
-              <a:rPr lang="en-US" sz="2400">
+              <a:rPr lang="en-US" sz="2400" dirty="0">
                 <a:latin typeface="Ubuntu" panose="020B0504030602030204" charset="0"/>
                 <a:cs typeface="Ubuntu" panose="020B0504030602030204" charset="0"/>
               </a:rPr>
@@ -11016,6 +12601,198 @@
   <p:clrMapOvr>
     <a:masterClrMapping/>
   </p:clrMapOvr>
+  <mc:AlternateContent xmlns:mc="http://schemas.openxmlformats.org/markup-compatibility/2006">
+    <mc:Choice xmlns:p159="http://schemas.microsoft.com/office/powerpoint/2015/09/main" Requires="p159">
+      <p:transition xmlns:p14="http://schemas.microsoft.com/office/powerpoint/2010/main" spd="slow" p14:dur="2000">
+        <p159:morph option="byObject"/>
+      </p:transition>
+    </mc:Choice>
+    <mc:Fallback>
+      <p:transition spd="slow">
+        <p:fade/>
+      </p:transition>
+    </mc:Fallback>
+  </mc:AlternateContent>
+  <p:timing>
+    <p:tnLst>
+      <p:par>
+        <p:cTn id="1" dur="indefinite" restart="never" nodeType="tmRoot">
+          <p:childTnLst>
+            <p:seq concurrent="1" nextAc="seek">
+              <p:cTn id="2" dur="indefinite" nodeType="mainSeq">
+                <p:childTnLst>
+                  <p:par>
+                    <p:cTn id="3" fill="hold">
+                      <p:stCondLst>
+                        <p:cond delay="indefinite"/>
+                      </p:stCondLst>
+                      <p:childTnLst>
+                        <p:par>
+                          <p:cTn id="4" fill="hold">
+                            <p:stCondLst>
+                              <p:cond delay="0"/>
+                            </p:stCondLst>
+                            <p:childTnLst>
+                              <p:par>
+                                <p:cTn id="5" presetID="1" presetClass="entr" presetSubtype="0" fill="hold" grpId="0" nodeType="clickEffect">
+                                  <p:stCondLst>
+                                    <p:cond delay="0"/>
+                                  </p:stCondLst>
+                                  <p:childTnLst>
+                                    <p:set>
+                                      <p:cBhvr>
+                                        <p:cTn id="6" dur="1" fill="hold">
+                                          <p:stCondLst>
+                                            <p:cond delay="0"/>
+                                          </p:stCondLst>
+                                        </p:cTn>
+                                        <p:tgtEl>
+                                          <p:spTgt spid="3">
+                                            <p:txEl>
+                                              <p:pRg st="0" end="0"/>
+                                            </p:txEl>
+                                          </p:spTgt>
+                                        </p:tgtEl>
+                                        <p:attrNameLst>
+                                          <p:attrName>style.visibility</p:attrName>
+                                        </p:attrNameLst>
+                                      </p:cBhvr>
+                                      <p:to>
+                                        <p:strVal val="visible"/>
+                                      </p:to>
+                                    </p:set>
+                                  </p:childTnLst>
+                                </p:cTn>
+                              </p:par>
+                            </p:childTnLst>
+                          </p:cTn>
+                        </p:par>
+                      </p:childTnLst>
+                    </p:cTn>
+                  </p:par>
+                  <p:par>
+                    <p:cTn id="7" fill="hold">
+                      <p:stCondLst>
+                        <p:cond delay="indefinite"/>
+                      </p:stCondLst>
+                      <p:childTnLst>
+                        <p:par>
+                          <p:cTn id="8" fill="hold">
+                            <p:stCondLst>
+                              <p:cond delay="0"/>
+                            </p:stCondLst>
+                            <p:childTnLst>
+                              <p:par>
+                                <p:cTn id="9" presetID="1" presetClass="entr" presetSubtype="0" fill="hold" grpId="0" nodeType="clickEffect">
+                                  <p:stCondLst>
+                                    <p:cond delay="0"/>
+                                  </p:stCondLst>
+                                  <p:childTnLst>
+                                    <p:set>
+                                      <p:cBhvr>
+                                        <p:cTn id="10" dur="1" fill="hold">
+                                          <p:stCondLst>
+                                            <p:cond delay="0"/>
+                                          </p:stCondLst>
+                                        </p:cTn>
+                                        <p:tgtEl>
+                                          <p:spTgt spid="3">
+                                            <p:txEl>
+                                              <p:pRg st="1" end="1"/>
+                                            </p:txEl>
+                                          </p:spTgt>
+                                        </p:tgtEl>
+                                        <p:attrNameLst>
+                                          <p:attrName>style.visibility</p:attrName>
+                                        </p:attrNameLst>
+                                      </p:cBhvr>
+                                      <p:to>
+                                        <p:strVal val="visible"/>
+                                      </p:to>
+                                    </p:set>
+                                  </p:childTnLst>
+                                </p:cTn>
+                              </p:par>
+                            </p:childTnLst>
+                          </p:cTn>
+                        </p:par>
+                      </p:childTnLst>
+                    </p:cTn>
+                  </p:par>
+                  <p:par>
+                    <p:cTn id="11" fill="hold">
+                      <p:stCondLst>
+                        <p:cond delay="indefinite"/>
+                      </p:stCondLst>
+                      <p:childTnLst>
+                        <p:par>
+                          <p:cTn id="12" fill="hold">
+                            <p:stCondLst>
+                              <p:cond delay="0"/>
+                            </p:stCondLst>
+                            <p:childTnLst>
+                              <p:par>
+                                <p:cTn id="13" presetID="1" presetClass="entr" presetSubtype="0" fill="hold" grpId="0" nodeType="clickEffect">
+                                  <p:stCondLst>
+                                    <p:cond delay="0"/>
+                                  </p:stCondLst>
+                                  <p:childTnLst>
+                                    <p:set>
+                                      <p:cBhvr>
+                                        <p:cTn id="14" dur="1" fill="hold">
+                                          <p:stCondLst>
+                                            <p:cond delay="0"/>
+                                          </p:stCondLst>
+                                        </p:cTn>
+                                        <p:tgtEl>
+                                          <p:spTgt spid="3">
+                                            <p:txEl>
+                                              <p:pRg st="2" end="2"/>
+                                            </p:txEl>
+                                          </p:spTgt>
+                                        </p:tgtEl>
+                                        <p:attrNameLst>
+                                          <p:attrName>style.visibility</p:attrName>
+                                        </p:attrNameLst>
+                                      </p:cBhvr>
+                                      <p:to>
+                                        <p:strVal val="visible"/>
+                                      </p:to>
+                                    </p:set>
+                                  </p:childTnLst>
+                                </p:cTn>
+                              </p:par>
+                            </p:childTnLst>
+                          </p:cTn>
+                        </p:par>
+                      </p:childTnLst>
+                    </p:cTn>
+                  </p:par>
+                </p:childTnLst>
+              </p:cTn>
+              <p:prevCondLst>
+                <p:cond evt="onPrev" delay="0">
+                  <p:tgtEl>
+                    <p:sldTgt/>
+                  </p:tgtEl>
+                </p:cond>
+              </p:prevCondLst>
+              <p:nextCondLst>
+                <p:cond evt="onNext" delay="0">
+                  <p:tgtEl>
+                    <p:sldTgt/>
+                  </p:tgtEl>
+                </p:cond>
+              </p:nextCondLst>
+            </p:seq>
+          </p:childTnLst>
+        </p:cTn>
+      </p:par>
+    </p:tnLst>
+    <p:bldLst>
+      <p:bldP spid="3" grpId="0" build="p"/>
+    </p:bldLst>
+  </p:timing>
 </p:sld>
 </file>
 
@@ -11093,6 +12870,18 @@
   <p:clrMapOvr>
     <a:masterClrMapping/>
   </p:clrMapOvr>
+  <mc:AlternateContent xmlns:mc="http://schemas.openxmlformats.org/markup-compatibility/2006">
+    <mc:Choice xmlns:p159="http://schemas.microsoft.com/office/powerpoint/2015/09/main" Requires="p159">
+      <p:transition xmlns:p14="http://schemas.microsoft.com/office/powerpoint/2010/main" spd="slow" p14:dur="2000">
+        <p159:morph option="byObject"/>
+      </p:transition>
+    </mc:Choice>
+    <mc:Fallback>
+      <p:transition spd="slow">
+        <p:fade/>
+      </p:transition>
+    </mc:Fallback>
+  </mc:AlternateContent>
 </p:sld>
 </file>
 
